--- a/sql string functions.pptx
+++ b/sql string functions.pptx
@@ -6,16 +6,20 @@
   </p:sldMasterIdLst>
   <p:sldIdLst>
     <p:sldId id="256" r:id="rId2"/>
-    <p:sldId id="257" r:id="rId3"/>
-    <p:sldId id="258" r:id="rId4"/>
-    <p:sldId id="259" r:id="rId5"/>
-    <p:sldId id="260" r:id="rId6"/>
-    <p:sldId id="265" r:id="rId7"/>
-    <p:sldId id="264" r:id="rId8"/>
-    <p:sldId id="263" r:id="rId9"/>
-    <p:sldId id="262" r:id="rId10"/>
-    <p:sldId id="261" r:id="rId11"/>
-    <p:sldId id="266" r:id="rId12"/>
+    <p:sldId id="267" r:id="rId3"/>
+    <p:sldId id="268" r:id="rId4"/>
+    <p:sldId id="269" r:id="rId5"/>
+    <p:sldId id="270" r:id="rId6"/>
+    <p:sldId id="257" r:id="rId7"/>
+    <p:sldId id="258" r:id="rId8"/>
+    <p:sldId id="259" r:id="rId9"/>
+    <p:sldId id="260" r:id="rId10"/>
+    <p:sldId id="265" r:id="rId11"/>
+    <p:sldId id="264" r:id="rId12"/>
+    <p:sldId id="263" r:id="rId13"/>
+    <p:sldId id="262" r:id="rId14"/>
+    <p:sldId id="261" r:id="rId15"/>
+    <p:sldId id="266" r:id="rId16"/>
   </p:sldIdLst>
   <p:sldSz cx="9144000" cy="6858000" type="screen4x3"/>
   <p:notesSz cx="6858000" cy="9144000"/>
@@ -3292,11 +3296,7 @@
           <a:p>
             <a:r>
               <a:rPr lang="en-US" dirty="0" smtClean="0"/>
-              <a:t>UPPER</a:t>
-            </a:r>
-            <a:r>
-              <a:rPr lang="az-Latn-AZ" dirty="0" smtClean="0"/>
-              <a:t>()</a:t>
+              <a:t>SOUNDEX()</a:t>
             </a:r>
             <a:endParaRPr lang="en-US" dirty="0"/>
           </a:p>
@@ -3319,7 +3319,7 @@
           <a:p>
             <a:r>
               <a:rPr lang="en-US" dirty="0"/>
-              <a:t>UPPER ( </a:t>
+              <a:t>SOUNDEX ( </a:t>
             </a:r>
             <a:r>
               <a:rPr lang="en-US" dirty="0" err="1"/>
@@ -3327,27 +3327,124 @@
             </a:r>
             <a:r>
               <a:rPr lang="en-US" dirty="0"/>
+              <a:t> ) </a:t>
+            </a:r>
+            <a:endParaRPr lang="en-US" dirty="0" smtClean="0"/>
+          </a:p>
+          <a:p>
+            <a:r>
+              <a:rPr lang="en-US" dirty="0" smtClean="0"/>
+              <a:t>Returns </a:t>
+            </a:r>
+            <a:r>
+              <a:rPr lang="en-US" dirty="0"/>
+              <a:t>a four-character (SOUNDEX) code to evaluate the similarity of two strings.</a:t>
+            </a:r>
+          </a:p>
+          <a:p>
+            <a:r>
+              <a:rPr lang="en-US" dirty="0" err="1" smtClean="0"/>
+              <a:t>String</a:t>
+            </a:r>
+            <a:r>
+              <a:rPr lang="en-US" dirty="0" err="1"/>
+              <a:t>’</a:t>
+            </a:r>
+            <a:r>
+              <a:rPr lang="en-US" dirty="0" err="1" smtClean="0"/>
+              <a:t>in</a:t>
+            </a:r>
+            <a:r>
+              <a:rPr lang="en-US" dirty="0" smtClean="0"/>
               <a:t> </a:t>
             </a:r>
             <a:r>
-              <a:rPr lang="en-US" dirty="0" smtClean="0"/>
-              <a:t>)</a:t>
-            </a:r>
-          </a:p>
-          <a:p>
-            <a:r>
-              <a:rPr lang="en-US" dirty="0" smtClean="0"/>
-              <a:t>Returns </a:t>
-            </a:r>
-            <a:r>
-              <a:rPr lang="en-US" dirty="0"/>
-              <a:t>a character expression with lowercase character data converted to uppercase.</a:t>
-            </a:r>
-          </a:p>
-          <a:p>
-            <a:r>
-              <a:rPr lang="en-US" dirty="0" smtClean="0"/>
-              <a:t>H</a:t>
+              <a:rPr lang="en-US" dirty="0"/>
+              <a:t>4 </a:t>
+            </a:r>
+            <a:r>
+              <a:rPr lang="en-US" dirty="0" smtClean="0"/>
+              <a:t>r</a:t>
+            </a:r>
+            <a:r>
+              <a:rPr lang="az-Latn-AZ" dirty="0" smtClean="0"/>
+              <a:t>əqə</a:t>
+            </a:r>
+            <a:r>
+              <a:rPr lang="en-US" dirty="0" smtClean="0"/>
+              <a:t>mli </a:t>
+            </a:r>
+            <a:r>
+              <a:rPr lang="en-US" dirty="0"/>
+              <a:t>SOUNDEX </a:t>
+            </a:r>
+            <a:r>
+              <a:rPr lang="en-US" dirty="0" err="1"/>
+              <a:t>kodunu</a:t>
+            </a:r>
+            <a:r>
+              <a:rPr lang="en-US" dirty="0"/>
+              <a:t> </a:t>
+            </a:r>
+            <a:r>
+              <a:rPr lang="en-US" dirty="0" err="1" smtClean="0"/>
+              <a:t>qaytar</a:t>
+            </a:r>
+            <a:r>
+              <a:rPr lang="az-Latn-AZ" dirty="0" smtClean="0"/>
+              <a:t>ı</a:t>
+            </a:r>
+            <a:r>
+              <a:rPr lang="en-US" dirty="0" smtClean="0"/>
+              <a:t>r</a:t>
+            </a:r>
+            <a:r>
+              <a:rPr lang="en-US" dirty="0"/>
+              <a:t>, </a:t>
+            </a:r>
+            <a:r>
+              <a:rPr lang="en-US" dirty="0" err="1" smtClean="0"/>
+              <a:t>hans</a:t>
+            </a:r>
+            <a:r>
+              <a:rPr lang="az-Latn-AZ" dirty="0" smtClean="0"/>
+              <a:t>ı</a:t>
+            </a:r>
+            <a:r>
+              <a:rPr lang="en-US" dirty="0" smtClean="0"/>
+              <a:t> </a:t>
+            </a:r>
+            <a:r>
+              <a:rPr lang="en-US" dirty="0" err="1"/>
+              <a:t>ki</a:t>
+            </a:r>
+            <a:r>
+              <a:rPr lang="en-US" dirty="0"/>
+              <a:t>, </a:t>
+            </a:r>
+            <a:r>
+              <a:rPr lang="en-US" dirty="0" err="1"/>
+              <a:t>iki</a:t>
+            </a:r>
+            <a:r>
+              <a:rPr lang="en-US" dirty="0"/>
+              <a:t> </a:t>
+            </a:r>
+            <a:r>
+              <a:rPr lang="en-US" dirty="0" err="1" smtClean="0"/>
+              <a:t>string</a:t>
+            </a:r>
+            <a:r>
+              <a:rPr lang="en-US" dirty="0" err="1"/>
+              <a:t>’</a:t>
+            </a:r>
+            <a:r>
+              <a:rPr lang="en-US" dirty="0" err="1" smtClean="0"/>
+              <a:t>in</a:t>
+            </a:r>
+            <a:r>
+              <a:rPr lang="en-US" dirty="0" smtClean="0"/>
+              <a:t> f</a:t>
             </a:r>
             <a:r>
               <a:rPr lang="az-Latn-AZ" dirty="0" smtClean="0"/>
@@ -3355,7 +3452,7 @@
             </a:r>
             <a:r>
               <a:rPr lang="en-US" dirty="0" err="1" smtClean="0"/>
-              <a:t>rfl</a:t>
+              <a:t>qlilikl</a:t>
             </a:r>
             <a:r>
               <a:rPr lang="az-Latn-AZ" dirty="0" smtClean="0"/>
@@ -3363,7 +3460,7 @@
             </a:r>
             <a:r>
               <a:rPr lang="en-US" dirty="0" err="1" smtClean="0"/>
-              <a:t>ri</a:t>
+              <a:t>rini</a:t>
             </a:r>
             <a:r>
               <a:rPr lang="en-US" dirty="0" smtClean="0"/>
@@ -3371,27 +3468,11 @@
             </a:r>
             <a:r>
               <a:rPr lang="az-Latn-AZ" dirty="0" smtClean="0"/>
-              <a:t>ö</a:t>
-            </a:r>
-            <a:r>
-              <a:rPr lang="en-US" dirty="0" smtClean="0"/>
-              <a:t>y</a:t>
-            </a:r>
-            <a:r>
-              <a:rPr lang="az-Latn-AZ" dirty="0" smtClean="0"/>
-              <a:t>ü</a:t>
-            </a:r>
-            <a:r>
-              <a:rPr lang="en-US" dirty="0" smtClean="0"/>
-              <a:t>k h</a:t>
-            </a:r>
-            <a:r>
-              <a:rPr lang="az-Latn-AZ" dirty="0" smtClean="0"/>
               <a:t>ə</a:t>
             </a:r>
             <a:r>
               <a:rPr lang="en-US" dirty="0" err="1" smtClean="0"/>
-              <a:t>rfl</a:t>
+              <a:t>lirl</a:t>
             </a:r>
             <a:r>
               <a:rPr lang="az-Latn-AZ" dirty="0" smtClean="0"/>
@@ -3399,7 +3480,7 @@
             </a:r>
             <a:r>
               <a:rPr lang="en-US" dirty="0" smtClean="0"/>
-              <a:t>r</a:t>
+              <a:t>m</a:t>
             </a:r>
             <a:r>
               <a:rPr lang="az-Latn-AZ" dirty="0" smtClean="0"/>
@@ -3407,38 +3488,41 @@
             </a:r>
             <a:r>
               <a:rPr lang="en-US" dirty="0" smtClean="0"/>
-              <a:t> d</a:t>
+              <a:t>k </a:t>
+            </a:r>
+            <a:r>
+              <a:rPr lang="az-Latn-AZ" dirty="0" smtClean="0"/>
+              <a:t>üçü</a:t>
+            </a:r>
+            <a:r>
+              <a:rPr lang="en-US" dirty="0" smtClean="0"/>
+              <a:t>n </a:t>
+            </a:r>
+            <a:r>
+              <a:rPr lang="en-US" dirty="0" err="1" smtClean="0"/>
+              <a:t>istifad</a:t>
             </a:r>
             <a:r>
               <a:rPr lang="az-Latn-AZ" dirty="0" smtClean="0"/>
               <a:t>ə</a:t>
             </a:r>
             <a:r>
-              <a:rPr lang="en-US" dirty="0" err="1" smtClean="0"/>
-              <a:t>yi</a:t>
-            </a:r>
-            <a:r>
-              <a:rPr lang="az-Latn-AZ" dirty="0" smtClean="0"/>
-              <a:t>ş</a:t>
-            </a:r>
-            <a:r>
-              <a:rPr lang="en-US" dirty="0" err="1" smtClean="0"/>
-              <a:t>ir</a:t>
-            </a:r>
-            <a:endParaRPr lang="en-US" dirty="0"/>
-          </a:p>
-          <a:p>
-            <a:r>
-              <a:rPr lang="en-US" dirty="0"/>
-              <a:t>Ex: SELECT UPPER ( '</a:t>
+              <a:rPr lang="en-US" dirty="0" smtClean="0"/>
+              <a:t> </a:t>
             </a:r>
             <a:r>
               <a:rPr lang="en-US" dirty="0" err="1"/>
-              <a:t>sdfghjkl</a:t>
-            </a:r>
-            <a:r>
-              <a:rPr lang="en-US" dirty="0"/>
-              <a:t>' ); --- SDFGHJKL</a:t>
+              <a:t>olunur</a:t>
+            </a:r>
+            <a:r>
+              <a:rPr lang="en-US" dirty="0"/>
+              <a:t>.</a:t>
+            </a:r>
+          </a:p>
+          <a:p>
+            <a:r>
+              <a:rPr lang="en-US" dirty="0"/>
+              <a:t>Ex: SELECT SOUNDEX ('Smith`s'); --- S532</a:t>
             </a:r>
           </a:p>
         </p:txBody>
@@ -3446,7 +3530,7 @@
     </p:spTree>
     <p:extLst>
       <p:ext uri="{BB962C8B-B14F-4D97-AF65-F5344CB8AC3E}">
-        <p14:creationId xmlns:p14="http://schemas.microsoft.com/office/powerpoint/2010/main" val="2141278276"/>
+        <p14:creationId xmlns:p14="http://schemas.microsoft.com/office/powerpoint/2010/main" val="2121278848"/>
       </p:ext>
     </p:extLst>
   </p:cSld>
@@ -3488,7 +3572,913 @@
           <a:bodyPr/>
           <a:lstStyle/>
           <a:p>
-            <a:endParaRPr lang="en-US"/>
+            <a:r>
+              <a:rPr lang="en-US" dirty="0" smtClean="0"/>
+              <a:t>SPACE()</a:t>
+            </a:r>
+            <a:endParaRPr lang="en-US" dirty="0"/>
+          </a:p>
+        </p:txBody>
+      </p:sp>
+      <p:sp>
+        <p:nvSpPr>
+          <p:cNvPr id="3" name="Content Placeholder 2"/>
+          <p:cNvSpPr>
+            <a:spLocks noGrp="1"/>
+          </p:cNvSpPr>
+          <p:nvPr>
+            <p:ph idx="1"/>
+          </p:nvPr>
+        </p:nvSpPr>
+        <p:spPr/>
+        <p:txBody>
+          <a:bodyPr/>
+          <a:lstStyle/>
+          <a:p>
+            <a:r>
+              <a:rPr lang="en-US" dirty="0"/>
+              <a:t>SPACE ( </a:t>
+            </a:r>
+            <a:r>
+              <a:rPr lang="en-US" dirty="0" err="1"/>
+              <a:t>integer_expression</a:t>
+            </a:r>
+            <a:r>
+              <a:rPr lang="en-US" dirty="0"/>
+              <a:t> ) </a:t>
+            </a:r>
+            <a:endParaRPr lang="en-US" dirty="0" smtClean="0"/>
+          </a:p>
+          <a:p>
+            <a:r>
+              <a:rPr lang="en-US" dirty="0" smtClean="0"/>
+              <a:t>Returns </a:t>
+            </a:r>
+            <a:r>
+              <a:rPr lang="en-US" dirty="0"/>
+              <a:t>a string of repeated spaces.</a:t>
+            </a:r>
+          </a:p>
+          <a:p>
+            <a:r>
+              <a:rPr lang="en-US" dirty="0" err="1" smtClean="0"/>
+              <a:t>Veril</a:t>
+            </a:r>
+            <a:r>
+              <a:rPr lang="az-Latn-AZ" dirty="0" smtClean="0"/>
+              <a:t>ə</a:t>
+            </a:r>
+            <a:r>
+              <a:rPr lang="en-US" dirty="0" smtClean="0"/>
+              <a:t>n </a:t>
+            </a:r>
+            <a:r>
+              <a:rPr lang="az-Latn-AZ" dirty="0"/>
+              <a:t>ə</a:t>
+            </a:r>
+            <a:r>
+              <a:rPr lang="en-US" dirty="0" smtClean="0"/>
+              <a:t>d</a:t>
+            </a:r>
+            <a:r>
+              <a:rPr lang="az-Latn-AZ" dirty="0" smtClean="0"/>
+              <a:t>ə</a:t>
+            </a:r>
+            <a:r>
+              <a:rPr lang="en-US" dirty="0" smtClean="0"/>
+              <a:t>d q</a:t>
+            </a:r>
+            <a:r>
+              <a:rPr lang="az-Latn-AZ" dirty="0" smtClean="0"/>
+              <a:t>ə</a:t>
+            </a:r>
+            <a:r>
+              <a:rPr lang="en-US" dirty="0" smtClean="0"/>
+              <a:t>d</a:t>
+            </a:r>
+            <a:r>
+              <a:rPr lang="az-Latn-AZ" dirty="0"/>
+              <a:t>ə</a:t>
+            </a:r>
+            <a:r>
+              <a:rPr lang="en-US" dirty="0" smtClean="0"/>
+              <a:t>r </a:t>
+            </a:r>
+            <a:r>
+              <a:rPr lang="en-US" dirty="0" err="1" smtClean="0"/>
+              <a:t>bo</a:t>
+            </a:r>
+            <a:r>
+              <a:rPr lang="az-Latn-AZ" dirty="0" smtClean="0"/>
+              <a:t>ş</a:t>
+            </a:r>
+            <a:r>
+              <a:rPr lang="en-US" dirty="0" err="1" smtClean="0"/>
+              <a:t>luq</a:t>
+            </a:r>
+            <a:r>
+              <a:rPr lang="en-US" dirty="0" smtClean="0"/>
+              <a:t> </a:t>
+            </a:r>
+            <a:r>
+              <a:rPr lang="en-US" dirty="0" err="1" smtClean="0"/>
+              <a:t>qaytar</a:t>
+            </a:r>
+            <a:r>
+              <a:rPr lang="az-Latn-AZ" dirty="0" smtClean="0"/>
+              <a:t>ı</a:t>
+            </a:r>
+            <a:r>
+              <a:rPr lang="en-US" dirty="0" smtClean="0"/>
+              <a:t>r</a:t>
+            </a:r>
+            <a:r>
+              <a:rPr lang="en-US" dirty="0"/>
+              <a:t>.</a:t>
+            </a:r>
+          </a:p>
+          <a:p>
+            <a:r>
+              <a:rPr lang="en-US" dirty="0"/>
+              <a:t>Ex: SELECT SPACE(5) --- ‘     ’</a:t>
+            </a:r>
+          </a:p>
+        </p:txBody>
+      </p:sp>
+    </p:spTree>
+    <p:extLst>
+      <p:ext uri="{BB962C8B-B14F-4D97-AF65-F5344CB8AC3E}">
+        <p14:creationId xmlns:p14="http://schemas.microsoft.com/office/powerpoint/2010/main" val="3701004642"/>
+      </p:ext>
+    </p:extLst>
+  </p:cSld>
+  <p:clrMapOvr>
+    <a:masterClrMapping/>
+  </p:clrMapOvr>
+</p:sld>
+</file>
+
+<file path=ppt/slides/slide12.xml><?xml version="1.0" encoding="utf-8"?>
+<p:sld xmlns:a="http://schemas.openxmlformats.org/drawingml/2006/main" xmlns:r="http://schemas.openxmlformats.org/officeDocument/2006/relationships" xmlns:p="http://schemas.openxmlformats.org/presentationml/2006/main">
+  <p:cSld>
+    <p:spTree>
+      <p:nvGrpSpPr>
+        <p:cNvPr id="1" name=""/>
+        <p:cNvGrpSpPr/>
+        <p:nvPr/>
+      </p:nvGrpSpPr>
+      <p:grpSpPr>
+        <a:xfrm>
+          <a:off x="0" y="0"/>
+          <a:ext cx="0" cy="0"/>
+          <a:chOff x="0" y="0"/>
+          <a:chExt cx="0" cy="0"/>
+        </a:xfrm>
+      </p:grpSpPr>
+      <p:sp>
+        <p:nvSpPr>
+          <p:cNvPr id="2" name="Title 1"/>
+          <p:cNvSpPr>
+            <a:spLocks noGrp="1"/>
+          </p:cNvSpPr>
+          <p:nvPr>
+            <p:ph type="title"/>
+          </p:nvPr>
+        </p:nvSpPr>
+        <p:spPr/>
+        <p:txBody>
+          <a:bodyPr/>
+          <a:lstStyle/>
+          <a:p>
+            <a:r>
+              <a:rPr lang="en-US" dirty="0" smtClean="0"/>
+              <a:t>SUBSTRING()</a:t>
+            </a:r>
+            <a:endParaRPr lang="en-US" dirty="0"/>
+          </a:p>
+        </p:txBody>
+      </p:sp>
+      <p:sp>
+        <p:nvSpPr>
+          <p:cNvPr id="3" name="Content Placeholder 2"/>
+          <p:cNvSpPr>
+            <a:spLocks noGrp="1"/>
+          </p:cNvSpPr>
+          <p:nvPr>
+            <p:ph idx="1"/>
+          </p:nvPr>
+        </p:nvSpPr>
+        <p:spPr/>
+        <p:txBody>
+          <a:bodyPr/>
+          <a:lstStyle/>
+          <a:p>
+            <a:r>
+              <a:rPr lang="en-US" dirty="0"/>
+              <a:t>SUBSTRING ( expression ,start , length ) </a:t>
+            </a:r>
+            <a:endParaRPr lang="en-US" dirty="0" smtClean="0"/>
+          </a:p>
+          <a:p>
+            <a:r>
+              <a:rPr lang="en-US" dirty="0" smtClean="0"/>
+              <a:t>Returns </a:t>
+            </a:r>
+            <a:r>
+              <a:rPr lang="en-US" dirty="0"/>
+              <a:t>part of a character, binary, text, or image expression in SQL Server.</a:t>
+            </a:r>
+          </a:p>
+          <a:p>
+            <a:r>
+              <a:rPr lang="en-US" dirty="0" err="1"/>
+              <a:t>String’in</a:t>
+            </a:r>
+            <a:r>
+              <a:rPr lang="en-US" dirty="0"/>
+              <a:t> </a:t>
+            </a:r>
+            <a:r>
+              <a:rPr lang="en-US" dirty="0" err="1"/>
+              <a:t>bir</a:t>
+            </a:r>
+            <a:r>
+              <a:rPr lang="en-US" dirty="0"/>
+              <a:t> </a:t>
+            </a:r>
+            <a:r>
+              <a:rPr lang="en-US" dirty="0" smtClean="0"/>
+              <a:t>hiss</a:t>
+            </a:r>
+            <a:r>
+              <a:rPr lang="az-Latn-AZ" dirty="0" smtClean="0"/>
+              <a:t>ə</a:t>
+            </a:r>
+            <a:r>
+              <a:rPr lang="en-US" dirty="0" err="1" smtClean="0"/>
+              <a:t>sini</a:t>
+            </a:r>
+            <a:r>
+              <a:rPr lang="en-US" dirty="0" smtClean="0"/>
+              <a:t> </a:t>
+            </a:r>
+            <a:r>
+              <a:rPr lang="en-US" dirty="0" err="1" smtClean="0"/>
+              <a:t>qaytar</a:t>
+            </a:r>
+            <a:r>
+              <a:rPr lang="az-Latn-AZ" dirty="0" smtClean="0"/>
+              <a:t>ı</a:t>
+            </a:r>
+            <a:r>
+              <a:rPr lang="en-US" dirty="0" smtClean="0"/>
+              <a:t>r</a:t>
+            </a:r>
+            <a:r>
+              <a:rPr lang="en-US" dirty="0"/>
+              <a:t>. String, </a:t>
+            </a:r>
+            <a:r>
+              <a:rPr lang="en-US" dirty="0" err="1" smtClean="0"/>
+              <a:t>ba</a:t>
+            </a:r>
+            <a:r>
+              <a:rPr lang="az-Latn-AZ" dirty="0" smtClean="0"/>
+              <a:t>ş</a:t>
+            </a:r>
+            <a:r>
+              <a:rPr lang="en-US" dirty="0" smtClean="0"/>
+              <a:t>lama n</a:t>
+            </a:r>
+            <a:r>
+              <a:rPr lang="az-Latn-AZ" dirty="0" smtClean="0"/>
+              <a:t>ö</a:t>
+            </a:r>
+            <a:r>
+              <a:rPr lang="en-US" dirty="0" err="1" smtClean="0"/>
+              <a:t>qtes</a:t>
+            </a:r>
+            <a:r>
+              <a:rPr lang="az-Latn-AZ" dirty="0"/>
+              <a:t>i</a:t>
+            </a:r>
+            <a:r>
+              <a:rPr lang="en-US" dirty="0" smtClean="0"/>
+              <a:t> v</a:t>
+            </a:r>
+            <a:r>
+              <a:rPr lang="az-Latn-AZ" dirty="0" smtClean="0"/>
+              <a:t>ə</a:t>
+            </a:r>
+            <a:r>
+              <a:rPr lang="en-US" dirty="0" smtClean="0"/>
+              <a:t> </a:t>
+            </a:r>
+            <a:r>
+              <a:rPr lang="en-US" dirty="0"/>
+              <a:t>character </a:t>
+            </a:r>
+            <a:r>
+              <a:rPr lang="en-US" dirty="0" smtClean="0"/>
+              <a:t>say</a:t>
+            </a:r>
+            <a:r>
+              <a:rPr lang="az-Latn-AZ" dirty="0" smtClean="0"/>
+              <a:t>ı</a:t>
+            </a:r>
+            <a:r>
+              <a:rPr lang="en-US" dirty="0" smtClean="0"/>
+              <a:t> </a:t>
+            </a:r>
+            <a:r>
+              <a:rPr lang="en-US" dirty="0" err="1" smtClean="0"/>
+              <a:t>verilm</a:t>
+            </a:r>
+            <a:r>
+              <a:rPr lang="az-Latn-AZ" dirty="0" smtClean="0"/>
+              <a:t>ə</a:t>
+            </a:r>
+            <a:r>
+              <a:rPr lang="en-US" dirty="0" err="1" smtClean="0"/>
+              <a:t>lidir</a:t>
+            </a:r>
+            <a:r>
+              <a:rPr lang="en-US" dirty="0"/>
+              <a:t>.</a:t>
+            </a:r>
+          </a:p>
+          <a:p>
+            <a:r>
+              <a:rPr lang="en-US" dirty="0"/>
+              <a:t>Ex: SELECT SUBSTRING('</a:t>
+            </a:r>
+            <a:r>
+              <a:rPr lang="en-US" dirty="0" err="1"/>
+              <a:t>abcdef</a:t>
+            </a:r>
+            <a:r>
+              <a:rPr lang="en-US" dirty="0"/>
+              <a:t>', 2, 4); --- ‘</a:t>
+            </a:r>
+            <a:r>
+              <a:rPr lang="en-US" dirty="0" err="1"/>
+              <a:t>bcde</a:t>
+            </a:r>
+            <a:r>
+              <a:rPr lang="en-US" dirty="0"/>
+              <a:t>’</a:t>
+            </a:r>
+          </a:p>
+        </p:txBody>
+      </p:sp>
+    </p:spTree>
+    <p:extLst>
+      <p:ext uri="{BB962C8B-B14F-4D97-AF65-F5344CB8AC3E}">
+        <p14:creationId xmlns:p14="http://schemas.microsoft.com/office/powerpoint/2010/main" val="2117518436"/>
+      </p:ext>
+    </p:extLst>
+  </p:cSld>
+  <p:clrMapOvr>
+    <a:masterClrMapping/>
+  </p:clrMapOvr>
+</p:sld>
+</file>
+
+<file path=ppt/slides/slide13.xml><?xml version="1.0" encoding="utf-8"?>
+<p:sld xmlns:a="http://schemas.openxmlformats.org/drawingml/2006/main" xmlns:r="http://schemas.openxmlformats.org/officeDocument/2006/relationships" xmlns:p="http://schemas.openxmlformats.org/presentationml/2006/main">
+  <p:cSld>
+    <p:spTree>
+      <p:nvGrpSpPr>
+        <p:cNvPr id="1" name=""/>
+        <p:cNvGrpSpPr/>
+        <p:nvPr/>
+      </p:nvGrpSpPr>
+      <p:grpSpPr>
+        <a:xfrm>
+          <a:off x="0" y="0"/>
+          <a:ext cx="0" cy="0"/>
+          <a:chOff x="0" y="0"/>
+          <a:chExt cx="0" cy="0"/>
+        </a:xfrm>
+      </p:grpSpPr>
+      <p:sp>
+        <p:nvSpPr>
+          <p:cNvPr id="2" name="Title 1"/>
+          <p:cNvSpPr>
+            <a:spLocks noGrp="1"/>
+          </p:cNvSpPr>
+          <p:nvPr>
+            <p:ph type="title"/>
+          </p:nvPr>
+        </p:nvSpPr>
+        <p:spPr/>
+        <p:txBody>
+          <a:bodyPr/>
+          <a:lstStyle/>
+          <a:p>
+            <a:r>
+              <a:rPr lang="en-US" dirty="0" smtClean="0"/>
+              <a:t>TRIM()</a:t>
+            </a:r>
+            <a:endParaRPr lang="en-US" dirty="0"/>
+          </a:p>
+        </p:txBody>
+      </p:sp>
+      <p:sp>
+        <p:nvSpPr>
+          <p:cNvPr id="3" name="Content Placeholder 2"/>
+          <p:cNvSpPr>
+            <a:spLocks noGrp="1"/>
+          </p:cNvSpPr>
+          <p:nvPr>
+            <p:ph idx="1"/>
+          </p:nvPr>
+        </p:nvSpPr>
+        <p:spPr/>
+        <p:txBody>
+          <a:bodyPr>
+            <a:normAutofit fontScale="92500" lnSpcReduction="20000"/>
+          </a:bodyPr>
+          <a:lstStyle/>
+          <a:p>
+            <a:r>
+              <a:rPr lang="en-US" dirty="0"/>
+              <a:t>TRIM ( [ characters FROM ] string </a:t>
+            </a:r>
+            <a:r>
+              <a:rPr lang="en-US" dirty="0" smtClean="0"/>
+              <a:t>)</a:t>
+            </a:r>
+          </a:p>
+          <a:p>
+            <a:r>
+              <a:rPr lang="en-US" dirty="0" smtClean="0"/>
+              <a:t>Removes </a:t>
+            </a:r>
+            <a:r>
+              <a:rPr lang="en-US" dirty="0"/>
+              <a:t>the space character char(32) or other specified characters from the start or end of a string.</a:t>
+            </a:r>
+          </a:p>
+          <a:p>
+            <a:r>
+              <a:rPr lang="en-US" dirty="0" smtClean="0"/>
+              <a:t>Sa</a:t>
+            </a:r>
+            <a:r>
+              <a:rPr lang="az-Latn-AZ" dirty="0" smtClean="0"/>
+              <a:t>ğ v</a:t>
+            </a:r>
+            <a:r>
+              <a:rPr lang="en-US" dirty="0" smtClean="0"/>
+              <a:t>e </a:t>
+            </a:r>
+            <a:r>
+              <a:rPr lang="en-US" dirty="0" err="1"/>
+              <a:t>solda</a:t>
+            </a:r>
+            <a:r>
+              <a:rPr lang="en-US" dirty="0"/>
+              <a:t> </a:t>
+            </a:r>
+            <a:r>
+              <a:rPr lang="en-US" dirty="0" err="1" smtClean="0"/>
+              <a:t>bo</a:t>
+            </a:r>
+            <a:r>
+              <a:rPr lang="az-Latn-AZ" dirty="0" smtClean="0"/>
+              <a:t>ş</a:t>
+            </a:r>
+            <a:r>
+              <a:rPr lang="en-US" dirty="0" err="1" smtClean="0"/>
+              <a:t>luqlar</a:t>
+            </a:r>
+            <a:r>
+              <a:rPr lang="az-Latn-AZ" dirty="0" smtClean="0"/>
+              <a:t>ı</a:t>
+            </a:r>
+            <a:r>
+              <a:rPr lang="en-US" dirty="0" smtClean="0"/>
+              <a:t> </a:t>
+            </a:r>
+            <a:r>
+              <a:rPr lang="en-US" dirty="0" err="1"/>
+              <a:t>silir</a:t>
+            </a:r>
+            <a:r>
+              <a:rPr lang="en-US" dirty="0"/>
+              <a:t>. </a:t>
+            </a:r>
+            <a:r>
+              <a:rPr lang="en-US" dirty="0" smtClean="0"/>
+              <a:t>V</a:t>
+            </a:r>
+            <a:r>
+              <a:rPr lang="az-Latn-AZ" dirty="0" smtClean="0"/>
+              <a:t>ə</a:t>
+            </a:r>
+            <a:r>
+              <a:rPr lang="en-US" dirty="0" smtClean="0"/>
+              <a:t> </a:t>
+            </a:r>
+            <a:r>
+              <a:rPr lang="en-US" dirty="0" err="1"/>
+              <a:t>ya</a:t>
+            </a:r>
+            <a:r>
+              <a:rPr lang="en-US" dirty="0"/>
+              <a:t> </a:t>
+            </a:r>
+            <a:r>
+              <a:rPr lang="en-US" dirty="0" err="1" smtClean="0"/>
+              <a:t>sa</a:t>
+            </a:r>
+            <a:r>
+              <a:rPr lang="az-Latn-AZ" dirty="0" smtClean="0"/>
+              <a:t>ğ və</a:t>
+            </a:r>
+            <a:r>
+              <a:rPr lang="en-US" dirty="0" smtClean="0"/>
+              <a:t> </a:t>
+            </a:r>
+            <a:r>
+              <a:rPr lang="en-US" dirty="0" err="1"/>
+              <a:t>solda</a:t>
+            </a:r>
+            <a:r>
+              <a:rPr lang="en-US" dirty="0"/>
+              <a:t> </a:t>
+            </a:r>
+            <a:r>
+              <a:rPr lang="en-US" dirty="0" err="1" smtClean="0"/>
+              <a:t>verilmi</a:t>
+            </a:r>
+            <a:r>
+              <a:rPr lang="az-Latn-AZ" dirty="0" smtClean="0"/>
+              <a:t>ş</a:t>
+            </a:r>
+            <a:r>
+              <a:rPr lang="en-US" dirty="0" smtClean="0"/>
+              <a:t> </a:t>
+            </a:r>
+            <a:r>
+              <a:rPr lang="en-US" dirty="0"/>
+              <a:t>string </a:t>
+            </a:r>
+            <a:r>
+              <a:rPr lang="en-US" dirty="0" smtClean="0"/>
+              <a:t>hiss</a:t>
+            </a:r>
+            <a:r>
+              <a:rPr lang="az-Latn-AZ" dirty="0" smtClean="0"/>
+              <a:t>ə</a:t>
+            </a:r>
+            <a:r>
+              <a:rPr lang="en-US" dirty="0" err="1" smtClean="0"/>
+              <a:t>sini</a:t>
+            </a:r>
+            <a:r>
+              <a:rPr lang="en-US" dirty="0" smtClean="0"/>
+              <a:t> </a:t>
+            </a:r>
+            <a:r>
+              <a:rPr lang="en-US" dirty="0" err="1"/>
+              <a:t>silir</a:t>
+            </a:r>
+            <a:r>
+              <a:rPr lang="en-US" dirty="0"/>
+              <a:t>.</a:t>
+            </a:r>
+          </a:p>
+          <a:p>
+            <a:r>
+              <a:rPr lang="en-US" dirty="0"/>
+              <a:t>Ex: SELECT TRIM( '</a:t>
+            </a:r>
+            <a:r>
+              <a:rPr lang="en-US" dirty="0" err="1"/>
+              <a:t>asdog</a:t>
+            </a:r>
+            <a:r>
+              <a:rPr lang="en-US" dirty="0"/>
+              <a:t>' from '</a:t>
+            </a:r>
+            <a:r>
+              <a:rPr lang="en-US" dirty="0" err="1"/>
+              <a:t>asdog</a:t>
+            </a:r>
+            <a:r>
+              <a:rPr lang="en-US" dirty="0"/>
+              <a:t>    </a:t>
+            </a:r>
+            <a:r>
+              <a:rPr lang="en-US" dirty="0" err="1"/>
+              <a:t>asdf</a:t>
+            </a:r>
+            <a:r>
+              <a:rPr lang="en-US" dirty="0"/>
+              <a:t> . l'); --- ‘    </a:t>
+            </a:r>
+            <a:r>
+              <a:rPr lang="en-US" dirty="0" err="1"/>
+              <a:t>asdf</a:t>
+            </a:r>
+            <a:r>
+              <a:rPr lang="en-US" dirty="0"/>
+              <a:t> . l’</a:t>
+            </a:r>
+          </a:p>
+          <a:p>
+            <a:r>
+              <a:rPr lang="en-US" dirty="0"/>
+              <a:t>Ex: SELECT TRIM('    </a:t>
+            </a:r>
+            <a:r>
+              <a:rPr lang="en-US" dirty="0" err="1"/>
+              <a:t>asdog</a:t>
+            </a:r>
+            <a:r>
+              <a:rPr lang="en-US" dirty="0"/>
+              <a:t> </a:t>
+            </a:r>
+            <a:r>
+              <a:rPr lang="en-US" dirty="0" err="1"/>
+              <a:t>asdf</a:t>
+            </a:r>
+            <a:r>
+              <a:rPr lang="en-US" dirty="0"/>
+              <a:t> . l      '); --- ‘</a:t>
+            </a:r>
+            <a:r>
+              <a:rPr lang="en-US" dirty="0" err="1"/>
+              <a:t>asdog</a:t>
+            </a:r>
+            <a:r>
+              <a:rPr lang="en-US" dirty="0"/>
+              <a:t> </a:t>
+            </a:r>
+            <a:r>
+              <a:rPr lang="en-US" dirty="0" err="1"/>
+              <a:t>asdf</a:t>
+            </a:r>
+            <a:r>
+              <a:rPr lang="en-US" dirty="0"/>
+              <a:t> . l’</a:t>
+            </a:r>
+          </a:p>
+          <a:p>
+            <a:endParaRPr lang="en-US" dirty="0"/>
+          </a:p>
+        </p:txBody>
+      </p:sp>
+    </p:spTree>
+    <p:extLst>
+      <p:ext uri="{BB962C8B-B14F-4D97-AF65-F5344CB8AC3E}">
+        <p14:creationId xmlns:p14="http://schemas.microsoft.com/office/powerpoint/2010/main" val="2579123796"/>
+      </p:ext>
+    </p:extLst>
+  </p:cSld>
+  <p:clrMapOvr>
+    <a:masterClrMapping/>
+  </p:clrMapOvr>
+</p:sld>
+</file>
+
+<file path=ppt/slides/slide14.xml><?xml version="1.0" encoding="utf-8"?>
+<p:sld xmlns:a="http://schemas.openxmlformats.org/drawingml/2006/main" xmlns:r="http://schemas.openxmlformats.org/officeDocument/2006/relationships" xmlns:p="http://schemas.openxmlformats.org/presentationml/2006/main">
+  <p:cSld>
+    <p:spTree>
+      <p:nvGrpSpPr>
+        <p:cNvPr id="1" name=""/>
+        <p:cNvGrpSpPr/>
+        <p:nvPr/>
+      </p:nvGrpSpPr>
+      <p:grpSpPr>
+        <a:xfrm>
+          <a:off x="0" y="0"/>
+          <a:ext cx="0" cy="0"/>
+          <a:chOff x="0" y="0"/>
+          <a:chExt cx="0" cy="0"/>
+        </a:xfrm>
+      </p:grpSpPr>
+      <p:sp>
+        <p:nvSpPr>
+          <p:cNvPr id="2" name="Title 1"/>
+          <p:cNvSpPr>
+            <a:spLocks noGrp="1"/>
+          </p:cNvSpPr>
+          <p:nvPr>
+            <p:ph type="title"/>
+          </p:nvPr>
+        </p:nvSpPr>
+        <p:spPr/>
+        <p:txBody>
+          <a:bodyPr/>
+          <a:lstStyle/>
+          <a:p>
+            <a:r>
+              <a:rPr lang="en-US" dirty="0" smtClean="0"/>
+              <a:t>UPPER</a:t>
+            </a:r>
+            <a:r>
+              <a:rPr lang="az-Latn-AZ" dirty="0" smtClean="0"/>
+              <a:t>()</a:t>
+            </a:r>
+            <a:endParaRPr lang="en-US" dirty="0"/>
+          </a:p>
+        </p:txBody>
+      </p:sp>
+      <p:sp>
+        <p:nvSpPr>
+          <p:cNvPr id="3" name="Content Placeholder 2"/>
+          <p:cNvSpPr>
+            <a:spLocks noGrp="1"/>
+          </p:cNvSpPr>
+          <p:nvPr>
+            <p:ph idx="1"/>
+          </p:nvPr>
+        </p:nvSpPr>
+        <p:spPr/>
+        <p:txBody>
+          <a:bodyPr/>
+          <a:lstStyle/>
+          <a:p>
+            <a:r>
+              <a:rPr lang="en-US" dirty="0"/>
+              <a:t>UPPER ( </a:t>
+            </a:r>
+            <a:r>
+              <a:rPr lang="en-US" dirty="0" err="1"/>
+              <a:t>character_expression</a:t>
+            </a:r>
+            <a:r>
+              <a:rPr lang="en-US" dirty="0"/>
+              <a:t> </a:t>
+            </a:r>
+            <a:r>
+              <a:rPr lang="en-US" dirty="0" smtClean="0"/>
+              <a:t>)</a:t>
+            </a:r>
+          </a:p>
+          <a:p>
+            <a:r>
+              <a:rPr lang="en-US" dirty="0" smtClean="0"/>
+              <a:t>Returns </a:t>
+            </a:r>
+            <a:r>
+              <a:rPr lang="en-US" dirty="0"/>
+              <a:t>a character expression with lowercase character data converted to uppercase.</a:t>
+            </a:r>
+          </a:p>
+          <a:p>
+            <a:r>
+              <a:rPr lang="en-US" dirty="0" smtClean="0"/>
+              <a:t>H</a:t>
+            </a:r>
+            <a:r>
+              <a:rPr lang="az-Latn-AZ" dirty="0" smtClean="0"/>
+              <a:t>ə</a:t>
+            </a:r>
+            <a:r>
+              <a:rPr lang="en-US" dirty="0" err="1" smtClean="0"/>
+              <a:t>rfl</a:t>
+            </a:r>
+            <a:r>
+              <a:rPr lang="az-Latn-AZ" dirty="0" smtClean="0"/>
+              <a:t>ə</a:t>
+            </a:r>
+            <a:r>
+              <a:rPr lang="en-US" dirty="0" err="1" smtClean="0"/>
+              <a:t>ri</a:t>
+            </a:r>
+            <a:r>
+              <a:rPr lang="en-US" dirty="0" smtClean="0"/>
+              <a:t> b</a:t>
+            </a:r>
+            <a:r>
+              <a:rPr lang="az-Latn-AZ" dirty="0" smtClean="0"/>
+              <a:t>ö</a:t>
+            </a:r>
+            <a:r>
+              <a:rPr lang="en-US" dirty="0" smtClean="0"/>
+              <a:t>y</a:t>
+            </a:r>
+            <a:r>
+              <a:rPr lang="az-Latn-AZ" dirty="0" smtClean="0"/>
+              <a:t>ü</a:t>
+            </a:r>
+            <a:r>
+              <a:rPr lang="en-US" dirty="0" smtClean="0"/>
+              <a:t>k h</a:t>
+            </a:r>
+            <a:r>
+              <a:rPr lang="az-Latn-AZ" dirty="0" smtClean="0"/>
+              <a:t>ə</a:t>
+            </a:r>
+            <a:r>
+              <a:rPr lang="en-US" dirty="0" err="1" smtClean="0"/>
+              <a:t>rfl</a:t>
+            </a:r>
+            <a:r>
+              <a:rPr lang="az-Latn-AZ" dirty="0" smtClean="0"/>
+              <a:t>ə</a:t>
+            </a:r>
+            <a:r>
+              <a:rPr lang="en-US" dirty="0" smtClean="0"/>
+              <a:t>r</a:t>
+            </a:r>
+            <a:r>
+              <a:rPr lang="az-Latn-AZ" dirty="0" smtClean="0"/>
+              <a:t>ə</a:t>
+            </a:r>
+            <a:r>
+              <a:rPr lang="en-US" dirty="0" smtClean="0"/>
+              <a:t> d</a:t>
+            </a:r>
+            <a:r>
+              <a:rPr lang="az-Latn-AZ" dirty="0" smtClean="0"/>
+              <a:t>ə</a:t>
+            </a:r>
+            <a:r>
+              <a:rPr lang="en-US" dirty="0" err="1" smtClean="0"/>
+              <a:t>yi</a:t>
+            </a:r>
+            <a:r>
+              <a:rPr lang="az-Latn-AZ" dirty="0" smtClean="0"/>
+              <a:t>ş</a:t>
+            </a:r>
+            <a:r>
+              <a:rPr lang="en-US" dirty="0" err="1" smtClean="0"/>
+              <a:t>ir</a:t>
+            </a:r>
+            <a:endParaRPr lang="en-US" dirty="0"/>
+          </a:p>
+          <a:p>
+            <a:r>
+              <a:rPr lang="en-US" dirty="0"/>
+              <a:t>Ex: SELECT UPPER ( '</a:t>
+            </a:r>
+            <a:r>
+              <a:rPr lang="en-US" dirty="0" err="1"/>
+              <a:t>sdfghjkl</a:t>
+            </a:r>
+            <a:r>
+              <a:rPr lang="en-US" dirty="0"/>
+              <a:t>' ); --- SDFGHJKL</a:t>
+            </a:r>
+          </a:p>
+        </p:txBody>
+      </p:sp>
+    </p:spTree>
+    <p:extLst>
+      <p:ext uri="{BB962C8B-B14F-4D97-AF65-F5344CB8AC3E}">
+        <p14:creationId xmlns:p14="http://schemas.microsoft.com/office/powerpoint/2010/main" val="2141278276"/>
+      </p:ext>
+    </p:extLst>
+  </p:cSld>
+  <p:clrMapOvr>
+    <a:masterClrMapping/>
+  </p:clrMapOvr>
+</p:sld>
+</file>
+
+<file path=ppt/slides/slide15.xml><?xml version="1.0" encoding="utf-8"?>
+<p:sld xmlns:a="http://schemas.openxmlformats.org/drawingml/2006/main" xmlns:r="http://schemas.openxmlformats.org/officeDocument/2006/relationships" xmlns:p="http://schemas.openxmlformats.org/presentationml/2006/main">
+  <p:cSld>
+    <p:spTree>
+      <p:nvGrpSpPr>
+        <p:cNvPr id="1" name=""/>
+        <p:cNvGrpSpPr/>
+        <p:nvPr/>
+      </p:nvGrpSpPr>
+      <p:grpSpPr>
+        <a:xfrm>
+          <a:off x="0" y="0"/>
+          <a:ext cx="0" cy="0"/>
+          <a:chOff x="0" y="0"/>
+          <a:chExt cx="0" cy="0"/>
+        </a:xfrm>
+      </p:grpSpPr>
+      <p:sp>
+        <p:nvSpPr>
+          <p:cNvPr id="2" name="Title 1"/>
+          <p:cNvSpPr>
+            <a:spLocks noGrp="1"/>
+          </p:cNvSpPr>
+          <p:nvPr>
+            <p:ph type="title"/>
+          </p:nvPr>
+        </p:nvSpPr>
+        <p:spPr/>
+        <p:txBody>
+          <a:bodyPr/>
+          <a:lstStyle/>
+          <a:p>
+            <a:r>
+              <a:rPr lang="en-US" strike="sngStrike" dirty="0" err="1" smtClean="0"/>
+              <a:t>phpMyAdmin</a:t>
+            </a:r>
+            <a:endParaRPr lang="en-US" strike="sngStrike" dirty="0"/>
           </a:p>
         </p:txBody>
       </p:sp>
@@ -3635,7 +4625,7 @@
           <a:p>
             <a:r>
               <a:rPr lang="en-US" dirty="0" smtClean="0"/>
-              <a:t>REPLACE()</a:t>
+              <a:t>LEFT()</a:t>
             </a:r>
             <a:endParaRPr lang="en-US" dirty="0"/>
           </a:p>
@@ -3653,18 +4643,16 @@
         </p:nvSpPr>
         <p:spPr/>
         <p:txBody>
-          <a:bodyPr>
-            <a:normAutofit/>
-          </a:bodyPr>
-          <a:lstStyle/>
-          <a:p>
-            <a:r>
-              <a:rPr lang="en-US" dirty="0"/>
-              <a:t>REPLACE ( </a:t>
+          <a:bodyPr/>
+          <a:lstStyle/>
+          <a:p>
+            <a:r>
+              <a:rPr lang="en-US" dirty="0"/>
+              <a:t>LEFT ( </a:t>
             </a:r>
             <a:r>
               <a:rPr lang="en-US" dirty="0" err="1"/>
-              <a:t>string_expression</a:t>
+              <a:t>character_expression</a:t>
             </a:r>
             <a:r>
               <a:rPr lang="en-US" dirty="0"/>
@@ -3672,44 +4660,138 @@
             </a:r>
             <a:r>
               <a:rPr lang="en-US" dirty="0" err="1"/>
-              <a:t>string_pattern</a:t>
-            </a:r>
-            <a:r>
-              <a:rPr lang="en-US" dirty="0"/>
-              <a:t> , </a:t>
+              <a:t>integer_expression</a:t>
+            </a:r>
+            <a:r>
+              <a:rPr lang="en-US" dirty="0"/>
+              <a:t> ) </a:t>
+            </a:r>
+            <a:endParaRPr lang="en-US" dirty="0" smtClean="0"/>
+          </a:p>
+          <a:p>
+            <a:r>
+              <a:rPr lang="en-US" dirty="0" smtClean="0"/>
+              <a:t>Returns </a:t>
+            </a:r>
+            <a:r>
+              <a:rPr lang="en-US" dirty="0"/>
+              <a:t>the left part of a character string with the specified number of characters.</a:t>
+            </a:r>
+          </a:p>
+          <a:p>
+            <a:r>
+              <a:rPr lang="en-US" dirty="0" smtClean="0"/>
+              <a:t>ex: </a:t>
+            </a:r>
+            <a:r>
+              <a:rPr lang="az-Latn-AZ" dirty="0" smtClean="0"/>
+              <a:t>SELECT</a:t>
+            </a:r>
+            <a:r>
+              <a:rPr lang="en-US" dirty="0" smtClean="0"/>
+              <a:t> </a:t>
+            </a:r>
+            <a:r>
+              <a:rPr lang="en-US" dirty="0"/>
+              <a:t>LEFT ('academy',3)</a:t>
+            </a:r>
+          </a:p>
+          <a:p>
+            <a:r>
+              <a:rPr lang="en-US" dirty="0" smtClean="0"/>
+              <a:t>Go </a:t>
+            </a:r>
+            <a:r>
+              <a:rPr lang="en-US" dirty="0" err="1" smtClean="0"/>
+              <a:t>ets</a:t>
+            </a:r>
+            <a:r>
+              <a:rPr lang="az-Latn-AZ" dirty="0" smtClean="0"/>
+              <a:t>ə</a:t>
+            </a:r>
+            <a:r>
+              <a:rPr lang="en-US" dirty="0" smtClean="0"/>
+              <a:t>k </a:t>
             </a:r>
             <a:r>
               <a:rPr lang="en-US" dirty="0" err="1"/>
-              <a:t>string_replacement</a:t>
-            </a:r>
-            <a:r>
-              <a:rPr lang="en-US" dirty="0"/>
-              <a:t> ) </a:t>
-            </a:r>
-            <a:endParaRPr lang="en-US" dirty="0" smtClean="0"/>
-          </a:p>
-          <a:p>
-            <a:r>
-              <a:rPr lang="en-US" dirty="0" smtClean="0"/>
-              <a:t>Replaces </a:t>
-            </a:r>
-            <a:r>
-              <a:rPr lang="en-US" dirty="0"/>
-              <a:t>all occurrences of a specified string value with another string value.</a:t>
-            </a:r>
-          </a:p>
-          <a:p>
-            <a:r>
-              <a:rPr lang="en-US" dirty="0" err="1" smtClean="0"/>
-              <a:t>Verilmi</a:t>
+              <a:t>bu</a:t>
+            </a:r>
+            <a:r>
+              <a:rPr lang="en-US" dirty="0"/>
+              <a:t> zaman (academy) </a:t>
+            </a:r>
+            <a:r>
+              <a:rPr lang="en-US" dirty="0" err="1"/>
+              <a:t>soldan</a:t>
+            </a:r>
+            <a:r>
+              <a:rPr lang="en-US" dirty="0"/>
+              <a:t> </a:t>
+            </a:r>
+            <a:r>
+              <a:rPr lang="en-US" dirty="0" err="1" smtClean="0"/>
+              <a:t>ba</a:t>
             </a:r>
             <a:r>
               <a:rPr lang="az-Latn-AZ" dirty="0" smtClean="0"/>
               <a:t>ş</a:t>
             </a:r>
             <a:r>
-              <a:rPr lang="en-US" dirty="0" smtClean="0"/>
-              <a:t> ‘string’ d</a:t>
+              <a:rPr lang="en-US" dirty="0" err="1" smtClean="0"/>
+              <a:t>layaraq</a:t>
+            </a:r>
+            <a:r>
+              <a:rPr lang="en-US" dirty="0" smtClean="0"/>
+              <a:t> </a:t>
+            </a:r>
+            <a:r>
+              <a:rPr lang="en-US" dirty="0" err="1"/>
+              <a:t>soldan</a:t>
+            </a:r>
+            <a:r>
+              <a:rPr lang="en-US" dirty="0"/>
+              <a:t> </a:t>
+            </a:r>
+            <a:r>
+              <a:rPr lang="en-US" dirty="0" err="1" smtClean="0"/>
+              <a:t>sa</a:t>
+            </a:r>
+            <a:r>
+              <a:rPr lang="az-Latn-AZ" dirty="0"/>
+              <a:t>ğ</a:t>
+            </a:r>
+            <a:r>
+              <a:rPr lang="en-US" dirty="0" smtClean="0"/>
+              <a:t>a </a:t>
+            </a:r>
+            <a:r>
+              <a:rPr lang="en-US" dirty="0"/>
+              <a:t>3 </a:t>
+            </a:r>
+            <a:r>
+              <a:rPr lang="en-US" dirty="0" err="1"/>
+              <a:t>simvol</a:t>
+            </a:r>
+            <a:r>
+              <a:rPr lang="en-US" dirty="0"/>
+              <a:t> </a:t>
+            </a:r>
+            <a:r>
+              <a:rPr lang="az-Latn-AZ" dirty="0" smtClean="0"/>
+              <a:t>ö</a:t>
+            </a:r>
+            <a:r>
+              <a:rPr lang="en-US" dirty="0" smtClean="0"/>
+              <a:t>z</a:t>
+            </a:r>
+            <a:r>
+              <a:rPr lang="az-Latn-AZ" dirty="0" smtClean="0"/>
+              <a:t>ü</a:t>
+            </a:r>
+            <a:r>
+              <a:rPr lang="en-US" dirty="0" err="1" smtClean="0"/>
+              <a:t>nd</a:t>
             </a:r>
             <a:r>
               <a:rPr lang="az-Latn-AZ" dirty="0" smtClean="0"/>
@@ -3717,59 +4799,27 @@
             </a:r>
             <a:r>
               <a:rPr lang="en-US" dirty="0" smtClean="0"/>
-              <a:t>y</a:t>
+              <a:t> </a:t>
+            </a:r>
+            <a:r>
+              <a:rPr lang="en-US" dirty="0" err="1" smtClean="0"/>
+              <a:t>saxlayaca</a:t>
+            </a:r>
+            <a:r>
+              <a:rPr lang="az-Latn-AZ" dirty="0" smtClean="0"/>
+              <a:t>q</a:t>
+            </a:r>
+            <a:r>
+              <a:rPr lang="en-US" dirty="0" smtClean="0"/>
+              <a:t> v</a:t>
             </a:r>
             <a:r>
               <a:rPr lang="az-Latn-AZ" dirty="0" smtClean="0"/>
               <a:t>ə</a:t>
             </a:r>
             <a:r>
-              <a:rPr lang="en-US" dirty="0" err="1" smtClean="0"/>
-              <a:t>rinin</a:t>
-            </a:r>
-            <a:r>
-              <a:rPr lang="en-US" dirty="0" smtClean="0"/>
-              <a:t> b</a:t>
-            </a:r>
-            <a:r>
-              <a:rPr lang="az-Latn-AZ" dirty="0" smtClean="0"/>
-              <a:t>ü</a:t>
-            </a:r>
-            <a:r>
-              <a:rPr lang="en-US" dirty="0" smtClean="0"/>
-              <a:t>t</a:t>
-            </a:r>
-            <a:r>
-              <a:rPr lang="az-Latn-AZ" dirty="0" smtClean="0"/>
-              <a:t>ü</a:t>
-            </a:r>
-            <a:r>
-              <a:rPr lang="en-US" dirty="0" smtClean="0"/>
-              <a:t>n </a:t>
-            </a:r>
-            <a:r>
-              <a:rPr lang="en-US" dirty="0" err="1" smtClean="0"/>
-              <a:t>oldu</a:t>
-            </a:r>
-            <a:r>
-              <a:rPr lang="az-Latn-AZ" dirty="0" smtClean="0"/>
-              <a:t>ğ</a:t>
-            </a:r>
-            <a:r>
-              <a:rPr lang="en-US" dirty="0" smtClean="0"/>
-              <a:t>u </a:t>
-            </a:r>
-            <a:r>
-              <a:rPr lang="en-US" dirty="0" err="1"/>
-              <a:t>yerleri</a:t>
-            </a:r>
-            <a:r>
-              <a:rPr lang="en-US" dirty="0"/>
-              <a:t> </a:t>
-            </a:r>
-            <a:r>
-              <a:rPr lang="en-US" dirty="0" smtClean="0"/>
-              <a:t>dig</a:t>
+              <a:rPr lang="en-US" dirty="0" smtClean="0"/>
+              <a:t> n</a:t>
             </a:r>
             <a:r>
               <a:rPr lang="az-Latn-AZ" dirty="0" smtClean="0"/>
@@ -3777,95 +4827,22 @@
             </a:r>
             <a:r>
               <a:rPr lang="en-US" dirty="0" smtClean="0"/>
-              <a:t>r </a:t>
-            </a:r>
-            <a:r>
-              <a:rPr lang="en-US" dirty="0"/>
-              <a:t>string </a:t>
-            </a:r>
-            <a:r>
-              <a:rPr lang="en-US" dirty="0" smtClean="0"/>
-              <a:t>d</a:t>
+              <a:t>tic</a:t>
             </a:r>
             <a:r>
               <a:rPr lang="az-Latn-AZ" dirty="0" smtClean="0"/>
               <a:t>ə</a:t>
             </a:r>
             <a:r>
-              <a:rPr lang="en-US" dirty="0" smtClean="0"/>
-              <a:t>y</a:t>
-            </a:r>
-            <a:r>
-              <a:rPr lang="az-Latn-AZ" dirty="0" smtClean="0"/>
-              <a:t>ə</a:t>
-            </a:r>
-            <a:r>
-              <a:rPr lang="en-US" dirty="0" err="1" smtClean="0"/>
-              <a:t>ri</a:t>
-            </a:r>
-            <a:r>
-              <a:rPr lang="az-Latn-AZ" dirty="0" smtClean="0"/>
-              <a:t> i</a:t>
-            </a:r>
-            <a:r>
-              <a:rPr lang="en-US" dirty="0" smtClean="0"/>
-              <a:t>l</a:t>
-            </a:r>
-            <a:r>
-              <a:rPr lang="az-Latn-AZ" dirty="0" smtClean="0"/>
-              <a:t>ə</a:t>
-            </a:r>
-            <a:r>
-              <a:rPr lang="en-US" dirty="0" smtClean="0"/>
-              <a:t> d</a:t>
-            </a:r>
-            <a:r>
-              <a:rPr lang="az-Latn-AZ" dirty="0" smtClean="0"/>
-              <a:t>ə</a:t>
-            </a:r>
-            <a:r>
-              <a:rPr lang="en-US" dirty="0" err="1" smtClean="0"/>
-              <a:t>yi</a:t>
-            </a:r>
-            <a:r>
-              <a:rPr lang="az-Latn-AZ" dirty="0" smtClean="0"/>
-              <a:t>ş</a:t>
-            </a:r>
-            <a:r>
-              <a:rPr lang="en-US" dirty="0" err="1" smtClean="0"/>
-              <a:t>ir</a:t>
-            </a:r>
-            <a:r>
-              <a:rPr lang="en-US" dirty="0" err="1"/>
-              <a:t>.</a:t>
-            </a:r>
-            <a:endParaRPr lang="en-US" dirty="0"/>
-          </a:p>
-          <a:p>
-            <a:r>
-              <a:rPr lang="en-US" dirty="0"/>
-              <a:t>Ex: SELECT REPLACE('</a:t>
-            </a:r>
-            <a:r>
-              <a:rPr lang="en-US" dirty="0" err="1"/>
-              <a:t>abcdefghicde</a:t>
-            </a:r>
-            <a:r>
-              <a:rPr lang="en-US" dirty="0"/>
-              <a:t>','</a:t>
-            </a:r>
-            <a:r>
-              <a:rPr lang="en-US" dirty="0" err="1"/>
-              <a:t>cde</a:t>
-            </a:r>
-            <a:r>
-              <a:rPr lang="en-US" dirty="0"/>
-              <a:t>','xxx');     ---   </a:t>
-            </a:r>
-            <a:r>
-              <a:rPr lang="en-US" dirty="0" err="1"/>
-              <a:t>abxxxfghixxx</a:t>
-            </a:r>
+              <a:rPr lang="en-US" dirty="0" err="1" smtClean="0"/>
+              <a:t>si</a:t>
+            </a:r>
+            <a:r>
+              <a:rPr lang="en-US" dirty="0"/>
+              <a:t>=(aca)</a:t>
+            </a:r>
+          </a:p>
+          <a:p>
             <a:endParaRPr lang="en-US" dirty="0"/>
           </a:p>
         </p:txBody>
@@ -3873,7 +4850,7 @@
     </p:spTree>
     <p:extLst>
       <p:ext uri="{BB962C8B-B14F-4D97-AF65-F5344CB8AC3E}">
-        <p14:creationId xmlns:p14="http://schemas.microsoft.com/office/powerpoint/2010/main" val="2151041029"/>
+        <p14:creationId xmlns:p14="http://schemas.microsoft.com/office/powerpoint/2010/main" val="3590252498"/>
       </p:ext>
     </p:extLst>
   </p:cSld>
@@ -3917,7 +4894,7 @@
           <a:p>
             <a:r>
               <a:rPr lang="en-US" dirty="0" smtClean="0"/>
-              <a:t>REVERSE()</a:t>
+              <a:t>LEN()</a:t>
             </a:r>
             <a:endParaRPr lang="en-US" dirty="0"/>
           </a:p>
@@ -3940,7 +4917,7 @@
           <a:p>
             <a:r>
               <a:rPr lang="en-US" dirty="0"/>
-              <a:t>REVERSE ( </a:t>
+              <a:t>LEN ( </a:t>
             </a:r>
             <a:r>
               <a:rPr lang="en-US" dirty="0" err="1"/>
@@ -3948,87 +4925,226 @@
             </a:r>
             <a:r>
               <a:rPr lang="en-US" dirty="0"/>
-              <a:t> ) </a:t>
-            </a:r>
-            <a:endParaRPr lang="en-US" dirty="0" smtClean="0"/>
-          </a:p>
-          <a:p>
-            <a:r>
-              <a:rPr lang="en-US" dirty="0" smtClean="0"/>
-              <a:t>Returns the reverse order of a string value.</a:t>
-            </a:r>
-          </a:p>
-          <a:p>
+              <a:t> </a:t>
+            </a:r>
+            <a:r>
+              <a:rPr lang="en-US" dirty="0" smtClean="0"/>
+              <a:t>)</a:t>
+            </a:r>
+          </a:p>
+          <a:p>
+            <a:r>
+              <a:rPr lang="en-US" dirty="0" smtClean="0"/>
+              <a:t>Returns </a:t>
+            </a:r>
+            <a:r>
+              <a:rPr lang="en-US" dirty="0"/>
+              <a:t>the number of characters of the specified string expression, excluding trailing blanks.</a:t>
+            </a:r>
+          </a:p>
+          <a:p>
+            <a:r>
+              <a:rPr lang="en-US" dirty="0" smtClean="0"/>
+              <a:t>ex: </a:t>
+            </a:r>
+            <a:r>
+              <a:rPr lang="az-Latn-AZ" dirty="0"/>
+              <a:t>SELECT </a:t>
+            </a:r>
+            <a:r>
+              <a:rPr lang="en-US" dirty="0" smtClean="0"/>
+              <a:t>LEN </a:t>
+            </a:r>
+            <a:r>
+              <a:rPr lang="en-US" dirty="0"/>
+              <a:t>('academy')</a:t>
+            </a:r>
+          </a:p>
+          <a:p>
+            <a:r>
+              <a:rPr lang="en-US" dirty="0" smtClean="0"/>
+              <a:t>Go </a:t>
+            </a:r>
+            <a:r>
+              <a:rPr lang="en-US" dirty="0" err="1" smtClean="0"/>
+              <a:t>ets</a:t>
+            </a:r>
+            <a:r>
+              <a:rPr lang="az-Latn-AZ" dirty="0" smtClean="0"/>
+              <a:t>ə</a:t>
+            </a:r>
+            <a:r>
+              <a:rPr lang="en-US" dirty="0" smtClean="0"/>
+              <a:t>k </a:t>
+            </a:r>
             <a:r>
               <a:rPr lang="en-US" dirty="0" err="1"/>
-              <a:t>Verilmi</a:t>
-            </a:r>
-            <a:r>
-              <a:rPr lang="az-Latn-AZ" dirty="0"/>
-              <a:t>ş</a:t>
+              <a:t>bu</a:t>
+            </a:r>
+            <a:r>
+              <a:rPr lang="en-US" dirty="0"/>
+              <a:t> zaman (academy) </a:t>
+            </a:r>
+            <a:r>
+              <a:rPr lang="en-US" dirty="0" smtClean="0"/>
+              <a:t>s</a:t>
+            </a:r>
+            <a:r>
+              <a:rPr lang="az-Latn-AZ" dirty="0" smtClean="0"/>
+              <a:t>ö</a:t>
+            </a:r>
+            <a:r>
+              <a:rPr lang="en-US" dirty="0" smtClean="0"/>
+              <a:t>z</a:t>
+            </a:r>
+            <a:r>
+              <a:rPr lang="az-Latn-AZ" dirty="0" smtClean="0"/>
+              <a:t>ü</a:t>
+            </a:r>
+            <a:r>
+              <a:rPr lang="en-US" dirty="0" smtClean="0"/>
+              <a:t>n</a:t>
+            </a:r>
+            <a:r>
+              <a:rPr lang="az-Latn-AZ" dirty="0" smtClean="0"/>
+              <a:t>ü</a:t>
+            </a:r>
+            <a:r>
+              <a:rPr lang="en-US" dirty="0" smtClean="0"/>
+              <a:t>n h</a:t>
+            </a:r>
+            <a:r>
+              <a:rPr lang="az-Latn-AZ" dirty="0" smtClean="0"/>
+              <a:t>ə</a:t>
+            </a:r>
+            <a:r>
+              <a:rPr lang="en-US" dirty="0" err="1" smtClean="0"/>
+              <a:t>rfl</a:t>
+            </a:r>
+            <a:r>
+              <a:rPr lang="az-Latn-AZ" dirty="0" smtClean="0"/>
+              <a:t>ə</a:t>
+            </a:r>
+            <a:r>
+              <a:rPr lang="en-US" dirty="0" err="1" smtClean="0"/>
+              <a:t>rin</a:t>
+            </a:r>
+            <a:r>
+              <a:rPr lang="az-Latn-AZ" dirty="0" smtClean="0"/>
+              <a:t>in</a:t>
+            </a:r>
+            <a:r>
+              <a:rPr lang="en-US" dirty="0" smtClean="0"/>
+              <a:t> say</a:t>
+            </a:r>
+            <a:r>
+              <a:rPr lang="az-Latn-AZ" dirty="0" smtClean="0"/>
+              <a:t>ı</a:t>
+            </a:r>
+            <a:r>
+              <a:rPr lang="en-US" dirty="0" smtClean="0"/>
+              <a:t>n</a:t>
+            </a:r>
+            <a:r>
+              <a:rPr lang="az-Latn-AZ" dirty="0" smtClean="0"/>
+              <a:t>ı</a:t>
+            </a:r>
+            <a:r>
+              <a:rPr lang="en-US" dirty="0" smtClean="0"/>
+              <a:t> biz</a:t>
+            </a:r>
+            <a:r>
+              <a:rPr lang="az-Latn-AZ" dirty="0" smtClean="0"/>
+              <a:t>ə</a:t>
+            </a:r>
+            <a:r>
+              <a:rPr lang="en-US" dirty="0" smtClean="0"/>
+              <a:t>  r</a:t>
+            </a:r>
+            <a:r>
+              <a:rPr lang="az-Latn-AZ" dirty="0" smtClean="0"/>
+              <a:t>ə</a:t>
+            </a:r>
+            <a:r>
+              <a:rPr lang="en-US" dirty="0" smtClean="0"/>
+              <a:t>q</a:t>
+            </a:r>
+            <a:r>
+              <a:rPr lang="az-Latn-AZ" dirty="0" smtClean="0"/>
+              <a:t>ə</a:t>
+            </a:r>
+            <a:r>
+              <a:rPr lang="en-US" dirty="0" smtClean="0"/>
+              <a:t>m </a:t>
+            </a:r>
+            <a:r>
+              <a:rPr lang="en-US" dirty="0" err="1"/>
+              <a:t>olaraq</a:t>
             </a:r>
             <a:r>
               <a:rPr lang="en-US" dirty="0"/>
               <a:t> </a:t>
             </a:r>
             <a:r>
-              <a:rPr lang="az-Latn-AZ" dirty="0" smtClean="0"/>
-              <a:t>s</a:t>
-            </a:r>
-            <a:r>
-              <a:rPr lang="en-US" dirty="0" err="1" smtClean="0"/>
-              <a:t>tring’in</a:t>
-            </a:r>
-            <a:r>
-              <a:rPr lang="en-US" dirty="0" smtClean="0"/>
+              <a:rPr lang="en-US" dirty="0" err="1"/>
+              <a:t>geri</a:t>
+            </a:r>
+            <a:r>
+              <a:rPr lang="en-US" dirty="0"/>
               <a:t> </a:t>
             </a:r>
             <a:r>
-              <a:rPr lang="az-Latn-AZ" dirty="0" err="1"/>
+              <a:rPr lang="en-US" dirty="0" err="1" smtClean="0"/>
+              <a:t>qaytarir</a:t>
+            </a:r>
+            <a:r>
+              <a:rPr lang="az-Latn-AZ" dirty="0" smtClean="0"/>
+              <a:t>.</a:t>
+            </a:r>
+            <a:r>
+              <a:rPr lang="en-US" dirty="0" smtClean="0"/>
+              <a:t> </a:t>
+            </a:r>
+            <a:r>
+              <a:rPr lang="en-US" dirty="0"/>
+              <a:t>academy=7 </a:t>
+            </a:r>
+            <a:r>
+              <a:rPr lang="en-US" dirty="0" smtClean="0"/>
+              <a:t>h</a:t>
+            </a:r>
+            <a:r>
+              <a:rPr lang="az-Latn-AZ" dirty="0" smtClean="0"/>
               <a:t>ə</a:t>
             </a:r>
             <a:r>
               <a:rPr lang="en-US" dirty="0" err="1" smtClean="0"/>
-              <a:t>ksini</a:t>
-            </a:r>
-            <a:r>
-              <a:rPr lang="en-US" dirty="0" smtClean="0"/>
-              <a:t> </a:t>
-            </a:r>
-            <a:r>
-              <a:rPr lang="en-US" dirty="0" err="1" smtClean="0"/>
-              <a:t>qaytar</a:t>
-            </a:r>
-            <a:r>
-              <a:rPr lang="az-Latn-AZ" dirty="0" smtClean="0"/>
-              <a:t>ı</a:t>
-            </a:r>
-            <a:r>
-              <a:rPr lang="en-US" dirty="0" smtClean="0"/>
-              <a:t>r</a:t>
-            </a:r>
-            <a:endParaRPr lang="en-US" dirty="0"/>
-          </a:p>
-          <a:p>
-            <a:r>
-              <a:rPr lang="en-US" dirty="0"/>
-              <a:t>Ex: SELECT REVERSE ( '</a:t>
-            </a:r>
-            <a:r>
-              <a:rPr lang="en-US" dirty="0" err="1"/>
-              <a:t>abbbbbbe</a:t>
-            </a:r>
-            <a:r>
-              <a:rPr lang="en-US" dirty="0"/>
-              <a:t>' ); --- </a:t>
-            </a:r>
-            <a:r>
-              <a:rPr lang="en-US" dirty="0" err="1"/>
-              <a:t>ebbbbbba</a:t>
-            </a:r>
-            <a:endParaRPr lang="en-US" dirty="0"/>
-          </a:p>
-          <a:p>
+              <a:t>rfd</a:t>
+            </a:r>
+            <a:r>
+              <a:rPr lang="az-Latn-AZ" dirty="0" smtClean="0"/>
+              <a:t>ə</a:t>
+            </a:r>
+            <a:r>
+              <a:rPr lang="en-US" dirty="0" smtClean="0"/>
+              <a:t>n </a:t>
+            </a:r>
+            <a:r>
+              <a:rPr lang="en-US" dirty="0" err="1" smtClean="0"/>
+              <a:t>ibar</a:t>
+            </a:r>
+            <a:r>
+              <a:rPr lang="az-Latn-AZ" dirty="0" smtClean="0"/>
+              <a:t>ə</a:t>
+            </a:r>
+            <a:r>
+              <a:rPr lang="en-US" dirty="0" err="1" smtClean="0"/>
+              <a:t>tdir</a:t>
+            </a:r>
+            <a:r>
+              <a:rPr lang="en-US" dirty="0" smtClean="0"/>
+              <a:t>.</a:t>
+            </a:r>
             <a:endParaRPr lang="en-US" dirty="0"/>
           </a:p>
         </p:txBody>
@@ -4036,7 +5152,7 @@
     </p:spTree>
     <p:extLst>
       <p:ext uri="{BB962C8B-B14F-4D97-AF65-F5344CB8AC3E}">
-        <p14:creationId xmlns:p14="http://schemas.microsoft.com/office/powerpoint/2010/main" val="45182876"/>
+        <p14:creationId xmlns:p14="http://schemas.microsoft.com/office/powerpoint/2010/main" val="1211281115"/>
       </p:ext>
     </p:extLst>
   </p:cSld>
@@ -4080,7 +5196,7 @@
           <a:p>
             <a:r>
               <a:rPr lang="en-US" dirty="0" smtClean="0"/>
-              <a:t>RIGHT()</a:t>
+              <a:t>LOWER()</a:t>
             </a:r>
             <a:endParaRPr lang="en-US" dirty="0"/>
           </a:p>
@@ -4103,7 +5219,7 @@
           <a:p>
             <a:r>
               <a:rPr lang="en-US" dirty="0"/>
-              <a:t>RIGHT ( </a:t>
+              <a:t>LOWER ( </a:t>
             </a:r>
             <a:r>
               <a:rPr lang="en-US" dirty="0" err="1"/>
@@ -4111,84 +5227,242 @@
             </a:r>
             <a:r>
               <a:rPr lang="en-US" dirty="0"/>
-              <a:t> , </a:t>
+              <a:t> ) </a:t>
+            </a:r>
+            <a:endParaRPr lang="en-US" dirty="0" smtClean="0"/>
+          </a:p>
+          <a:p>
+            <a:r>
+              <a:rPr lang="en-US" dirty="0" smtClean="0"/>
+              <a:t>Returns </a:t>
+            </a:r>
+            <a:r>
+              <a:rPr lang="en-US" dirty="0"/>
+              <a:t>a character expression after converting uppercase character data to lowercase.</a:t>
+            </a:r>
+          </a:p>
+          <a:p>
+            <a:r>
+              <a:rPr lang="en-US" dirty="0" smtClean="0"/>
+              <a:t>ex: </a:t>
+            </a:r>
+            <a:r>
+              <a:rPr lang="az-Latn-AZ" dirty="0" smtClean="0"/>
+              <a:t>SELECT LO</a:t>
+            </a:r>
+            <a:r>
+              <a:rPr lang="en-US" dirty="0" smtClean="0"/>
+              <a:t>W</a:t>
+            </a:r>
+            <a:r>
+              <a:rPr lang="az-Latn-AZ" dirty="0" smtClean="0"/>
+              <a:t>ER</a:t>
+            </a:r>
+            <a:r>
+              <a:rPr lang="en-US" dirty="0" smtClean="0"/>
+              <a:t> ('Aca</a:t>
+            </a:r>
+            <a:r>
+              <a:rPr lang="az-Latn-AZ" dirty="0" smtClean="0"/>
+              <a:t>D</a:t>
+            </a:r>
+            <a:r>
+              <a:rPr lang="en-US" dirty="0" err="1" smtClean="0"/>
+              <a:t>emy</a:t>
+            </a:r>
+            <a:r>
+              <a:rPr lang="en-US" dirty="0"/>
+              <a:t>')</a:t>
+            </a:r>
+          </a:p>
+          <a:p>
+            <a:r>
+              <a:rPr lang="en-US" dirty="0" smtClean="0"/>
+              <a:t>Go </a:t>
+            </a:r>
+            <a:r>
+              <a:rPr lang="en-US" dirty="0" err="1" smtClean="0"/>
+              <a:t>ets</a:t>
+            </a:r>
+            <a:r>
+              <a:rPr lang="az-Latn-AZ" dirty="0" smtClean="0"/>
+              <a:t>ə</a:t>
+            </a:r>
+            <a:r>
+              <a:rPr lang="en-US" dirty="0" smtClean="0"/>
+              <a:t>k </a:t>
             </a:r>
             <a:r>
               <a:rPr lang="en-US" dirty="0" err="1"/>
-              <a:t>integer_expression</a:t>
-            </a:r>
-            <a:r>
-              <a:rPr lang="en-US" dirty="0"/>
-              <a:t> ) </a:t>
-            </a:r>
-            <a:endParaRPr lang="en-US" dirty="0" smtClean="0"/>
-          </a:p>
-          <a:p>
-            <a:r>
-              <a:rPr lang="en-US" dirty="0" smtClean="0"/>
-              <a:t>Returns </a:t>
-            </a:r>
-            <a:r>
-              <a:rPr lang="en-US" dirty="0"/>
-              <a:t>the right part of a character string with the specified number of characters.</a:t>
-            </a:r>
-          </a:p>
-          <a:p>
-            <a:r>
-              <a:rPr lang="en-US" dirty="0" err="1" smtClean="0"/>
-              <a:t>Verilmi</a:t>
-            </a:r>
-            <a:r>
-              <a:rPr lang="az-Latn-AZ" dirty="0"/>
+              <a:t>bu</a:t>
+            </a:r>
+            <a:r>
+              <a:rPr lang="en-US" dirty="0"/>
+              <a:t> zaman (</a:t>
+            </a:r>
+            <a:r>
+              <a:rPr lang="en-US" dirty="0" smtClean="0"/>
+              <a:t>Aca</a:t>
+            </a:r>
+            <a:r>
+              <a:rPr lang="az-Latn-AZ" dirty="0" smtClean="0"/>
+              <a:t>D</a:t>
+            </a:r>
+            <a:r>
+              <a:rPr lang="en-US" dirty="0" err="1" smtClean="0"/>
+              <a:t>emy</a:t>
+            </a:r>
+            <a:r>
+              <a:rPr lang="en-US" dirty="0"/>
+              <a:t>) </a:t>
+            </a:r>
+            <a:r>
+              <a:rPr lang="en-US" dirty="0" smtClean="0"/>
+              <a:t>s</a:t>
+            </a:r>
+            <a:r>
+              <a:rPr lang="az-Latn-AZ" dirty="0" smtClean="0"/>
+              <a:t>ö</a:t>
+            </a:r>
+            <a:r>
+              <a:rPr lang="en-US" dirty="0" smtClean="0"/>
+              <a:t>z</a:t>
+            </a:r>
+            <a:r>
+              <a:rPr lang="az-Latn-AZ" dirty="0" smtClean="0"/>
+              <a:t>ü</a:t>
+            </a:r>
+            <a:r>
+              <a:rPr lang="en-US" dirty="0" smtClean="0"/>
+              <a:t>n</a:t>
+            </a:r>
+            <a:r>
+              <a:rPr lang="az-Latn-AZ" dirty="0" smtClean="0"/>
+              <a:t>ü</a:t>
+            </a:r>
+            <a:r>
+              <a:rPr lang="en-US" dirty="0" smtClean="0"/>
+              <a:t>n b</a:t>
+            </a:r>
+            <a:r>
+              <a:rPr lang="az-Latn-AZ" dirty="0" smtClean="0"/>
+              <a:t>ö</a:t>
+            </a:r>
+            <a:r>
+              <a:rPr lang="en-US" dirty="0" smtClean="0"/>
+              <a:t>y</a:t>
+            </a:r>
+            <a:r>
+              <a:rPr lang="az-Latn-AZ" dirty="0" smtClean="0"/>
+              <a:t>ü</a:t>
+            </a:r>
+            <a:r>
+              <a:rPr lang="en-US" dirty="0" smtClean="0"/>
+              <a:t>k </a:t>
+            </a:r>
+            <a:r>
+              <a:rPr lang="en-US" dirty="0" err="1" smtClean="0"/>
+              <a:t>yaz</a:t>
+            </a:r>
+            <a:r>
+              <a:rPr lang="az-Latn-AZ" dirty="0" smtClean="0"/>
+              <a:t>ı</a:t>
+            </a:r>
+            <a:r>
+              <a:rPr lang="en-US" dirty="0" smtClean="0"/>
+              <a:t>lm</a:t>
+            </a:r>
+            <a:r>
+              <a:rPr lang="az-Latn-AZ" dirty="0" smtClean="0"/>
+              <a:t>ış</a:t>
+            </a:r>
+            <a:r>
+              <a:rPr lang="en-US" dirty="0" smtClean="0"/>
+              <a:t> h</a:t>
+            </a:r>
+            <a:r>
+              <a:rPr lang="az-Latn-AZ" dirty="0" smtClean="0"/>
+              <a:t>ə</a:t>
+            </a:r>
+            <a:r>
+              <a:rPr lang="en-US" dirty="0" err="1" smtClean="0"/>
+              <a:t>rf</a:t>
+            </a:r>
+            <a:r>
+              <a:rPr lang="az-Latn-AZ" dirty="0" smtClean="0"/>
+              <a:t>ləri</a:t>
+            </a:r>
+            <a:r>
+              <a:rPr lang="en-US" dirty="0" err="1" smtClean="0"/>
+              <a:t>ni</a:t>
+            </a:r>
+            <a:r>
+              <a:rPr lang="en-US" dirty="0" smtClean="0"/>
+              <a:t> </a:t>
+            </a:r>
+            <a:r>
+              <a:rPr lang="en-US" dirty="0" err="1" smtClean="0"/>
+              <a:t>ki</a:t>
+            </a:r>
+            <a:r>
+              <a:rPr lang="az-Latn-AZ" dirty="0" smtClean="0"/>
+              <a:t>ç</a:t>
+            </a:r>
+            <a:r>
+              <a:rPr lang="en-US" dirty="0" err="1" smtClean="0"/>
+              <a:t>ik</a:t>
+            </a:r>
+            <a:r>
+              <a:rPr lang="en-US" dirty="0" smtClean="0"/>
+              <a:t> </a:t>
+            </a:r>
+            <a:r>
+              <a:rPr lang="en-US" dirty="0" err="1" smtClean="0"/>
+              <a:t>yazar</a:t>
+            </a:r>
+            <a:r>
+              <a:rPr lang="az-Latn-AZ" dirty="0" smtClean="0"/>
+              <a:t>a</a:t>
+            </a:r>
+            <a:r>
+              <a:rPr lang="en-US" dirty="0" smtClean="0"/>
+              <a:t>q </a:t>
+            </a:r>
+            <a:r>
+              <a:rPr lang="en-US" dirty="0" err="1"/>
+              <a:t>geri</a:t>
+            </a:r>
+            <a:r>
+              <a:rPr lang="en-US" dirty="0"/>
+              <a:t> </a:t>
+            </a:r>
+            <a:r>
+              <a:rPr lang="en-US" dirty="0" err="1" smtClean="0"/>
+              <a:t>qaytaraca</a:t>
+            </a:r>
+            <a:r>
+              <a:rPr lang="az-Latn-AZ" dirty="0" smtClean="0"/>
+              <a:t>q.</a:t>
+            </a:r>
+            <a:r>
+              <a:rPr lang="en-US" dirty="0" smtClean="0"/>
+              <a:t> </a:t>
+            </a:r>
+            <a:r>
+              <a:rPr lang="en-US" dirty="0"/>
+              <a:t>(academy) </a:t>
+            </a:r>
+            <a:r>
+              <a:rPr lang="az-Latn-AZ" dirty="0" smtClean="0"/>
               <a:t>ş</a:t>
-            </a:r>
-            <a:r>
-              <a:rPr lang="en-US" dirty="0" smtClean="0"/>
-              <a:t> </a:t>
-            </a:r>
-            <a:r>
-              <a:rPr lang="en-US" dirty="0" err="1"/>
-              <a:t>string’in</a:t>
-            </a:r>
-            <a:r>
-              <a:rPr lang="en-US" dirty="0"/>
-              <a:t> </a:t>
-            </a:r>
-            <a:r>
-              <a:rPr lang="en-US" dirty="0" err="1" smtClean="0"/>
-              <a:t>sa</a:t>
-            </a:r>
-            <a:r>
-              <a:rPr lang="az-Latn-AZ" dirty="0" smtClean="0"/>
-              <a:t>ğ</a:t>
-            </a:r>
-            <a:r>
-              <a:rPr lang="en-US" dirty="0" err="1" smtClean="0"/>
-              <a:t>dan</a:t>
-            </a:r>
-            <a:r>
-              <a:rPr lang="en-US" dirty="0" smtClean="0"/>
-              <a:t> </a:t>
-            </a:r>
-            <a:r>
-              <a:rPr lang="en-US" dirty="0" err="1" smtClean="0"/>
-              <a:t>veril</a:t>
-            </a:r>
-            <a:r>
-              <a:rPr lang="az-Latn-AZ" dirty="0" smtClean="0"/>
-              <a:t>ə</a:t>
-            </a:r>
-            <a:r>
-              <a:rPr lang="en-US" dirty="0" smtClean="0"/>
-              <a:t>n r</a:t>
             </a:r>
             <a:r>
               <a:rPr lang="az-Latn-AZ" dirty="0"/>
               <a:t>ə</a:t>
             </a:r>
             <a:r>
-              <a:rPr lang="en-US" dirty="0" smtClean="0"/>
-              <a:t>q</a:t>
+              <a:rPr lang="en-US" dirty="0" err="1" smtClean="0"/>
+              <a:t>klind</a:t>
             </a:r>
             <a:r>
               <a:rPr lang="az-Latn-AZ" dirty="0" smtClean="0"/>
@@ -4196,7 +5470,11 @@
             </a:r>
             <a:r>
               <a:rPr lang="en-US" dirty="0" smtClean="0"/>
-              <a:t>m q</a:t>
+              <a:t> </a:t>
+            </a:r>
+            <a:r>
+              <a:rPr lang="en-US" dirty="0" err="1" smtClean="0"/>
+              <a:t>ver</a:t>
             </a:r>
             <a:r>
               <a:rPr lang="az-Latn-AZ" dirty="0" smtClean="0"/>
@@ -4204,7 +5482,7 @@
             </a:r>
             <a:r>
               <a:rPr lang="en-US" dirty="0" smtClean="0"/>
-              <a:t>d</a:t>
+              <a:t>c</a:t>
             </a:r>
             <a:r>
               <a:rPr lang="az-Latn-AZ" dirty="0" smtClean="0"/>
@@ -4212,27 +5490,7 @@
             </a:r>
             <a:r>
               <a:rPr lang="en-US" dirty="0" smtClean="0"/>
-              <a:t>r </a:t>
-            </a:r>
-            <a:r>
-              <a:rPr lang="en-US" dirty="0" err="1"/>
-              <a:t>character’ini</a:t>
-            </a:r>
-            <a:r>
-              <a:rPr lang="en-US" dirty="0"/>
-              <a:t> </a:t>
-            </a:r>
-            <a:r>
-              <a:rPr lang="en-US" dirty="0" err="1" smtClean="0"/>
-              <a:t>qaytar</a:t>
-            </a:r>
-            <a:r>
-              <a:rPr lang="az-Latn-AZ" dirty="0" smtClean="0"/>
-              <a:t>ı</a:t>
-            </a:r>
-            <a:r>
-              <a:rPr lang="en-US" dirty="0" smtClean="0"/>
-              <a:t>r</a:t>
+              <a:t>k</a:t>
             </a:r>
             <a:r>
               <a:rPr lang="en-US" dirty="0"/>
@@ -4240,22 +5498,9 @@
             </a:r>
           </a:p>
           <a:p>
-            <a:r>
-              <a:rPr lang="en-US" dirty="0"/>
-              <a:t>Ex: SELECT RIGHT ( '</a:t>
-            </a:r>
-            <a:r>
-              <a:rPr lang="en-US" dirty="0" err="1"/>
-              <a:t>manchester</a:t>
-            </a:r>
-            <a:r>
-              <a:rPr lang="en-US" dirty="0"/>
-              <a:t>' , 4 ); --- </a:t>
-            </a:r>
-            <a:r>
-              <a:rPr lang="en-US" dirty="0" err="1"/>
-              <a:t>ster</a:t>
-            </a:r>
+            <a:endParaRPr lang="en-US" dirty="0"/>
+          </a:p>
+          <a:p>
             <a:endParaRPr lang="en-US" dirty="0"/>
           </a:p>
         </p:txBody>
@@ -4263,7 +5508,7 @@
     </p:spTree>
     <p:extLst>
       <p:ext uri="{BB962C8B-B14F-4D97-AF65-F5344CB8AC3E}">
-        <p14:creationId xmlns:p14="http://schemas.microsoft.com/office/powerpoint/2010/main" val="192234209"/>
+        <p14:creationId xmlns:p14="http://schemas.microsoft.com/office/powerpoint/2010/main" val="2522478752"/>
       </p:ext>
     </p:extLst>
   </p:cSld>
@@ -4307,7 +5552,7 @@
           <a:p>
             <a:r>
               <a:rPr lang="en-US" dirty="0" smtClean="0"/>
-              <a:t>RTRIM()</a:t>
+              <a:t>LTRIM()</a:t>
             </a:r>
             <a:endParaRPr lang="en-US" dirty="0"/>
           </a:p>
@@ -4330,7 +5575,7 @@
           <a:p>
             <a:r>
               <a:rPr lang="en-US" dirty="0"/>
-              <a:t>RTRIM ( </a:t>
+              <a:t>LTRIM ( </a:t>
             </a:r>
             <a:r>
               <a:rPr lang="en-US" dirty="0" err="1"/>
@@ -4338,9 +5583,12 @@
             </a:r>
             <a:r>
               <a:rPr lang="en-US" dirty="0"/>
-              <a:t> ) </a:t>
-            </a:r>
-            <a:endParaRPr lang="en-US" dirty="0" smtClean="0"/>
+              <a:t> </a:t>
+            </a:r>
+            <a:r>
+              <a:rPr lang="en-US" dirty="0" smtClean="0"/>
+              <a:t>)</a:t>
+            </a:r>
           </a:p>
           <a:p>
             <a:r>
@@ -4349,21 +5597,84 @@
             </a:r>
             <a:r>
               <a:rPr lang="en-US" dirty="0"/>
-              <a:t>a character string after truncating all trailing spaces.</a:t>
-            </a:r>
-          </a:p>
-          <a:p>
+              <a:t>a character expression after it removes leading blanks.</a:t>
+            </a:r>
+          </a:p>
+          <a:p>
+            <a:r>
+              <a:rPr lang="en-US" dirty="0" smtClean="0"/>
+              <a:t>ex: </a:t>
+            </a:r>
+            <a:r>
+              <a:rPr lang="az-Latn-AZ" dirty="0"/>
+              <a:t>SELECT </a:t>
+            </a:r>
+            <a:r>
+              <a:rPr lang="en-US" dirty="0" smtClean="0"/>
+              <a:t>LTRIM (</a:t>
+            </a:r>
+            <a:r>
+              <a:rPr lang="en-US" dirty="0"/>
+              <a:t>'</a:t>
+            </a:r>
+            <a:r>
+              <a:rPr lang="en-US" dirty="0" smtClean="0"/>
+              <a:t>              Academy</a:t>
+            </a:r>
+            <a:r>
+              <a:rPr lang="en-US" dirty="0"/>
+              <a:t>') </a:t>
+            </a:r>
+            <a:endParaRPr lang="az-Latn-AZ" dirty="0" smtClean="0"/>
+          </a:p>
+          <a:p>
+            <a:r>
+              <a:rPr lang="en-US" dirty="0" smtClean="0"/>
+              <a:t>Go </a:t>
+            </a:r>
+            <a:r>
+              <a:rPr lang="en-US" dirty="0" err="1" smtClean="0"/>
+              <a:t>ets</a:t>
+            </a:r>
+            <a:r>
+              <a:rPr lang="az-Latn-AZ" dirty="0"/>
+              <a:t>ə</a:t>
+            </a:r>
+            <a:r>
+              <a:rPr lang="en-US" dirty="0" smtClean="0"/>
+              <a:t>k biz</a:t>
+            </a:r>
+            <a:r>
+              <a:rPr lang="az-Latn-AZ" dirty="0" smtClean="0"/>
+              <a:t>ə</a:t>
+            </a:r>
+            <a:r>
+              <a:rPr lang="en-US" dirty="0" smtClean="0"/>
+              <a:t> </a:t>
+            </a:r>
+            <a:r>
+              <a:rPr lang="en-US" dirty="0"/>
+              <a:t>('Academy') </a:t>
+            </a:r>
             <a:r>
               <a:rPr lang="en-US" dirty="0" err="1"/>
-              <a:t>Sonda</a:t>
+              <a:t>olaraq</a:t>
             </a:r>
             <a:r>
               <a:rPr lang="en-US" dirty="0"/>
               <a:t> </a:t>
             </a:r>
             <a:r>
-              <a:rPr lang="en-US" dirty="0" smtClean="0"/>
-              <a:t>g</a:t>
+              <a:rPr lang="en-US" dirty="0" err="1"/>
+              <a:t>geri</a:t>
+            </a:r>
+            <a:r>
+              <a:rPr lang="en-US" dirty="0"/>
+              <a:t> </a:t>
+            </a:r>
+            <a:r>
+              <a:rPr lang="en-US" dirty="0" err="1" smtClean="0"/>
+              <a:t>ver</a:t>
             </a:r>
             <a:r>
               <a:rPr lang="az-Latn-AZ" dirty="0" smtClean="0"/>
@@ -4371,60 +5682,16 @@
             </a:r>
             <a:r>
               <a:rPr lang="en-US" dirty="0" smtClean="0"/>
-              <a:t>l</a:t>
+              <a:t>c</a:t>
             </a:r>
             <a:r>
               <a:rPr lang="az-Latn-AZ" dirty="0" smtClean="0"/>
               <a:t>ə</a:t>
             </a:r>
             <a:r>
-              <a:rPr lang="en-US" dirty="0" smtClean="0"/>
-              <a:t>n </a:t>
-            </a:r>
-            <a:r>
-              <a:rPr lang="en-US" dirty="0" err="1" smtClean="0"/>
-              <a:t>bo</a:t>
-            </a:r>
-            <a:r>
-              <a:rPr lang="az-Latn-AZ" dirty="0" smtClean="0"/>
-              <a:t>ş</a:t>
-            </a:r>
-            <a:r>
-              <a:rPr lang="en-US" dirty="0" err="1" smtClean="0"/>
-              <a:t>luqlar</a:t>
-            </a:r>
-            <a:r>
-              <a:rPr lang="az-Latn-AZ" dirty="0" smtClean="0"/>
-              <a:t>ı</a:t>
-            </a:r>
-            <a:r>
-              <a:rPr lang="en-US" dirty="0" smtClean="0"/>
-              <a:t> </a:t>
-            </a:r>
-            <a:r>
-              <a:rPr lang="en-US" dirty="0" err="1"/>
-              <a:t>silir</a:t>
-            </a:r>
-            <a:r>
-              <a:rPr lang="en-US" dirty="0"/>
-              <a:t>.</a:t>
-            </a:r>
-          </a:p>
-          <a:p>
-            <a:r>
-              <a:rPr lang="en-US" dirty="0"/>
-              <a:t>Ex: SELECT RTRIM ( '</a:t>
-            </a:r>
-            <a:r>
-              <a:rPr lang="en-US" dirty="0" err="1"/>
-              <a:t>manchester</a:t>
-            </a:r>
-            <a:r>
-              <a:rPr lang="en-US" dirty="0"/>
-              <a:t>        ' ); --- Manchester</a:t>
-            </a:r>
-          </a:p>
-          <a:p>
+              <a:rPr lang="en-US" dirty="0" err="1" smtClean="0"/>
+              <a:t>kdir</a:t>
+            </a:r>
             <a:endParaRPr lang="en-US" dirty="0"/>
           </a:p>
         </p:txBody>
@@ -4432,7 +5699,7 @@
     </p:spTree>
     <p:extLst>
       <p:ext uri="{BB962C8B-B14F-4D97-AF65-F5344CB8AC3E}">
-        <p14:creationId xmlns:p14="http://schemas.microsoft.com/office/powerpoint/2010/main" val="1490355619"/>
+        <p14:creationId xmlns:p14="http://schemas.microsoft.com/office/powerpoint/2010/main" val="3247118641"/>
       </p:ext>
     </p:extLst>
   </p:cSld>
@@ -4476,7 +5743,7 @@
           <a:p>
             <a:r>
               <a:rPr lang="en-US" dirty="0" smtClean="0"/>
-              <a:t>SOUNDEX()</a:t>
+              <a:t>REPLACE()</a:t>
             </a:r>
             <a:endParaRPr lang="en-US" dirty="0"/>
           </a:p>
@@ -4494,16 +5761,34 @@
         </p:nvSpPr>
         <p:spPr/>
         <p:txBody>
-          <a:bodyPr/>
-          <a:lstStyle/>
-          <a:p>
-            <a:r>
-              <a:rPr lang="en-US" dirty="0"/>
-              <a:t>SOUNDEX ( </a:t>
+          <a:bodyPr>
+            <a:normAutofit/>
+          </a:bodyPr>
+          <a:lstStyle/>
+          <a:p>
+            <a:r>
+              <a:rPr lang="en-US" dirty="0"/>
+              <a:t>REPLACE ( </a:t>
             </a:r>
             <a:r>
               <a:rPr lang="en-US" dirty="0" err="1"/>
-              <a:t>character_expression</a:t>
+              <a:t>string_expression</a:t>
+            </a:r>
+            <a:r>
+              <a:rPr lang="en-US" dirty="0"/>
+              <a:t> , </a:t>
+            </a:r>
+            <a:r>
+              <a:rPr lang="en-US" dirty="0" err="1"/>
+              <a:t>string_pattern</a:t>
+            </a:r>
+            <a:r>
+              <a:rPr lang="en-US" dirty="0"/>
+              <a:t> , </a:t>
+            </a:r>
+            <a:r>
+              <a:rPr lang="en-US" dirty="0" err="1"/>
+              <a:t>string_replacement</a:t>
             </a:r>
             <a:r>
               <a:rPr lang="en-US" dirty="0"/>
@@ -4514,203 +5799,189 @@
           <a:p>
             <a:r>
               <a:rPr lang="en-US" dirty="0" smtClean="0"/>
-              <a:t>Returns </a:t>
-            </a:r>
-            <a:r>
-              <a:rPr lang="en-US" dirty="0"/>
-              <a:t>a four-character (SOUNDEX) code to evaluate the similarity of two strings.</a:t>
-            </a:r>
-          </a:p>
-          <a:p>
-            <a:r>
-              <a:rPr lang="en-US" dirty="0" err="1" smtClean="0"/>
-              <a:t>String</a:t>
+              <a:t>Replaces </a:t>
+            </a:r>
+            <a:r>
+              <a:rPr lang="en-US" dirty="0"/>
+              <a:t>all occurrences of a specified string value with another string value.</a:t>
+            </a:r>
+          </a:p>
+          <a:p>
+            <a:r>
+              <a:rPr lang="en-US" dirty="0" err="1" smtClean="0"/>
+              <a:t>Verilmi</a:t>
+            </a:r>
+            <a:r>
+              <a:rPr lang="az-Latn-AZ" dirty="0" smtClean="0"/>
+              <a:t>ş</a:t>
+            </a:r>
+            <a:r>
+              <a:rPr lang="en-US" dirty="0" smtClean="0"/>
+              <a:t> ‘string’ d</a:t>
+            </a:r>
+            <a:r>
+              <a:rPr lang="az-Latn-AZ" dirty="0" smtClean="0"/>
+              <a:t>ə</a:t>
+            </a:r>
+            <a:r>
+              <a:rPr lang="en-US" dirty="0" smtClean="0"/>
+              <a:t>y</a:t>
+            </a:r>
+            <a:r>
+              <a:rPr lang="az-Latn-AZ" dirty="0" smtClean="0"/>
+              <a:t>ə</a:t>
+            </a:r>
+            <a:r>
+              <a:rPr lang="en-US" dirty="0" err="1" smtClean="0"/>
+              <a:t>rinin</a:t>
+            </a:r>
+            <a:r>
+              <a:rPr lang="en-US" dirty="0" smtClean="0"/>
+              <a:t> b</a:t>
+            </a:r>
+            <a:r>
+              <a:rPr lang="az-Latn-AZ" dirty="0" smtClean="0"/>
+              <a:t>ü</a:t>
+            </a:r>
+            <a:r>
+              <a:rPr lang="en-US" dirty="0" smtClean="0"/>
+              <a:t>t</a:t>
+            </a:r>
+            <a:r>
+              <a:rPr lang="az-Latn-AZ" dirty="0" smtClean="0"/>
+              <a:t>ü</a:t>
+            </a:r>
+            <a:r>
+              <a:rPr lang="en-US" dirty="0" smtClean="0"/>
+              <a:t>n </a:t>
+            </a:r>
+            <a:r>
+              <a:rPr lang="en-US" dirty="0" err="1" smtClean="0"/>
+              <a:t>oldu</a:t>
+            </a:r>
+            <a:r>
+              <a:rPr lang="az-Latn-AZ" dirty="0" smtClean="0"/>
+              <a:t>ğ</a:t>
+            </a:r>
+            <a:r>
+              <a:rPr lang="en-US" dirty="0" smtClean="0"/>
+              <a:t>u </a:t>
             </a:r>
             <a:r>
               <a:rPr lang="en-US" dirty="0" err="1"/>
-              <a:t>’</a:t>
-            </a:r>
-            <a:r>
-              <a:rPr lang="en-US" dirty="0" err="1" smtClean="0"/>
-              <a:t>in</a:t>
-            </a:r>
-            <a:r>
-              <a:rPr lang="en-US" dirty="0" smtClean="0"/>
+              <a:t>yerleri</a:t>
+            </a:r>
+            <a:r>
+              <a:rPr lang="en-US" dirty="0"/>
               <a:t> </a:t>
             </a:r>
             <a:r>
-              <a:rPr lang="en-US" dirty="0"/>
-              <a:t>4 </a:t>
-            </a:r>
-            <a:r>
-              <a:rPr lang="en-US" dirty="0" smtClean="0"/>
-              <a:t>r</a:t>
-            </a:r>
-            <a:r>
-              <a:rPr lang="az-Latn-AZ" dirty="0" smtClean="0"/>
-              <a:t>əqə</a:t>
-            </a:r>
-            <a:r>
-              <a:rPr lang="en-US" dirty="0" smtClean="0"/>
-              <a:t>mli </a:t>
-            </a:r>
-            <a:r>
-              <a:rPr lang="en-US" dirty="0"/>
-              <a:t>SOUNDEX </a:t>
+              <a:rPr lang="en-US" dirty="0" smtClean="0"/>
+              <a:t>dig</a:t>
+            </a:r>
+            <a:r>
+              <a:rPr lang="az-Latn-AZ" dirty="0" smtClean="0"/>
+              <a:t>ə</a:t>
+            </a:r>
+            <a:r>
+              <a:rPr lang="en-US" dirty="0" smtClean="0"/>
+              <a:t>r </a:t>
+            </a:r>
+            <a:r>
+              <a:rPr lang="en-US" dirty="0"/>
+              <a:t>string </a:t>
+            </a:r>
+            <a:r>
+              <a:rPr lang="en-US" dirty="0" smtClean="0"/>
+              <a:t>d</a:t>
+            </a:r>
+            <a:r>
+              <a:rPr lang="az-Latn-AZ" dirty="0" smtClean="0"/>
+              <a:t>ə</a:t>
+            </a:r>
+            <a:r>
+              <a:rPr lang="en-US" dirty="0" smtClean="0"/>
+              <a:t>y</a:t>
+            </a:r>
+            <a:r>
+              <a:rPr lang="az-Latn-AZ" dirty="0" smtClean="0"/>
+              <a:t>ə</a:t>
+            </a:r>
+            <a:r>
+              <a:rPr lang="en-US" dirty="0" err="1" smtClean="0"/>
+              <a:t>ri</a:t>
+            </a:r>
+            <a:r>
+              <a:rPr lang="az-Latn-AZ" dirty="0" smtClean="0"/>
+              <a:t> i</a:t>
+            </a:r>
+            <a:r>
+              <a:rPr lang="en-US" dirty="0" smtClean="0"/>
+              <a:t>l</a:t>
+            </a:r>
+            <a:r>
+              <a:rPr lang="az-Latn-AZ" dirty="0" smtClean="0"/>
+              <a:t>ə</a:t>
+            </a:r>
+            <a:r>
+              <a:rPr lang="en-US" dirty="0" smtClean="0"/>
+              <a:t> d</a:t>
+            </a:r>
+            <a:r>
+              <a:rPr lang="az-Latn-AZ" dirty="0" smtClean="0"/>
+              <a:t>ə</a:t>
+            </a:r>
+            <a:r>
+              <a:rPr lang="en-US" dirty="0" err="1" smtClean="0"/>
+              <a:t>yi</a:t>
+            </a:r>
+            <a:r>
+              <a:rPr lang="az-Latn-AZ" dirty="0" smtClean="0"/>
+              <a:t>ş</a:t>
+            </a:r>
+            <a:r>
+              <a:rPr lang="en-US" dirty="0" err="1" smtClean="0"/>
+              <a:t>ir</a:t>
             </a:r>
             <a:r>
               <a:rPr lang="en-US" dirty="0" err="1"/>
-              <a:t>kodunu</a:t>
-            </a:r>
-            <a:r>
-              <a:rPr lang="en-US" dirty="0"/>
-              <a:t> </a:t>
-            </a:r>
-            <a:r>
-              <a:rPr lang="en-US" dirty="0" err="1" smtClean="0"/>
-              <a:t>qaytar</a:t>
-            </a:r>
-            <a:r>
-              <a:rPr lang="az-Latn-AZ" dirty="0" smtClean="0"/>
-              <a:t>ı</a:t>
-            </a:r>
-            <a:r>
-              <a:rPr lang="en-US" dirty="0" smtClean="0"/>
-              <a:t>r</a:t>
-            </a:r>
-            <a:r>
-              <a:rPr lang="en-US" dirty="0"/>
-              <a:t>, </a:t>
-            </a:r>
-            <a:r>
-              <a:rPr lang="en-US" dirty="0" err="1" smtClean="0"/>
-              <a:t>hans</a:t>
-            </a:r>
-            <a:r>
-              <a:rPr lang="az-Latn-AZ" dirty="0" smtClean="0"/>
-              <a:t>ı</a:t>
-            </a:r>
-            <a:r>
-              <a:rPr lang="en-US" dirty="0" smtClean="0"/>
-              <a:t> </a:t>
+              <a:t>.</a:t>
+            </a:r>
+            <a:endParaRPr lang="en-US" dirty="0"/>
+          </a:p>
+          <a:p>
+            <a:r>
+              <a:rPr lang="en-US" dirty="0"/>
+              <a:t>Ex: SELECT REPLACE('</a:t>
             </a:r>
             <a:r>
               <a:rPr lang="en-US" dirty="0" err="1"/>
-              <a:t>ki</a:t>
-            </a:r>
-            <a:r>
-              <a:rPr lang="en-US" dirty="0"/>
-              <a:t>, </a:t>
+              <a:t>abcdefghicde</a:t>
+            </a:r>
+            <a:r>
+              <a:rPr lang="en-US" dirty="0"/>
+              <a:t>','</a:t>
             </a:r>
             <a:r>
               <a:rPr lang="en-US" dirty="0" err="1"/>
-              <a:t>iki</a:t>
-            </a:r>
-            <a:r>
-              <a:rPr lang="en-US" dirty="0"/>
-              <a:t> </a:t>
-            </a:r>
-            <a:r>
-              <a:rPr lang="en-US" dirty="0" err="1" smtClean="0"/>
-              <a:t>string</a:t>
+              <a:t>cde</a:t>
+            </a:r>
+            <a:r>
+              <a:rPr lang="en-US" dirty="0"/>
+              <a:t>','xxx');     ---   </a:t>
             </a:r>
             <a:r>
               <a:rPr lang="en-US" dirty="0" err="1"/>
-              <a:t>’</a:t>
-            </a:r>
-            <a:r>
-              <a:rPr lang="en-US" dirty="0" err="1" smtClean="0"/>
-              <a:t>in</a:t>
-            </a:r>
-            <a:r>
-              <a:rPr lang="en-US" dirty="0" smtClean="0"/>
-              <a:t> f</a:t>
-            </a:r>
-            <a:r>
-              <a:rPr lang="az-Latn-AZ" dirty="0" smtClean="0"/>
-              <a:t>ə</a:t>
-            </a:r>
-            <a:r>
-              <a:rPr lang="en-US" dirty="0" err="1" smtClean="0"/>
-              <a:t>qlilikl</a:t>
-            </a:r>
-            <a:r>
-              <a:rPr lang="az-Latn-AZ" dirty="0" smtClean="0"/>
-              <a:t>ə</a:t>
-            </a:r>
-            <a:r>
-              <a:rPr lang="en-US" dirty="0" err="1" smtClean="0"/>
-              <a:t>rini</a:t>
-            </a:r>
-            <a:r>
-              <a:rPr lang="en-US" dirty="0" smtClean="0"/>
-              <a:t> b</a:t>
-            </a:r>
-            <a:r>
-              <a:rPr lang="az-Latn-AZ" dirty="0" smtClean="0"/>
-              <a:t>ə</a:t>
-            </a:r>
-            <a:r>
-              <a:rPr lang="en-US" dirty="0" err="1" smtClean="0"/>
-              <a:t>lirl</a:t>
-            </a:r>
-            <a:r>
-              <a:rPr lang="az-Latn-AZ" dirty="0" smtClean="0"/>
-              <a:t>ə</a:t>
-            </a:r>
-            <a:r>
-              <a:rPr lang="en-US" dirty="0" smtClean="0"/>
-              <a:t>m</a:t>
-            </a:r>
-            <a:r>
-              <a:rPr lang="az-Latn-AZ" dirty="0" smtClean="0"/>
-              <a:t>ə</a:t>
-            </a:r>
-            <a:r>
-              <a:rPr lang="en-US" dirty="0" smtClean="0"/>
-              <a:t>k </a:t>
-            </a:r>
-            <a:r>
-              <a:rPr lang="az-Latn-AZ" dirty="0" smtClean="0"/>
-              <a:t>üçü</a:t>
-            </a:r>
-            <a:r>
-              <a:rPr lang="en-US" dirty="0" smtClean="0"/>
-              <a:t>n </a:t>
-            </a:r>
-            <a:r>
-              <a:rPr lang="en-US" dirty="0" err="1" smtClean="0"/>
-              <a:t>istifad</a:t>
-            </a:r>
-            <a:r>
-              <a:rPr lang="az-Latn-AZ" dirty="0" smtClean="0"/>
-              <a:t>ə</a:t>
-            </a:r>
-            <a:r>
-              <a:rPr lang="en-US" dirty="0" smtClean="0"/>
-              <a:t> </a:t>
-            </a:r>
-            <a:r>
-              <a:rPr lang="en-US" dirty="0" err="1"/>
-              <a:t>olunur</a:t>
-            </a:r>
-            <a:r>
-              <a:rPr lang="en-US" dirty="0"/>
-              <a:t>.</a:t>
-            </a:r>
-          </a:p>
-          <a:p>
-            <a:r>
-              <a:rPr lang="en-US" dirty="0"/>
-              <a:t>Ex: SELECT SOUNDEX ('Smith`s'); --- S532</a:t>
-            </a:r>
+              <a:t>abxxxfghixxx</a:t>
+            </a:r>
+            <a:endParaRPr lang="en-US" dirty="0"/>
           </a:p>
         </p:txBody>
       </p:sp>
     </p:spTree>
     <p:extLst>
       <p:ext uri="{BB962C8B-B14F-4D97-AF65-F5344CB8AC3E}">
-        <p14:creationId xmlns:p14="http://schemas.microsoft.com/office/powerpoint/2010/main" val="2121278848"/>
+        <p14:creationId xmlns:p14="http://schemas.microsoft.com/office/powerpoint/2010/main" val="2151041029"/>
       </p:ext>
     </p:extLst>
   </p:cSld>
@@ -4754,7 +6025,7 @@
           <a:p>
             <a:r>
               <a:rPr lang="en-US" dirty="0" smtClean="0"/>
-              <a:t>SPACE()</a:t>
+              <a:t>REVERSE()</a:t>
             </a:r>
             <a:endParaRPr lang="en-US" dirty="0"/>
           </a:p>
@@ -4777,11 +6048,11 @@
           <a:p>
             <a:r>
               <a:rPr lang="en-US" dirty="0"/>
-              <a:t>SPACE ( </a:t>
+              <a:t>REVERSE ( </a:t>
             </a:r>
             <a:r>
               <a:rPr lang="en-US" dirty="0" err="1"/>
-              <a:t>integer_expression</a:t>
+              <a:t>string_expression</a:t>
             </a:r>
             <a:r>
               <a:rPr lang="en-US" dirty="0"/>
@@ -4792,69 +6063,41 @@
           <a:p>
             <a:r>
               <a:rPr lang="en-US" dirty="0" smtClean="0"/>
-              <a:t>Returns </a:t>
-            </a:r>
-            <a:r>
-              <a:rPr lang="en-US" dirty="0"/>
-              <a:t>a string of repeated spaces.</a:t>
-            </a:r>
-          </a:p>
-          <a:p>
-            <a:r>
-              <a:rPr lang="en-US" dirty="0" err="1" smtClean="0"/>
-              <a:t>Veril</a:t>
-            </a:r>
-            <a:r>
-              <a:rPr lang="az-Latn-AZ" dirty="0" smtClean="0"/>
+              <a:t>Returns the reverse order of a string value.</a:t>
+            </a:r>
+          </a:p>
+          <a:p>
+            <a:r>
+              <a:rPr lang="en-US" dirty="0" err="1"/>
+              <a:t>Verilmi</a:t>
+            </a:r>
+            <a:r>
+              <a:rPr lang="az-Latn-AZ" dirty="0"/>
+              <a:t>ş</a:t>
+            </a:r>
+            <a:r>
+              <a:rPr lang="en-US" dirty="0"/>
+              <a:t> </a:t>
+            </a:r>
+            <a:r>
+              <a:rPr lang="az-Latn-AZ" dirty="0" smtClean="0"/>
+              <a:t>s</a:t>
+            </a:r>
+            <a:r>
+              <a:rPr lang="en-US" dirty="0" err="1" smtClean="0"/>
+              <a:t>tring’in</a:t>
+            </a:r>
+            <a:r>
+              <a:rPr lang="en-US" dirty="0" smtClean="0"/>
+              <a:t> </a:t>
+            </a:r>
+            <a:r>
+              <a:rPr lang="az-Latn-AZ" dirty="0" err="1"/>
               <a:t>ə</a:t>
             </a:r>
             <a:r>
-              <a:rPr lang="en-US" dirty="0" smtClean="0"/>
-              <a:t>n </a:t>
-            </a:r>
-            <a:r>
-              <a:rPr lang="az-Latn-AZ" dirty="0"/>
-              <a:t>ə</a:t>
-            </a:r>
-            <a:r>
-              <a:rPr lang="en-US" dirty="0" smtClean="0"/>
-              <a:t>d</a:t>
-            </a:r>
-            <a:r>
-              <a:rPr lang="az-Latn-AZ" dirty="0" smtClean="0"/>
-              <a:t>ə</a:t>
-            </a:r>
-            <a:r>
-              <a:rPr lang="en-US" dirty="0" smtClean="0"/>
-              <a:t>d q</a:t>
-            </a:r>
-            <a:r>
-              <a:rPr lang="az-Latn-AZ" dirty="0" smtClean="0"/>
-              <a:t>ə</a:t>
-            </a:r>
-            <a:r>
-              <a:rPr lang="en-US" dirty="0" smtClean="0"/>
-              <a:t>d</a:t>
-            </a:r>
-            <a:r>
-              <a:rPr lang="az-Latn-AZ" dirty="0"/>
-              <a:t>ə</a:t>
-            </a:r>
-            <a:r>
-              <a:rPr lang="en-US" dirty="0" smtClean="0"/>
-              <a:t>r </a:t>
-            </a:r>
-            <a:r>
-              <a:rPr lang="en-US" dirty="0" err="1" smtClean="0"/>
-              <a:t>bo</a:t>
-            </a:r>
-            <a:r>
-              <a:rPr lang="az-Latn-AZ" dirty="0" smtClean="0"/>
-              <a:t>ş</a:t>
-            </a:r>
-            <a:r>
-              <a:rPr lang="en-US" dirty="0" err="1" smtClean="0"/>
-              <a:t>luq</a:t>
+              <a:rPr lang="en-US" dirty="0" err="1" smtClean="0"/>
+              <a:t>ksini</a:t>
             </a:r>
             <a:r>
               <a:rPr lang="en-US" dirty="0" smtClean="0"/>
@@ -4872,23 +6115,36 @@
               <a:rPr lang="en-US" dirty="0" smtClean="0"/>
               <a:t>r</a:t>
             </a:r>
-            <a:r>
-              <a:rPr lang="en-US" dirty="0"/>
-              <a:t>.</a:t>
-            </a:r>
-          </a:p>
-          <a:p>
-            <a:r>
-              <a:rPr lang="en-US" dirty="0"/>
-              <a:t>Ex: SELECT SPACE(5) --- ‘     ’</a:t>
-            </a:r>
+            <a:endParaRPr lang="en-US" dirty="0"/>
+          </a:p>
+          <a:p>
+            <a:r>
+              <a:rPr lang="en-US" dirty="0"/>
+              <a:t>Ex: SELECT REVERSE ( '</a:t>
+            </a:r>
+            <a:r>
+              <a:rPr lang="en-US" dirty="0" err="1"/>
+              <a:t>abbbbbbe</a:t>
+            </a:r>
+            <a:r>
+              <a:rPr lang="en-US" dirty="0"/>
+              <a:t>' ); --- </a:t>
+            </a:r>
+            <a:r>
+              <a:rPr lang="en-US" dirty="0" err="1"/>
+              <a:t>ebbbbbba</a:t>
+            </a:r>
+            <a:endParaRPr lang="en-US" dirty="0"/>
+          </a:p>
+          <a:p>
+            <a:endParaRPr lang="en-US" dirty="0"/>
           </a:p>
         </p:txBody>
       </p:sp>
     </p:spTree>
     <p:extLst>
       <p:ext uri="{BB962C8B-B14F-4D97-AF65-F5344CB8AC3E}">
-        <p14:creationId xmlns:p14="http://schemas.microsoft.com/office/powerpoint/2010/main" val="3701004642"/>
+        <p14:creationId xmlns:p14="http://schemas.microsoft.com/office/powerpoint/2010/main" val="45182876"/>
       </p:ext>
     </p:extLst>
   </p:cSld>
@@ -4932,7 +6188,7 @@
           <a:p>
             <a:r>
               <a:rPr lang="en-US" dirty="0" smtClean="0"/>
-              <a:t>SUBSTRING()</a:t>
+              <a:t>RIGHT()</a:t>
             </a:r>
             <a:endParaRPr lang="en-US" dirty="0"/>
           </a:p>
@@ -4955,7 +6211,23 @@
           <a:p>
             <a:r>
               <a:rPr lang="en-US" dirty="0"/>
-              <a:t>SUBSTRING ( expression ,start , length ) </a:t>
+              <a:t>RIGHT ( </a:t>
+            </a:r>
+            <a:r>
+              <a:rPr lang="en-US" dirty="0" err="1"/>
+              <a:t>character_expression</a:t>
+            </a:r>
+            <a:r>
+              <a:rPr lang="en-US" dirty="0"/>
+              <a:t> , </a:t>
+            </a:r>
+            <a:r>
+              <a:rPr lang="en-US" dirty="0" err="1"/>
+              <a:t>integer_expression</a:t>
+            </a:r>
+            <a:r>
+              <a:rPr lang="en-US" dirty="0"/>
+              <a:t> ) </a:t>
             </a:r>
             <a:endParaRPr lang="en-US" dirty="0" smtClean="0"/>
           </a:p>
@@ -4966,43 +6238,99 @@
             </a:r>
             <a:r>
               <a:rPr lang="en-US" dirty="0"/>
-              <a:t>part of a character, binary, text, or image expression in SQL Server.</a:t>
-            </a:r>
-          </a:p>
-          <a:p>
+              <a:t>the right part of a character string with the specified number of characters.</a:t>
+            </a:r>
+          </a:p>
+          <a:p>
+            <a:r>
+              <a:rPr lang="en-US" dirty="0" err="1" smtClean="0"/>
+              <a:t>Verilmi</a:t>
+            </a:r>
+            <a:r>
+              <a:rPr lang="az-Latn-AZ" dirty="0"/>
+              <a:t>ş</a:t>
+            </a:r>
+            <a:r>
+              <a:rPr lang="en-US" dirty="0" smtClean="0"/>
+              <a:t> </a:t>
+            </a:r>
             <a:r>
               <a:rPr lang="en-US" dirty="0" err="1"/>
-              <a:t>String’in</a:t>
+              <a:t>string’in</a:t>
             </a:r>
             <a:r>
               <a:rPr lang="en-US" dirty="0"/>
               <a:t> </a:t>
             </a:r>
             <a:r>
+              <a:rPr lang="en-US" dirty="0" err="1" smtClean="0"/>
+              <a:t>sa</a:t>
+            </a:r>
+            <a:r>
+              <a:rPr lang="az-Latn-AZ" dirty="0" smtClean="0"/>
+              <a:t>ğ</a:t>
+            </a:r>
+            <a:r>
+              <a:rPr lang="en-US" dirty="0" err="1" smtClean="0"/>
+              <a:t>dan</a:t>
+            </a:r>
+            <a:r>
+              <a:rPr lang="en-US" dirty="0" smtClean="0"/>
+              <a:t> </a:t>
+            </a:r>
+            <a:r>
+              <a:rPr lang="en-US" dirty="0" err="1" smtClean="0"/>
+              <a:t>veril</a:t>
+            </a:r>
+            <a:r>
+              <a:rPr lang="az-Latn-AZ" dirty="0" smtClean="0"/>
+              <a:t>ə</a:t>
+            </a:r>
+            <a:r>
+              <a:rPr lang="en-US" dirty="0" smtClean="0"/>
+              <a:t>n r</a:t>
+            </a:r>
+            <a:r>
+              <a:rPr lang="az-Latn-AZ" dirty="0"/>
+              <a:t>ə</a:t>
+            </a:r>
+            <a:r>
+              <a:rPr lang="en-US" dirty="0" smtClean="0"/>
+              <a:t>q</a:t>
+            </a:r>
+            <a:r>
+              <a:rPr lang="az-Latn-AZ" dirty="0" smtClean="0"/>
+              <a:t>ə</a:t>
+            </a:r>
+            <a:r>
+              <a:rPr lang="en-US" dirty="0" smtClean="0"/>
+              <a:t>m q</a:t>
+            </a:r>
+            <a:r>
+              <a:rPr lang="az-Latn-AZ" dirty="0" smtClean="0"/>
+              <a:t>ə</a:t>
+            </a:r>
+            <a:r>
+              <a:rPr lang="en-US" dirty="0" smtClean="0"/>
+              <a:t>d</a:t>
+            </a:r>
+            <a:r>
+              <a:rPr lang="az-Latn-AZ" dirty="0" smtClean="0"/>
+              <a:t>ə</a:t>
+            </a:r>
+            <a:r>
+              <a:rPr lang="en-US" dirty="0" smtClean="0"/>
+              <a:t>r </a:t>
+            </a:r>
+            <a:r>
               <a:rPr lang="en-US" dirty="0" err="1"/>
-              <a:t>bir</a:t>
+              <a:t>character’ini</a:t>
             </a:r>
             <a:r>
               <a:rPr lang="en-US" dirty="0"/>
               <a:t> </a:t>
             </a:r>
             <a:r>
-              <a:rPr lang="en-US" dirty="0" smtClean="0"/>
-              <a:t>hiss</a:t>
-            </a:r>
-            <a:r>
-              <a:rPr lang="az-Latn-AZ" dirty="0" smtClean="0"/>
-              <a:t>ə</a:t>
-            </a:r>
-            <a:r>
-              <a:rPr lang="en-US" dirty="0" err="1" smtClean="0"/>
-              <a:t>sini</a:t>
-            </a:r>
-            <a:r>
-              <a:rPr lang="en-US" dirty="0" smtClean="0"/>
-              <a:t> </a:t>
-            </a:r>
-            <a:r>
               <a:rPr lang="en-US" dirty="0" err="1" smtClean="0"/>
               <a:t>qaytar</a:t>
             </a:r>
@@ -5016,97 +6344,25 @@
             </a:r>
             <a:r>
               <a:rPr lang="en-US" dirty="0"/>
-              <a:t>. String, </a:t>
-            </a:r>
-            <a:r>
-              <a:rPr lang="en-US" dirty="0" err="1" smtClean="0"/>
-              <a:t>ba</a:t>
-            </a:r>
-            <a:r>
-              <a:rPr lang="az-Latn-AZ" dirty="0" smtClean="0"/>
-              <a:t>ş</a:t>
-            </a:r>
-            <a:r>
-              <a:rPr lang="en-US" dirty="0" smtClean="0"/>
-              <a:t>lama n</a:t>
-            </a:r>
-            <a:r>
-              <a:rPr lang="az-Latn-AZ" dirty="0" smtClean="0"/>
-              <a:t>ö</a:t>
-            </a:r>
-            <a:r>
-              <a:rPr lang="en-US" dirty="0" err="1" smtClean="0"/>
-              <a:t>qtes</a:t>
-            </a:r>
-            <a:r>
-              <a:rPr lang="az-Latn-AZ" dirty="0"/>
-              <a:t>i</a:t>
-            </a:r>
-            <a:r>
-              <a:rPr lang="en-US" dirty="0" smtClean="0"/>
-              <a:t> v</a:t>
-            </a:r>
-            <a:r>
-              <a:rPr lang="az-Latn-AZ" dirty="0" smtClean="0"/>
-              <a:t>ə</a:t>
-            </a:r>
-            <a:r>
-              <a:rPr lang="en-US" dirty="0" smtClean="0"/>
-              <a:t> </a:t>
-            </a:r>
-            <a:r>
-              <a:rPr lang="en-US" dirty="0"/>
-              <a:t>character </a:t>
-            </a:r>
-            <a:r>
-              <a:rPr lang="en-US" dirty="0" smtClean="0"/>
-              <a:t>say</a:t>
-            </a:r>
-            <a:r>
-              <a:rPr lang="az-Latn-AZ" dirty="0" smtClean="0"/>
-              <a:t>ı</a:t>
-            </a:r>
-            <a:r>
-              <a:rPr lang="en-US" dirty="0" smtClean="0"/>
-              <a:t> </a:t>
-            </a:r>
-            <a:r>
-              <a:rPr lang="en-US" dirty="0" err="1" smtClean="0"/>
-              <a:t>verilm</a:t>
-            </a:r>
-            <a:r>
-              <a:rPr lang="az-Latn-AZ" dirty="0" smtClean="0"/>
-              <a:t>ə</a:t>
-            </a:r>
-            <a:r>
-              <a:rPr lang="en-US" dirty="0" err="1" smtClean="0"/>
-              <a:t>lidir</a:t>
-            </a:r>
-            <a:r>
-              <a:rPr lang="en-US" dirty="0"/>
               <a:t>.</a:t>
             </a:r>
           </a:p>
           <a:p>
             <a:r>
               <a:rPr lang="en-US" dirty="0"/>
-              <a:t>Ex: SELECT SUBSTRING('</a:t>
+              <a:t>Ex: SELECT RIGHT ( '</a:t>
             </a:r>
             <a:r>
               <a:rPr lang="en-US" dirty="0" err="1"/>
-              <a:t>abcdef</a:t>
-            </a:r>
-            <a:r>
-              <a:rPr lang="en-US" dirty="0"/>
-              <a:t>', 2, 4); --- ‘</a:t>
+              <a:t>manchester</a:t>
+            </a:r>
+            <a:r>
+              <a:rPr lang="en-US" dirty="0"/>
+              <a:t>' , 4 ); --- </a:t>
             </a:r>
             <a:r>
               <a:rPr lang="en-US" dirty="0" err="1"/>
-              <a:t>bcde</a:t>
-            </a:r>
-            <a:r>
-              <a:rPr lang="en-US" dirty="0"/>
-              <a:t>’</a:t>
+              <a:t>ster</a:t>
             </a:r>
             <a:endParaRPr lang="en-US" dirty="0"/>
           </a:p>
@@ -5115,7 +6371,7 @@
     </p:spTree>
     <p:extLst>
       <p:ext uri="{BB962C8B-B14F-4D97-AF65-F5344CB8AC3E}">
-        <p14:creationId xmlns:p14="http://schemas.microsoft.com/office/powerpoint/2010/main" val="2117518436"/>
+        <p14:creationId xmlns:p14="http://schemas.microsoft.com/office/powerpoint/2010/main" val="192234209"/>
       </p:ext>
     </p:extLst>
   </p:cSld>
@@ -5159,7 +6415,7 @@
           <a:p>
             <a:r>
               <a:rPr lang="en-US" dirty="0" smtClean="0"/>
-              <a:t>TRIM()</a:t>
+              <a:t>RTRIM()</a:t>
             </a:r>
             <a:endParaRPr lang="en-US" dirty="0"/>
           </a:p>
@@ -5177,50 +6433,61 @@
         </p:nvSpPr>
         <p:spPr/>
         <p:txBody>
-          <a:bodyPr>
-            <a:normAutofit fontScale="92500" lnSpcReduction="20000"/>
-          </a:bodyPr>
-          <a:lstStyle/>
-          <a:p>
-            <a:r>
-              <a:rPr lang="en-US" dirty="0"/>
-              <a:t>TRIM ( [ characters FROM ] string </a:t>
-            </a:r>
-            <a:r>
-              <a:rPr lang="en-US" dirty="0" smtClean="0"/>
-              <a:t>)</a:t>
-            </a:r>
-          </a:p>
-          <a:p>
-            <a:r>
-              <a:rPr lang="en-US" dirty="0" smtClean="0"/>
-              <a:t>Removes </a:t>
-            </a:r>
-            <a:r>
-              <a:rPr lang="en-US" dirty="0"/>
-              <a:t>the space character char(32) or other specified characters from the start or end of a string.</a:t>
-            </a:r>
-          </a:p>
-          <a:p>
-            <a:r>
-              <a:rPr lang="en-US" dirty="0" smtClean="0"/>
-              <a:t>Sa</a:t>
-            </a:r>
-            <a:r>
-              <a:rPr lang="az-Latn-AZ" dirty="0" smtClean="0"/>
-              <a:t>ğ v</a:t>
-            </a:r>
-            <a:r>
-              <a:rPr lang="en-US" dirty="0" smtClean="0"/>
-              <a:t>e </a:t>
+          <a:bodyPr/>
+          <a:lstStyle/>
+          <a:p>
+            <a:r>
+              <a:rPr lang="en-US" dirty="0"/>
+              <a:t>RTRIM ( </a:t>
             </a:r>
             <a:r>
               <a:rPr lang="en-US" dirty="0" err="1"/>
-              <a:t>solda</a:t>
+              <a:t>character_expression</a:t>
+            </a:r>
+            <a:r>
+              <a:rPr lang="en-US" dirty="0"/>
+              <a:t> ) </a:t>
+            </a:r>
+            <a:endParaRPr lang="en-US" dirty="0" smtClean="0"/>
+          </a:p>
+          <a:p>
+            <a:r>
+              <a:rPr lang="en-US" dirty="0" smtClean="0"/>
+              <a:t>Returns </a:t>
+            </a:r>
+            <a:r>
+              <a:rPr lang="en-US" dirty="0"/>
+              <a:t>a character string after truncating all trailing spaces.</a:t>
+            </a:r>
+          </a:p>
+          <a:p>
+            <a:r>
+              <a:rPr lang="en-US" dirty="0" err="1"/>
+              <a:t>Sonda</a:t>
             </a:r>
             <a:r>
               <a:rPr lang="en-US" dirty="0"/>
               <a:t> </a:t>
+            </a:r>
+            <a:r>
+              <a:rPr lang="en-US" dirty="0" smtClean="0"/>
+              <a:t>g</a:t>
+            </a:r>
+            <a:r>
+              <a:rPr lang="az-Latn-AZ" dirty="0" smtClean="0"/>
+              <a:t>ə</a:t>
+            </a:r>
+            <a:r>
+              <a:rPr lang="en-US" dirty="0" smtClean="0"/>
+              <a:t>l</a:t>
+            </a:r>
+            <a:r>
+              <a:rPr lang="az-Latn-AZ" dirty="0" smtClean="0"/>
+              <a:t>ə</a:t>
+            </a:r>
+            <a:r>
+              <a:rPr lang="en-US" dirty="0" smtClean="0"/>
+              <a:t>n </a:t>
             </a:r>
             <a:r>
               <a:rPr lang="en-US" dirty="0" err="1" smtClean="0"/>
@@ -5248,163 +6515,21 @@
             </a:r>
             <a:r>
               <a:rPr lang="en-US" dirty="0"/>
-              <a:t>. </a:t>
-            </a:r>
-            <a:r>
-              <a:rPr lang="en-US" dirty="0" smtClean="0"/>
-              <a:t>V</a:t>
-            </a:r>
-            <a:r>
-              <a:rPr lang="az-Latn-AZ" dirty="0" smtClean="0"/>
-              <a:t>ə</a:t>
-            </a:r>
-            <a:r>
-              <a:rPr lang="en-US" dirty="0" smtClean="0"/>
-              <a:t> </a:t>
+              <a:t>.</a:t>
+            </a:r>
+          </a:p>
+          <a:p>
+            <a:r>
+              <a:rPr lang="en-US" dirty="0"/>
+              <a:t>Ex: SELECT RTRIM ( '</a:t>
             </a:r>
             <a:r>
               <a:rPr lang="en-US" dirty="0" err="1"/>
-              <a:t>ya</a:t>
-            </a:r>
-            <a:r>
-              <a:rPr lang="en-US" dirty="0"/>
-              <a:t> </a:t>
-            </a:r>
-            <a:r>
-              <a:rPr lang="en-US" dirty="0" err="1" smtClean="0"/>
-              <a:t>sa</a:t>
-            </a:r>
-            <a:r>
-              <a:rPr lang="az-Latn-AZ" dirty="0" smtClean="0"/>
-              <a:t>ğ və</a:t>
-            </a:r>
-            <a:r>
-              <a:rPr lang="en-US" dirty="0" smtClean="0"/>
-              <a:t> </a:t>
-            </a:r>
-            <a:r>
-              <a:rPr lang="en-US" dirty="0" err="1"/>
-              <a:t>solda</a:t>
-            </a:r>
-            <a:r>
-              <a:rPr lang="en-US" dirty="0"/>
-              <a:t> </a:t>
-            </a:r>
-            <a:r>
-              <a:rPr lang="en-US" dirty="0" err="1" smtClean="0"/>
-              <a:t>verilmi</a:t>
-            </a:r>
-            <a:r>
-              <a:rPr lang="az-Latn-AZ" dirty="0" smtClean="0"/>
-              <a:t>ş</a:t>
-            </a:r>
-            <a:r>
-              <a:rPr lang="en-US" dirty="0" smtClean="0"/>
-              <a:t> </a:t>
-            </a:r>
-            <a:r>
-              <a:rPr lang="en-US" dirty="0"/>
-              <a:t>string </a:t>
-            </a:r>
-            <a:r>
-              <a:rPr lang="en-US" dirty="0" smtClean="0"/>
-              <a:t>hiss</a:t>
-            </a:r>
-            <a:r>
-              <a:rPr lang="az-Latn-AZ" dirty="0" smtClean="0"/>
-              <a:t>ə</a:t>
-            </a:r>
-            <a:r>
-              <a:rPr lang="en-US" dirty="0" err="1" smtClean="0"/>
-              <a:t>sini</a:t>
-            </a:r>
-            <a:r>
-              <a:rPr lang="en-US" dirty="0" smtClean="0"/>
-              <a:t> </a:t>
-            </a:r>
-            <a:r>
-              <a:rPr lang="en-US" dirty="0" err="1"/>
-              <a:t>silir</a:t>
-            </a:r>
-            <a:r>
-              <a:rPr lang="en-US" dirty="0"/>
-              <a:t>.</a:t>
-            </a:r>
-          </a:p>
-          <a:p>
-            <a:r>
-              <a:rPr lang="en-US" dirty="0"/>
-              <a:t>Ex: SELECT TRIM( '</a:t>
-            </a:r>
-            <a:r>
-              <a:rPr lang="en-US" dirty="0" err="1"/>
-              <a:t>asdog</a:t>
-            </a:r>
-            <a:r>
-              <a:rPr lang="en-US" dirty="0"/>
-              <a:t>' from '</a:t>
-            </a:r>
-            <a:r>
-              <a:rPr lang="en-US" dirty="0" err="1"/>
-              <a:t>asdog</a:t>
-            </a:r>
-            <a:r>
-              <a:rPr lang="en-US" dirty="0"/>
-              <a:t>    </a:t>
-            </a:r>
-            <a:r>
-              <a:rPr lang="en-US" dirty="0" err="1"/>
-              <a:t>asdf</a:t>
-            </a:r>
-            <a:r>
-              <a:rPr lang="en-US" dirty="0"/>
-              <a:t> . l'); --- ‘    </a:t>
-            </a:r>
-            <a:r>
-              <a:rPr lang="en-US" dirty="0" err="1"/>
-              <a:t>asdf</a:t>
-            </a:r>
-            <a:r>
-              <a:rPr lang="en-US" dirty="0"/>
-              <a:t> . l’</a:t>
-            </a:r>
-          </a:p>
-          <a:p>
-            <a:r>
-              <a:rPr lang="en-US" dirty="0"/>
-              <a:t>Ex: SELECT TRIM('    </a:t>
-            </a:r>
-            <a:r>
-              <a:rPr lang="en-US" dirty="0" err="1"/>
-              <a:t>asdog</a:t>
-            </a:r>
-            <a:r>
-              <a:rPr lang="en-US" dirty="0"/>
-              <a:t> </a:t>
-            </a:r>
-            <a:r>
-              <a:rPr lang="en-US" dirty="0" err="1"/>
-              <a:t>asdf</a:t>
-            </a:r>
-            <a:r>
-              <a:rPr lang="en-US" dirty="0"/>
-              <a:t> . l      '); --- ‘</a:t>
-            </a:r>
-            <a:r>
-              <a:rPr lang="en-US" dirty="0" err="1"/>
-              <a:t>asdog</a:t>
-            </a:r>
-            <a:r>
-              <a:rPr lang="en-US" dirty="0"/>
-              <a:t> </a:t>
-            </a:r>
-            <a:r>
-              <a:rPr lang="en-US" dirty="0" err="1"/>
-              <a:t>asdf</a:t>
-            </a:r>
-            <a:r>
-              <a:rPr lang="en-US" dirty="0"/>
-              <a:t> . l’</a:t>
+              <a:t>manchester</a:t>
+            </a:r>
+            <a:r>
+              <a:rPr lang="en-US" dirty="0"/>
+              <a:t>        ' ); --- Manchester</a:t>
             </a:r>
           </a:p>
           <a:p>
@@ -5415,7 +6540,7 @@
     </p:spTree>
     <p:extLst>
       <p:ext uri="{BB962C8B-B14F-4D97-AF65-F5344CB8AC3E}">
-        <p14:creationId xmlns:p14="http://schemas.microsoft.com/office/powerpoint/2010/main" val="2579123796"/>
+        <p14:creationId xmlns:p14="http://schemas.microsoft.com/office/powerpoint/2010/main" val="1490355619"/>
       </p:ext>
     </p:extLst>
   </p:cSld>

--- a/sql string functions.pptx
+++ b/sql string functions.pptx
@@ -6,20 +6,33 @@
   </p:sldMasterIdLst>
   <p:sldIdLst>
     <p:sldId id="256" r:id="rId2"/>
-    <p:sldId id="267" r:id="rId3"/>
-    <p:sldId id="268" r:id="rId4"/>
-    <p:sldId id="269" r:id="rId5"/>
-    <p:sldId id="270" r:id="rId6"/>
-    <p:sldId id="257" r:id="rId7"/>
-    <p:sldId id="258" r:id="rId8"/>
-    <p:sldId id="259" r:id="rId9"/>
-    <p:sldId id="260" r:id="rId10"/>
-    <p:sldId id="265" r:id="rId11"/>
-    <p:sldId id="264" r:id="rId12"/>
-    <p:sldId id="263" r:id="rId13"/>
-    <p:sldId id="262" r:id="rId14"/>
-    <p:sldId id="261" r:id="rId15"/>
-    <p:sldId id="266" r:id="rId16"/>
+    <p:sldId id="271" r:id="rId3"/>
+    <p:sldId id="272" r:id="rId4"/>
+    <p:sldId id="273" r:id="rId5"/>
+    <p:sldId id="274" r:id="rId6"/>
+    <p:sldId id="275" r:id="rId7"/>
+    <p:sldId id="276" r:id="rId8"/>
+    <p:sldId id="277" r:id="rId9"/>
+    <p:sldId id="267" r:id="rId10"/>
+    <p:sldId id="268" r:id="rId11"/>
+    <p:sldId id="269" r:id="rId12"/>
+    <p:sldId id="270" r:id="rId13"/>
+    <p:sldId id="257" r:id="rId14"/>
+    <p:sldId id="258" r:id="rId15"/>
+    <p:sldId id="259" r:id="rId16"/>
+    <p:sldId id="260" r:id="rId17"/>
+    <p:sldId id="265" r:id="rId18"/>
+    <p:sldId id="278" r:id="rId19"/>
+    <p:sldId id="279" r:id="rId20"/>
+    <p:sldId id="264" r:id="rId21"/>
+    <p:sldId id="280" r:id="rId22"/>
+    <p:sldId id="281" r:id="rId23"/>
+    <p:sldId id="282" r:id="rId24"/>
+    <p:sldId id="283" r:id="rId25"/>
+    <p:sldId id="263" r:id="rId26"/>
+    <p:sldId id="262" r:id="rId27"/>
+    <p:sldId id="261" r:id="rId28"/>
+    <p:sldId id="266" r:id="rId29"/>
   </p:sldIdLst>
   <p:sldSz cx="9144000" cy="6858000" type="screen4x3"/>
   <p:notesSz cx="6858000" cy="9144000"/>
@@ -3296,7 +3309,7 @@
           <a:p>
             <a:r>
               <a:rPr lang="en-US" dirty="0" smtClean="0"/>
-              <a:t>SOUNDEX()</a:t>
+              <a:t>LEN()</a:t>
             </a:r>
             <a:endParaRPr lang="en-US" dirty="0"/>
           </a:p>
@@ -3319,17 +3332,20 @@
           <a:p>
             <a:r>
               <a:rPr lang="en-US" dirty="0"/>
-              <a:t>SOUNDEX ( </a:t>
-            </a:r>
-            <a:r>
-              <a:rPr lang="en-US" dirty="0" err="1"/>
-              <a:t>character_expression</a:t>
-            </a:r>
-            <a:r>
-              <a:rPr lang="en-US" dirty="0"/>
-              <a:t> ) </a:t>
-            </a:r>
-            <a:endParaRPr lang="en-US" dirty="0" smtClean="0"/>
+              <a:t>LEN ( </a:t>
+            </a:r>
+            <a:r>
+              <a:rPr lang="en-US" dirty="0" err="1"/>
+              <a:t>string_expression</a:t>
+            </a:r>
+            <a:r>
+              <a:rPr lang="en-US" dirty="0"/>
+              <a:t> </a:t>
+            </a:r>
+            <a:r>
+              <a:rPr lang="en-US" dirty="0" smtClean="0"/>
+              <a:t>)</a:t>
+            </a:r>
           </a:p>
           <a:p>
             <a:r>
@@ -3338,57 +3354,103 @@
             </a:r>
             <a:r>
               <a:rPr lang="en-US" dirty="0"/>
-              <a:t>a four-character (SOUNDEX) code to evaluate the similarity of two strings.</a:t>
-            </a:r>
-          </a:p>
-          <a:p>
-            <a:r>
-              <a:rPr lang="en-US" dirty="0" err="1" smtClean="0"/>
-              <a:t>String</a:t>
-            </a:r>
-            <a:r>
-              <a:rPr lang="en-US" dirty="0" err="1"/>
-              <a:t>’</a:t>
-            </a:r>
-            <a:r>
-              <a:rPr lang="en-US" dirty="0" err="1" smtClean="0"/>
+              <a:t>the number of characters of the specified string expression, excluding trailing blanks.</a:t>
+            </a:r>
+          </a:p>
+          <a:p>
+            <a:r>
+              <a:rPr lang="en-US" dirty="0" smtClean="0"/>
+              <a:t>ex: </a:t>
+            </a:r>
+            <a:r>
+              <a:rPr lang="az-Latn-AZ" dirty="0"/>
+              <a:t>SELECT </a:t>
+            </a:r>
+            <a:r>
+              <a:rPr lang="en-US" dirty="0" smtClean="0"/>
+              <a:t>LEN </a:t>
+            </a:r>
+            <a:r>
+              <a:rPr lang="en-US" dirty="0"/>
+              <a:t>('academy')</a:t>
+            </a:r>
+          </a:p>
+          <a:p>
+            <a:r>
+              <a:rPr lang="en-US" dirty="0" smtClean="0"/>
+              <a:t>Go </a:t>
+            </a:r>
+            <a:r>
+              <a:rPr lang="en-US" dirty="0" err="1" smtClean="0"/>
+              <a:t>ets</a:t>
+            </a:r>
+            <a:r>
+              <a:rPr lang="az-Latn-AZ" dirty="0" smtClean="0"/>
+              <a:t>ə</a:t>
+            </a:r>
+            <a:r>
+              <a:rPr lang="en-US" dirty="0" smtClean="0"/>
+              <a:t>k </a:t>
+            </a:r>
+            <a:r>
+              <a:rPr lang="en-US" dirty="0" err="1"/>
+              <a:t>bu</a:t>
+            </a:r>
+            <a:r>
+              <a:rPr lang="en-US" dirty="0"/>
+              <a:t> zaman (academy) </a:t>
+            </a:r>
+            <a:r>
+              <a:rPr lang="en-US" dirty="0" smtClean="0"/>
+              <a:t>s</a:t>
+            </a:r>
+            <a:r>
+              <a:rPr lang="az-Latn-AZ" dirty="0" smtClean="0"/>
+              <a:t>ö</a:t>
+            </a:r>
+            <a:r>
+              <a:rPr lang="en-US" dirty="0" smtClean="0"/>
+              <a:t>z</a:t>
+            </a:r>
+            <a:r>
+              <a:rPr lang="az-Latn-AZ" dirty="0" smtClean="0"/>
+              <a:t>ü</a:t>
+            </a:r>
+            <a:r>
+              <a:rPr lang="en-US" dirty="0" smtClean="0"/>
+              <a:t>n</a:t>
+            </a:r>
+            <a:r>
+              <a:rPr lang="az-Latn-AZ" dirty="0" smtClean="0"/>
+              <a:t>ü</a:t>
+            </a:r>
+            <a:r>
+              <a:rPr lang="en-US" dirty="0" smtClean="0"/>
+              <a:t>n h</a:t>
+            </a:r>
+            <a:r>
+              <a:rPr lang="az-Latn-AZ" dirty="0" smtClean="0"/>
+              <a:t>ə</a:t>
+            </a:r>
+            <a:r>
+              <a:rPr lang="en-US" dirty="0" err="1" smtClean="0"/>
+              <a:t>rfl</a:t>
+            </a:r>
+            <a:r>
+              <a:rPr lang="az-Latn-AZ" dirty="0" smtClean="0"/>
+              <a:t>ə</a:t>
+            </a:r>
+            <a:r>
+              <a:rPr lang="en-US" dirty="0" err="1" smtClean="0"/>
+              <a:t>rin</a:t>
+            </a:r>
+            <a:r>
+              <a:rPr lang="az-Latn-AZ" dirty="0" smtClean="0"/>
               <a:t>in</a:t>
             </a:r>
             <a:r>
               <a:rPr lang="en-US" dirty="0" smtClean="0"/>
-              <a:t> </a:t>
-            </a:r>
-            <a:r>
-              <a:rPr lang="en-US" dirty="0"/>
-              <a:t>4 </a:t>
-            </a:r>
-            <a:r>
-              <a:rPr lang="en-US" dirty="0" smtClean="0"/>
-              <a:t>r</a:t>
-            </a:r>
-            <a:r>
-              <a:rPr lang="az-Latn-AZ" dirty="0" smtClean="0"/>
-              <a:t>əqə</a:t>
-            </a:r>
-            <a:r>
-              <a:rPr lang="en-US" dirty="0" smtClean="0"/>
-              <a:t>mli </a:t>
-            </a:r>
-            <a:r>
-              <a:rPr lang="en-US" dirty="0"/>
-              <a:t>SOUNDEX </a:t>
-            </a:r>
-            <a:r>
-              <a:rPr lang="en-US" dirty="0" err="1"/>
-              <a:t>kodunu</a:t>
-            </a:r>
-            <a:r>
-              <a:rPr lang="en-US" dirty="0"/>
-              <a:t> </a:t>
-            </a:r>
-            <a:r>
-              <a:rPr lang="en-US" dirty="0" err="1" smtClean="0"/>
-              <a:t>qaytar</a:t>
+              <a:t> say</a:t>
             </a:r>
             <a:r>
               <a:rPr lang="az-Latn-AZ" dirty="0" smtClean="0"/>
@@ -3396,15 +3458,7 @@
             </a:r>
             <a:r>
               <a:rPr lang="en-US" dirty="0" smtClean="0"/>
-              <a:t>r</a:t>
-            </a:r>
-            <a:r>
-              <a:rPr lang="en-US" dirty="0"/>
-              <a:t>, </a:t>
-            </a:r>
-            <a:r>
-              <a:rPr lang="en-US" dirty="0" err="1" smtClean="0"/>
-              <a:t>hans</a:t>
+              <a:t>n</a:t>
             </a:r>
             <a:r>
               <a:rPr lang="az-Latn-AZ" dirty="0" smtClean="0"/>
@@ -3412,75 +3466,75 @@
             </a:r>
             <a:r>
               <a:rPr lang="en-US" dirty="0" smtClean="0"/>
-              <a:t> </a:t>
-            </a:r>
-            <a:r>
-              <a:rPr lang="en-US" dirty="0" err="1"/>
-              <a:t>ki</a:t>
-            </a:r>
-            <a:r>
-              <a:rPr lang="en-US" dirty="0"/>
-              <a:t>, </a:t>
-            </a:r>
-            <a:r>
-              <a:rPr lang="en-US" dirty="0" err="1"/>
-              <a:t>iki</a:t>
-            </a:r>
-            <a:r>
-              <a:rPr lang="en-US" dirty="0"/>
-              <a:t> </a:t>
-            </a:r>
-            <a:r>
-              <a:rPr lang="en-US" dirty="0" err="1" smtClean="0"/>
-              <a:t>string</a:t>
-            </a:r>
-            <a:r>
-              <a:rPr lang="en-US" dirty="0" err="1"/>
-              <a:t>’</a:t>
-            </a:r>
-            <a:r>
-              <a:rPr lang="en-US" dirty="0" err="1" smtClean="0"/>
-              <a:t>in</a:t>
-            </a:r>
-            <a:r>
-              <a:rPr lang="en-US" dirty="0" smtClean="0"/>
-              <a:t> f</a:t>
+              <a:t> biz</a:t>
             </a:r>
             <a:r>
               <a:rPr lang="az-Latn-AZ" dirty="0" smtClean="0"/>
               <a:t>ə</a:t>
             </a:r>
             <a:r>
-              <a:rPr lang="en-US" dirty="0" err="1" smtClean="0"/>
-              <a:t>qlilikl</a:t>
+              <a:rPr lang="en-US" dirty="0" smtClean="0"/>
+              <a:t>  r</a:t>
             </a:r>
             <a:r>
               <a:rPr lang="az-Latn-AZ" dirty="0" smtClean="0"/>
               <a:t>ə</a:t>
             </a:r>
             <a:r>
-              <a:rPr lang="en-US" dirty="0" err="1" smtClean="0"/>
-              <a:t>rini</a:t>
-            </a:r>
-            <a:r>
-              <a:rPr lang="en-US" dirty="0" smtClean="0"/>
-              <a:t> b</a:t>
+              <a:rPr lang="en-US" dirty="0" smtClean="0"/>
+              <a:t>q</a:t>
             </a:r>
             <a:r>
               <a:rPr lang="az-Latn-AZ" dirty="0" smtClean="0"/>
               <a:t>ə</a:t>
             </a:r>
             <a:r>
-              <a:rPr lang="en-US" dirty="0" err="1" smtClean="0"/>
-              <a:t>lirl</a:t>
+              <a:rPr lang="en-US" dirty="0" smtClean="0"/>
+              <a:t>m </a:t>
+            </a:r>
+            <a:r>
+              <a:rPr lang="en-US" dirty="0" err="1"/>
+              <a:t>olaraq</a:t>
+            </a:r>
+            <a:r>
+              <a:rPr lang="en-US" dirty="0"/>
+              <a:t> </a:t>
+            </a:r>
+            <a:r>
+              <a:rPr lang="en-US" dirty="0" err="1"/>
+              <a:t>geri</a:t>
+            </a:r>
+            <a:r>
+              <a:rPr lang="en-US" dirty="0"/>
+              <a:t> </a:t>
+            </a:r>
+            <a:r>
+              <a:rPr lang="en-US" dirty="0" err="1" smtClean="0"/>
+              <a:t>qaytarir</a:t>
+            </a:r>
+            <a:r>
+              <a:rPr lang="az-Latn-AZ" dirty="0" smtClean="0"/>
+              <a:t>.</a:t>
+            </a:r>
+            <a:r>
+              <a:rPr lang="en-US" dirty="0" smtClean="0"/>
+              <a:t> </a:t>
+            </a:r>
+            <a:r>
+              <a:rPr lang="en-US" dirty="0"/>
+              <a:t>academy=7 </a:t>
+            </a:r>
+            <a:r>
+              <a:rPr lang="en-US" dirty="0" smtClean="0"/>
+              <a:t>h</a:t>
             </a:r>
             <a:r>
               <a:rPr lang="az-Latn-AZ" dirty="0" smtClean="0"/>
               <a:t>ə</a:t>
             </a:r>
             <a:r>
-              <a:rPr lang="en-US" dirty="0" smtClean="0"/>
-              <a:t>m</a:t>
+              <a:rPr lang="en-US" dirty="0" err="1" smtClean="0"/>
+              <a:t>rfd</a:t>
             </a:r>
             <a:r>
               <a:rPr lang="az-Latn-AZ" dirty="0" smtClean="0"/>
@@ -3488,49 +3542,32 @@
             </a:r>
             <a:r>
               <a:rPr lang="en-US" dirty="0" smtClean="0"/>
-              <a:t>k </a:t>
-            </a:r>
-            <a:r>
-              <a:rPr lang="az-Latn-AZ" dirty="0" smtClean="0"/>
-              <a:t>üçü</a:t>
-            </a:r>
-            <a:r>
-              <a:rPr lang="en-US" dirty="0" smtClean="0"/>
               <a:t>n </a:t>
             </a:r>
             <a:r>
               <a:rPr lang="en-US" dirty="0" err="1" smtClean="0"/>
-              <a:t>istifad</a:t>
+              <a:t>ibar</a:t>
             </a:r>
             <a:r>
               <a:rPr lang="az-Latn-AZ" dirty="0" smtClean="0"/>
               <a:t>ə</a:t>
             </a:r>
             <a:r>
-              <a:rPr lang="en-US" dirty="0" smtClean="0"/>
-              <a:t> </a:t>
-            </a:r>
-            <a:r>
-              <a:rPr lang="en-US" dirty="0" err="1"/>
-              <a:t>olunur</a:t>
-            </a:r>
-            <a:r>
-              <a:rPr lang="en-US" dirty="0"/>
+              <a:rPr lang="en-US" dirty="0" err="1" smtClean="0"/>
+              <a:t>tdir</a:t>
+            </a:r>
+            <a:r>
+              <a:rPr lang="en-US" dirty="0" smtClean="0"/>
               <a:t>.</a:t>
             </a:r>
-          </a:p>
-          <a:p>
-            <a:r>
-              <a:rPr lang="en-US" dirty="0"/>
-              <a:t>Ex: SELECT SOUNDEX ('Smith`s'); --- S532</a:t>
-            </a:r>
+            <a:endParaRPr lang="en-US" dirty="0"/>
           </a:p>
         </p:txBody>
       </p:sp>
     </p:spTree>
     <p:extLst>
       <p:ext uri="{BB962C8B-B14F-4D97-AF65-F5344CB8AC3E}">
-        <p14:creationId xmlns:p14="http://schemas.microsoft.com/office/powerpoint/2010/main" val="2121278848"/>
+        <p14:creationId xmlns:p14="http://schemas.microsoft.com/office/powerpoint/2010/main" val="1211281115"/>
       </p:ext>
     </p:extLst>
   </p:cSld>
@@ -3574,7 +3611,7 @@
           <a:p>
             <a:r>
               <a:rPr lang="en-US" dirty="0" smtClean="0"/>
-              <a:t>SPACE()</a:t>
+              <a:t>LOWER()</a:t>
             </a:r>
             <a:endParaRPr lang="en-US" dirty="0"/>
           </a:p>
@@ -3597,11 +3634,11 @@
           <a:p>
             <a:r>
               <a:rPr lang="en-US" dirty="0"/>
-              <a:t>SPACE ( </a:t>
-            </a:r>
-            <a:r>
-              <a:rPr lang="en-US" dirty="0" err="1"/>
-              <a:t>integer_expression</a:t>
+              <a:t>LOWER ( </a:t>
+            </a:r>
+            <a:r>
+              <a:rPr lang="en-US" dirty="0" err="1"/>
+              <a:t>character_expression</a:t>
             </a:r>
             <a:r>
               <a:rPr lang="en-US" dirty="0"/>
@@ -3616,13 +3653,51 @@
             </a:r>
             <a:r>
               <a:rPr lang="en-US" dirty="0"/>
-              <a:t>a string of repeated spaces.</a:t>
-            </a:r>
-          </a:p>
-          <a:p>
-            <a:r>
-              <a:rPr lang="en-US" dirty="0" err="1" smtClean="0"/>
-              <a:t>Veril</a:t>
+              <a:t>a character expression after converting uppercase character data to lowercase.</a:t>
+            </a:r>
+          </a:p>
+          <a:p>
+            <a:r>
+              <a:rPr lang="en-US" dirty="0" smtClean="0"/>
+              <a:t>ex: </a:t>
+            </a:r>
+            <a:r>
+              <a:rPr lang="az-Latn-AZ" dirty="0" smtClean="0"/>
+              <a:t>SELECT LO</a:t>
+            </a:r>
+            <a:r>
+              <a:rPr lang="en-US" dirty="0" smtClean="0"/>
+              <a:t>W</a:t>
+            </a:r>
+            <a:r>
+              <a:rPr lang="az-Latn-AZ" dirty="0" smtClean="0"/>
+              <a:t>ER</a:t>
+            </a:r>
+            <a:r>
+              <a:rPr lang="en-US" dirty="0" smtClean="0"/>
+              <a:t> ('Aca</a:t>
+            </a:r>
+            <a:r>
+              <a:rPr lang="az-Latn-AZ" dirty="0" smtClean="0"/>
+              <a:t>D</a:t>
+            </a:r>
+            <a:r>
+              <a:rPr lang="en-US" dirty="0" err="1" smtClean="0"/>
+              <a:t>emy</a:t>
+            </a:r>
+            <a:r>
+              <a:rPr lang="en-US" dirty="0"/>
+              <a:t>')</a:t>
+            </a:r>
+          </a:p>
+          <a:p>
+            <a:r>
+              <a:rPr lang="en-US" dirty="0" smtClean="0"/>
+              <a:t>Go </a:t>
+            </a:r>
+            <a:r>
+              <a:rPr lang="en-US" dirty="0" err="1" smtClean="0"/>
+              <a:t>ets</a:t>
             </a:r>
             <a:r>
               <a:rPr lang="az-Latn-AZ" dirty="0" smtClean="0"/>
@@ -3630,15 +3705,179 @@
             </a:r>
             <a:r>
               <a:rPr lang="en-US" dirty="0" smtClean="0"/>
-              <a:t>n </a:t>
+              <a:t>k </a:t>
+            </a:r>
+            <a:r>
+              <a:rPr lang="en-US" dirty="0" err="1"/>
+              <a:t>bu</a:t>
+            </a:r>
+            <a:r>
+              <a:rPr lang="en-US" dirty="0"/>
+              <a:t> zaman (</a:t>
+            </a:r>
+            <a:r>
+              <a:rPr lang="en-US" dirty="0" smtClean="0"/>
+              <a:t>Aca</a:t>
+            </a:r>
+            <a:r>
+              <a:rPr lang="az-Latn-AZ" dirty="0" smtClean="0"/>
+              <a:t>D</a:t>
+            </a:r>
+            <a:r>
+              <a:rPr lang="en-US" dirty="0" err="1" smtClean="0"/>
+              <a:t>emy</a:t>
+            </a:r>
+            <a:r>
+              <a:rPr lang="en-US" dirty="0"/>
+              <a:t>) </a:t>
+            </a:r>
+            <a:r>
+              <a:rPr lang="en-US" dirty="0" smtClean="0"/>
+              <a:t>s</a:t>
+            </a:r>
+            <a:r>
+              <a:rPr lang="az-Latn-AZ" dirty="0" smtClean="0"/>
+              <a:t>ö</a:t>
+            </a:r>
+            <a:r>
+              <a:rPr lang="en-US" dirty="0" smtClean="0"/>
+              <a:t>z</a:t>
+            </a:r>
+            <a:r>
+              <a:rPr lang="az-Latn-AZ" dirty="0" smtClean="0"/>
+              <a:t>ü</a:t>
+            </a:r>
+            <a:r>
+              <a:rPr lang="en-US" dirty="0" smtClean="0"/>
+              <a:t>n</a:t>
+            </a:r>
+            <a:r>
+              <a:rPr lang="az-Latn-AZ" dirty="0" smtClean="0"/>
+              <a:t>ü</a:t>
+            </a:r>
+            <a:r>
+              <a:rPr lang="en-US" dirty="0" smtClean="0"/>
+              <a:t>n b</a:t>
+            </a:r>
+            <a:r>
+              <a:rPr lang="az-Latn-AZ" dirty="0" smtClean="0"/>
+              <a:t>ö</a:t>
+            </a:r>
+            <a:r>
+              <a:rPr lang="en-US" dirty="0" smtClean="0"/>
+              <a:t>y</a:t>
+            </a:r>
+            <a:r>
+              <a:rPr lang="az-Latn-AZ" dirty="0" smtClean="0"/>
+              <a:t>ü</a:t>
+            </a:r>
+            <a:r>
+              <a:rPr lang="en-US" dirty="0" smtClean="0"/>
+              <a:t>k </a:t>
+            </a:r>
+            <a:r>
+              <a:rPr lang="en-US" dirty="0" err="1" smtClean="0"/>
+              <a:t>yaz</a:t>
+            </a:r>
+            <a:r>
+              <a:rPr lang="az-Latn-AZ" dirty="0" smtClean="0"/>
+              <a:t>ı</a:t>
+            </a:r>
+            <a:r>
+              <a:rPr lang="en-US" dirty="0" smtClean="0"/>
+              <a:t>lm</a:t>
+            </a:r>
+            <a:r>
+              <a:rPr lang="az-Latn-AZ" dirty="0" smtClean="0"/>
+              <a:t>ış</a:t>
+            </a:r>
+            <a:r>
+              <a:rPr lang="en-US" dirty="0" smtClean="0"/>
+              <a:t> h</a:t>
+            </a:r>
+            <a:r>
+              <a:rPr lang="az-Latn-AZ" dirty="0" smtClean="0"/>
+              <a:t>ə</a:t>
+            </a:r>
+            <a:r>
+              <a:rPr lang="en-US" dirty="0" err="1" smtClean="0"/>
+              <a:t>rf</a:t>
+            </a:r>
+            <a:r>
+              <a:rPr lang="az-Latn-AZ" dirty="0" smtClean="0"/>
+              <a:t>ləri</a:t>
+            </a:r>
+            <a:r>
+              <a:rPr lang="en-US" dirty="0" err="1" smtClean="0"/>
+              <a:t>ni</a:t>
+            </a:r>
+            <a:r>
+              <a:rPr lang="en-US" dirty="0" smtClean="0"/>
+              <a:t> </a:t>
+            </a:r>
+            <a:r>
+              <a:rPr lang="en-US" dirty="0" err="1" smtClean="0"/>
+              <a:t>ki</a:t>
+            </a:r>
+            <a:r>
+              <a:rPr lang="az-Latn-AZ" dirty="0" smtClean="0"/>
+              <a:t>ç</a:t>
+            </a:r>
+            <a:r>
+              <a:rPr lang="en-US" dirty="0" err="1" smtClean="0"/>
+              <a:t>ik</a:t>
+            </a:r>
+            <a:r>
+              <a:rPr lang="en-US" dirty="0" smtClean="0"/>
+              <a:t> </a:t>
+            </a:r>
+            <a:r>
+              <a:rPr lang="en-US" dirty="0" err="1" smtClean="0"/>
+              <a:t>yazar</a:t>
+            </a:r>
+            <a:r>
+              <a:rPr lang="az-Latn-AZ" dirty="0" smtClean="0"/>
+              <a:t>a</a:t>
+            </a:r>
+            <a:r>
+              <a:rPr lang="en-US" dirty="0" smtClean="0"/>
+              <a:t>q </a:t>
+            </a:r>
+            <a:r>
+              <a:rPr lang="en-US" dirty="0" err="1"/>
+              <a:t>geri</a:t>
+            </a:r>
+            <a:r>
+              <a:rPr lang="en-US" dirty="0"/>
+              <a:t> </a:t>
+            </a:r>
+            <a:r>
+              <a:rPr lang="en-US" dirty="0" err="1" smtClean="0"/>
+              <a:t>qaytaraca</a:t>
+            </a:r>
+            <a:r>
+              <a:rPr lang="az-Latn-AZ" dirty="0" smtClean="0"/>
+              <a:t>q.</a:t>
+            </a:r>
+            <a:r>
+              <a:rPr lang="en-US" dirty="0" smtClean="0"/>
+              <a:t> </a:t>
+            </a:r>
+            <a:r>
+              <a:rPr lang="en-US" dirty="0"/>
+              <a:t>(academy) </a:t>
+            </a:r>
+            <a:r>
+              <a:rPr lang="az-Latn-AZ" dirty="0" smtClean="0"/>
+              <a:t>ş</a:t>
             </a:r>
             <a:r>
               <a:rPr lang="az-Latn-AZ" dirty="0"/>
               <a:t>ə</a:t>
             </a:r>
             <a:r>
-              <a:rPr lang="en-US" dirty="0" smtClean="0"/>
-              <a:t>d</a:t>
+              <a:rPr lang="en-US" dirty="0" err="1" smtClean="0"/>
+              <a:t>klind</a:t>
             </a:r>
             <a:r>
               <a:rPr lang="az-Latn-AZ" dirty="0" smtClean="0"/>
@@ -3646,7 +3885,11 @@
             </a:r>
             <a:r>
               <a:rPr lang="en-US" dirty="0" smtClean="0"/>
-              <a:t>d q</a:t>
+              <a:t> </a:t>
+            </a:r>
+            <a:r>
+              <a:rPr lang="en-US" dirty="0" err="1" smtClean="0"/>
+              <a:t>ver</a:t>
             </a:r>
             <a:r>
               <a:rPr lang="az-Latn-AZ" dirty="0" smtClean="0"/>
@@ -3654,43 +3897,15 @@
             </a:r>
             <a:r>
               <a:rPr lang="en-US" dirty="0" smtClean="0"/>
-              <a:t>d</a:t>
-            </a:r>
-            <a:r>
-              <a:rPr lang="az-Latn-AZ" dirty="0"/>
+              <a:t>c</a:t>
+            </a:r>
+            <a:r>
+              <a:rPr lang="az-Latn-AZ" dirty="0" smtClean="0"/>
               <a:t>ə</a:t>
             </a:r>
             <a:r>
               <a:rPr lang="en-US" dirty="0" smtClean="0"/>
-              <a:t>r </a:t>
-            </a:r>
-            <a:r>
-              <a:rPr lang="en-US" dirty="0" err="1" smtClean="0"/>
-              <a:t>bo</a:t>
-            </a:r>
-            <a:r>
-              <a:rPr lang="az-Latn-AZ" dirty="0" smtClean="0"/>
-              <a:t>ş</a:t>
-            </a:r>
-            <a:r>
-              <a:rPr lang="en-US" dirty="0" err="1" smtClean="0"/>
-              <a:t>luq</a:t>
-            </a:r>
-            <a:r>
-              <a:rPr lang="en-US" dirty="0" smtClean="0"/>
-              <a:t> </a:t>
-            </a:r>
-            <a:r>
-              <a:rPr lang="en-US" dirty="0" err="1" smtClean="0"/>
-              <a:t>qaytar</a:t>
-            </a:r>
-            <a:r>
-              <a:rPr lang="az-Latn-AZ" dirty="0" smtClean="0"/>
-              <a:t>ı</a:t>
-            </a:r>
-            <a:r>
-              <a:rPr lang="en-US" dirty="0" smtClean="0"/>
-              <a:t>r</a:t>
+              <a:t>k</a:t>
             </a:r>
             <a:r>
               <a:rPr lang="en-US" dirty="0"/>
@@ -3698,17 +3913,17 @@
             </a:r>
           </a:p>
           <a:p>
-            <a:r>
-              <a:rPr lang="en-US" dirty="0"/>
-              <a:t>Ex: SELECT SPACE(5) --- ‘     ’</a:t>
-            </a:r>
+            <a:endParaRPr lang="en-US" dirty="0"/>
+          </a:p>
+          <a:p>
+            <a:endParaRPr lang="en-US" dirty="0"/>
           </a:p>
         </p:txBody>
       </p:sp>
     </p:spTree>
     <p:extLst>
       <p:ext uri="{BB962C8B-B14F-4D97-AF65-F5344CB8AC3E}">
-        <p14:creationId xmlns:p14="http://schemas.microsoft.com/office/powerpoint/2010/main" val="3701004642"/>
+        <p14:creationId xmlns:p14="http://schemas.microsoft.com/office/powerpoint/2010/main" val="2522478752"/>
       </p:ext>
     </p:extLst>
   </p:cSld>
@@ -3752,7 +3967,7 @@
           <a:p>
             <a:r>
               <a:rPr lang="en-US" dirty="0" smtClean="0"/>
-              <a:t>SUBSTRING()</a:t>
+              <a:t>LTRIM()</a:t>
             </a:r>
             <a:endParaRPr lang="en-US" dirty="0"/>
           </a:p>
@@ -3775,9 +3990,20 @@
           <a:p>
             <a:r>
               <a:rPr lang="en-US" dirty="0"/>
-              <a:t>SUBSTRING ( expression ,start , length ) </a:t>
-            </a:r>
-            <a:endParaRPr lang="en-US" dirty="0" smtClean="0"/>
+              <a:t>LTRIM ( </a:t>
+            </a:r>
+            <a:r>
+              <a:rPr lang="en-US" dirty="0" err="1"/>
+              <a:t>character_expression</a:t>
+            </a:r>
+            <a:r>
+              <a:rPr lang="en-US" dirty="0"/>
+              <a:t> </a:t>
+            </a:r>
+            <a:r>
+              <a:rPr lang="en-US" dirty="0" smtClean="0"/>
+              <a:t>)</a:t>
+            </a:r>
           </a:p>
           <a:p>
             <a:r>
@@ -3786,85 +4012,52 @@
             </a:r>
             <a:r>
               <a:rPr lang="en-US" dirty="0"/>
-              <a:t>part of a character, binary, text, or image expression in SQL Server.</a:t>
-            </a:r>
-          </a:p>
-          <a:p>
-            <a:r>
-              <a:rPr lang="en-US" dirty="0" err="1"/>
-              <a:t>String’in</a:t>
-            </a:r>
-            <a:r>
-              <a:rPr lang="en-US" dirty="0"/>
-              <a:t> </a:t>
-            </a:r>
-            <a:r>
-              <a:rPr lang="en-US" dirty="0" err="1"/>
-              <a:t>bir</a:t>
-            </a:r>
-            <a:r>
-              <a:rPr lang="en-US" dirty="0"/>
-              <a:t> </a:t>
-            </a:r>
-            <a:r>
-              <a:rPr lang="en-US" dirty="0" smtClean="0"/>
-              <a:t>hiss</a:t>
-            </a:r>
-            <a:r>
-              <a:rPr lang="az-Latn-AZ" dirty="0" smtClean="0"/>
+              <a:t>a character expression after it removes leading blanks.</a:t>
+            </a:r>
+          </a:p>
+          <a:p>
+            <a:r>
+              <a:rPr lang="en-US" dirty="0" smtClean="0"/>
+              <a:t>ex: </a:t>
+            </a:r>
+            <a:r>
+              <a:rPr lang="az-Latn-AZ" dirty="0"/>
+              <a:t>SELECT </a:t>
+            </a:r>
+            <a:r>
+              <a:rPr lang="en-US" dirty="0" smtClean="0"/>
+              <a:t>LTRIM (</a:t>
+            </a:r>
+            <a:r>
+              <a:rPr lang="en-US" dirty="0"/>
+              <a:t>'</a:t>
+            </a:r>
+            <a:r>
+              <a:rPr lang="en-US" dirty="0" smtClean="0"/>
+              <a:t>              Academy</a:t>
+            </a:r>
+            <a:r>
+              <a:rPr lang="en-US" dirty="0"/>
+              <a:t>') </a:t>
+            </a:r>
+            <a:endParaRPr lang="az-Latn-AZ" dirty="0" smtClean="0"/>
+          </a:p>
+          <a:p>
+            <a:r>
+              <a:rPr lang="en-US" dirty="0" smtClean="0"/>
+              <a:t>Go </a:t>
+            </a:r>
+            <a:r>
+              <a:rPr lang="en-US" dirty="0" err="1" smtClean="0"/>
+              <a:t>ets</a:t>
+            </a:r>
+            <a:r>
+              <a:rPr lang="az-Latn-AZ" dirty="0"/>
               <a:t>ə</a:t>
             </a:r>
             <a:r>
-              <a:rPr lang="en-US" dirty="0" err="1" smtClean="0"/>
-              <a:t>sini</a:t>
-            </a:r>
-            <a:r>
-              <a:rPr lang="en-US" dirty="0" smtClean="0"/>
-              <a:t> </a:t>
-            </a:r>
-            <a:r>
-              <a:rPr lang="en-US" dirty="0" err="1" smtClean="0"/>
-              <a:t>qaytar</a:t>
-            </a:r>
-            <a:r>
-              <a:rPr lang="az-Latn-AZ" dirty="0" smtClean="0"/>
-              <a:t>ı</a:t>
-            </a:r>
-            <a:r>
-              <a:rPr lang="en-US" dirty="0" smtClean="0"/>
-              <a:t>r</a:t>
-            </a:r>
-            <a:r>
-              <a:rPr lang="en-US" dirty="0"/>
-              <a:t>. String, </a:t>
-            </a:r>
-            <a:r>
-              <a:rPr lang="en-US" dirty="0" err="1" smtClean="0"/>
-              <a:t>ba</a:t>
-            </a:r>
-            <a:r>
-              <a:rPr lang="az-Latn-AZ" dirty="0" smtClean="0"/>
-              <a:t>ş</a:t>
-            </a:r>
-            <a:r>
-              <a:rPr lang="en-US" dirty="0" smtClean="0"/>
-              <a:t>lama n</a:t>
-            </a:r>
-            <a:r>
-              <a:rPr lang="az-Latn-AZ" dirty="0" smtClean="0"/>
-              <a:t>ö</a:t>
-            </a:r>
-            <a:r>
-              <a:rPr lang="en-US" dirty="0" err="1" smtClean="0"/>
-              <a:t>qtes</a:t>
-            </a:r>
-            <a:r>
-              <a:rPr lang="az-Latn-AZ" dirty="0"/>
-              <a:t>i</a:t>
-            </a:r>
-            <a:r>
-              <a:rPr lang="en-US" dirty="0" smtClean="0"/>
-              <a:t> v</a:t>
+              <a:rPr lang="en-US" dirty="0" smtClean="0"/>
+              <a:t>k biz</a:t>
             </a:r>
             <a:r>
               <a:rPr lang="az-Latn-AZ" dirty="0" smtClean="0"/>
@@ -3876,65 +4069,52 @@
             </a:r>
             <a:r>
               <a:rPr lang="en-US" dirty="0"/>
-              <a:t>character </a:t>
-            </a:r>
-            <a:r>
-              <a:rPr lang="en-US" dirty="0" smtClean="0"/>
-              <a:t>say</a:t>
-            </a:r>
-            <a:r>
-              <a:rPr lang="az-Latn-AZ" dirty="0" smtClean="0"/>
-              <a:t>ı</a:t>
-            </a:r>
-            <a:r>
-              <a:rPr lang="en-US" dirty="0" smtClean="0"/>
-              <a:t> </a:t>
-            </a:r>
-            <a:r>
-              <a:rPr lang="en-US" dirty="0" err="1" smtClean="0"/>
-              <a:t>verilm</a:t>
+              <a:t>('Academy') </a:t>
+            </a:r>
+            <a:r>
+              <a:rPr lang="en-US" dirty="0" err="1"/>
+              <a:t>olaraq</a:t>
+            </a:r>
+            <a:r>
+              <a:rPr lang="en-US" dirty="0"/>
+              <a:t> </a:t>
+            </a:r>
+            <a:r>
+              <a:rPr lang="en-US" dirty="0" err="1"/>
+              <a:t>geri</a:t>
+            </a:r>
+            <a:r>
+              <a:rPr lang="en-US" dirty="0"/>
+              <a:t> </a:t>
+            </a:r>
+            <a:r>
+              <a:rPr lang="en-US" dirty="0" err="1" smtClean="0"/>
+              <a:t>ver</a:t>
             </a:r>
             <a:r>
               <a:rPr lang="az-Latn-AZ" dirty="0" smtClean="0"/>
               <a:t>ə</a:t>
             </a:r>
             <a:r>
-              <a:rPr lang="en-US" dirty="0" err="1" smtClean="0"/>
-              <a:t>lidir</a:t>
-            </a:r>
-            <a:r>
-              <a:rPr lang="en-US" dirty="0"/>
-              <a:t>.</a:t>
-            </a:r>
-          </a:p>
-          <a:p>
-            <a:r>
-              <a:rPr lang="en-US" dirty="0"/>
-              <a:t>Ex: SELECT SUBSTRING('</a:t>
-            </a:r>
-            <a:r>
-              <a:rPr lang="en-US" dirty="0" err="1"/>
-              <a:t>abcdef</a:t>
-            </a:r>
-            <a:r>
-              <a:rPr lang="en-US" dirty="0"/>
-              <a:t>', 2, 4); --- ‘</a:t>
-            </a:r>
-            <a:r>
-              <a:rPr lang="en-US" dirty="0" err="1"/>
-              <a:t>bcde</a:t>
-            </a:r>
-            <a:r>
-              <a:rPr lang="en-US" dirty="0"/>
-              <a:t>’</a:t>
-            </a:r>
+              <a:rPr lang="en-US" dirty="0" smtClean="0"/>
+              <a:t>c</a:t>
+            </a:r>
+            <a:r>
+              <a:rPr lang="az-Latn-AZ" dirty="0" smtClean="0"/>
+              <a:t>ə</a:t>
+            </a:r>
+            <a:r>
+              <a:rPr lang="en-US" dirty="0" err="1" smtClean="0"/>
+              <a:t>kdir</a:t>
+            </a:r>
+            <a:endParaRPr lang="en-US" dirty="0"/>
           </a:p>
         </p:txBody>
       </p:sp>
     </p:spTree>
     <p:extLst>
       <p:ext uri="{BB962C8B-B14F-4D97-AF65-F5344CB8AC3E}">
-        <p14:creationId xmlns:p14="http://schemas.microsoft.com/office/powerpoint/2010/main" val="2117518436"/>
+        <p14:creationId xmlns:p14="http://schemas.microsoft.com/office/powerpoint/2010/main" val="3247118641"/>
       </p:ext>
     </p:extLst>
   </p:cSld>
@@ -3978,7 +4158,7 @@
           <a:p>
             <a:r>
               <a:rPr lang="en-US" dirty="0" smtClean="0"/>
-              <a:t>TRIM()</a:t>
+              <a:t>REPLACE()</a:t>
             </a:r>
             <a:endParaRPr lang="en-US" dirty="0"/>
           </a:p>
@@ -3997,81 +4177,62 @@
         <p:spPr/>
         <p:txBody>
           <a:bodyPr>
-            <a:normAutofit fontScale="92500" lnSpcReduction="20000"/>
+            <a:normAutofit/>
           </a:bodyPr>
           <a:lstStyle/>
           <a:p>
             <a:r>
               <a:rPr lang="en-US" dirty="0"/>
-              <a:t>TRIM ( [ characters FROM ] string </a:t>
-            </a:r>
-            <a:r>
-              <a:rPr lang="en-US" dirty="0" smtClean="0"/>
-              <a:t>)</a:t>
-            </a:r>
-          </a:p>
-          <a:p>
-            <a:r>
-              <a:rPr lang="en-US" dirty="0" smtClean="0"/>
-              <a:t>Removes </a:t>
-            </a:r>
-            <a:r>
-              <a:rPr lang="en-US" dirty="0"/>
-              <a:t>the space character char(32) or other specified characters from the start or end of a string.</a:t>
-            </a:r>
-          </a:p>
-          <a:p>
-            <a:r>
-              <a:rPr lang="en-US" dirty="0" smtClean="0"/>
-              <a:t>Sa</a:t>
-            </a:r>
-            <a:r>
-              <a:rPr lang="az-Latn-AZ" dirty="0" smtClean="0"/>
-              <a:t>ğ v</a:t>
-            </a:r>
-            <a:r>
-              <a:rPr lang="en-US" dirty="0" smtClean="0"/>
-              <a:t>e </a:t>
-            </a:r>
-            <a:r>
-              <a:rPr lang="en-US" dirty="0" err="1"/>
-              <a:t>solda</a:t>
-            </a:r>
-            <a:r>
-              <a:rPr lang="en-US" dirty="0"/>
-              <a:t> </a:t>
-            </a:r>
-            <a:r>
-              <a:rPr lang="en-US" dirty="0" err="1" smtClean="0"/>
-              <a:t>bo</a:t>
+              <a:t>REPLACE ( </a:t>
+            </a:r>
+            <a:r>
+              <a:rPr lang="en-US" dirty="0" err="1"/>
+              <a:t>string_expression</a:t>
+            </a:r>
+            <a:r>
+              <a:rPr lang="en-US" dirty="0"/>
+              <a:t> , </a:t>
+            </a:r>
+            <a:r>
+              <a:rPr lang="en-US" dirty="0" err="1"/>
+              <a:t>string_pattern</a:t>
+            </a:r>
+            <a:r>
+              <a:rPr lang="en-US" dirty="0"/>
+              <a:t> , </a:t>
+            </a:r>
+            <a:r>
+              <a:rPr lang="en-US" dirty="0" err="1"/>
+              <a:t>string_replacement</a:t>
+            </a:r>
+            <a:r>
+              <a:rPr lang="en-US" dirty="0"/>
+              <a:t> ) </a:t>
+            </a:r>
+            <a:endParaRPr lang="en-US" dirty="0" smtClean="0"/>
+          </a:p>
+          <a:p>
+            <a:r>
+              <a:rPr lang="en-US" dirty="0" smtClean="0"/>
+              <a:t>Replaces </a:t>
+            </a:r>
+            <a:r>
+              <a:rPr lang="en-US" dirty="0"/>
+              <a:t>all occurrences of a specified string value with another string value.</a:t>
+            </a:r>
+          </a:p>
+          <a:p>
+            <a:r>
+              <a:rPr lang="en-US" dirty="0" err="1" smtClean="0"/>
+              <a:t>Verilmi</a:t>
             </a:r>
             <a:r>
               <a:rPr lang="az-Latn-AZ" dirty="0" smtClean="0"/>
               <a:t>ş</a:t>
             </a:r>
             <a:r>
-              <a:rPr lang="en-US" dirty="0" err="1" smtClean="0"/>
-              <a:t>luqlar</a:t>
-            </a:r>
-            <a:r>
-              <a:rPr lang="az-Latn-AZ" dirty="0" smtClean="0"/>
-              <a:t>ı</a:t>
-            </a:r>
-            <a:r>
-              <a:rPr lang="en-US" dirty="0" smtClean="0"/>
-              <a:t> </a:t>
-            </a:r>
-            <a:r>
-              <a:rPr lang="en-US" dirty="0" err="1"/>
-              <a:t>silir</a:t>
-            </a:r>
-            <a:r>
-              <a:rPr lang="en-US" dirty="0"/>
-              <a:t>. </a:t>
-            </a:r>
-            <a:r>
-              <a:rPr lang="en-US" dirty="0" smtClean="0"/>
-              <a:t>V</a:t>
+              <a:rPr lang="en-US" dirty="0" smtClean="0"/>
+              <a:t> ‘string’ d</a:t>
             </a:r>
             <a:r>
               <a:rPr lang="az-Latn-AZ" dirty="0" smtClean="0"/>
@@ -4079,154 +4240,155 @@
             </a:r>
             <a:r>
               <a:rPr lang="en-US" dirty="0" smtClean="0"/>
-              <a:t> </a:t>
-            </a:r>
-            <a:r>
-              <a:rPr lang="en-US" dirty="0" err="1"/>
-              <a:t>ya</a:t>
-            </a:r>
-            <a:r>
-              <a:rPr lang="en-US" dirty="0"/>
-              <a:t> </a:t>
-            </a:r>
-            <a:r>
-              <a:rPr lang="en-US" dirty="0" err="1" smtClean="0"/>
-              <a:t>sa</a:t>
-            </a:r>
-            <a:r>
-              <a:rPr lang="az-Latn-AZ" dirty="0" smtClean="0"/>
-              <a:t>ğ və</a:t>
-            </a:r>
-            <a:r>
-              <a:rPr lang="en-US" dirty="0" smtClean="0"/>
-              <a:t> </a:t>
-            </a:r>
-            <a:r>
-              <a:rPr lang="en-US" dirty="0" err="1"/>
-              <a:t>solda</a:t>
-            </a:r>
-            <a:r>
-              <a:rPr lang="en-US" dirty="0"/>
-              <a:t> </a:t>
-            </a:r>
-            <a:r>
-              <a:rPr lang="en-US" dirty="0" err="1" smtClean="0"/>
-              <a:t>verilmi</a:t>
+              <a:t>y</a:t>
+            </a:r>
+            <a:r>
+              <a:rPr lang="az-Latn-AZ" dirty="0" smtClean="0"/>
+              <a:t>ə</a:t>
+            </a:r>
+            <a:r>
+              <a:rPr lang="en-US" dirty="0" err="1" smtClean="0"/>
+              <a:t>rinin</a:t>
+            </a:r>
+            <a:r>
+              <a:rPr lang="en-US" dirty="0" smtClean="0"/>
+              <a:t> b</a:t>
+            </a:r>
+            <a:r>
+              <a:rPr lang="az-Latn-AZ" dirty="0" smtClean="0"/>
+              <a:t>ü</a:t>
+            </a:r>
+            <a:r>
+              <a:rPr lang="en-US" dirty="0" smtClean="0"/>
+              <a:t>t</a:t>
+            </a:r>
+            <a:r>
+              <a:rPr lang="az-Latn-AZ" dirty="0" smtClean="0"/>
+              <a:t>ü</a:t>
+            </a:r>
+            <a:r>
+              <a:rPr lang="en-US" dirty="0" smtClean="0"/>
+              <a:t>n </a:t>
+            </a:r>
+            <a:r>
+              <a:rPr lang="en-US" dirty="0" err="1" smtClean="0"/>
+              <a:t>oldu</a:t>
+            </a:r>
+            <a:r>
+              <a:rPr lang="az-Latn-AZ" dirty="0" smtClean="0"/>
+              <a:t>ğ</a:t>
+            </a:r>
+            <a:r>
+              <a:rPr lang="en-US" dirty="0" smtClean="0"/>
+              <a:t>u </a:t>
+            </a:r>
+            <a:r>
+              <a:rPr lang="en-US" dirty="0" err="1"/>
+              <a:t>yerleri</a:t>
+            </a:r>
+            <a:r>
+              <a:rPr lang="en-US" dirty="0"/>
+              <a:t> </a:t>
+            </a:r>
+            <a:r>
+              <a:rPr lang="en-US" dirty="0" smtClean="0"/>
+              <a:t>dig</a:t>
+            </a:r>
+            <a:r>
+              <a:rPr lang="az-Latn-AZ" dirty="0" smtClean="0"/>
+              <a:t>ə</a:t>
+            </a:r>
+            <a:r>
+              <a:rPr lang="en-US" dirty="0" smtClean="0"/>
+              <a:t>r </a:t>
+            </a:r>
+            <a:r>
+              <a:rPr lang="en-US" dirty="0"/>
+              <a:t>string </a:t>
+            </a:r>
+            <a:r>
+              <a:rPr lang="en-US" dirty="0" smtClean="0"/>
+              <a:t>d</a:t>
+            </a:r>
+            <a:r>
+              <a:rPr lang="az-Latn-AZ" dirty="0" smtClean="0"/>
+              <a:t>ə</a:t>
+            </a:r>
+            <a:r>
+              <a:rPr lang="en-US" dirty="0" smtClean="0"/>
+              <a:t>y</a:t>
+            </a:r>
+            <a:r>
+              <a:rPr lang="az-Latn-AZ" dirty="0" smtClean="0"/>
+              <a:t>ə</a:t>
+            </a:r>
+            <a:r>
+              <a:rPr lang="en-US" dirty="0" err="1" smtClean="0"/>
+              <a:t>ri</a:t>
+            </a:r>
+            <a:r>
+              <a:rPr lang="az-Latn-AZ" dirty="0" smtClean="0"/>
+              <a:t> i</a:t>
+            </a:r>
+            <a:r>
+              <a:rPr lang="en-US" dirty="0" smtClean="0"/>
+              <a:t>l</a:t>
+            </a:r>
+            <a:r>
+              <a:rPr lang="az-Latn-AZ" dirty="0" smtClean="0"/>
+              <a:t>ə</a:t>
+            </a:r>
+            <a:r>
+              <a:rPr lang="en-US" dirty="0" smtClean="0"/>
+              <a:t> d</a:t>
+            </a:r>
+            <a:r>
+              <a:rPr lang="az-Latn-AZ" dirty="0" smtClean="0"/>
+              <a:t>ə</a:t>
+            </a:r>
+            <a:r>
+              <a:rPr lang="en-US" dirty="0" err="1" smtClean="0"/>
+              <a:t>yi</a:t>
             </a:r>
             <a:r>
               <a:rPr lang="az-Latn-AZ" dirty="0" smtClean="0"/>
               <a:t>ş</a:t>
             </a:r>
             <a:r>
-              <a:rPr lang="en-US" dirty="0" smtClean="0"/>
-              <a:t> </a:t>
-            </a:r>
-            <a:r>
-              <a:rPr lang="en-US" dirty="0"/>
-              <a:t>string </a:t>
-            </a:r>
-            <a:r>
-              <a:rPr lang="en-US" dirty="0" smtClean="0"/>
-              <a:t>hiss</a:t>
-            </a:r>
-            <a:r>
-              <a:rPr lang="az-Latn-AZ" dirty="0" smtClean="0"/>
-              <a:t>ə</a:t>
-            </a:r>
-            <a:r>
-              <a:rPr lang="en-US" dirty="0" err="1" smtClean="0"/>
-              <a:t>sini</a:t>
-            </a:r>
-            <a:r>
-              <a:rPr lang="en-US" dirty="0" smtClean="0"/>
-              <a:t> </a:t>
-            </a:r>
-            <a:r>
-              <a:rPr lang="en-US" dirty="0" err="1"/>
-              <a:t>silir</a:t>
-            </a:r>
-            <a:r>
-              <a:rPr lang="en-US" dirty="0"/>
+              <a:rPr lang="en-US" dirty="0" err="1" smtClean="0"/>
+              <a:t>ir</a:t>
+            </a:r>
+            <a:r>
+              <a:rPr lang="en-US" dirty="0" err="1"/>
               <a:t>.</a:t>
             </a:r>
-          </a:p>
-          <a:p>
-            <a:r>
-              <a:rPr lang="en-US" dirty="0"/>
-              <a:t>Ex: SELECT TRIM( '</a:t>
-            </a:r>
-            <a:r>
-              <a:rPr lang="en-US" dirty="0" err="1"/>
-              <a:t>asdog</a:t>
-            </a:r>
-            <a:r>
-              <a:rPr lang="en-US" dirty="0"/>
-              <a:t>' from '</a:t>
-            </a:r>
-            <a:r>
-              <a:rPr lang="en-US" dirty="0" err="1"/>
-              <a:t>asdog</a:t>
-            </a:r>
-            <a:r>
-              <a:rPr lang="en-US" dirty="0"/>
-              <a:t>    </a:t>
-            </a:r>
-            <a:r>
-              <a:rPr lang="en-US" dirty="0" err="1"/>
-              <a:t>asdf</a:t>
-            </a:r>
-            <a:r>
-              <a:rPr lang="en-US" dirty="0"/>
-              <a:t> . l'); --- ‘    </a:t>
-            </a:r>
-            <a:r>
-              <a:rPr lang="en-US" dirty="0" err="1"/>
-              <a:t>asdf</a:t>
-            </a:r>
-            <a:r>
-              <a:rPr lang="en-US" dirty="0"/>
-              <a:t> . l’</a:t>
-            </a:r>
-          </a:p>
-          <a:p>
-            <a:r>
-              <a:rPr lang="en-US" dirty="0"/>
-              <a:t>Ex: SELECT TRIM('    </a:t>
-            </a:r>
-            <a:r>
-              <a:rPr lang="en-US" dirty="0" err="1"/>
-              <a:t>asdog</a:t>
-            </a:r>
-            <a:r>
-              <a:rPr lang="en-US" dirty="0"/>
-              <a:t> </a:t>
-            </a:r>
-            <a:r>
-              <a:rPr lang="en-US" dirty="0" err="1"/>
-              <a:t>asdf</a:t>
-            </a:r>
-            <a:r>
-              <a:rPr lang="en-US" dirty="0"/>
-              <a:t> . l      '); --- ‘</a:t>
-            </a:r>
-            <a:r>
-              <a:rPr lang="en-US" dirty="0" err="1"/>
-              <a:t>asdog</a:t>
-            </a:r>
-            <a:r>
-              <a:rPr lang="en-US" dirty="0"/>
-              <a:t> </a:t>
-            </a:r>
-            <a:r>
-              <a:rPr lang="en-US" dirty="0" err="1"/>
-              <a:t>asdf</a:t>
-            </a:r>
-            <a:r>
-              <a:rPr lang="en-US" dirty="0"/>
-              <a:t> . l’</a:t>
-            </a:r>
-          </a:p>
-          <a:p>
+            <a:endParaRPr lang="en-US" dirty="0"/>
+          </a:p>
+          <a:p>
+            <a:r>
+              <a:rPr lang="en-US" dirty="0"/>
+              <a:t>Ex: SELECT REPLACE('</a:t>
+            </a:r>
+            <a:r>
+              <a:rPr lang="en-US" dirty="0" err="1"/>
+              <a:t>abcdefghicde</a:t>
+            </a:r>
+            <a:r>
+              <a:rPr lang="en-US" dirty="0"/>
+              <a:t>','</a:t>
+            </a:r>
+            <a:r>
+              <a:rPr lang="en-US" dirty="0" err="1"/>
+              <a:t>cde</a:t>
+            </a:r>
+            <a:r>
+              <a:rPr lang="en-US" dirty="0"/>
+              <a:t>','xxx');     ---   </a:t>
+            </a:r>
+            <a:r>
+              <a:rPr lang="en-US" dirty="0" err="1"/>
+              <a:t>abxxxfghixxx</a:t>
+            </a:r>
             <a:endParaRPr lang="en-US" dirty="0"/>
           </a:p>
         </p:txBody>
@@ -4234,7 +4396,7 @@
     </p:spTree>
     <p:extLst>
       <p:ext uri="{BB962C8B-B14F-4D97-AF65-F5344CB8AC3E}">
-        <p14:creationId xmlns:p14="http://schemas.microsoft.com/office/powerpoint/2010/main" val="2579123796"/>
+        <p14:creationId xmlns:p14="http://schemas.microsoft.com/office/powerpoint/2010/main" val="2151041029"/>
       </p:ext>
     </p:extLst>
   </p:cSld>
@@ -4278,11 +4440,7 @@
           <a:p>
             <a:r>
               <a:rPr lang="en-US" dirty="0" smtClean="0"/>
-              <a:t>UPPER</a:t>
-            </a:r>
-            <a:r>
-              <a:rPr lang="az-Latn-AZ" dirty="0" smtClean="0"/>
-              <a:t>()</a:t>
+              <a:t>REVERSE()</a:t>
             </a:r>
             <a:endParaRPr lang="en-US" dirty="0"/>
           </a:p>
@@ -4305,134 +4463,103 @@
           <a:p>
             <a:r>
               <a:rPr lang="en-US" dirty="0"/>
-              <a:t>UPPER ( </a:t>
-            </a:r>
-            <a:r>
-              <a:rPr lang="en-US" dirty="0" err="1"/>
-              <a:t>character_expression</a:t>
-            </a:r>
-            <a:r>
-              <a:rPr lang="en-US" dirty="0"/>
-              <a:t> </a:t>
-            </a:r>
-            <a:r>
-              <a:rPr lang="en-US" dirty="0" smtClean="0"/>
-              <a:t>)</a:t>
-            </a:r>
-          </a:p>
-          <a:p>
-            <a:r>
-              <a:rPr lang="en-US" dirty="0" smtClean="0"/>
-              <a:t>Returns </a:t>
-            </a:r>
-            <a:r>
-              <a:rPr lang="en-US" dirty="0"/>
-              <a:t>a character expression with lowercase character data converted to uppercase.</a:t>
-            </a:r>
-          </a:p>
-          <a:p>
-            <a:r>
-              <a:rPr lang="en-US" dirty="0" smtClean="0"/>
-              <a:t>H</a:t>
-            </a:r>
-            <a:r>
-              <a:rPr lang="az-Latn-AZ" dirty="0" smtClean="0"/>
+              <a:t>REVERSE ( </a:t>
+            </a:r>
+            <a:r>
+              <a:rPr lang="en-US" dirty="0" err="1"/>
+              <a:t>string_expression</a:t>
+            </a:r>
+            <a:r>
+              <a:rPr lang="en-US" dirty="0"/>
+              <a:t> ) </a:t>
+            </a:r>
+            <a:endParaRPr lang="en-US" dirty="0" smtClean="0"/>
+          </a:p>
+          <a:p>
+            <a:r>
+              <a:rPr lang="en-US" dirty="0" smtClean="0"/>
+              <a:t>Returns the reverse order of a string value.</a:t>
+            </a:r>
+          </a:p>
+          <a:p>
+            <a:r>
+              <a:rPr lang="en-US" dirty="0" err="1"/>
+              <a:t>Verilmi</a:t>
+            </a:r>
+            <a:r>
+              <a:rPr lang="az-Latn-AZ" dirty="0"/>
+              <a:t>ş</a:t>
+            </a:r>
+            <a:r>
+              <a:rPr lang="en-US" dirty="0"/>
+              <a:t> </a:t>
+            </a:r>
+            <a:r>
+              <a:rPr lang="az-Latn-AZ" dirty="0" smtClean="0"/>
+              <a:t>s</a:t>
+            </a:r>
+            <a:r>
+              <a:rPr lang="en-US" dirty="0" err="1" smtClean="0"/>
+              <a:t>tring’in</a:t>
+            </a:r>
+            <a:r>
+              <a:rPr lang="en-US" dirty="0" smtClean="0"/>
+              <a:t> </a:t>
+            </a:r>
+            <a:r>
+              <a:rPr lang="az-Latn-AZ" dirty="0" err="1"/>
               <a:t>ə</a:t>
             </a:r>
             <a:r>
               <a:rPr lang="en-US" dirty="0" err="1" smtClean="0"/>
-              <a:t>rfl</a:t>
-            </a:r>
-            <a:r>
-              <a:rPr lang="az-Latn-AZ" dirty="0" smtClean="0"/>
-              <a:t>ə</a:t>
-            </a:r>
-            <a:r>
-              <a:rPr lang="en-US" dirty="0" err="1" smtClean="0"/>
-              <a:t>ri</a:t>
-            </a:r>
-            <a:r>
-              <a:rPr lang="en-US" dirty="0" smtClean="0"/>
-              <a:t> b</a:t>
-            </a:r>
-            <a:r>
-              <a:rPr lang="az-Latn-AZ" dirty="0" smtClean="0"/>
-              <a:t>ö</a:t>
-            </a:r>
-            <a:r>
-              <a:rPr lang="en-US" dirty="0" smtClean="0"/>
-              <a:t>y</a:t>
-            </a:r>
-            <a:r>
-              <a:rPr lang="az-Latn-AZ" dirty="0" smtClean="0"/>
-              <a:t>ü</a:t>
-            </a:r>
-            <a:r>
-              <a:rPr lang="en-US" dirty="0" smtClean="0"/>
-              <a:t>k h</a:t>
-            </a:r>
-            <a:r>
-              <a:rPr lang="az-Latn-AZ" dirty="0" smtClean="0"/>
-              <a:t>ə</a:t>
-            </a:r>
-            <a:r>
-              <a:rPr lang="en-US" dirty="0" err="1" smtClean="0"/>
-              <a:t>rfl</a:t>
-            </a:r>
-            <a:r>
-              <a:rPr lang="az-Latn-AZ" dirty="0" smtClean="0"/>
-              <a:t>ə</a:t>
+              <a:t>ksini</a:t>
+            </a:r>
+            <a:r>
+              <a:rPr lang="en-US" dirty="0" smtClean="0"/>
+              <a:t> </a:t>
+            </a:r>
+            <a:r>
+              <a:rPr lang="en-US" dirty="0" err="1" smtClean="0"/>
+              <a:t>qaytar</a:t>
+            </a:r>
+            <a:r>
+              <a:rPr lang="az-Latn-AZ" dirty="0" smtClean="0"/>
+              <a:t>ı</a:t>
             </a:r>
             <a:r>
               <a:rPr lang="en-US" dirty="0" smtClean="0"/>
               <a:t>r</a:t>
             </a:r>
-            <a:r>
-              <a:rPr lang="az-Latn-AZ" dirty="0" smtClean="0"/>
-              <a:t>ə</a:t>
-            </a:r>
-            <a:r>
-              <a:rPr lang="en-US" dirty="0" smtClean="0"/>
-              <a:t> d</a:t>
-            </a:r>
-            <a:r>
-              <a:rPr lang="az-Latn-AZ" dirty="0" smtClean="0"/>
-              <a:t>ə</a:t>
-            </a:r>
-            <a:r>
-              <a:rPr lang="en-US" dirty="0" err="1" smtClean="0"/>
-              <a:t>yi</a:t>
-            </a:r>
-            <a:r>
-              <a:rPr lang="az-Latn-AZ" dirty="0" smtClean="0"/>
-              <a:t>ş</a:t>
-            </a:r>
-            <a:r>
-              <a:rPr lang="en-US" dirty="0" err="1" smtClean="0"/>
-              <a:t>ir</a:t>
-            </a:r>
             <a:endParaRPr lang="en-US" dirty="0"/>
           </a:p>
           <a:p>
             <a:r>
               <a:rPr lang="en-US" dirty="0"/>
-              <a:t>Ex: SELECT UPPER ( '</a:t>
-            </a:r>
-            <a:r>
-              <a:rPr lang="en-US" dirty="0" err="1"/>
-              <a:t>sdfghjkl</a:t>
-            </a:r>
-            <a:r>
-              <a:rPr lang="en-US" dirty="0"/>
-              <a:t>' ); --- SDFGHJKL</a:t>
-            </a:r>
+              <a:t>Ex: SELECT REVERSE ( '</a:t>
+            </a:r>
+            <a:r>
+              <a:rPr lang="en-US" dirty="0" err="1"/>
+              <a:t>abbbbbbe</a:t>
+            </a:r>
+            <a:r>
+              <a:rPr lang="en-US" dirty="0"/>
+              <a:t>' ); --- </a:t>
+            </a:r>
+            <a:r>
+              <a:rPr lang="en-US" dirty="0" err="1"/>
+              <a:t>ebbbbbba</a:t>
+            </a:r>
+            <a:endParaRPr lang="en-US" dirty="0"/>
+          </a:p>
+          <a:p>
+            <a:endParaRPr lang="en-US" dirty="0"/>
           </a:p>
         </p:txBody>
       </p:sp>
     </p:spTree>
     <p:extLst>
       <p:ext uri="{BB962C8B-B14F-4D97-AF65-F5344CB8AC3E}">
-        <p14:creationId xmlns:p14="http://schemas.microsoft.com/office/powerpoint/2010/main" val="2141278276"/>
+        <p14:creationId xmlns:p14="http://schemas.microsoft.com/office/powerpoint/2010/main" val="45182876"/>
       </p:ext>
     </p:extLst>
   </p:cSld>
@@ -4475,10 +4602,10 @@
           <a:lstStyle/>
           <a:p>
             <a:r>
-              <a:rPr lang="en-US" strike="sngStrike" dirty="0" err="1" smtClean="0"/>
-              <a:t>phpMyAdmin</a:t>
-            </a:r>
-            <a:endParaRPr lang="en-US" strike="sngStrike" dirty="0"/>
+              <a:rPr lang="en-US" dirty="0" smtClean="0"/>
+              <a:t>RIGHT()</a:t>
+            </a:r>
+            <a:endParaRPr lang="en-US" dirty="0"/>
           </a:p>
         </p:txBody>
       </p:sp>
@@ -4494,86 +4621,164 @@
         </p:nvSpPr>
         <p:spPr/>
         <p:txBody>
-          <a:bodyPr>
-            <a:normAutofit fontScale="92500" lnSpcReduction="20000"/>
-          </a:bodyPr>
+          <a:bodyPr/>
           <a:lstStyle/>
           <a:p>
             <a:r>
               <a:rPr lang="en-US" dirty="0"/>
-              <a:t>QUOTENAME</a:t>
-            </a:r>
-            <a:r>
-              <a:rPr lang="en-US" dirty="0" smtClean="0"/>
-              <a:t>()</a:t>
-            </a:r>
-          </a:p>
-          <a:p>
-            <a:r>
-              <a:rPr lang="en-US" dirty="0"/>
-              <a:t>REPLICATE() </a:t>
+              <a:t>RIGHT ( </a:t>
+            </a:r>
+            <a:r>
+              <a:rPr lang="en-US" dirty="0" err="1"/>
+              <a:t>character_expression</a:t>
+            </a:r>
+            <a:r>
+              <a:rPr lang="en-US" dirty="0"/>
+              <a:t> , </a:t>
+            </a:r>
+            <a:r>
+              <a:rPr lang="en-US" dirty="0" err="1"/>
+              <a:t>integer_expression</a:t>
+            </a:r>
+            <a:r>
+              <a:rPr lang="en-US" dirty="0"/>
+              <a:t> ) </a:t>
             </a:r>
             <a:endParaRPr lang="en-US" dirty="0" smtClean="0"/>
           </a:p>
           <a:p>
             <a:r>
               <a:rPr lang="en-US" dirty="0" smtClean="0"/>
-              <a:t>UNICODE() </a:t>
-            </a:r>
-          </a:p>
-          <a:p>
-            <a:r>
-              <a:rPr lang="en-US" dirty="0" smtClean="0"/>
-              <a:t>TRANSLATE</a:t>
-            </a:r>
-            <a:r>
-              <a:rPr lang="en-US" dirty="0"/>
-              <a:t>() </a:t>
-            </a:r>
-            <a:endParaRPr lang="en-US" dirty="0" smtClean="0"/>
-          </a:p>
-          <a:p>
-            <a:r>
-              <a:rPr lang="en-US" dirty="0" smtClean="0"/>
-              <a:t>STUFF()</a:t>
-            </a:r>
-            <a:endParaRPr lang="en-US" dirty="0"/>
-          </a:p>
-          <a:p>
-            <a:r>
-              <a:rPr lang="en-US" dirty="0"/>
-              <a:t>STRING_SPLIT() </a:t>
-            </a:r>
-            <a:endParaRPr lang="en-US" dirty="0" smtClean="0"/>
-          </a:p>
-          <a:p>
-            <a:r>
-              <a:rPr lang="en-US" dirty="0" smtClean="0"/>
-              <a:t>STRING_ESCAPE()</a:t>
-            </a:r>
-            <a:endParaRPr lang="en-US" dirty="0"/>
-          </a:p>
-          <a:p>
-            <a:r>
-              <a:rPr lang="en-US" dirty="0"/>
-              <a:t>STRING_AFF</a:t>
-            </a:r>
-            <a:r>
-              <a:rPr lang="en-US" dirty="0" smtClean="0"/>
-              <a:t>()</a:t>
-            </a:r>
-          </a:p>
-          <a:p>
-            <a:r>
-              <a:rPr lang="en-US" dirty="0"/>
-              <a:t>STR</a:t>
-            </a:r>
-            <a:r>
-              <a:rPr lang="en-US" dirty="0" smtClean="0"/>
-              <a:t>()</a:t>
-            </a:r>
-          </a:p>
-          <a:p>
+              <a:t>Returns </a:t>
+            </a:r>
+            <a:r>
+              <a:rPr lang="en-US" dirty="0"/>
+              <a:t>the right part of a character string with the specified number of characters.</a:t>
+            </a:r>
+          </a:p>
+          <a:p>
+            <a:r>
+              <a:rPr lang="en-US" dirty="0" err="1" smtClean="0"/>
+              <a:t>Verilmi</a:t>
+            </a:r>
+            <a:r>
+              <a:rPr lang="az-Latn-AZ" dirty="0"/>
+              <a:t>ş</a:t>
+            </a:r>
+            <a:r>
+              <a:rPr lang="en-US" dirty="0" smtClean="0"/>
+              <a:t> </a:t>
+            </a:r>
+            <a:r>
+              <a:rPr lang="en-US" dirty="0" err="1"/>
+              <a:t>string’in</a:t>
+            </a:r>
+            <a:r>
+              <a:rPr lang="en-US" dirty="0"/>
+              <a:t> </a:t>
+            </a:r>
+            <a:r>
+              <a:rPr lang="en-US" dirty="0" err="1" smtClean="0"/>
+              <a:t>sa</a:t>
+            </a:r>
+            <a:r>
+              <a:rPr lang="az-Latn-AZ" dirty="0" smtClean="0"/>
+              <a:t>ğ</a:t>
+            </a:r>
+            <a:r>
+              <a:rPr lang="en-US" dirty="0" err="1" smtClean="0"/>
+              <a:t>dan</a:t>
+            </a:r>
+            <a:r>
+              <a:rPr lang="en-US" dirty="0" smtClean="0"/>
+              <a:t> </a:t>
+            </a:r>
+            <a:r>
+              <a:rPr lang="en-US" dirty="0" err="1" smtClean="0"/>
+              <a:t>veril</a:t>
+            </a:r>
+            <a:r>
+              <a:rPr lang="az-Latn-AZ" dirty="0" smtClean="0"/>
+              <a:t>ə</a:t>
+            </a:r>
+            <a:r>
+              <a:rPr lang="en-US" dirty="0" smtClean="0"/>
+              <a:t>n r</a:t>
+            </a:r>
+            <a:r>
+              <a:rPr lang="az-Latn-AZ" dirty="0"/>
+              <a:t>ə</a:t>
+            </a:r>
+            <a:r>
+              <a:rPr lang="en-US" dirty="0" smtClean="0"/>
+              <a:t>q</a:t>
+            </a:r>
+            <a:r>
+              <a:rPr lang="az-Latn-AZ" dirty="0" smtClean="0"/>
+              <a:t>ə</a:t>
+            </a:r>
+            <a:r>
+              <a:rPr lang="en-US" dirty="0" smtClean="0"/>
+              <a:t>m q</a:t>
+            </a:r>
+            <a:r>
+              <a:rPr lang="az-Latn-AZ" dirty="0" smtClean="0"/>
+              <a:t>ə</a:t>
+            </a:r>
+            <a:r>
+              <a:rPr lang="en-US" dirty="0" smtClean="0"/>
+              <a:t>d</a:t>
+            </a:r>
+            <a:r>
+              <a:rPr lang="az-Latn-AZ" dirty="0" smtClean="0"/>
+              <a:t>ə</a:t>
+            </a:r>
+            <a:r>
+              <a:rPr lang="en-US" dirty="0" smtClean="0"/>
+              <a:t>r </a:t>
+            </a:r>
+            <a:r>
+              <a:rPr lang="en-US" dirty="0" err="1"/>
+              <a:t>character’ini</a:t>
+            </a:r>
+            <a:r>
+              <a:rPr lang="en-US" dirty="0"/>
+              <a:t> </a:t>
+            </a:r>
+            <a:r>
+              <a:rPr lang="en-US" dirty="0" err="1" smtClean="0"/>
+              <a:t>qaytar</a:t>
+            </a:r>
+            <a:r>
+              <a:rPr lang="az-Latn-AZ" dirty="0" smtClean="0"/>
+              <a:t>ı</a:t>
+            </a:r>
+            <a:r>
+              <a:rPr lang="en-US" dirty="0" smtClean="0"/>
+              <a:t>r</a:t>
+            </a:r>
+            <a:r>
+              <a:rPr lang="en-US" dirty="0"/>
+              <a:t>.</a:t>
+            </a:r>
+          </a:p>
+          <a:p>
+            <a:r>
+              <a:rPr lang="en-US" dirty="0"/>
+              <a:t>Ex: SELECT RIGHT ( '</a:t>
+            </a:r>
+            <a:r>
+              <a:rPr lang="en-US" dirty="0" err="1"/>
+              <a:t>manchester</a:t>
+            </a:r>
+            <a:r>
+              <a:rPr lang="en-US" dirty="0"/>
+              <a:t>' , 4 ); --- </a:t>
+            </a:r>
+            <a:r>
+              <a:rPr lang="en-US" dirty="0" err="1"/>
+              <a:t>ster</a:t>
+            </a:r>
             <a:endParaRPr lang="en-US" dirty="0"/>
           </a:p>
         </p:txBody>
@@ -4581,7 +4786,1570 @@
     </p:spTree>
     <p:extLst>
       <p:ext uri="{BB962C8B-B14F-4D97-AF65-F5344CB8AC3E}">
-        <p14:creationId xmlns:p14="http://schemas.microsoft.com/office/powerpoint/2010/main" val="1999497350"/>
+        <p14:creationId xmlns:p14="http://schemas.microsoft.com/office/powerpoint/2010/main" val="192234209"/>
+      </p:ext>
+    </p:extLst>
+  </p:cSld>
+  <p:clrMapOvr>
+    <a:masterClrMapping/>
+  </p:clrMapOvr>
+</p:sld>
+</file>
+
+<file path=ppt/slides/slide16.xml><?xml version="1.0" encoding="utf-8"?>
+<p:sld xmlns:a="http://schemas.openxmlformats.org/drawingml/2006/main" xmlns:r="http://schemas.openxmlformats.org/officeDocument/2006/relationships" xmlns:p="http://schemas.openxmlformats.org/presentationml/2006/main">
+  <p:cSld>
+    <p:spTree>
+      <p:nvGrpSpPr>
+        <p:cNvPr id="1" name=""/>
+        <p:cNvGrpSpPr/>
+        <p:nvPr/>
+      </p:nvGrpSpPr>
+      <p:grpSpPr>
+        <a:xfrm>
+          <a:off x="0" y="0"/>
+          <a:ext cx="0" cy="0"/>
+          <a:chOff x="0" y="0"/>
+          <a:chExt cx="0" cy="0"/>
+        </a:xfrm>
+      </p:grpSpPr>
+      <p:sp>
+        <p:nvSpPr>
+          <p:cNvPr id="2" name="Title 1"/>
+          <p:cNvSpPr>
+            <a:spLocks noGrp="1"/>
+          </p:cNvSpPr>
+          <p:nvPr>
+            <p:ph type="title"/>
+          </p:nvPr>
+        </p:nvSpPr>
+        <p:spPr/>
+        <p:txBody>
+          <a:bodyPr/>
+          <a:lstStyle/>
+          <a:p>
+            <a:r>
+              <a:rPr lang="en-US" dirty="0" smtClean="0"/>
+              <a:t>RTRIM()</a:t>
+            </a:r>
+            <a:endParaRPr lang="en-US" dirty="0"/>
+          </a:p>
+        </p:txBody>
+      </p:sp>
+      <p:sp>
+        <p:nvSpPr>
+          <p:cNvPr id="3" name="Content Placeholder 2"/>
+          <p:cNvSpPr>
+            <a:spLocks noGrp="1"/>
+          </p:cNvSpPr>
+          <p:nvPr>
+            <p:ph idx="1"/>
+          </p:nvPr>
+        </p:nvSpPr>
+        <p:spPr/>
+        <p:txBody>
+          <a:bodyPr/>
+          <a:lstStyle/>
+          <a:p>
+            <a:r>
+              <a:rPr lang="en-US" dirty="0"/>
+              <a:t>RTRIM ( </a:t>
+            </a:r>
+            <a:r>
+              <a:rPr lang="en-US" dirty="0" err="1"/>
+              <a:t>character_expression</a:t>
+            </a:r>
+            <a:r>
+              <a:rPr lang="en-US" dirty="0"/>
+              <a:t> ) </a:t>
+            </a:r>
+            <a:endParaRPr lang="en-US" dirty="0" smtClean="0"/>
+          </a:p>
+          <a:p>
+            <a:r>
+              <a:rPr lang="en-US" dirty="0" smtClean="0"/>
+              <a:t>Returns </a:t>
+            </a:r>
+            <a:r>
+              <a:rPr lang="en-US" dirty="0"/>
+              <a:t>a character string after truncating all trailing spaces.</a:t>
+            </a:r>
+          </a:p>
+          <a:p>
+            <a:r>
+              <a:rPr lang="en-US" dirty="0" err="1"/>
+              <a:t>Sonda</a:t>
+            </a:r>
+            <a:r>
+              <a:rPr lang="en-US" dirty="0"/>
+              <a:t> </a:t>
+            </a:r>
+            <a:r>
+              <a:rPr lang="en-US" dirty="0" smtClean="0"/>
+              <a:t>g</a:t>
+            </a:r>
+            <a:r>
+              <a:rPr lang="az-Latn-AZ" dirty="0" smtClean="0"/>
+              <a:t>ə</a:t>
+            </a:r>
+            <a:r>
+              <a:rPr lang="en-US" dirty="0" smtClean="0"/>
+              <a:t>l</a:t>
+            </a:r>
+            <a:r>
+              <a:rPr lang="az-Latn-AZ" dirty="0" smtClean="0"/>
+              <a:t>ə</a:t>
+            </a:r>
+            <a:r>
+              <a:rPr lang="en-US" dirty="0" smtClean="0"/>
+              <a:t>n </a:t>
+            </a:r>
+            <a:r>
+              <a:rPr lang="en-US" dirty="0" err="1" smtClean="0"/>
+              <a:t>bo</a:t>
+            </a:r>
+            <a:r>
+              <a:rPr lang="az-Latn-AZ" dirty="0" smtClean="0"/>
+              <a:t>ş</a:t>
+            </a:r>
+            <a:r>
+              <a:rPr lang="en-US" dirty="0" err="1" smtClean="0"/>
+              <a:t>luqlar</a:t>
+            </a:r>
+            <a:r>
+              <a:rPr lang="az-Latn-AZ" dirty="0" smtClean="0"/>
+              <a:t>ı</a:t>
+            </a:r>
+            <a:r>
+              <a:rPr lang="en-US" dirty="0" smtClean="0"/>
+              <a:t> </a:t>
+            </a:r>
+            <a:r>
+              <a:rPr lang="en-US" dirty="0" err="1"/>
+              <a:t>silir</a:t>
+            </a:r>
+            <a:r>
+              <a:rPr lang="en-US" dirty="0"/>
+              <a:t>.</a:t>
+            </a:r>
+          </a:p>
+          <a:p>
+            <a:r>
+              <a:rPr lang="en-US" dirty="0"/>
+              <a:t>Ex: SELECT RTRIM ( '</a:t>
+            </a:r>
+            <a:r>
+              <a:rPr lang="en-US" dirty="0" err="1"/>
+              <a:t>manchester</a:t>
+            </a:r>
+            <a:r>
+              <a:rPr lang="en-US" dirty="0"/>
+              <a:t>        ' ); --- </a:t>
+            </a:r>
+            <a:r>
+              <a:rPr lang="en-US" dirty="0" err="1" smtClean="0"/>
+              <a:t>manchester</a:t>
+            </a:r>
+            <a:endParaRPr lang="en-US" dirty="0"/>
+          </a:p>
+          <a:p>
+            <a:endParaRPr lang="en-US" dirty="0"/>
+          </a:p>
+        </p:txBody>
+      </p:sp>
+    </p:spTree>
+    <p:extLst>
+      <p:ext uri="{BB962C8B-B14F-4D97-AF65-F5344CB8AC3E}">
+        <p14:creationId xmlns:p14="http://schemas.microsoft.com/office/powerpoint/2010/main" val="1490355619"/>
+      </p:ext>
+    </p:extLst>
+  </p:cSld>
+  <p:clrMapOvr>
+    <a:masterClrMapping/>
+  </p:clrMapOvr>
+</p:sld>
+</file>
+
+<file path=ppt/slides/slide17.xml><?xml version="1.0" encoding="utf-8"?>
+<p:sld xmlns:a="http://schemas.openxmlformats.org/drawingml/2006/main" xmlns:r="http://schemas.openxmlformats.org/officeDocument/2006/relationships" xmlns:p="http://schemas.openxmlformats.org/presentationml/2006/main">
+  <p:cSld>
+    <p:spTree>
+      <p:nvGrpSpPr>
+        <p:cNvPr id="1" name=""/>
+        <p:cNvGrpSpPr/>
+        <p:nvPr/>
+      </p:nvGrpSpPr>
+      <p:grpSpPr>
+        <a:xfrm>
+          <a:off x="0" y="0"/>
+          <a:ext cx="0" cy="0"/>
+          <a:chOff x="0" y="0"/>
+          <a:chExt cx="0" cy="0"/>
+        </a:xfrm>
+      </p:grpSpPr>
+      <p:sp>
+        <p:nvSpPr>
+          <p:cNvPr id="2" name="Title 1"/>
+          <p:cNvSpPr>
+            <a:spLocks noGrp="1"/>
+          </p:cNvSpPr>
+          <p:nvPr>
+            <p:ph type="title"/>
+          </p:nvPr>
+        </p:nvSpPr>
+        <p:spPr/>
+        <p:txBody>
+          <a:bodyPr/>
+          <a:lstStyle/>
+          <a:p>
+            <a:r>
+              <a:rPr lang="en-US" dirty="0" smtClean="0"/>
+              <a:t>SOUNDEX()</a:t>
+            </a:r>
+            <a:endParaRPr lang="en-US" dirty="0"/>
+          </a:p>
+        </p:txBody>
+      </p:sp>
+      <p:sp>
+        <p:nvSpPr>
+          <p:cNvPr id="3" name="Content Placeholder 2"/>
+          <p:cNvSpPr>
+            <a:spLocks noGrp="1"/>
+          </p:cNvSpPr>
+          <p:nvPr>
+            <p:ph idx="1"/>
+          </p:nvPr>
+        </p:nvSpPr>
+        <p:spPr/>
+        <p:txBody>
+          <a:bodyPr/>
+          <a:lstStyle/>
+          <a:p>
+            <a:r>
+              <a:rPr lang="en-US" dirty="0"/>
+              <a:t>SOUNDEX ( </a:t>
+            </a:r>
+            <a:r>
+              <a:rPr lang="en-US" dirty="0" err="1"/>
+              <a:t>character_expression</a:t>
+            </a:r>
+            <a:r>
+              <a:rPr lang="en-US" dirty="0"/>
+              <a:t> ) </a:t>
+            </a:r>
+            <a:endParaRPr lang="en-US" dirty="0" smtClean="0"/>
+          </a:p>
+          <a:p>
+            <a:r>
+              <a:rPr lang="en-US" dirty="0" smtClean="0"/>
+              <a:t>Returns </a:t>
+            </a:r>
+            <a:r>
+              <a:rPr lang="en-US" dirty="0"/>
+              <a:t>a four-character (SOUNDEX) code to evaluate the similarity of two strings.</a:t>
+            </a:r>
+          </a:p>
+          <a:p>
+            <a:r>
+              <a:rPr lang="en-US" dirty="0" err="1" smtClean="0"/>
+              <a:t>String</a:t>
+            </a:r>
+            <a:r>
+              <a:rPr lang="en-US" dirty="0" err="1"/>
+              <a:t>’</a:t>
+            </a:r>
+            <a:r>
+              <a:rPr lang="en-US" dirty="0" err="1" smtClean="0"/>
+              <a:t>in</a:t>
+            </a:r>
+            <a:r>
+              <a:rPr lang="en-US" dirty="0" smtClean="0"/>
+              <a:t> </a:t>
+            </a:r>
+            <a:r>
+              <a:rPr lang="en-US" dirty="0"/>
+              <a:t>4 </a:t>
+            </a:r>
+            <a:r>
+              <a:rPr lang="en-US" dirty="0" smtClean="0"/>
+              <a:t>r</a:t>
+            </a:r>
+            <a:r>
+              <a:rPr lang="az-Latn-AZ" dirty="0" smtClean="0"/>
+              <a:t>əqə</a:t>
+            </a:r>
+            <a:r>
+              <a:rPr lang="en-US" dirty="0" smtClean="0"/>
+              <a:t>mli </a:t>
+            </a:r>
+            <a:r>
+              <a:rPr lang="en-US" dirty="0"/>
+              <a:t>SOUNDEX </a:t>
+            </a:r>
+            <a:r>
+              <a:rPr lang="en-US" dirty="0" err="1"/>
+              <a:t>kodunu</a:t>
+            </a:r>
+            <a:r>
+              <a:rPr lang="en-US" dirty="0"/>
+              <a:t> </a:t>
+            </a:r>
+            <a:r>
+              <a:rPr lang="en-US" dirty="0" err="1" smtClean="0"/>
+              <a:t>qaytar</a:t>
+            </a:r>
+            <a:r>
+              <a:rPr lang="az-Latn-AZ" dirty="0" smtClean="0"/>
+              <a:t>ı</a:t>
+            </a:r>
+            <a:r>
+              <a:rPr lang="en-US" dirty="0" smtClean="0"/>
+              <a:t>r</a:t>
+            </a:r>
+            <a:r>
+              <a:rPr lang="en-US" dirty="0"/>
+              <a:t>, </a:t>
+            </a:r>
+            <a:r>
+              <a:rPr lang="en-US" dirty="0" err="1" smtClean="0"/>
+              <a:t>hans</a:t>
+            </a:r>
+            <a:r>
+              <a:rPr lang="az-Latn-AZ" dirty="0" smtClean="0"/>
+              <a:t>ı</a:t>
+            </a:r>
+            <a:r>
+              <a:rPr lang="en-US" dirty="0" smtClean="0"/>
+              <a:t> </a:t>
+            </a:r>
+            <a:r>
+              <a:rPr lang="en-US" dirty="0" err="1"/>
+              <a:t>ki</a:t>
+            </a:r>
+            <a:r>
+              <a:rPr lang="en-US" dirty="0"/>
+              <a:t>, </a:t>
+            </a:r>
+            <a:r>
+              <a:rPr lang="en-US" dirty="0" err="1"/>
+              <a:t>iki</a:t>
+            </a:r>
+            <a:r>
+              <a:rPr lang="en-US" dirty="0"/>
+              <a:t> </a:t>
+            </a:r>
+            <a:r>
+              <a:rPr lang="en-US" dirty="0" err="1" smtClean="0"/>
+              <a:t>string</a:t>
+            </a:r>
+            <a:r>
+              <a:rPr lang="en-US" dirty="0" err="1"/>
+              <a:t>’</a:t>
+            </a:r>
+            <a:r>
+              <a:rPr lang="en-US" dirty="0" err="1" smtClean="0"/>
+              <a:t>in</a:t>
+            </a:r>
+            <a:r>
+              <a:rPr lang="en-US" dirty="0" smtClean="0"/>
+              <a:t> f</a:t>
+            </a:r>
+            <a:r>
+              <a:rPr lang="az-Latn-AZ" dirty="0" smtClean="0"/>
+              <a:t>ə</a:t>
+            </a:r>
+            <a:r>
+              <a:rPr lang="en-US" dirty="0" err="1" smtClean="0"/>
+              <a:t>qlilikl</a:t>
+            </a:r>
+            <a:r>
+              <a:rPr lang="az-Latn-AZ" dirty="0" smtClean="0"/>
+              <a:t>ə</a:t>
+            </a:r>
+            <a:r>
+              <a:rPr lang="en-US" dirty="0" err="1" smtClean="0"/>
+              <a:t>rini</a:t>
+            </a:r>
+            <a:r>
+              <a:rPr lang="en-US" dirty="0" smtClean="0"/>
+              <a:t> b</a:t>
+            </a:r>
+            <a:r>
+              <a:rPr lang="az-Latn-AZ" dirty="0" smtClean="0"/>
+              <a:t>ə</a:t>
+            </a:r>
+            <a:r>
+              <a:rPr lang="en-US" dirty="0" err="1" smtClean="0"/>
+              <a:t>lirl</a:t>
+            </a:r>
+            <a:r>
+              <a:rPr lang="az-Latn-AZ" dirty="0" smtClean="0"/>
+              <a:t>ə</a:t>
+            </a:r>
+            <a:r>
+              <a:rPr lang="en-US" dirty="0" smtClean="0"/>
+              <a:t>m</a:t>
+            </a:r>
+            <a:r>
+              <a:rPr lang="az-Latn-AZ" dirty="0" smtClean="0"/>
+              <a:t>ə</a:t>
+            </a:r>
+            <a:r>
+              <a:rPr lang="en-US" dirty="0" smtClean="0"/>
+              <a:t>k </a:t>
+            </a:r>
+            <a:r>
+              <a:rPr lang="az-Latn-AZ" dirty="0" smtClean="0"/>
+              <a:t>üçü</a:t>
+            </a:r>
+            <a:r>
+              <a:rPr lang="en-US" dirty="0" smtClean="0"/>
+              <a:t>n </a:t>
+            </a:r>
+            <a:r>
+              <a:rPr lang="en-US" dirty="0" err="1" smtClean="0"/>
+              <a:t>istifad</a:t>
+            </a:r>
+            <a:r>
+              <a:rPr lang="az-Latn-AZ" dirty="0" smtClean="0"/>
+              <a:t>ə</a:t>
+            </a:r>
+            <a:r>
+              <a:rPr lang="en-US" dirty="0" smtClean="0"/>
+              <a:t> </a:t>
+            </a:r>
+            <a:r>
+              <a:rPr lang="en-US" dirty="0" err="1"/>
+              <a:t>olunur</a:t>
+            </a:r>
+            <a:r>
+              <a:rPr lang="en-US" dirty="0"/>
+              <a:t>.</a:t>
+            </a:r>
+          </a:p>
+          <a:p>
+            <a:r>
+              <a:rPr lang="en-US" dirty="0"/>
+              <a:t>Ex: SELECT SOUNDEX ('Smith`s'); --- S532</a:t>
+            </a:r>
+          </a:p>
+        </p:txBody>
+      </p:sp>
+    </p:spTree>
+    <p:extLst>
+      <p:ext uri="{BB962C8B-B14F-4D97-AF65-F5344CB8AC3E}">
+        <p14:creationId xmlns:p14="http://schemas.microsoft.com/office/powerpoint/2010/main" val="2121278848"/>
+      </p:ext>
+    </p:extLst>
+  </p:cSld>
+  <p:clrMapOvr>
+    <a:masterClrMapping/>
+  </p:clrMapOvr>
+</p:sld>
+</file>
+
+<file path=ppt/slides/slide18.xml><?xml version="1.0" encoding="utf-8"?>
+<p:sld xmlns:a="http://schemas.openxmlformats.org/drawingml/2006/main" xmlns:r="http://schemas.openxmlformats.org/officeDocument/2006/relationships" xmlns:p="http://schemas.openxmlformats.org/presentationml/2006/main">
+  <p:cSld>
+    <p:spTree>
+      <p:nvGrpSpPr>
+        <p:cNvPr id="1" name=""/>
+        <p:cNvGrpSpPr/>
+        <p:nvPr/>
+      </p:nvGrpSpPr>
+      <p:grpSpPr>
+        <a:xfrm>
+          <a:off x="0" y="0"/>
+          <a:ext cx="0" cy="0"/>
+          <a:chOff x="0" y="0"/>
+          <a:chExt cx="0" cy="0"/>
+        </a:xfrm>
+      </p:grpSpPr>
+      <p:sp>
+        <p:nvSpPr>
+          <p:cNvPr id="2" name="Title 1"/>
+          <p:cNvSpPr>
+            <a:spLocks noGrp="1"/>
+          </p:cNvSpPr>
+          <p:nvPr>
+            <p:ph type="title"/>
+          </p:nvPr>
+        </p:nvSpPr>
+        <p:spPr/>
+        <p:txBody>
+          <a:bodyPr/>
+          <a:lstStyle/>
+          <a:p>
+            <a:r>
+              <a:rPr lang="en-US" dirty="0" smtClean="0"/>
+              <a:t>SOUNDEX()</a:t>
+            </a:r>
+            <a:endParaRPr lang="en-US" dirty="0"/>
+          </a:p>
+        </p:txBody>
+      </p:sp>
+      <p:sp>
+        <p:nvSpPr>
+          <p:cNvPr id="3" name="Content Placeholder 2"/>
+          <p:cNvSpPr>
+            <a:spLocks noGrp="1"/>
+          </p:cNvSpPr>
+          <p:nvPr>
+            <p:ph idx="1"/>
+          </p:nvPr>
+        </p:nvSpPr>
+        <p:spPr/>
+        <p:txBody>
+          <a:bodyPr>
+            <a:normAutofit fontScale="77500" lnSpcReduction="20000"/>
+          </a:bodyPr>
+          <a:lstStyle/>
+          <a:p>
+            <a:r>
+              <a:rPr lang="en-US" dirty="0"/>
+              <a:t>- SOUNDEX </a:t>
+            </a:r>
+            <a:r>
+              <a:rPr lang="en-US" dirty="0" err="1"/>
+              <a:t>bir-birinə</a:t>
+            </a:r>
+            <a:r>
+              <a:rPr lang="en-US" dirty="0"/>
+              <a:t> </a:t>
+            </a:r>
+            <a:r>
+              <a:rPr lang="en-US" dirty="0" err="1"/>
+              <a:t>səs</a:t>
+            </a:r>
+            <a:r>
+              <a:rPr lang="en-US" dirty="0"/>
+              <a:t> </a:t>
+            </a:r>
+            <a:r>
+              <a:rPr lang="en-US" dirty="0" err="1"/>
+              <a:t>bənzərliyi</a:t>
+            </a:r>
+            <a:r>
+              <a:rPr lang="en-US" dirty="0"/>
+              <a:t> </a:t>
+            </a:r>
+            <a:r>
+              <a:rPr lang="en-US" dirty="0" err="1"/>
+              <a:t>olan</a:t>
+            </a:r>
+            <a:r>
+              <a:rPr lang="en-US" dirty="0"/>
+              <a:t> </a:t>
+            </a:r>
+            <a:r>
+              <a:rPr lang="en-US" dirty="0" err="1"/>
+              <a:t>sözləri</a:t>
+            </a:r>
+            <a:r>
+              <a:rPr lang="en-US" dirty="0"/>
+              <a:t> </a:t>
+            </a:r>
+            <a:r>
+              <a:rPr lang="en-US" dirty="0" err="1"/>
+              <a:t>tapmamızı</a:t>
+            </a:r>
+            <a:r>
+              <a:rPr lang="en-US" dirty="0"/>
+              <a:t> </a:t>
+            </a:r>
+            <a:r>
+              <a:rPr lang="en-US" dirty="0" err="1"/>
+              <a:t>təmin</a:t>
+            </a:r>
+            <a:r>
+              <a:rPr lang="en-US" dirty="0"/>
+              <a:t> </a:t>
+            </a:r>
+            <a:r>
+              <a:rPr lang="en-US" dirty="0" err="1"/>
+              <a:t>edən</a:t>
+            </a:r>
+            <a:r>
+              <a:rPr lang="en-US" dirty="0"/>
+              <a:t> </a:t>
+            </a:r>
+            <a:r>
+              <a:rPr lang="en-US" dirty="0" err="1"/>
+              <a:t>sadə</a:t>
+            </a:r>
+            <a:r>
+              <a:rPr lang="en-US" dirty="0"/>
+              <a:t> </a:t>
+            </a:r>
+            <a:r>
+              <a:rPr lang="en-US" dirty="0" err="1"/>
+              <a:t>bir</a:t>
+            </a:r>
+            <a:r>
+              <a:rPr lang="en-US" dirty="0"/>
+              <a:t> </a:t>
+            </a:r>
+            <a:r>
+              <a:rPr lang="en-US" dirty="0" err="1"/>
+              <a:t>alqoritmadır</a:t>
+            </a:r>
+            <a:r>
+              <a:rPr lang="en-US" dirty="0"/>
+              <a:t>. Bu </a:t>
+            </a:r>
+            <a:r>
+              <a:rPr lang="en-US" dirty="0" err="1"/>
+              <a:t>alqoritma</a:t>
+            </a:r>
+            <a:r>
+              <a:rPr lang="en-US" dirty="0"/>
+              <a:t> 5 </a:t>
+            </a:r>
+            <a:r>
+              <a:rPr lang="en-US" dirty="0" err="1"/>
+              <a:t>təməl</a:t>
+            </a:r>
+            <a:r>
+              <a:rPr lang="en-US" dirty="0"/>
+              <a:t> </a:t>
+            </a:r>
+            <a:r>
+              <a:rPr lang="en-US" dirty="0" err="1"/>
+              <a:t>mərhələdən</a:t>
+            </a:r>
+            <a:r>
+              <a:rPr lang="en-US" dirty="0"/>
+              <a:t> </a:t>
+            </a:r>
+            <a:r>
+              <a:rPr lang="en-US" dirty="0" err="1"/>
+              <a:t>ibarətdir</a:t>
+            </a:r>
+            <a:r>
+              <a:rPr lang="en-US" dirty="0"/>
+              <a:t>. </a:t>
+            </a:r>
+            <a:br>
+              <a:rPr lang="en-US" dirty="0"/>
+            </a:br>
+            <a:r>
+              <a:rPr lang="en-US" dirty="0"/>
+              <a:t>1) </a:t>
+            </a:r>
+            <a:r>
+              <a:rPr lang="en-US" dirty="0" err="1"/>
+              <a:t>Sözün</a:t>
+            </a:r>
+            <a:r>
+              <a:rPr lang="en-US" dirty="0"/>
+              <a:t> ilk </a:t>
+            </a:r>
+            <a:r>
+              <a:rPr lang="en-US" dirty="0" err="1"/>
+              <a:t>hərfi</a:t>
+            </a:r>
+            <a:r>
+              <a:rPr lang="en-US" dirty="0"/>
+              <a:t> </a:t>
+            </a:r>
+            <a:r>
+              <a:rPr lang="en-US" dirty="0" err="1"/>
+              <a:t>olduğu</a:t>
+            </a:r>
+            <a:r>
+              <a:rPr lang="en-US" dirty="0"/>
+              <a:t> </a:t>
+            </a:r>
+            <a:r>
+              <a:rPr lang="en-US" dirty="0" err="1"/>
+              <a:t>kimi</a:t>
+            </a:r>
+            <a:r>
+              <a:rPr lang="en-US" dirty="0"/>
+              <a:t> </a:t>
+            </a:r>
+            <a:r>
+              <a:rPr lang="en-US" dirty="0" err="1"/>
+              <a:t>qalır</a:t>
+            </a:r>
+            <a:r>
+              <a:rPr lang="en-US" dirty="0"/>
+              <a:t>.</a:t>
+            </a:r>
+            <a:br>
+              <a:rPr lang="en-US" dirty="0"/>
+            </a:br>
+            <a:r>
+              <a:rPr lang="en-US" dirty="0"/>
+              <a:t>2) İlk </a:t>
+            </a:r>
+            <a:r>
+              <a:rPr lang="en-US" dirty="0" err="1"/>
+              <a:t>hərf</a:t>
+            </a:r>
+            <a:r>
+              <a:rPr lang="en-US" dirty="0"/>
+              <a:t> </a:t>
+            </a:r>
+            <a:r>
+              <a:rPr lang="en-US" dirty="0" err="1"/>
+              <a:t>xaricindəki</a:t>
+            </a:r>
+            <a:r>
+              <a:rPr lang="en-US" dirty="0"/>
+              <a:t> </a:t>
+            </a:r>
+            <a:r>
+              <a:rPr lang="en-US" dirty="0" err="1"/>
+              <a:t>hərflər</a:t>
+            </a:r>
+            <a:r>
+              <a:rPr lang="en-US" dirty="0"/>
+              <a:t> </a:t>
+            </a:r>
+            <a:r>
+              <a:rPr lang="en-US" dirty="0" err="1"/>
+              <a:t>arasından</a:t>
+            </a:r>
+            <a:r>
+              <a:rPr lang="en-US" dirty="0"/>
+              <a:t> A, E, H, I, O, U, W, Y </a:t>
+            </a:r>
+            <a:r>
+              <a:rPr lang="en-US" dirty="0" err="1"/>
+              <a:t>hərfləri</a:t>
+            </a:r>
+            <a:r>
+              <a:rPr lang="en-US" dirty="0"/>
+              <a:t> </a:t>
+            </a:r>
+            <a:r>
+              <a:rPr lang="en-US" dirty="0" err="1"/>
+              <a:t>çıxarılır</a:t>
+            </a:r>
+            <a:r>
+              <a:rPr lang="en-US" dirty="0"/>
+              <a:t>.</a:t>
+            </a:r>
+            <a:br>
+              <a:rPr lang="en-US" dirty="0"/>
+            </a:br>
+            <a:r>
+              <a:rPr lang="en-US" dirty="0"/>
+              <a:t>3) İlk </a:t>
+            </a:r>
+            <a:r>
+              <a:rPr lang="en-US" dirty="0" err="1"/>
+              <a:t>hərfdən</a:t>
+            </a:r>
+            <a:r>
+              <a:rPr lang="en-US" dirty="0"/>
+              <a:t> </a:t>
+            </a:r>
+            <a:r>
+              <a:rPr lang="en-US" dirty="0" err="1"/>
+              <a:t>sonra</a:t>
+            </a:r>
+            <a:r>
+              <a:rPr lang="en-US" dirty="0"/>
+              <a:t> </a:t>
+            </a:r>
+            <a:r>
+              <a:rPr lang="en-US" dirty="0" err="1"/>
+              <a:t>gələn</a:t>
+            </a:r>
+            <a:r>
+              <a:rPr lang="en-US" dirty="0"/>
+              <a:t> </a:t>
+            </a:r>
+            <a:r>
+              <a:rPr lang="en-US" dirty="0" err="1"/>
+              <a:t>hərflər</a:t>
+            </a:r>
+            <a:r>
+              <a:rPr lang="en-US" dirty="0"/>
+              <a:t> </a:t>
+            </a:r>
+            <a:r>
+              <a:rPr lang="en-US" dirty="0" err="1"/>
+              <a:t>aşağıdakı</a:t>
+            </a:r>
+            <a:r>
+              <a:rPr lang="en-US" dirty="0"/>
+              <a:t> </a:t>
+            </a:r>
+            <a:r>
+              <a:rPr lang="en-US" dirty="0" err="1"/>
+              <a:t>siyahıya</a:t>
+            </a:r>
+            <a:r>
+              <a:rPr lang="en-US" dirty="0"/>
+              <a:t> </a:t>
+            </a:r>
+            <a:r>
+              <a:rPr lang="en-US" dirty="0" err="1"/>
+              <a:t>uyğun</a:t>
+            </a:r>
+            <a:r>
+              <a:rPr lang="en-US" dirty="0"/>
+              <a:t> </a:t>
+            </a:r>
+            <a:r>
+              <a:rPr lang="en-US" dirty="0" err="1"/>
+              <a:t>olaraq</a:t>
+            </a:r>
+            <a:r>
+              <a:rPr lang="en-US" dirty="0"/>
+              <a:t> </a:t>
+            </a:r>
+            <a:r>
+              <a:rPr lang="en-US" dirty="0" err="1"/>
+              <a:t>nömrələrə</a:t>
+            </a:r>
+            <a:r>
+              <a:rPr lang="en-US" dirty="0"/>
+              <a:t> </a:t>
+            </a:r>
+            <a:r>
+              <a:rPr lang="en-US" dirty="0" err="1"/>
+              <a:t>çevrilirlər</a:t>
+            </a:r>
+            <a:r>
+              <a:rPr lang="en-US" dirty="0"/>
+              <a:t>.</a:t>
+            </a:r>
+            <a:br>
+              <a:rPr lang="en-US" dirty="0"/>
+            </a:br>
+            <a:r>
+              <a:rPr lang="en-US" dirty="0"/>
+              <a:t>4) Yan-</a:t>
+            </a:r>
+            <a:r>
+              <a:rPr lang="en-US" dirty="0" err="1"/>
+              <a:t>yana</a:t>
+            </a:r>
+            <a:r>
+              <a:rPr lang="en-US" dirty="0"/>
+              <a:t> </a:t>
+            </a:r>
+            <a:r>
+              <a:rPr lang="en-US" dirty="0" err="1"/>
+              <a:t>olan</a:t>
+            </a:r>
+            <a:r>
+              <a:rPr lang="en-US" dirty="0"/>
+              <a:t> </a:t>
+            </a:r>
+            <a:r>
+              <a:rPr lang="en-US" dirty="0" err="1"/>
+              <a:t>eyni</a:t>
+            </a:r>
+            <a:r>
+              <a:rPr lang="en-US" dirty="0"/>
+              <a:t> </a:t>
+            </a:r>
+            <a:r>
+              <a:rPr lang="en-US" dirty="0" err="1"/>
+              <a:t>hərf</a:t>
+            </a:r>
+            <a:r>
+              <a:rPr lang="en-US" dirty="0"/>
+              <a:t> yada </a:t>
+            </a:r>
+            <a:r>
+              <a:rPr lang="en-US" dirty="0" err="1"/>
+              <a:t>eyni</a:t>
+            </a:r>
+            <a:r>
+              <a:rPr lang="en-US" dirty="0"/>
+              <a:t> </a:t>
+            </a:r>
+            <a:r>
+              <a:rPr lang="en-US" dirty="0" err="1"/>
+              <a:t>nömrəyə</a:t>
+            </a:r>
+            <a:r>
+              <a:rPr lang="en-US" dirty="0"/>
+              <a:t> </a:t>
+            </a:r>
+            <a:r>
+              <a:rPr lang="en-US" dirty="0" err="1"/>
+              <a:t>məxsus</a:t>
+            </a:r>
+            <a:r>
+              <a:rPr lang="en-US" dirty="0"/>
+              <a:t> </a:t>
+            </a:r>
+            <a:r>
+              <a:rPr lang="en-US" dirty="0" err="1"/>
+              <a:t>olan</a:t>
+            </a:r>
+            <a:r>
+              <a:rPr lang="en-US" dirty="0"/>
+              <a:t> </a:t>
+            </a:r>
+            <a:r>
+              <a:rPr lang="en-US" dirty="0" err="1"/>
+              <a:t>hərflər</a:t>
+            </a:r>
+            <a:r>
+              <a:rPr lang="en-US" dirty="0"/>
+              <a:t>  </a:t>
+            </a:r>
+            <a:r>
+              <a:rPr lang="en-US" dirty="0" err="1"/>
+              <a:t>yenə</a:t>
+            </a:r>
+            <a:r>
+              <a:rPr lang="en-US" dirty="0"/>
+              <a:t> </a:t>
+            </a:r>
+            <a:r>
+              <a:rPr lang="en-US" dirty="0" err="1"/>
+              <a:t>eyni</a:t>
+            </a:r>
+            <a:r>
+              <a:rPr lang="en-US" dirty="0"/>
+              <a:t> </a:t>
+            </a:r>
+            <a:r>
+              <a:rPr lang="en-US" dirty="0" err="1"/>
+              <a:t>nömrə</a:t>
+            </a:r>
+            <a:r>
+              <a:rPr lang="en-US" dirty="0"/>
+              <a:t> </a:t>
+            </a:r>
+            <a:r>
+              <a:rPr lang="en-US" dirty="0" err="1"/>
+              <a:t>daxilində</a:t>
+            </a:r>
+            <a:r>
+              <a:rPr lang="en-US" dirty="0"/>
+              <a:t> </a:t>
+            </a:r>
+            <a:r>
+              <a:rPr lang="en-US" dirty="0" err="1"/>
+              <a:t>kodlanır</a:t>
+            </a:r>
+            <a:r>
+              <a:rPr lang="en-US" dirty="0"/>
+              <a:t>.</a:t>
+            </a:r>
+            <a:br>
+              <a:rPr lang="en-US" dirty="0"/>
+            </a:br>
+            <a:r>
+              <a:rPr lang="en-US" dirty="0"/>
+              <a:t>5) </a:t>
+            </a:r>
+            <a:r>
+              <a:rPr lang="en-US" dirty="0" err="1"/>
+              <a:t>Kodlanacaq</a:t>
+            </a:r>
+            <a:r>
+              <a:rPr lang="en-US" dirty="0"/>
+              <a:t> </a:t>
+            </a:r>
+            <a:r>
+              <a:rPr lang="en-US" dirty="0" err="1"/>
+              <a:t>söz</a:t>
+            </a:r>
+            <a:r>
+              <a:rPr lang="en-US" dirty="0"/>
+              <a:t>  4 </a:t>
+            </a:r>
+            <a:r>
+              <a:rPr lang="en-US" dirty="0" err="1"/>
+              <a:t>rəqəmli</a:t>
+            </a:r>
+            <a:r>
+              <a:rPr lang="en-US" dirty="0"/>
+              <a:t> </a:t>
+            </a:r>
+            <a:r>
+              <a:rPr lang="en-US" dirty="0" err="1"/>
+              <a:t>olana</a:t>
+            </a:r>
+            <a:r>
+              <a:rPr lang="en-US" dirty="0"/>
+              <a:t> </a:t>
+            </a:r>
+            <a:r>
+              <a:rPr lang="en-US" dirty="0" err="1"/>
+              <a:t>qədər</a:t>
+            </a:r>
+            <a:r>
+              <a:rPr lang="en-US" dirty="0"/>
+              <a:t> </a:t>
+            </a:r>
+            <a:r>
+              <a:rPr lang="en-US" dirty="0" err="1"/>
+              <a:t>digər</a:t>
+            </a:r>
+            <a:r>
+              <a:rPr lang="en-US" dirty="0"/>
+              <a:t> </a:t>
+            </a:r>
+            <a:r>
+              <a:rPr lang="en-US" dirty="0" err="1"/>
+              <a:t>xarakterlər</a:t>
+            </a:r>
+            <a:r>
+              <a:rPr lang="en-US" dirty="0"/>
+              <a:t> 0 </a:t>
+            </a:r>
+            <a:r>
+              <a:rPr lang="en-US" dirty="0" err="1"/>
+              <a:t>ilə</a:t>
+            </a:r>
+            <a:r>
+              <a:rPr lang="en-US" dirty="0"/>
+              <a:t> </a:t>
+            </a:r>
+            <a:r>
+              <a:rPr lang="en-US" dirty="0" err="1"/>
+              <a:t>tamamlanır</a:t>
+            </a:r>
+            <a:r>
+              <a:rPr lang="en-US" dirty="0"/>
+              <a:t>.</a:t>
+            </a:r>
+          </a:p>
+          <a:p>
+            <a:r>
+              <a:rPr lang="en-US" dirty="0"/>
+              <a:t>(B,F,V,P  = 1); (C,G,J,K,Q,S,X,Z = 2); (D,T = 3); (L = 4);  (M,N = 5);  (R = 6</a:t>
+            </a:r>
+            <a:r>
+              <a:rPr lang="en-US" dirty="0" smtClean="0"/>
+              <a:t>).</a:t>
+            </a:r>
+          </a:p>
+        </p:txBody>
+      </p:sp>
+    </p:spTree>
+    <p:extLst>
+      <p:ext uri="{BB962C8B-B14F-4D97-AF65-F5344CB8AC3E}">
+        <p14:creationId xmlns:p14="http://schemas.microsoft.com/office/powerpoint/2010/main" val="1675121996"/>
+      </p:ext>
+    </p:extLst>
+  </p:cSld>
+  <p:clrMapOvr>
+    <a:masterClrMapping/>
+  </p:clrMapOvr>
+</p:sld>
+</file>
+
+<file path=ppt/slides/slide19.xml><?xml version="1.0" encoding="utf-8"?>
+<p:sld xmlns:a="http://schemas.openxmlformats.org/drawingml/2006/main" xmlns:r="http://schemas.openxmlformats.org/officeDocument/2006/relationships" xmlns:p="http://schemas.openxmlformats.org/presentationml/2006/main">
+  <p:cSld>
+    <p:spTree>
+      <p:nvGrpSpPr>
+        <p:cNvPr id="1" name=""/>
+        <p:cNvGrpSpPr/>
+        <p:nvPr/>
+      </p:nvGrpSpPr>
+      <p:grpSpPr>
+        <a:xfrm>
+          <a:off x="0" y="0"/>
+          <a:ext cx="0" cy="0"/>
+          <a:chOff x="0" y="0"/>
+          <a:chExt cx="0" cy="0"/>
+        </a:xfrm>
+      </p:grpSpPr>
+      <p:sp>
+        <p:nvSpPr>
+          <p:cNvPr id="2" name="Title 1"/>
+          <p:cNvSpPr>
+            <a:spLocks noGrp="1"/>
+          </p:cNvSpPr>
+          <p:nvPr>
+            <p:ph type="title"/>
+          </p:nvPr>
+        </p:nvSpPr>
+        <p:spPr/>
+        <p:txBody>
+          <a:bodyPr/>
+          <a:lstStyle/>
+          <a:p>
+            <a:r>
+              <a:rPr lang="en-US" dirty="0" smtClean="0"/>
+              <a:t>SOUNDEX()</a:t>
+            </a:r>
+            <a:endParaRPr lang="en-US" dirty="0"/>
+          </a:p>
+        </p:txBody>
+      </p:sp>
+      <p:sp>
+        <p:nvSpPr>
+          <p:cNvPr id="3" name="Content Placeholder 2"/>
+          <p:cNvSpPr>
+            <a:spLocks noGrp="1"/>
+          </p:cNvSpPr>
+          <p:nvPr>
+            <p:ph idx="1"/>
+          </p:nvPr>
+        </p:nvSpPr>
+        <p:spPr/>
+        <p:txBody>
+          <a:bodyPr>
+            <a:normAutofit fontScale="85000" lnSpcReduction="20000"/>
+          </a:bodyPr>
+          <a:lstStyle/>
+          <a:p>
+            <a:r>
+              <a:rPr lang="en-US" dirty="0"/>
+              <a:t>Ex: SELECT SOUNDEX ('</a:t>
+            </a:r>
+            <a:r>
+              <a:rPr lang="en-US" dirty="0" err="1"/>
+              <a:t>Mirabdulla</a:t>
+            </a:r>
+            <a:r>
+              <a:rPr lang="en-US" dirty="0"/>
+              <a:t>'); --- M613 </a:t>
+            </a:r>
+          </a:p>
+          <a:p>
+            <a:r>
+              <a:rPr lang="en-US" dirty="0"/>
+              <a:t>-</a:t>
+            </a:r>
+            <a:r>
+              <a:rPr lang="en-US" dirty="0" err="1"/>
+              <a:t>Burada</a:t>
+            </a:r>
+            <a:r>
+              <a:rPr lang="en-US" dirty="0"/>
+              <a:t> ilk </a:t>
+            </a:r>
+            <a:r>
+              <a:rPr lang="en-US" dirty="0" err="1"/>
+              <a:t>hərf</a:t>
+            </a:r>
+            <a:r>
+              <a:rPr lang="en-US" dirty="0"/>
+              <a:t> "M" </a:t>
+            </a:r>
+            <a:r>
+              <a:rPr lang="en-US" dirty="0" err="1"/>
+              <a:t>olduğu</a:t>
+            </a:r>
+            <a:r>
+              <a:rPr lang="en-US" dirty="0"/>
+              <a:t> </a:t>
+            </a:r>
+            <a:r>
+              <a:rPr lang="en-US" dirty="0" err="1"/>
+              <a:t>kimi</a:t>
+            </a:r>
+            <a:r>
+              <a:rPr lang="en-US" dirty="0"/>
+              <a:t> </a:t>
+            </a:r>
+            <a:r>
+              <a:rPr lang="en-US" dirty="0" err="1"/>
+              <a:t>qalır</a:t>
+            </a:r>
+            <a:r>
+              <a:rPr lang="en-US" dirty="0"/>
+              <a:t>. </a:t>
+            </a:r>
+            <a:br>
+              <a:rPr lang="en-US" dirty="0"/>
+            </a:br>
+            <a:r>
+              <a:rPr lang="en-US" dirty="0"/>
+              <a:t>-İ,A,U </a:t>
+            </a:r>
+            <a:r>
+              <a:rPr lang="en-US" dirty="0" err="1"/>
+              <a:t>hərfləri</a:t>
+            </a:r>
+            <a:r>
+              <a:rPr lang="en-US" dirty="0"/>
+              <a:t> </a:t>
+            </a:r>
+            <a:r>
+              <a:rPr lang="en-US" dirty="0" err="1"/>
+              <a:t>çıxarılır</a:t>
+            </a:r>
+            <a:r>
+              <a:rPr lang="en-US" dirty="0"/>
+              <a:t>.</a:t>
+            </a:r>
+            <a:br>
+              <a:rPr lang="en-US" dirty="0"/>
+            </a:br>
+            <a:r>
+              <a:rPr lang="en-US" dirty="0"/>
+              <a:t>-R </a:t>
+            </a:r>
+            <a:r>
+              <a:rPr lang="en-US" dirty="0" err="1"/>
+              <a:t>hərfi</a:t>
+            </a:r>
+            <a:r>
+              <a:rPr lang="en-US" dirty="0"/>
+              <a:t> 6, B </a:t>
+            </a:r>
+            <a:r>
+              <a:rPr lang="en-US" dirty="0" err="1"/>
+              <a:t>hərfi</a:t>
+            </a:r>
+            <a:r>
+              <a:rPr lang="en-US" dirty="0"/>
+              <a:t> 1, D </a:t>
+            </a:r>
+            <a:r>
+              <a:rPr lang="en-US" dirty="0" err="1"/>
+              <a:t>hərfi</a:t>
+            </a:r>
+            <a:r>
+              <a:rPr lang="en-US" dirty="0"/>
+              <a:t> 3 </a:t>
+            </a:r>
+            <a:r>
+              <a:rPr lang="en-US" dirty="0" err="1"/>
+              <a:t>dəyərlərinə</a:t>
+            </a:r>
+            <a:r>
+              <a:rPr lang="en-US" dirty="0"/>
+              <a:t> </a:t>
+            </a:r>
+            <a:r>
+              <a:rPr lang="en-US" dirty="0" err="1"/>
+              <a:t>çevrilir</a:t>
+            </a:r>
+            <a:r>
+              <a:rPr lang="en-US" dirty="0"/>
+              <a:t>.</a:t>
+            </a:r>
+            <a:br>
+              <a:rPr lang="en-US" dirty="0"/>
+            </a:br>
+            <a:r>
+              <a:rPr lang="en-US" dirty="0"/>
+              <a:t>-</a:t>
+            </a:r>
+            <a:r>
+              <a:rPr lang="en-US" dirty="0" err="1"/>
+              <a:t>Artıq</a:t>
+            </a:r>
+            <a:r>
+              <a:rPr lang="en-US" dirty="0"/>
+              <a:t> 4 </a:t>
+            </a:r>
+            <a:r>
+              <a:rPr lang="en-US" dirty="0" err="1"/>
+              <a:t>xarakter</a:t>
+            </a:r>
+            <a:r>
+              <a:rPr lang="en-US" dirty="0"/>
+              <a:t> </a:t>
+            </a:r>
+            <a:r>
+              <a:rPr lang="en-US" dirty="0" err="1"/>
+              <a:t>aldığımız</a:t>
+            </a:r>
+            <a:r>
+              <a:rPr lang="en-US" dirty="0"/>
+              <a:t> </a:t>
+            </a:r>
+            <a:r>
+              <a:rPr lang="en-US" dirty="0" err="1"/>
+              <a:t>üçün</a:t>
+            </a:r>
+            <a:r>
+              <a:rPr lang="en-US" dirty="0"/>
+              <a:t> </a:t>
+            </a:r>
+            <a:r>
+              <a:rPr lang="en-US" dirty="0" err="1"/>
+              <a:t>digər</a:t>
+            </a:r>
+            <a:r>
+              <a:rPr lang="en-US" dirty="0"/>
+              <a:t> </a:t>
+            </a:r>
+            <a:r>
+              <a:rPr lang="en-US" dirty="0" err="1"/>
+              <a:t>iki</a:t>
+            </a:r>
+            <a:r>
+              <a:rPr lang="en-US" dirty="0"/>
+              <a:t> L </a:t>
+            </a:r>
+            <a:r>
+              <a:rPr lang="en-US" dirty="0" err="1"/>
+              <a:t>hərfi</a:t>
+            </a:r>
+            <a:r>
+              <a:rPr lang="en-US" dirty="0"/>
+              <a:t> </a:t>
+            </a:r>
+            <a:r>
+              <a:rPr lang="en-US" dirty="0" err="1"/>
+              <a:t>çıxarılmış</a:t>
+            </a:r>
+            <a:r>
+              <a:rPr lang="en-US" dirty="0"/>
+              <a:t> </a:t>
+            </a:r>
+            <a:r>
+              <a:rPr lang="en-US" dirty="0" err="1"/>
+              <a:t>olur</a:t>
+            </a:r>
+            <a:r>
+              <a:rPr lang="en-US" dirty="0" smtClean="0"/>
+              <a:t>.</a:t>
+            </a:r>
+          </a:p>
+          <a:p>
+            <a:r>
+              <a:rPr lang="en-US" dirty="0" err="1"/>
+              <a:t>Qeyd</a:t>
+            </a:r>
+            <a:r>
+              <a:rPr lang="en-US" dirty="0"/>
+              <a:t> </a:t>
+            </a:r>
+            <a:r>
+              <a:rPr lang="en-US" dirty="0" err="1"/>
+              <a:t>edim</a:t>
+            </a:r>
+            <a:r>
+              <a:rPr lang="en-US" dirty="0"/>
+              <a:t> </a:t>
+            </a:r>
+            <a:r>
+              <a:rPr lang="en-US" dirty="0" err="1"/>
+              <a:t>ki</a:t>
+            </a:r>
+            <a:r>
+              <a:rPr lang="en-US" dirty="0"/>
+              <a:t>, </a:t>
+            </a:r>
+            <a:r>
+              <a:rPr lang="en-US" dirty="0" err="1"/>
+              <a:t>bu</a:t>
+            </a:r>
+            <a:r>
+              <a:rPr lang="en-US" dirty="0"/>
+              <a:t> </a:t>
+            </a:r>
+            <a:r>
+              <a:rPr lang="en-US" dirty="0" err="1"/>
+              <a:t>algoritma</a:t>
+            </a:r>
+            <a:r>
+              <a:rPr lang="en-US" dirty="0"/>
+              <a:t> </a:t>
+            </a:r>
+            <a:r>
+              <a:rPr lang="en-US" dirty="0" err="1"/>
+              <a:t>yalnız</a:t>
+            </a:r>
+            <a:r>
+              <a:rPr lang="en-US" dirty="0"/>
+              <a:t> </a:t>
+            </a:r>
+            <a:r>
+              <a:rPr lang="en-US" dirty="0" err="1"/>
+              <a:t>ingilis</a:t>
+            </a:r>
+            <a:r>
+              <a:rPr lang="en-US" dirty="0"/>
+              <a:t> </a:t>
+            </a:r>
+            <a:r>
+              <a:rPr lang="en-US" dirty="0" err="1"/>
+              <a:t>hərflərini</a:t>
+            </a:r>
+            <a:r>
+              <a:rPr lang="en-US" dirty="0"/>
+              <a:t> </a:t>
+            </a:r>
+            <a:r>
+              <a:rPr lang="en-US" dirty="0" err="1"/>
+              <a:t>dəstəklədiyi</a:t>
+            </a:r>
+            <a:r>
+              <a:rPr lang="en-US" dirty="0"/>
+              <a:t> </a:t>
+            </a:r>
+            <a:r>
+              <a:rPr lang="en-US" dirty="0" err="1"/>
+              <a:t>üçün</a:t>
+            </a:r>
+            <a:r>
+              <a:rPr lang="en-US" dirty="0"/>
+              <a:t> </a:t>
+            </a:r>
+            <a:r>
+              <a:rPr lang="en-US" dirty="0" err="1"/>
+              <a:t>Azərbaycan</a:t>
+            </a:r>
+            <a:r>
+              <a:rPr lang="en-US" dirty="0"/>
+              <a:t> </a:t>
+            </a:r>
+            <a:r>
+              <a:rPr lang="en-US" dirty="0" err="1"/>
+              <a:t>dilinə</a:t>
+            </a:r>
+            <a:r>
+              <a:rPr lang="en-US" dirty="0"/>
+              <a:t> </a:t>
+            </a:r>
+            <a:r>
+              <a:rPr lang="en-US" dirty="0" err="1"/>
+              <a:t>məxsus</a:t>
+            </a:r>
+            <a:r>
+              <a:rPr lang="en-US" dirty="0"/>
+              <a:t> </a:t>
+            </a:r>
+            <a:r>
+              <a:rPr lang="en-US" dirty="0" err="1"/>
+              <a:t>olan</a:t>
+            </a:r>
+            <a:r>
+              <a:rPr lang="en-US" dirty="0"/>
+              <a:t> </a:t>
+            </a:r>
+            <a:r>
+              <a:rPr lang="en-US" dirty="0" err="1"/>
+              <a:t>hərifləri</a:t>
+            </a:r>
+            <a:r>
+              <a:rPr lang="en-US" dirty="0"/>
+              <a:t> </a:t>
+            </a:r>
+            <a:r>
+              <a:rPr lang="en-US" dirty="0" err="1"/>
+              <a:t>ingilis</a:t>
+            </a:r>
+            <a:r>
+              <a:rPr lang="en-US" dirty="0"/>
+              <a:t> </a:t>
+            </a:r>
+            <a:r>
+              <a:rPr lang="en-US" dirty="0" err="1"/>
+              <a:t>hərflərinin</a:t>
+            </a:r>
+            <a:r>
+              <a:rPr lang="en-US" dirty="0"/>
+              <a:t> </a:t>
+            </a:r>
+            <a:r>
+              <a:rPr lang="en-US" dirty="0" err="1"/>
+              <a:t>görünüşcə</a:t>
+            </a:r>
+            <a:r>
+              <a:rPr lang="en-US" dirty="0"/>
+              <a:t> </a:t>
+            </a:r>
+            <a:r>
+              <a:rPr lang="en-US" dirty="0" err="1"/>
+              <a:t>bənzərləri</a:t>
+            </a:r>
+            <a:r>
+              <a:rPr lang="en-US" dirty="0"/>
+              <a:t> </a:t>
+            </a:r>
+            <a:r>
+              <a:rPr lang="en-US" dirty="0" err="1"/>
+              <a:t>olanlar</a:t>
+            </a:r>
+            <a:r>
+              <a:rPr lang="en-US" dirty="0"/>
+              <a:t> </a:t>
+            </a:r>
+            <a:r>
+              <a:rPr lang="en-US" dirty="0" err="1"/>
+              <a:t>ilə</a:t>
+            </a:r>
+            <a:r>
+              <a:rPr lang="en-US" dirty="0"/>
+              <a:t> </a:t>
+            </a:r>
+            <a:r>
+              <a:rPr lang="en-US" dirty="0" err="1"/>
+              <a:t>dəyişdirməli</a:t>
+            </a:r>
+            <a:r>
+              <a:rPr lang="en-US" dirty="0"/>
+              <a:t> </a:t>
+            </a:r>
+            <a:r>
+              <a:rPr lang="en-US" dirty="0" err="1"/>
+              <a:t>oluruq</a:t>
+            </a:r>
+            <a:r>
+              <a:rPr lang="en-US" dirty="0"/>
+              <a:t>.</a:t>
+            </a:r>
+          </a:p>
+          <a:p>
+            <a:r>
+              <a:rPr lang="en-US" dirty="0" err="1"/>
+              <a:t>exp</a:t>
+            </a:r>
+            <a:r>
+              <a:rPr lang="en-US" dirty="0"/>
+              <a:t> = </a:t>
+            </a:r>
+            <a:r>
+              <a:rPr lang="en-US" dirty="0" err="1"/>
+              <a:t>exp.Replace</a:t>
+            </a:r>
+            <a:r>
+              <a:rPr lang="en-US" dirty="0"/>
+              <a:t>("Ə", "E</a:t>
+            </a:r>
+            <a:r>
+              <a:rPr lang="en-US" dirty="0" smtClean="0"/>
+              <a:t>");</a:t>
+            </a:r>
+            <a:r>
+              <a:rPr lang="en-US" dirty="0"/>
+              <a:t> </a:t>
+            </a:r>
+            <a:r>
+              <a:rPr lang="en-US" dirty="0" err="1"/>
+              <a:t>exp</a:t>
+            </a:r>
+            <a:r>
+              <a:rPr lang="en-US" dirty="0"/>
+              <a:t> = </a:t>
+            </a:r>
+            <a:r>
+              <a:rPr lang="en-US" dirty="0" err="1"/>
+              <a:t>exp.Replace</a:t>
+            </a:r>
+            <a:r>
+              <a:rPr lang="en-US" dirty="0"/>
+              <a:t>("Ğ", "G</a:t>
+            </a:r>
+            <a:r>
+              <a:rPr lang="en-US" dirty="0" smtClean="0"/>
+              <a:t>"); </a:t>
+            </a:r>
+            <a:r>
+              <a:rPr lang="az-Latn-AZ" dirty="0" smtClean="0"/>
+              <a:t>və s.</a:t>
+            </a:r>
+            <a:endParaRPr lang="en-US" dirty="0"/>
+          </a:p>
+        </p:txBody>
+      </p:sp>
+    </p:spTree>
+    <p:extLst>
+      <p:ext uri="{BB962C8B-B14F-4D97-AF65-F5344CB8AC3E}">
+        <p14:creationId xmlns:p14="http://schemas.microsoft.com/office/powerpoint/2010/main" val="1071000206"/>
       </p:ext>
     </p:extLst>
   </p:cSld>
@@ -4625,7 +6393,7 @@
           <a:p>
             <a:r>
               <a:rPr lang="en-US" dirty="0" smtClean="0"/>
-              <a:t>LEFT()</a:t>
+              <a:t>ASCII()</a:t>
             </a:r>
             <a:endParaRPr lang="en-US" dirty="0"/>
           </a:p>
@@ -4648,70 +6416,130 @@
           <a:p>
             <a:r>
               <a:rPr lang="en-US" dirty="0"/>
-              <a:t>LEFT ( </a:t>
+              <a:t>ASCII (</a:t>
             </a:r>
             <a:r>
               <a:rPr lang="en-US" dirty="0" err="1"/>
               <a:t>character_expression</a:t>
             </a:r>
             <a:r>
-              <a:rPr lang="en-US" dirty="0"/>
-              <a:t> , </a:t>
-            </a:r>
-            <a:r>
-              <a:rPr lang="en-US" dirty="0" err="1"/>
-              <a:t>integer_expression</a:t>
-            </a:r>
-            <a:r>
-              <a:rPr lang="en-US" dirty="0"/>
-              <a:t> ) </a:t>
+              <a:rPr lang="en-US" dirty="0" smtClean="0"/>
+              <a:t>)</a:t>
+            </a:r>
+          </a:p>
+          <a:p>
+            <a:r>
+              <a:rPr lang="en-US" dirty="0"/>
+              <a:t>Returns the ASCII code value of the leftmost character of a character expression.</a:t>
             </a:r>
             <a:endParaRPr lang="en-US" dirty="0" smtClean="0"/>
           </a:p>
           <a:p>
             <a:r>
-              <a:rPr lang="en-US" dirty="0" smtClean="0"/>
-              <a:t>Returns </a:t>
-            </a:r>
-            <a:r>
-              <a:rPr lang="en-US" dirty="0"/>
-              <a:t>the left part of a character string with the specified number of characters.</a:t>
-            </a:r>
-          </a:p>
-          <a:p>
-            <a:r>
-              <a:rPr lang="en-US" dirty="0" smtClean="0"/>
-              <a:t>ex: </a:t>
-            </a:r>
-            <a:r>
-              <a:rPr lang="az-Latn-AZ" dirty="0" smtClean="0"/>
-              <a:t>SELECT</a:t>
-            </a:r>
-            <a:r>
-              <a:rPr lang="en-US" dirty="0" smtClean="0"/>
-              <a:t> </a:t>
-            </a:r>
-            <a:r>
-              <a:rPr lang="en-US" dirty="0"/>
-              <a:t>LEFT ('academy',3)</a:t>
-            </a:r>
-          </a:p>
-          <a:p>
-            <a:r>
-              <a:rPr lang="en-US" dirty="0" smtClean="0"/>
-              <a:t>Go </a:t>
-            </a:r>
-            <a:r>
-              <a:rPr lang="en-US" dirty="0" err="1" smtClean="0"/>
-              <a:t>ets</a:t>
-            </a:r>
-            <a:r>
-              <a:rPr lang="az-Latn-AZ" dirty="0" smtClean="0"/>
-              <a:t>ə</a:t>
-            </a:r>
-            <a:r>
-              <a:rPr lang="en-US" dirty="0" smtClean="0"/>
-              <a:t>k </a:t>
+              <a:rPr lang="en-US" dirty="0" err="1" smtClean="0"/>
+              <a:t>Yazilar</a:t>
+            </a:r>
+            <a:r>
+              <a:rPr lang="en-US" dirty="0" smtClean="0"/>
+              <a:t> </a:t>
+            </a:r>
+            <a:r>
+              <a:rPr lang="en-US" dirty="0" err="1"/>
+              <a:t>uzerinden</a:t>
+            </a:r>
+            <a:r>
+              <a:rPr lang="en-US" dirty="0"/>
+              <a:t> </a:t>
+            </a:r>
+            <a:r>
+              <a:rPr lang="en-US" dirty="0" err="1"/>
+              <a:t>ishlenir</a:t>
+            </a:r>
+            <a:r>
+              <a:rPr lang="en-US" dirty="0"/>
+              <a:t>. </a:t>
+            </a:r>
+            <a:r>
+              <a:rPr lang="en-US" dirty="0" err="1"/>
+              <a:t>Burda</a:t>
+            </a:r>
+            <a:r>
+              <a:rPr lang="en-US" dirty="0"/>
+              <a:t> </a:t>
+            </a:r>
+            <a:r>
+              <a:rPr lang="en-US" dirty="0" err="1"/>
+              <a:t>basda</a:t>
+            </a:r>
+            <a:r>
+              <a:rPr lang="en-US" dirty="0"/>
+              <a:t> </a:t>
+            </a:r>
+            <a:r>
+              <a:rPr lang="en-US" dirty="0" err="1"/>
+              <a:t>yazilan</a:t>
+            </a:r>
+            <a:r>
+              <a:rPr lang="en-US" dirty="0"/>
+              <a:t> </a:t>
+            </a:r>
+            <a:r>
+              <a:rPr lang="en-US" dirty="0" err="1"/>
+              <a:t>herfin</a:t>
+            </a:r>
+            <a:r>
+              <a:rPr lang="en-US" dirty="0"/>
+              <a:t> </a:t>
+            </a:r>
+            <a:r>
+              <a:rPr lang="en-US" dirty="0" err="1"/>
+              <a:t>sayiyla</a:t>
+            </a:r>
+            <a:r>
+              <a:rPr lang="en-US" dirty="0"/>
+              <a:t> </a:t>
+            </a:r>
+            <a:r>
+              <a:rPr lang="en-US" dirty="0" err="1"/>
+              <a:t>nece</a:t>
+            </a:r>
+            <a:r>
+              <a:rPr lang="en-US" dirty="0"/>
+              <a:t> </a:t>
+            </a:r>
+            <a:r>
+              <a:rPr lang="en-US" dirty="0" err="1"/>
+              <a:t>ifade</a:t>
+            </a:r>
+            <a:r>
+              <a:rPr lang="en-US" dirty="0"/>
+              <a:t> </a:t>
+            </a:r>
+            <a:r>
+              <a:rPr lang="en-US" dirty="0" err="1"/>
+              <a:t>olundugunu</a:t>
+            </a:r>
+            <a:r>
+              <a:rPr lang="en-US" dirty="0"/>
+              <a:t> </a:t>
+            </a:r>
+            <a:r>
+              <a:rPr lang="en-US" dirty="0" err="1"/>
+              <a:t>gosderir</a:t>
+            </a:r>
+            <a:r>
+              <a:rPr lang="en-US" dirty="0"/>
+              <a:t>. </a:t>
+            </a:r>
+          </a:p>
+          <a:p>
+            <a:r>
+              <a:rPr lang="en-US" dirty="0" err="1" smtClean="0"/>
+              <a:t>Hemen</a:t>
+            </a:r>
+            <a:r>
+              <a:rPr lang="en-US" dirty="0" smtClean="0"/>
+              <a:t> </a:t>
             </a:r>
             <a:r>
               <a:rPr lang="en-US" dirty="0" err="1"/>
@@ -4719,128 +6547,44 @@
             </a:r>
             <a:r>
               <a:rPr lang="en-US" dirty="0"/>
-              <a:t> zaman (academy) </a:t>
-            </a:r>
-            <a:r>
-              <a:rPr lang="en-US" dirty="0" err="1"/>
-              <a:t>soldan</a:t>
-            </a:r>
-            <a:r>
-              <a:rPr lang="en-US" dirty="0"/>
-              <a:t> </a:t>
-            </a:r>
-            <a:r>
-              <a:rPr lang="en-US" dirty="0" err="1" smtClean="0"/>
-              <a:t>ba</a:t>
-            </a:r>
-            <a:r>
-              <a:rPr lang="az-Latn-AZ" dirty="0" smtClean="0"/>
-              <a:t>ş</a:t>
-            </a:r>
-            <a:r>
-              <a:rPr lang="en-US" dirty="0" err="1" smtClean="0"/>
-              <a:t>layaraq</a:t>
-            </a:r>
-            <a:r>
-              <a:rPr lang="en-US" dirty="0" smtClean="0"/>
-              <a:t> </a:t>
-            </a:r>
-            <a:r>
-              <a:rPr lang="en-US" dirty="0" err="1"/>
-              <a:t>soldan</a:t>
-            </a:r>
-            <a:r>
-              <a:rPr lang="en-US" dirty="0"/>
-              <a:t> </a:t>
-            </a:r>
-            <a:r>
-              <a:rPr lang="en-US" dirty="0" err="1" smtClean="0"/>
-              <a:t>sa</a:t>
-            </a:r>
-            <a:r>
-              <a:rPr lang="az-Latn-AZ" dirty="0"/>
-              <a:t>ğ</a:t>
-            </a:r>
-            <a:r>
-              <a:rPr lang="en-US" dirty="0" smtClean="0"/>
-              <a:t>a </a:t>
-            </a:r>
-            <a:r>
-              <a:rPr lang="en-US" dirty="0"/>
-              <a:t>3 </a:t>
-            </a:r>
-            <a:r>
-              <a:rPr lang="en-US" dirty="0" err="1"/>
-              <a:t>simvol</a:t>
-            </a:r>
-            <a:r>
-              <a:rPr lang="en-US" dirty="0"/>
-              <a:t> </a:t>
-            </a:r>
-            <a:r>
-              <a:rPr lang="az-Latn-AZ" dirty="0" smtClean="0"/>
-              <a:t>ö</a:t>
-            </a:r>
-            <a:r>
-              <a:rPr lang="en-US" dirty="0" smtClean="0"/>
-              <a:t>z</a:t>
-            </a:r>
-            <a:r>
-              <a:rPr lang="az-Latn-AZ" dirty="0" smtClean="0"/>
-              <a:t>ü</a:t>
-            </a:r>
-            <a:r>
-              <a:rPr lang="en-US" dirty="0" err="1" smtClean="0"/>
-              <a:t>nd</a:t>
-            </a:r>
-            <a:r>
-              <a:rPr lang="az-Latn-AZ" dirty="0" smtClean="0"/>
-              <a:t>ə</a:t>
-            </a:r>
-            <a:r>
-              <a:rPr lang="en-US" dirty="0" smtClean="0"/>
-              <a:t> </a:t>
-            </a:r>
-            <a:r>
-              <a:rPr lang="en-US" dirty="0" err="1" smtClean="0"/>
-              <a:t>saxlayaca</a:t>
-            </a:r>
-            <a:r>
-              <a:rPr lang="az-Latn-AZ" dirty="0" smtClean="0"/>
-              <a:t>q</a:t>
-            </a:r>
-            <a:r>
-              <a:rPr lang="en-US" dirty="0" smtClean="0"/>
-              <a:t> v</a:t>
-            </a:r>
-            <a:r>
-              <a:rPr lang="az-Latn-AZ" dirty="0" smtClean="0"/>
-              <a:t>ə</a:t>
-            </a:r>
-            <a:r>
-              <a:rPr lang="en-US" dirty="0" smtClean="0"/>
-              <a:t> n</a:t>
-            </a:r>
-            <a:r>
-              <a:rPr lang="az-Latn-AZ" dirty="0" smtClean="0"/>
-              <a:t>ə</a:t>
-            </a:r>
-            <a:r>
-              <a:rPr lang="en-US" dirty="0" smtClean="0"/>
-              <a:t>tic</a:t>
-            </a:r>
-            <a:r>
-              <a:rPr lang="az-Latn-AZ" dirty="0" smtClean="0"/>
-              <a:t>ə</a:t>
-            </a:r>
-            <a:r>
-              <a:rPr lang="en-US" dirty="0" err="1" smtClean="0"/>
-              <a:t>si</a:t>
-            </a:r>
-            <a:r>
-              <a:rPr lang="en-US" dirty="0"/>
-              <a:t>=(aca)</a:t>
-            </a:r>
+              <a:t> </a:t>
+            </a:r>
+            <a:r>
+              <a:rPr lang="en-US" dirty="0" err="1"/>
+              <a:t>expressionlar</a:t>
+            </a:r>
+            <a:r>
+              <a:rPr lang="en-US" dirty="0"/>
+              <a:t> char </a:t>
+            </a:r>
+            <a:r>
+              <a:rPr lang="en-US" dirty="0" err="1"/>
+              <a:t>veya</a:t>
+            </a:r>
+            <a:r>
+              <a:rPr lang="en-US" dirty="0"/>
+              <a:t> varchar </a:t>
+            </a:r>
+            <a:r>
+              <a:rPr lang="en-US" dirty="0" err="1"/>
+              <a:t>olur</a:t>
+            </a:r>
+            <a:r>
+              <a:rPr lang="en-US" dirty="0"/>
+              <a:t>. </a:t>
+            </a:r>
+            <a:endParaRPr lang="en-US" dirty="0" smtClean="0"/>
+          </a:p>
+          <a:p>
+            <a:r>
+              <a:rPr lang="en-US" dirty="0"/>
+              <a:t>SELECT ASCII('A</a:t>
+            </a:r>
+            <a:r>
+              <a:rPr lang="en-US" dirty="0" smtClean="0"/>
+              <a:t>'); --- 65</a:t>
+            </a:r>
+            <a:endParaRPr lang="en-US" dirty="0"/>
           </a:p>
           <a:p>
             <a:endParaRPr lang="en-US" dirty="0"/>
@@ -4850,7 +6594,1937 @@
     </p:spTree>
     <p:extLst>
       <p:ext uri="{BB962C8B-B14F-4D97-AF65-F5344CB8AC3E}">
-        <p14:creationId xmlns:p14="http://schemas.microsoft.com/office/powerpoint/2010/main" val="3590252498"/>
+        <p14:creationId xmlns:p14="http://schemas.microsoft.com/office/powerpoint/2010/main" val="3697435899"/>
+      </p:ext>
+    </p:extLst>
+  </p:cSld>
+  <p:clrMapOvr>
+    <a:masterClrMapping/>
+  </p:clrMapOvr>
+</p:sld>
+</file>
+
+<file path=ppt/slides/slide20.xml><?xml version="1.0" encoding="utf-8"?>
+<p:sld xmlns:a="http://schemas.openxmlformats.org/drawingml/2006/main" xmlns:r="http://schemas.openxmlformats.org/officeDocument/2006/relationships" xmlns:p="http://schemas.openxmlformats.org/presentationml/2006/main">
+  <p:cSld>
+    <p:spTree>
+      <p:nvGrpSpPr>
+        <p:cNvPr id="1" name=""/>
+        <p:cNvGrpSpPr/>
+        <p:nvPr/>
+      </p:nvGrpSpPr>
+      <p:grpSpPr>
+        <a:xfrm>
+          <a:off x="0" y="0"/>
+          <a:ext cx="0" cy="0"/>
+          <a:chOff x="0" y="0"/>
+          <a:chExt cx="0" cy="0"/>
+        </a:xfrm>
+      </p:grpSpPr>
+      <p:sp>
+        <p:nvSpPr>
+          <p:cNvPr id="2" name="Title 1"/>
+          <p:cNvSpPr>
+            <a:spLocks noGrp="1"/>
+          </p:cNvSpPr>
+          <p:nvPr>
+            <p:ph type="title"/>
+          </p:nvPr>
+        </p:nvSpPr>
+        <p:spPr/>
+        <p:txBody>
+          <a:bodyPr/>
+          <a:lstStyle/>
+          <a:p>
+            <a:r>
+              <a:rPr lang="en-US" dirty="0" smtClean="0"/>
+              <a:t>SPACE()</a:t>
+            </a:r>
+            <a:endParaRPr lang="en-US" dirty="0"/>
+          </a:p>
+        </p:txBody>
+      </p:sp>
+      <p:sp>
+        <p:nvSpPr>
+          <p:cNvPr id="3" name="Content Placeholder 2"/>
+          <p:cNvSpPr>
+            <a:spLocks noGrp="1"/>
+          </p:cNvSpPr>
+          <p:nvPr>
+            <p:ph idx="1"/>
+          </p:nvPr>
+        </p:nvSpPr>
+        <p:spPr/>
+        <p:txBody>
+          <a:bodyPr/>
+          <a:lstStyle/>
+          <a:p>
+            <a:r>
+              <a:rPr lang="en-US" dirty="0"/>
+              <a:t>SPACE ( </a:t>
+            </a:r>
+            <a:r>
+              <a:rPr lang="en-US" dirty="0" err="1"/>
+              <a:t>integer_expression</a:t>
+            </a:r>
+            <a:r>
+              <a:rPr lang="en-US" dirty="0"/>
+              <a:t> ) </a:t>
+            </a:r>
+            <a:endParaRPr lang="en-US" dirty="0" smtClean="0"/>
+          </a:p>
+          <a:p>
+            <a:r>
+              <a:rPr lang="en-US" dirty="0" smtClean="0"/>
+              <a:t>Returns </a:t>
+            </a:r>
+            <a:r>
+              <a:rPr lang="en-US" dirty="0"/>
+              <a:t>a string of repeated spaces.</a:t>
+            </a:r>
+          </a:p>
+          <a:p>
+            <a:r>
+              <a:rPr lang="az-Latn-AZ" dirty="0" smtClean="0"/>
+              <a:t>Verilən sözlər arasında</a:t>
+            </a:r>
+            <a:r>
+              <a:rPr lang="en-US" dirty="0" smtClean="0"/>
+              <a:t> </a:t>
+            </a:r>
+            <a:r>
+              <a:rPr lang="en-US" dirty="0" err="1"/>
+              <a:t>nə</a:t>
+            </a:r>
+            <a:r>
+              <a:rPr lang="en-US" dirty="0"/>
+              <a:t> </a:t>
+            </a:r>
+            <a:r>
+              <a:rPr lang="en-US" dirty="0" err="1"/>
+              <a:t>qədər</a:t>
+            </a:r>
+            <a:r>
+              <a:rPr lang="en-US" dirty="0"/>
+              <a:t> </a:t>
+            </a:r>
+            <a:r>
+              <a:rPr lang="en-US" dirty="0" err="1"/>
+              <a:t>boşluq</a:t>
+            </a:r>
+            <a:r>
+              <a:rPr lang="en-US" dirty="0"/>
+              <a:t> </a:t>
+            </a:r>
+            <a:r>
+              <a:rPr lang="en-US" dirty="0" err="1"/>
+              <a:t>buraxılacağını</a:t>
+            </a:r>
+            <a:r>
+              <a:rPr lang="en-US" dirty="0"/>
+              <a:t> </a:t>
+            </a:r>
+            <a:r>
+              <a:rPr lang="en-US" dirty="0" err="1"/>
+              <a:t>göstərir</a:t>
+            </a:r>
+            <a:r>
+              <a:rPr lang="en-US" dirty="0" smtClean="0"/>
+              <a:t>.</a:t>
+            </a:r>
+            <a:r>
+              <a:rPr lang="az-Latn-AZ" dirty="0" smtClean="0"/>
+              <a:t> </a:t>
+            </a:r>
+            <a:r>
+              <a:rPr lang="en-US" dirty="0" err="1" smtClean="0"/>
+              <a:t>Veril</a:t>
+            </a:r>
+            <a:r>
+              <a:rPr lang="az-Latn-AZ" dirty="0" smtClean="0"/>
+              <a:t>ə</a:t>
+            </a:r>
+            <a:r>
+              <a:rPr lang="en-US" dirty="0" smtClean="0"/>
+              <a:t>n </a:t>
+            </a:r>
+            <a:r>
+              <a:rPr lang="az-Latn-AZ" dirty="0"/>
+              <a:t>ə</a:t>
+            </a:r>
+            <a:r>
+              <a:rPr lang="en-US" dirty="0" smtClean="0"/>
+              <a:t>d</a:t>
+            </a:r>
+            <a:r>
+              <a:rPr lang="az-Latn-AZ" dirty="0" smtClean="0"/>
+              <a:t>ə</a:t>
+            </a:r>
+            <a:r>
+              <a:rPr lang="en-US" dirty="0" smtClean="0"/>
+              <a:t>d </a:t>
+            </a:r>
+            <a:r>
+              <a:rPr lang="az-Latn-AZ" dirty="0" smtClean="0"/>
+              <a:t>sayı </a:t>
+            </a:r>
+            <a:r>
+              <a:rPr lang="en-US" dirty="0" smtClean="0"/>
+              <a:t>q</a:t>
+            </a:r>
+            <a:r>
+              <a:rPr lang="az-Latn-AZ" dirty="0" smtClean="0"/>
+              <a:t>ə</a:t>
+            </a:r>
+            <a:r>
+              <a:rPr lang="en-US" dirty="0" smtClean="0"/>
+              <a:t>d</a:t>
+            </a:r>
+            <a:r>
+              <a:rPr lang="az-Latn-AZ" dirty="0"/>
+              <a:t>ə</a:t>
+            </a:r>
+            <a:r>
+              <a:rPr lang="en-US" dirty="0" smtClean="0"/>
+              <a:t>r </a:t>
+            </a:r>
+            <a:r>
+              <a:rPr lang="en-US" dirty="0" err="1" smtClean="0"/>
+              <a:t>bo</a:t>
+            </a:r>
+            <a:r>
+              <a:rPr lang="az-Latn-AZ" dirty="0" smtClean="0"/>
+              <a:t>ş</a:t>
+            </a:r>
+            <a:r>
+              <a:rPr lang="en-US" dirty="0" err="1" smtClean="0"/>
+              <a:t>luq</a:t>
+            </a:r>
+            <a:r>
+              <a:rPr lang="en-US" dirty="0" smtClean="0"/>
+              <a:t> </a:t>
+            </a:r>
+            <a:r>
+              <a:rPr lang="en-US" dirty="0" err="1" smtClean="0"/>
+              <a:t>qaytar</a:t>
+            </a:r>
+            <a:r>
+              <a:rPr lang="az-Latn-AZ" dirty="0" smtClean="0"/>
+              <a:t>ı</a:t>
+            </a:r>
+            <a:r>
+              <a:rPr lang="en-US" dirty="0" smtClean="0"/>
+              <a:t>r</a:t>
+            </a:r>
+            <a:r>
+              <a:rPr lang="en-US" dirty="0"/>
+              <a:t>.</a:t>
+            </a:r>
+          </a:p>
+          <a:p>
+            <a:r>
+              <a:rPr lang="en-US" dirty="0"/>
+              <a:t>Ex: SELECT CONCAT('</a:t>
+            </a:r>
+            <a:r>
+              <a:rPr lang="en-US" dirty="0" err="1"/>
+              <a:t>aaa</a:t>
+            </a:r>
+            <a:r>
+              <a:rPr lang="en-US" dirty="0"/>
+              <a:t>',SPACE(5),'</a:t>
+            </a:r>
+            <a:r>
+              <a:rPr lang="en-US" dirty="0" err="1"/>
+              <a:t>bbb</a:t>
+            </a:r>
+            <a:r>
+              <a:rPr lang="en-US" dirty="0"/>
+              <a:t>') --- </a:t>
+            </a:r>
+            <a:r>
+              <a:rPr lang="en-US" dirty="0" smtClean="0"/>
+              <a:t>‘</a:t>
+            </a:r>
+            <a:r>
+              <a:rPr lang="en-US" dirty="0" err="1" smtClean="0"/>
+              <a:t>aaa</a:t>
+            </a:r>
+            <a:r>
+              <a:rPr lang="en-US" dirty="0" smtClean="0"/>
+              <a:t>     </a:t>
+            </a:r>
+            <a:r>
+              <a:rPr lang="en-US" dirty="0" err="1" smtClean="0"/>
+              <a:t>bbb</a:t>
+            </a:r>
+            <a:r>
+              <a:rPr lang="en-US" dirty="0" smtClean="0"/>
+              <a:t>’</a:t>
+            </a:r>
+            <a:endParaRPr lang="en-US" dirty="0"/>
+          </a:p>
+        </p:txBody>
+      </p:sp>
+    </p:spTree>
+    <p:extLst>
+      <p:ext uri="{BB962C8B-B14F-4D97-AF65-F5344CB8AC3E}">
+        <p14:creationId xmlns:p14="http://schemas.microsoft.com/office/powerpoint/2010/main" val="3701004642"/>
+      </p:ext>
+    </p:extLst>
+  </p:cSld>
+  <p:clrMapOvr>
+    <a:masterClrMapping/>
+  </p:clrMapOvr>
+</p:sld>
+</file>
+
+<file path=ppt/slides/slide21.xml><?xml version="1.0" encoding="utf-8"?>
+<p:sld xmlns:a="http://schemas.openxmlformats.org/drawingml/2006/main" xmlns:r="http://schemas.openxmlformats.org/officeDocument/2006/relationships" xmlns:p="http://schemas.openxmlformats.org/presentationml/2006/main">
+  <p:cSld>
+    <p:spTree>
+      <p:nvGrpSpPr>
+        <p:cNvPr id="1" name=""/>
+        <p:cNvGrpSpPr/>
+        <p:nvPr/>
+      </p:nvGrpSpPr>
+      <p:grpSpPr>
+        <a:xfrm>
+          <a:off x="0" y="0"/>
+          <a:ext cx="0" cy="0"/>
+          <a:chOff x="0" y="0"/>
+          <a:chExt cx="0" cy="0"/>
+        </a:xfrm>
+      </p:grpSpPr>
+      <p:sp>
+        <p:nvSpPr>
+          <p:cNvPr id="2" name="Title 1"/>
+          <p:cNvSpPr>
+            <a:spLocks noGrp="1"/>
+          </p:cNvSpPr>
+          <p:nvPr>
+            <p:ph type="title"/>
+          </p:nvPr>
+        </p:nvSpPr>
+        <p:spPr/>
+        <p:txBody>
+          <a:bodyPr/>
+          <a:lstStyle/>
+          <a:p>
+            <a:r>
+              <a:rPr lang="az-Latn-AZ" dirty="0" smtClean="0"/>
+              <a:t>STR()</a:t>
+            </a:r>
+            <a:endParaRPr lang="en-US" dirty="0"/>
+          </a:p>
+        </p:txBody>
+      </p:sp>
+      <p:sp>
+        <p:nvSpPr>
+          <p:cNvPr id="3" name="Content Placeholder 2"/>
+          <p:cNvSpPr>
+            <a:spLocks noGrp="1"/>
+          </p:cNvSpPr>
+          <p:nvPr>
+            <p:ph idx="1"/>
+          </p:nvPr>
+        </p:nvSpPr>
+        <p:spPr/>
+        <p:txBody>
+          <a:bodyPr/>
+          <a:lstStyle/>
+          <a:p>
+            <a:r>
+              <a:rPr lang="en-US" dirty="0" smtClean="0"/>
+              <a:t>STR </a:t>
+            </a:r>
+            <a:r>
+              <a:rPr lang="en-US" dirty="0" err="1"/>
+              <a:t>funksiyası</a:t>
+            </a:r>
+            <a:r>
+              <a:rPr lang="en-US" dirty="0"/>
+              <a:t> float, </a:t>
+            </a:r>
+            <a:r>
+              <a:rPr lang="en-US" dirty="0" err="1"/>
+              <a:t>int</a:t>
+            </a:r>
+            <a:r>
+              <a:rPr lang="en-US" dirty="0"/>
+              <a:t> </a:t>
+            </a:r>
+            <a:r>
+              <a:rPr lang="en-US" dirty="0" err="1"/>
+              <a:t>və</a:t>
+            </a:r>
+            <a:r>
+              <a:rPr lang="en-US" dirty="0"/>
+              <a:t> </a:t>
+            </a:r>
+            <a:r>
+              <a:rPr lang="en-US" dirty="0" err="1"/>
+              <a:t>int</a:t>
+            </a:r>
+            <a:r>
+              <a:rPr lang="en-US" dirty="0"/>
+              <a:t> </a:t>
+            </a:r>
+            <a:r>
+              <a:rPr lang="en-US" dirty="0" err="1"/>
+              <a:t>növlərində</a:t>
+            </a:r>
+            <a:r>
+              <a:rPr lang="en-US" dirty="0"/>
+              <a:t> </a:t>
+            </a:r>
+            <a:r>
+              <a:rPr lang="en-US" dirty="0" err="1"/>
+              <a:t>olmaqla</a:t>
+            </a:r>
+            <a:r>
+              <a:rPr lang="en-US" dirty="0"/>
+              <a:t> 3 </a:t>
+            </a:r>
+            <a:r>
+              <a:rPr lang="en-US" dirty="0" err="1"/>
+              <a:t>parametr</a:t>
+            </a:r>
+            <a:r>
+              <a:rPr lang="en-US" dirty="0"/>
+              <a:t> </a:t>
+            </a:r>
+            <a:r>
+              <a:rPr lang="en-US" dirty="0" err="1"/>
+              <a:t>alıb</a:t>
+            </a:r>
+            <a:r>
+              <a:rPr lang="en-US" dirty="0"/>
+              <a:t> float </a:t>
+            </a:r>
+            <a:r>
+              <a:rPr lang="en-US" dirty="0" err="1"/>
+              <a:t>dəyərini</a:t>
+            </a:r>
+            <a:r>
+              <a:rPr lang="en-US" dirty="0"/>
+              <a:t> string </a:t>
+            </a:r>
+            <a:r>
+              <a:rPr lang="en-US" dirty="0" err="1"/>
+              <a:t>növünə</a:t>
+            </a:r>
+            <a:r>
+              <a:rPr lang="en-US" dirty="0"/>
+              <a:t> </a:t>
+            </a:r>
+            <a:r>
+              <a:rPr lang="en-US" dirty="0" err="1"/>
+              <a:t>çevirər</a:t>
+            </a:r>
+            <a:r>
+              <a:rPr lang="en-US" dirty="0"/>
+              <a:t>.</a:t>
+            </a:r>
+          </a:p>
+          <a:p>
+            <a:r>
+              <a:rPr lang="az-Latn-AZ" dirty="0" smtClean="0"/>
+              <a:t>Ex</a:t>
+            </a:r>
+            <a:r>
+              <a:rPr lang="en-US" dirty="0" smtClean="0"/>
+              <a:t>: SELECT </a:t>
+            </a:r>
+            <a:r>
+              <a:rPr lang="en-US" dirty="0"/>
+              <a:t>STR(125.758,3,2</a:t>
+            </a:r>
+            <a:r>
+              <a:rPr lang="en-US" dirty="0" smtClean="0"/>
+              <a:t>) --- 126</a:t>
+            </a:r>
+            <a:endParaRPr lang="en-US" dirty="0"/>
+          </a:p>
+          <a:p>
+            <a:r>
+              <a:rPr lang="en-US" dirty="0"/>
+              <a:t>"Localhost" </a:t>
+            </a:r>
+            <a:r>
+              <a:rPr lang="en-US" dirty="0" err="1"/>
+              <a:t>üçün</a:t>
+            </a:r>
+            <a:r>
+              <a:rPr lang="en-US" dirty="0"/>
+              <a:t> </a:t>
+            </a:r>
+            <a:r>
+              <a:rPr lang="en-US" dirty="0" err="1"/>
+              <a:t>keçərli</a:t>
+            </a:r>
+            <a:r>
+              <a:rPr lang="en-US" dirty="0"/>
+              <a:t> </a:t>
+            </a:r>
+            <a:r>
+              <a:rPr lang="en-US" dirty="0" err="1"/>
+              <a:t>deyil</a:t>
+            </a:r>
+            <a:r>
+              <a:rPr lang="en-US" dirty="0"/>
+              <a:t>.</a:t>
+            </a:r>
+            <a:br>
+              <a:rPr lang="en-US" dirty="0"/>
+            </a:br>
+            <a:r>
+              <a:rPr lang="en-US" dirty="0"/>
+              <a:t/>
+            </a:r>
+            <a:br>
+              <a:rPr lang="en-US" dirty="0"/>
+            </a:br>
+            <a:endParaRPr lang="en-US" dirty="0"/>
+          </a:p>
+        </p:txBody>
+      </p:sp>
+    </p:spTree>
+    <p:extLst>
+      <p:ext uri="{BB962C8B-B14F-4D97-AF65-F5344CB8AC3E}">
+        <p14:creationId xmlns:p14="http://schemas.microsoft.com/office/powerpoint/2010/main" val="244045393"/>
+      </p:ext>
+    </p:extLst>
+  </p:cSld>
+  <p:clrMapOvr>
+    <a:masterClrMapping/>
+  </p:clrMapOvr>
+</p:sld>
+</file>
+
+<file path=ppt/slides/slide22.xml><?xml version="1.0" encoding="utf-8"?>
+<p:sld xmlns:a="http://schemas.openxmlformats.org/drawingml/2006/main" xmlns:r="http://schemas.openxmlformats.org/officeDocument/2006/relationships" xmlns:p="http://schemas.openxmlformats.org/presentationml/2006/main">
+  <p:cSld>
+    <p:spTree>
+      <p:nvGrpSpPr>
+        <p:cNvPr id="1" name=""/>
+        <p:cNvGrpSpPr/>
+        <p:nvPr/>
+      </p:nvGrpSpPr>
+      <p:grpSpPr>
+        <a:xfrm>
+          <a:off x="0" y="0"/>
+          <a:ext cx="0" cy="0"/>
+          <a:chOff x="0" y="0"/>
+          <a:chExt cx="0" cy="0"/>
+        </a:xfrm>
+      </p:grpSpPr>
+      <p:sp>
+        <p:nvSpPr>
+          <p:cNvPr id="2" name="Title 1"/>
+          <p:cNvSpPr>
+            <a:spLocks noGrp="1"/>
+          </p:cNvSpPr>
+          <p:nvPr>
+            <p:ph type="title"/>
+          </p:nvPr>
+        </p:nvSpPr>
+        <p:spPr/>
+        <p:txBody>
+          <a:bodyPr/>
+          <a:lstStyle/>
+          <a:p>
+            <a:r>
+              <a:rPr lang="en-US" dirty="0" smtClean="0"/>
+              <a:t>STRING_AGG()</a:t>
+            </a:r>
+            <a:endParaRPr lang="en-US" dirty="0"/>
+          </a:p>
+        </p:txBody>
+      </p:sp>
+      <p:sp>
+        <p:nvSpPr>
+          <p:cNvPr id="3" name="Content Placeholder 2"/>
+          <p:cNvSpPr>
+            <a:spLocks noGrp="1"/>
+          </p:cNvSpPr>
+          <p:nvPr>
+            <p:ph idx="1"/>
+          </p:nvPr>
+        </p:nvSpPr>
+        <p:spPr/>
+        <p:txBody>
+          <a:bodyPr/>
+          <a:lstStyle/>
+          <a:p>
+            <a:r>
+              <a:rPr lang="en-US" dirty="0"/>
+              <a:t>String </a:t>
+            </a:r>
+            <a:r>
+              <a:rPr lang="en-US" dirty="0" err="1"/>
+              <a:t>ifadələrinin</a:t>
+            </a:r>
+            <a:r>
+              <a:rPr lang="en-US" dirty="0"/>
+              <a:t> </a:t>
+            </a:r>
+            <a:r>
+              <a:rPr lang="en-US" dirty="0" err="1"/>
+              <a:t>dəyərlərini</a:t>
+            </a:r>
+            <a:r>
+              <a:rPr lang="en-US" dirty="0"/>
+              <a:t> </a:t>
+            </a:r>
+            <a:r>
+              <a:rPr lang="en-US" dirty="0" err="1"/>
+              <a:t>özündə</a:t>
+            </a:r>
+            <a:r>
+              <a:rPr lang="en-US" dirty="0"/>
+              <a:t> </a:t>
+            </a:r>
+            <a:r>
+              <a:rPr lang="en-US" dirty="0" err="1"/>
+              <a:t>birləşdirir</a:t>
+            </a:r>
+            <a:r>
+              <a:rPr lang="en-US" dirty="0"/>
+              <a:t> </a:t>
+            </a:r>
+            <a:r>
+              <a:rPr lang="en-US" dirty="0" err="1"/>
+              <a:t>və</a:t>
+            </a:r>
+            <a:r>
+              <a:rPr lang="en-US" dirty="0"/>
+              <a:t> </a:t>
+            </a:r>
+            <a:r>
+              <a:rPr lang="en-US" dirty="0" err="1"/>
+              <a:t>aralarına</a:t>
+            </a:r>
+            <a:r>
+              <a:rPr lang="en-US" dirty="0"/>
+              <a:t> "</a:t>
+            </a:r>
+            <a:r>
+              <a:rPr lang="en-US" dirty="0" err="1"/>
+              <a:t>vergül</a:t>
+            </a:r>
+            <a:r>
+              <a:rPr lang="en-US" dirty="0"/>
+              <a:t>" </a:t>
+            </a:r>
+            <a:r>
+              <a:rPr lang="en-US" dirty="0" err="1"/>
+              <a:t>daxil</a:t>
+            </a:r>
+            <a:r>
+              <a:rPr lang="en-US" dirty="0"/>
+              <a:t> </a:t>
+            </a:r>
+            <a:r>
+              <a:rPr lang="en-US" dirty="0" err="1"/>
+              <a:t>edir</a:t>
+            </a:r>
+            <a:r>
+              <a:rPr lang="en-US" dirty="0" smtClean="0"/>
+              <a:t>.</a:t>
+            </a:r>
+          </a:p>
+          <a:p>
+            <a:r>
+              <a:rPr lang="en-US" dirty="0" smtClean="0"/>
+              <a:t>"</a:t>
+            </a:r>
+            <a:r>
+              <a:rPr lang="en-US" dirty="0"/>
+              <a:t>Localhost" </a:t>
+            </a:r>
+            <a:r>
+              <a:rPr lang="en-US" dirty="0" err="1"/>
+              <a:t>üçün</a:t>
+            </a:r>
+            <a:r>
+              <a:rPr lang="en-US" dirty="0"/>
+              <a:t> </a:t>
+            </a:r>
+            <a:r>
+              <a:rPr lang="en-US" dirty="0" err="1"/>
+              <a:t>keçərli</a:t>
+            </a:r>
+            <a:r>
+              <a:rPr lang="en-US" dirty="0"/>
+              <a:t> </a:t>
+            </a:r>
+            <a:r>
+              <a:rPr lang="en-US" dirty="0" err="1"/>
+              <a:t>deyil</a:t>
+            </a:r>
+            <a:r>
+              <a:rPr lang="en-US" dirty="0"/>
+              <a:t>.</a:t>
+            </a:r>
+            <a:br>
+              <a:rPr lang="en-US" dirty="0"/>
+            </a:br>
+            <a:endParaRPr lang="en-US" dirty="0"/>
+          </a:p>
+        </p:txBody>
+      </p:sp>
+    </p:spTree>
+    <p:extLst>
+      <p:ext uri="{BB962C8B-B14F-4D97-AF65-F5344CB8AC3E}">
+        <p14:creationId xmlns:p14="http://schemas.microsoft.com/office/powerpoint/2010/main" val="307293432"/>
+      </p:ext>
+    </p:extLst>
+  </p:cSld>
+  <p:clrMapOvr>
+    <a:masterClrMapping/>
+  </p:clrMapOvr>
+</p:sld>
+</file>
+
+<file path=ppt/slides/slide23.xml><?xml version="1.0" encoding="utf-8"?>
+<p:sld xmlns:a="http://schemas.openxmlformats.org/drawingml/2006/main" xmlns:r="http://schemas.openxmlformats.org/officeDocument/2006/relationships" xmlns:p="http://schemas.openxmlformats.org/presentationml/2006/main">
+  <p:cSld>
+    <p:spTree>
+      <p:nvGrpSpPr>
+        <p:cNvPr id="1" name=""/>
+        <p:cNvGrpSpPr/>
+        <p:nvPr/>
+      </p:nvGrpSpPr>
+      <p:grpSpPr>
+        <a:xfrm>
+          <a:off x="0" y="0"/>
+          <a:ext cx="0" cy="0"/>
+          <a:chOff x="0" y="0"/>
+          <a:chExt cx="0" cy="0"/>
+        </a:xfrm>
+      </p:grpSpPr>
+      <p:sp>
+        <p:nvSpPr>
+          <p:cNvPr id="2" name="Title 1"/>
+          <p:cNvSpPr>
+            <a:spLocks noGrp="1"/>
+          </p:cNvSpPr>
+          <p:nvPr>
+            <p:ph type="title"/>
+          </p:nvPr>
+        </p:nvSpPr>
+        <p:spPr/>
+        <p:txBody>
+          <a:bodyPr/>
+          <a:lstStyle/>
+          <a:p>
+            <a:r>
+              <a:rPr lang="en-US" dirty="0" smtClean="0"/>
+              <a:t>STRING_ESCAPE()</a:t>
+            </a:r>
+            <a:endParaRPr lang="en-US" dirty="0"/>
+          </a:p>
+        </p:txBody>
+      </p:sp>
+      <p:sp>
+        <p:nvSpPr>
+          <p:cNvPr id="3" name="Content Placeholder 2"/>
+          <p:cNvSpPr>
+            <a:spLocks noGrp="1"/>
+          </p:cNvSpPr>
+          <p:nvPr>
+            <p:ph idx="1"/>
+          </p:nvPr>
+        </p:nvSpPr>
+        <p:spPr/>
+        <p:txBody>
+          <a:bodyPr/>
+          <a:lstStyle/>
+          <a:p>
+            <a:r>
+              <a:rPr lang="en-US" dirty="0"/>
+              <a:t>Bu </a:t>
+            </a:r>
+            <a:r>
+              <a:rPr lang="en-US" dirty="0" err="1"/>
+              <a:t>funksiya</a:t>
+            </a:r>
+            <a:r>
+              <a:rPr lang="en-US" dirty="0"/>
+              <a:t>, </a:t>
+            </a:r>
+            <a:r>
+              <a:rPr lang="en-US" dirty="0" err="1"/>
+              <a:t>mətnlərdəki</a:t>
+            </a:r>
+            <a:r>
+              <a:rPr lang="en-US" dirty="0"/>
+              <a:t> </a:t>
+            </a:r>
+            <a:r>
+              <a:rPr lang="en-US" dirty="0" err="1"/>
+              <a:t>xüsusi</a:t>
+            </a:r>
+            <a:r>
+              <a:rPr lang="en-US" dirty="0"/>
+              <a:t> </a:t>
+            </a:r>
+            <a:r>
+              <a:rPr lang="en-US" dirty="0" err="1"/>
+              <a:t>xarakterlərdən</a:t>
+            </a:r>
+            <a:r>
+              <a:rPr lang="en-US" dirty="0"/>
+              <a:t> </a:t>
+            </a:r>
+            <a:r>
+              <a:rPr lang="en-US" dirty="0" err="1"/>
+              <a:t>qaçar</a:t>
+            </a:r>
+            <a:r>
+              <a:rPr lang="en-US" dirty="0"/>
+              <a:t> </a:t>
+            </a:r>
+            <a:r>
+              <a:rPr lang="en-US" dirty="0" err="1"/>
+              <a:t>və</a:t>
+            </a:r>
+            <a:r>
+              <a:rPr lang="en-US" dirty="0"/>
+              <a:t> </a:t>
+            </a:r>
+            <a:r>
+              <a:rPr lang="en-US" dirty="0" err="1"/>
+              <a:t>qaçmış</a:t>
+            </a:r>
+            <a:r>
+              <a:rPr lang="en-US" dirty="0"/>
+              <a:t> </a:t>
+            </a:r>
+            <a:r>
+              <a:rPr lang="en-US" dirty="0" err="1"/>
+              <a:t>xarakterlərlə</a:t>
+            </a:r>
+            <a:r>
+              <a:rPr lang="en-US" dirty="0"/>
+              <a:t> </a:t>
+            </a:r>
+            <a:r>
+              <a:rPr lang="en-US" dirty="0" err="1"/>
+              <a:t>mətn</a:t>
+            </a:r>
+            <a:r>
+              <a:rPr lang="en-US" dirty="0"/>
+              <a:t> </a:t>
+            </a:r>
+            <a:r>
+              <a:rPr lang="en-US" dirty="0" err="1"/>
+              <a:t>çevirər</a:t>
+            </a:r>
+            <a:r>
+              <a:rPr lang="en-US" dirty="0" smtClean="0"/>
+              <a:t>.</a:t>
+            </a:r>
+          </a:p>
+          <a:p>
+            <a:r>
+              <a:rPr lang="en-US" dirty="0"/>
+              <a:t>"Localhost" </a:t>
+            </a:r>
+            <a:r>
+              <a:rPr lang="en-US" dirty="0" err="1"/>
+              <a:t>üçün</a:t>
+            </a:r>
+            <a:r>
+              <a:rPr lang="en-US" dirty="0"/>
+              <a:t> </a:t>
+            </a:r>
+            <a:r>
+              <a:rPr lang="en-US" dirty="0" err="1"/>
+              <a:t>keçərli</a:t>
+            </a:r>
+            <a:r>
+              <a:rPr lang="en-US" dirty="0"/>
+              <a:t> </a:t>
+            </a:r>
+            <a:r>
+              <a:rPr lang="en-US" dirty="0" err="1"/>
+              <a:t>deyil</a:t>
+            </a:r>
+            <a:r>
+              <a:rPr lang="en-US" dirty="0"/>
+              <a:t>.</a:t>
+            </a:r>
+            <a:endParaRPr lang="en-US" dirty="0"/>
+          </a:p>
+        </p:txBody>
+      </p:sp>
+    </p:spTree>
+    <p:extLst>
+      <p:ext uri="{BB962C8B-B14F-4D97-AF65-F5344CB8AC3E}">
+        <p14:creationId xmlns:p14="http://schemas.microsoft.com/office/powerpoint/2010/main" val="4076462478"/>
+      </p:ext>
+    </p:extLst>
+  </p:cSld>
+  <p:clrMapOvr>
+    <a:masterClrMapping/>
+  </p:clrMapOvr>
+</p:sld>
+</file>
+
+<file path=ppt/slides/slide24.xml><?xml version="1.0" encoding="utf-8"?>
+<p:sld xmlns:a="http://schemas.openxmlformats.org/drawingml/2006/main" xmlns:r="http://schemas.openxmlformats.org/officeDocument/2006/relationships" xmlns:p="http://schemas.openxmlformats.org/presentationml/2006/main">
+  <p:cSld>
+    <p:spTree>
+      <p:nvGrpSpPr>
+        <p:cNvPr id="1" name=""/>
+        <p:cNvGrpSpPr/>
+        <p:nvPr/>
+      </p:nvGrpSpPr>
+      <p:grpSpPr>
+        <a:xfrm>
+          <a:off x="0" y="0"/>
+          <a:ext cx="0" cy="0"/>
+          <a:chOff x="0" y="0"/>
+          <a:chExt cx="0" cy="0"/>
+        </a:xfrm>
+      </p:grpSpPr>
+      <p:sp>
+        <p:nvSpPr>
+          <p:cNvPr id="2" name="Title 1"/>
+          <p:cNvSpPr>
+            <a:spLocks noGrp="1"/>
+          </p:cNvSpPr>
+          <p:nvPr>
+            <p:ph type="title"/>
+          </p:nvPr>
+        </p:nvSpPr>
+        <p:spPr/>
+        <p:txBody>
+          <a:bodyPr>
+            <a:normAutofit/>
+          </a:bodyPr>
+          <a:lstStyle/>
+          <a:p>
+            <a:r>
+              <a:rPr lang="en-US" dirty="0" smtClean="0"/>
+              <a:t>STRING_SPLIT()</a:t>
+            </a:r>
+            <a:endParaRPr lang="en-US" dirty="0"/>
+          </a:p>
+        </p:txBody>
+      </p:sp>
+      <p:sp>
+        <p:nvSpPr>
+          <p:cNvPr id="3" name="Content Placeholder 2"/>
+          <p:cNvSpPr>
+            <a:spLocks noGrp="1"/>
+          </p:cNvSpPr>
+          <p:nvPr>
+            <p:ph idx="1"/>
+          </p:nvPr>
+        </p:nvSpPr>
+        <p:spPr/>
+        <p:txBody>
+          <a:bodyPr/>
+          <a:lstStyle/>
+          <a:p>
+            <a:r>
+              <a:rPr lang="en-US" dirty="0"/>
+              <a:t>Split </a:t>
+            </a:r>
+            <a:r>
+              <a:rPr lang="en-US" dirty="0" err="1"/>
+              <a:t>metodu</a:t>
+            </a:r>
+            <a:r>
+              <a:rPr lang="en-US" dirty="0"/>
+              <a:t>, </a:t>
+            </a:r>
+            <a:r>
+              <a:rPr lang="en-US" dirty="0" err="1"/>
+              <a:t>tətbiq</a:t>
+            </a:r>
+            <a:r>
+              <a:rPr lang="en-US" dirty="0"/>
+              <a:t> </a:t>
+            </a:r>
+            <a:r>
+              <a:rPr lang="en-US" dirty="0" err="1"/>
+              <a:t>olunduğu</a:t>
+            </a:r>
+            <a:r>
+              <a:rPr lang="en-US" dirty="0"/>
+              <a:t> </a:t>
+            </a:r>
+            <a:r>
+              <a:rPr lang="en-US" dirty="0" err="1"/>
+              <a:t>string'ləri</a:t>
+            </a:r>
+            <a:r>
+              <a:rPr lang="en-US" dirty="0"/>
+              <a:t> </a:t>
+            </a:r>
+            <a:r>
+              <a:rPr lang="en-US" dirty="0" err="1"/>
+              <a:t>parçalara</a:t>
+            </a:r>
+            <a:r>
+              <a:rPr lang="en-US" dirty="0"/>
+              <a:t> </a:t>
+            </a:r>
+            <a:r>
+              <a:rPr lang="en-US" dirty="0" err="1"/>
+              <a:t>bölər</a:t>
+            </a:r>
+            <a:r>
+              <a:rPr lang="en-US" dirty="0"/>
+              <a:t> </a:t>
+            </a:r>
+            <a:r>
+              <a:rPr lang="en-US" dirty="0" err="1"/>
+              <a:t>və</a:t>
+            </a:r>
+            <a:r>
+              <a:rPr lang="en-US" dirty="0"/>
+              <a:t> </a:t>
+            </a:r>
+            <a:r>
+              <a:rPr lang="en-US" dirty="0" err="1"/>
+              <a:t>bu</a:t>
+            </a:r>
+            <a:r>
+              <a:rPr lang="en-US" dirty="0"/>
+              <a:t> </a:t>
+            </a:r>
+            <a:r>
+              <a:rPr lang="en-US" dirty="0" err="1"/>
+              <a:t>hissələrdə</a:t>
+            </a:r>
+            <a:r>
+              <a:rPr lang="en-US" dirty="0"/>
+              <a:t> </a:t>
+            </a:r>
+            <a:r>
+              <a:rPr lang="en-US" dirty="0" err="1"/>
+              <a:t>bir</a:t>
+            </a:r>
+            <a:r>
+              <a:rPr lang="en-US" dirty="0"/>
+              <a:t> </a:t>
+            </a:r>
+            <a:r>
+              <a:rPr lang="en-US" dirty="0" err="1"/>
+              <a:t>nizam</a:t>
+            </a:r>
+            <a:r>
+              <a:rPr lang="en-US" dirty="0"/>
+              <a:t> </a:t>
+            </a:r>
+            <a:r>
+              <a:rPr lang="en-US" dirty="0" err="1"/>
+              <a:t>yaradar</a:t>
+            </a:r>
+            <a:r>
+              <a:rPr lang="en-US" dirty="0" smtClean="0"/>
+              <a:t>.</a:t>
+            </a:r>
+          </a:p>
+          <a:p>
+            <a:r>
+              <a:rPr lang="en-US" dirty="0"/>
+              <a:t>"Localhost" </a:t>
+            </a:r>
+            <a:r>
+              <a:rPr lang="en-US" dirty="0" err="1"/>
+              <a:t>üçün</a:t>
+            </a:r>
+            <a:r>
+              <a:rPr lang="en-US" dirty="0"/>
+              <a:t> </a:t>
+            </a:r>
+            <a:r>
+              <a:rPr lang="en-US" dirty="0" err="1"/>
+              <a:t>keçərli</a:t>
+            </a:r>
+            <a:r>
+              <a:rPr lang="en-US" dirty="0"/>
+              <a:t> </a:t>
+            </a:r>
+            <a:r>
+              <a:rPr lang="en-US" dirty="0" err="1"/>
+              <a:t>deyil</a:t>
+            </a:r>
+            <a:r>
+              <a:rPr lang="en-US" dirty="0"/>
+              <a:t>.</a:t>
+            </a:r>
+            <a:endParaRPr lang="en-US" dirty="0"/>
+          </a:p>
+        </p:txBody>
+      </p:sp>
+    </p:spTree>
+    <p:extLst>
+      <p:ext uri="{BB962C8B-B14F-4D97-AF65-F5344CB8AC3E}">
+        <p14:creationId xmlns:p14="http://schemas.microsoft.com/office/powerpoint/2010/main" val="4160821291"/>
+      </p:ext>
+    </p:extLst>
+  </p:cSld>
+  <p:clrMapOvr>
+    <a:masterClrMapping/>
+  </p:clrMapOvr>
+</p:sld>
+</file>
+
+<file path=ppt/slides/slide25.xml><?xml version="1.0" encoding="utf-8"?>
+<p:sld xmlns:a="http://schemas.openxmlformats.org/drawingml/2006/main" xmlns:r="http://schemas.openxmlformats.org/officeDocument/2006/relationships" xmlns:p="http://schemas.openxmlformats.org/presentationml/2006/main">
+  <p:cSld>
+    <p:spTree>
+      <p:nvGrpSpPr>
+        <p:cNvPr id="1" name=""/>
+        <p:cNvGrpSpPr/>
+        <p:nvPr/>
+      </p:nvGrpSpPr>
+      <p:grpSpPr>
+        <a:xfrm>
+          <a:off x="0" y="0"/>
+          <a:ext cx="0" cy="0"/>
+          <a:chOff x="0" y="0"/>
+          <a:chExt cx="0" cy="0"/>
+        </a:xfrm>
+      </p:grpSpPr>
+      <p:sp>
+        <p:nvSpPr>
+          <p:cNvPr id="2" name="Title 1"/>
+          <p:cNvSpPr>
+            <a:spLocks noGrp="1"/>
+          </p:cNvSpPr>
+          <p:nvPr>
+            <p:ph type="title"/>
+          </p:nvPr>
+        </p:nvSpPr>
+        <p:spPr/>
+        <p:txBody>
+          <a:bodyPr/>
+          <a:lstStyle/>
+          <a:p>
+            <a:r>
+              <a:rPr lang="en-US" dirty="0" smtClean="0"/>
+              <a:t>SUBSTRING()</a:t>
+            </a:r>
+            <a:endParaRPr lang="en-US" dirty="0"/>
+          </a:p>
+        </p:txBody>
+      </p:sp>
+      <p:sp>
+        <p:nvSpPr>
+          <p:cNvPr id="3" name="Content Placeholder 2"/>
+          <p:cNvSpPr>
+            <a:spLocks noGrp="1"/>
+          </p:cNvSpPr>
+          <p:nvPr>
+            <p:ph idx="1"/>
+          </p:nvPr>
+        </p:nvSpPr>
+        <p:spPr/>
+        <p:txBody>
+          <a:bodyPr/>
+          <a:lstStyle/>
+          <a:p>
+            <a:r>
+              <a:rPr lang="en-US" dirty="0"/>
+              <a:t>SUBSTRING ( expression ,start , length ) </a:t>
+            </a:r>
+            <a:endParaRPr lang="en-US" dirty="0" smtClean="0"/>
+          </a:p>
+          <a:p>
+            <a:r>
+              <a:rPr lang="en-US" dirty="0" smtClean="0"/>
+              <a:t>Returns </a:t>
+            </a:r>
+            <a:r>
+              <a:rPr lang="en-US" dirty="0"/>
+              <a:t>part of a character, binary, text, or image expression in SQL Server.</a:t>
+            </a:r>
+          </a:p>
+          <a:p>
+            <a:r>
+              <a:rPr lang="en-US" dirty="0" err="1"/>
+              <a:t>String’in</a:t>
+            </a:r>
+            <a:r>
+              <a:rPr lang="en-US" dirty="0"/>
+              <a:t> </a:t>
+            </a:r>
+            <a:r>
+              <a:rPr lang="en-US" dirty="0" err="1"/>
+              <a:t>bir</a:t>
+            </a:r>
+            <a:r>
+              <a:rPr lang="en-US" dirty="0"/>
+              <a:t> </a:t>
+            </a:r>
+            <a:r>
+              <a:rPr lang="en-US" dirty="0" smtClean="0"/>
+              <a:t>hiss</a:t>
+            </a:r>
+            <a:r>
+              <a:rPr lang="az-Latn-AZ" dirty="0" smtClean="0"/>
+              <a:t>ə</a:t>
+            </a:r>
+            <a:r>
+              <a:rPr lang="en-US" dirty="0" err="1" smtClean="0"/>
+              <a:t>sini</a:t>
+            </a:r>
+            <a:r>
+              <a:rPr lang="en-US" dirty="0" smtClean="0"/>
+              <a:t> </a:t>
+            </a:r>
+            <a:r>
+              <a:rPr lang="en-US" dirty="0" err="1" smtClean="0"/>
+              <a:t>qaytar</a:t>
+            </a:r>
+            <a:r>
+              <a:rPr lang="az-Latn-AZ" dirty="0" smtClean="0"/>
+              <a:t>ı</a:t>
+            </a:r>
+            <a:r>
+              <a:rPr lang="en-US" dirty="0" smtClean="0"/>
+              <a:t>r</a:t>
+            </a:r>
+            <a:r>
+              <a:rPr lang="en-US" dirty="0"/>
+              <a:t>. String, </a:t>
+            </a:r>
+            <a:r>
+              <a:rPr lang="en-US" dirty="0" err="1" smtClean="0"/>
+              <a:t>ba</a:t>
+            </a:r>
+            <a:r>
+              <a:rPr lang="az-Latn-AZ" dirty="0" smtClean="0"/>
+              <a:t>ş</a:t>
+            </a:r>
+            <a:r>
+              <a:rPr lang="en-US" dirty="0" smtClean="0"/>
+              <a:t>lama n</a:t>
+            </a:r>
+            <a:r>
+              <a:rPr lang="az-Latn-AZ" dirty="0" smtClean="0"/>
+              <a:t>ö</a:t>
+            </a:r>
+            <a:r>
+              <a:rPr lang="en-US" dirty="0" err="1" smtClean="0"/>
+              <a:t>qtes</a:t>
+            </a:r>
+            <a:r>
+              <a:rPr lang="az-Latn-AZ" dirty="0"/>
+              <a:t>i</a:t>
+            </a:r>
+            <a:r>
+              <a:rPr lang="en-US" dirty="0" smtClean="0"/>
+              <a:t> v</a:t>
+            </a:r>
+            <a:r>
+              <a:rPr lang="az-Latn-AZ" dirty="0" smtClean="0"/>
+              <a:t>ə</a:t>
+            </a:r>
+            <a:r>
+              <a:rPr lang="en-US" dirty="0" smtClean="0"/>
+              <a:t> </a:t>
+            </a:r>
+            <a:r>
+              <a:rPr lang="en-US" dirty="0"/>
+              <a:t>character </a:t>
+            </a:r>
+            <a:r>
+              <a:rPr lang="en-US" dirty="0" smtClean="0"/>
+              <a:t>say</a:t>
+            </a:r>
+            <a:r>
+              <a:rPr lang="az-Latn-AZ" dirty="0" smtClean="0"/>
+              <a:t>ı</a:t>
+            </a:r>
+            <a:r>
+              <a:rPr lang="en-US" dirty="0" smtClean="0"/>
+              <a:t> </a:t>
+            </a:r>
+            <a:r>
+              <a:rPr lang="en-US" dirty="0" err="1" smtClean="0"/>
+              <a:t>verilm</a:t>
+            </a:r>
+            <a:r>
+              <a:rPr lang="az-Latn-AZ" dirty="0" smtClean="0"/>
+              <a:t>ə</a:t>
+            </a:r>
+            <a:r>
+              <a:rPr lang="en-US" dirty="0" err="1" smtClean="0"/>
+              <a:t>lidir</a:t>
+            </a:r>
+            <a:r>
+              <a:rPr lang="en-US" dirty="0"/>
+              <a:t>.</a:t>
+            </a:r>
+          </a:p>
+          <a:p>
+            <a:r>
+              <a:rPr lang="en-US" dirty="0"/>
+              <a:t>Ex: SELECT SUBSTRING('</a:t>
+            </a:r>
+            <a:r>
+              <a:rPr lang="en-US" dirty="0" err="1"/>
+              <a:t>abcdef</a:t>
+            </a:r>
+            <a:r>
+              <a:rPr lang="en-US" dirty="0"/>
+              <a:t>', 2, 4); --- ‘</a:t>
+            </a:r>
+            <a:r>
+              <a:rPr lang="en-US" dirty="0" err="1"/>
+              <a:t>bcde</a:t>
+            </a:r>
+            <a:r>
+              <a:rPr lang="en-US" dirty="0"/>
+              <a:t>’</a:t>
+            </a:r>
+          </a:p>
+        </p:txBody>
+      </p:sp>
+    </p:spTree>
+    <p:extLst>
+      <p:ext uri="{BB962C8B-B14F-4D97-AF65-F5344CB8AC3E}">
+        <p14:creationId xmlns:p14="http://schemas.microsoft.com/office/powerpoint/2010/main" val="2117518436"/>
+      </p:ext>
+    </p:extLst>
+  </p:cSld>
+  <p:clrMapOvr>
+    <a:masterClrMapping/>
+  </p:clrMapOvr>
+</p:sld>
+</file>
+
+<file path=ppt/slides/slide26.xml><?xml version="1.0" encoding="utf-8"?>
+<p:sld xmlns:a="http://schemas.openxmlformats.org/drawingml/2006/main" xmlns:r="http://schemas.openxmlformats.org/officeDocument/2006/relationships" xmlns:p="http://schemas.openxmlformats.org/presentationml/2006/main">
+  <p:cSld>
+    <p:spTree>
+      <p:nvGrpSpPr>
+        <p:cNvPr id="1" name=""/>
+        <p:cNvGrpSpPr/>
+        <p:nvPr/>
+      </p:nvGrpSpPr>
+      <p:grpSpPr>
+        <a:xfrm>
+          <a:off x="0" y="0"/>
+          <a:ext cx="0" cy="0"/>
+          <a:chOff x="0" y="0"/>
+          <a:chExt cx="0" cy="0"/>
+        </a:xfrm>
+      </p:grpSpPr>
+      <p:sp>
+        <p:nvSpPr>
+          <p:cNvPr id="2" name="Title 1"/>
+          <p:cNvSpPr>
+            <a:spLocks noGrp="1"/>
+          </p:cNvSpPr>
+          <p:nvPr>
+            <p:ph type="title"/>
+          </p:nvPr>
+        </p:nvSpPr>
+        <p:spPr/>
+        <p:txBody>
+          <a:bodyPr/>
+          <a:lstStyle/>
+          <a:p>
+            <a:r>
+              <a:rPr lang="en-US" dirty="0" smtClean="0"/>
+              <a:t>TRIM()</a:t>
+            </a:r>
+            <a:endParaRPr lang="en-US" dirty="0"/>
+          </a:p>
+        </p:txBody>
+      </p:sp>
+      <p:sp>
+        <p:nvSpPr>
+          <p:cNvPr id="3" name="Content Placeholder 2"/>
+          <p:cNvSpPr>
+            <a:spLocks noGrp="1"/>
+          </p:cNvSpPr>
+          <p:nvPr>
+            <p:ph idx="1"/>
+          </p:nvPr>
+        </p:nvSpPr>
+        <p:spPr/>
+        <p:txBody>
+          <a:bodyPr>
+            <a:normAutofit fontScale="92500" lnSpcReduction="20000"/>
+          </a:bodyPr>
+          <a:lstStyle/>
+          <a:p>
+            <a:r>
+              <a:rPr lang="en-US" dirty="0"/>
+              <a:t>TRIM ( [ characters FROM ] string </a:t>
+            </a:r>
+            <a:r>
+              <a:rPr lang="en-US" dirty="0" smtClean="0"/>
+              <a:t>)</a:t>
+            </a:r>
+          </a:p>
+          <a:p>
+            <a:r>
+              <a:rPr lang="en-US" dirty="0" smtClean="0"/>
+              <a:t>Removes </a:t>
+            </a:r>
+            <a:r>
+              <a:rPr lang="en-US" dirty="0"/>
+              <a:t>the space character char(32) or other specified characters from the start or end of a string.</a:t>
+            </a:r>
+          </a:p>
+          <a:p>
+            <a:r>
+              <a:rPr lang="en-US" dirty="0" smtClean="0"/>
+              <a:t>Sa</a:t>
+            </a:r>
+            <a:r>
+              <a:rPr lang="az-Latn-AZ" dirty="0" smtClean="0"/>
+              <a:t>ğ v</a:t>
+            </a:r>
+            <a:r>
+              <a:rPr lang="en-US" dirty="0" smtClean="0"/>
+              <a:t>e </a:t>
+            </a:r>
+            <a:r>
+              <a:rPr lang="en-US" dirty="0" err="1"/>
+              <a:t>solda</a:t>
+            </a:r>
+            <a:r>
+              <a:rPr lang="en-US" dirty="0"/>
+              <a:t> </a:t>
+            </a:r>
+            <a:r>
+              <a:rPr lang="en-US" dirty="0" err="1" smtClean="0"/>
+              <a:t>bo</a:t>
+            </a:r>
+            <a:r>
+              <a:rPr lang="az-Latn-AZ" dirty="0" smtClean="0"/>
+              <a:t>ş</a:t>
+            </a:r>
+            <a:r>
+              <a:rPr lang="en-US" dirty="0" err="1" smtClean="0"/>
+              <a:t>luqlar</a:t>
+            </a:r>
+            <a:r>
+              <a:rPr lang="az-Latn-AZ" dirty="0" smtClean="0"/>
+              <a:t>ı</a:t>
+            </a:r>
+            <a:r>
+              <a:rPr lang="en-US" dirty="0" smtClean="0"/>
+              <a:t> </a:t>
+            </a:r>
+            <a:r>
+              <a:rPr lang="en-US" dirty="0" err="1"/>
+              <a:t>silir</a:t>
+            </a:r>
+            <a:r>
+              <a:rPr lang="en-US" dirty="0"/>
+              <a:t>. </a:t>
+            </a:r>
+            <a:r>
+              <a:rPr lang="en-US" dirty="0" smtClean="0"/>
+              <a:t>V</a:t>
+            </a:r>
+            <a:r>
+              <a:rPr lang="az-Latn-AZ" dirty="0" smtClean="0"/>
+              <a:t>ə</a:t>
+            </a:r>
+            <a:r>
+              <a:rPr lang="en-US" dirty="0" smtClean="0"/>
+              <a:t> </a:t>
+            </a:r>
+            <a:r>
+              <a:rPr lang="en-US" dirty="0" err="1"/>
+              <a:t>ya</a:t>
+            </a:r>
+            <a:r>
+              <a:rPr lang="en-US" dirty="0"/>
+              <a:t> </a:t>
+            </a:r>
+            <a:r>
+              <a:rPr lang="en-US" dirty="0" err="1" smtClean="0"/>
+              <a:t>sa</a:t>
+            </a:r>
+            <a:r>
+              <a:rPr lang="az-Latn-AZ" dirty="0" smtClean="0"/>
+              <a:t>ğ və</a:t>
+            </a:r>
+            <a:r>
+              <a:rPr lang="en-US" dirty="0" smtClean="0"/>
+              <a:t> </a:t>
+            </a:r>
+            <a:r>
+              <a:rPr lang="en-US" dirty="0" err="1"/>
+              <a:t>solda</a:t>
+            </a:r>
+            <a:r>
+              <a:rPr lang="en-US" dirty="0"/>
+              <a:t> </a:t>
+            </a:r>
+            <a:r>
+              <a:rPr lang="en-US" dirty="0" err="1" smtClean="0"/>
+              <a:t>verilmi</a:t>
+            </a:r>
+            <a:r>
+              <a:rPr lang="az-Latn-AZ" dirty="0" smtClean="0"/>
+              <a:t>ş</a:t>
+            </a:r>
+            <a:r>
+              <a:rPr lang="en-US" dirty="0" smtClean="0"/>
+              <a:t> </a:t>
+            </a:r>
+            <a:r>
+              <a:rPr lang="en-US" dirty="0"/>
+              <a:t>string </a:t>
+            </a:r>
+            <a:r>
+              <a:rPr lang="en-US" dirty="0" smtClean="0"/>
+              <a:t>hiss</a:t>
+            </a:r>
+            <a:r>
+              <a:rPr lang="az-Latn-AZ" dirty="0" smtClean="0"/>
+              <a:t>ə</a:t>
+            </a:r>
+            <a:r>
+              <a:rPr lang="en-US" dirty="0" err="1" smtClean="0"/>
+              <a:t>sini</a:t>
+            </a:r>
+            <a:r>
+              <a:rPr lang="en-US" dirty="0" smtClean="0"/>
+              <a:t> </a:t>
+            </a:r>
+            <a:r>
+              <a:rPr lang="en-US" dirty="0" err="1"/>
+              <a:t>silir</a:t>
+            </a:r>
+            <a:r>
+              <a:rPr lang="en-US" dirty="0"/>
+              <a:t>.</a:t>
+            </a:r>
+          </a:p>
+          <a:p>
+            <a:r>
+              <a:rPr lang="en-US" dirty="0"/>
+              <a:t>Ex: SELECT TRIM( '</a:t>
+            </a:r>
+            <a:r>
+              <a:rPr lang="en-US" dirty="0" err="1"/>
+              <a:t>asdog</a:t>
+            </a:r>
+            <a:r>
+              <a:rPr lang="en-US" dirty="0"/>
+              <a:t>' from '</a:t>
+            </a:r>
+            <a:r>
+              <a:rPr lang="en-US" dirty="0" err="1"/>
+              <a:t>asdog</a:t>
+            </a:r>
+            <a:r>
+              <a:rPr lang="en-US" dirty="0"/>
+              <a:t>    </a:t>
+            </a:r>
+            <a:r>
+              <a:rPr lang="en-US" dirty="0" err="1"/>
+              <a:t>asdf</a:t>
+            </a:r>
+            <a:r>
+              <a:rPr lang="en-US" dirty="0"/>
+              <a:t> . l'); --- ‘    </a:t>
+            </a:r>
+            <a:r>
+              <a:rPr lang="en-US" dirty="0" err="1"/>
+              <a:t>asdf</a:t>
+            </a:r>
+            <a:r>
+              <a:rPr lang="en-US" dirty="0"/>
+              <a:t> . l’</a:t>
+            </a:r>
+          </a:p>
+          <a:p>
+            <a:r>
+              <a:rPr lang="en-US" dirty="0"/>
+              <a:t>Ex: SELECT TRIM('    </a:t>
+            </a:r>
+            <a:r>
+              <a:rPr lang="en-US" dirty="0" err="1"/>
+              <a:t>asdog</a:t>
+            </a:r>
+            <a:r>
+              <a:rPr lang="en-US" dirty="0"/>
+              <a:t> </a:t>
+            </a:r>
+            <a:r>
+              <a:rPr lang="en-US" dirty="0" err="1"/>
+              <a:t>asdf</a:t>
+            </a:r>
+            <a:r>
+              <a:rPr lang="en-US" dirty="0"/>
+              <a:t> . l      '); --- ‘</a:t>
+            </a:r>
+            <a:r>
+              <a:rPr lang="en-US" dirty="0" err="1"/>
+              <a:t>asdog</a:t>
+            </a:r>
+            <a:r>
+              <a:rPr lang="en-US" dirty="0"/>
+              <a:t> </a:t>
+            </a:r>
+            <a:r>
+              <a:rPr lang="en-US" dirty="0" err="1"/>
+              <a:t>asdf</a:t>
+            </a:r>
+            <a:r>
+              <a:rPr lang="en-US" dirty="0"/>
+              <a:t> . l’</a:t>
+            </a:r>
+          </a:p>
+          <a:p>
+            <a:endParaRPr lang="en-US" dirty="0"/>
+          </a:p>
+        </p:txBody>
+      </p:sp>
+    </p:spTree>
+    <p:extLst>
+      <p:ext uri="{BB962C8B-B14F-4D97-AF65-F5344CB8AC3E}">
+        <p14:creationId xmlns:p14="http://schemas.microsoft.com/office/powerpoint/2010/main" val="2579123796"/>
+      </p:ext>
+    </p:extLst>
+  </p:cSld>
+  <p:clrMapOvr>
+    <a:masterClrMapping/>
+  </p:clrMapOvr>
+</p:sld>
+</file>
+
+<file path=ppt/slides/slide27.xml><?xml version="1.0" encoding="utf-8"?>
+<p:sld xmlns:a="http://schemas.openxmlformats.org/drawingml/2006/main" xmlns:r="http://schemas.openxmlformats.org/officeDocument/2006/relationships" xmlns:p="http://schemas.openxmlformats.org/presentationml/2006/main">
+  <p:cSld>
+    <p:spTree>
+      <p:nvGrpSpPr>
+        <p:cNvPr id="1" name=""/>
+        <p:cNvGrpSpPr/>
+        <p:nvPr/>
+      </p:nvGrpSpPr>
+      <p:grpSpPr>
+        <a:xfrm>
+          <a:off x="0" y="0"/>
+          <a:ext cx="0" cy="0"/>
+          <a:chOff x="0" y="0"/>
+          <a:chExt cx="0" cy="0"/>
+        </a:xfrm>
+      </p:grpSpPr>
+      <p:sp>
+        <p:nvSpPr>
+          <p:cNvPr id="2" name="Title 1"/>
+          <p:cNvSpPr>
+            <a:spLocks noGrp="1"/>
+          </p:cNvSpPr>
+          <p:nvPr>
+            <p:ph type="title"/>
+          </p:nvPr>
+        </p:nvSpPr>
+        <p:spPr/>
+        <p:txBody>
+          <a:bodyPr/>
+          <a:lstStyle/>
+          <a:p>
+            <a:r>
+              <a:rPr lang="en-US" dirty="0" smtClean="0"/>
+              <a:t>UPPER</a:t>
+            </a:r>
+            <a:r>
+              <a:rPr lang="az-Latn-AZ" dirty="0" smtClean="0"/>
+              <a:t>()</a:t>
+            </a:r>
+            <a:endParaRPr lang="en-US" dirty="0"/>
+          </a:p>
+        </p:txBody>
+      </p:sp>
+      <p:sp>
+        <p:nvSpPr>
+          <p:cNvPr id="3" name="Content Placeholder 2"/>
+          <p:cNvSpPr>
+            <a:spLocks noGrp="1"/>
+          </p:cNvSpPr>
+          <p:nvPr>
+            <p:ph idx="1"/>
+          </p:nvPr>
+        </p:nvSpPr>
+        <p:spPr/>
+        <p:txBody>
+          <a:bodyPr/>
+          <a:lstStyle/>
+          <a:p>
+            <a:r>
+              <a:rPr lang="en-US" dirty="0"/>
+              <a:t>UPPER ( </a:t>
+            </a:r>
+            <a:r>
+              <a:rPr lang="en-US" dirty="0" err="1"/>
+              <a:t>character_expression</a:t>
+            </a:r>
+            <a:r>
+              <a:rPr lang="en-US" dirty="0"/>
+              <a:t> </a:t>
+            </a:r>
+            <a:r>
+              <a:rPr lang="en-US" dirty="0" smtClean="0"/>
+              <a:t>)</a:t>
+            </a:r>
+          </a:p>
+          <a:p>
+            <a:r>
+              <a:rPr lang="en-US" dirty="0" smtClean="0"/>
+              <a:t>Returns </a:t>
+            </a:r>
+            <a:r>
+              <a:rPr lang="en-US" dirty="0"/>
+              <a:t>a character expression with lowercase character data converted to uppercase.</a:t>
+            </a:r>
+          </a:p>
+          <a:p>
+            <a:r>
+              <a:rPr lang="en-US" dirty="0" smtClean="0"/>
+              <a:t>H</a:t>
+            </a:r>
+            <a:r>
+              <a:rPr lang="az-Latn-AZ" dirty="0" smtClean="0"/>
+              <a:t>ə</a:t>
+            </a:r>
+            <a:r>
+              <a:rPr lang="en-US" dirty="0" err="1" smtClean="0"/>
+              <a:t>rfl</a:t>
+            </a:r>
+            <a:r>
+              <a:rPr lang="az-Latn-AZ" dirty="0" smtClean="0"/>
+              <a:t>ə</a:t>
+            </a:r>
+            <a:r>
+              <a:rPr lang="en-US" dirty="0" err="1" smtClean="0"/>
+              <a:t>ri</a:t>
+            </a:r>
+            <a:r>
+              <a:rPr lang="en-US" dirty="0" smtClean="0"/>
+              <a:t> b</a:t>
+            </a:r>
+            <a:r>
+              <a:rPr lang="az-Latn-AZ" dirty="0" smtClean="0"/>
+              <a:t>ö</a:t>
+            </a:r>
+            <a:r>
+              <a:rPr lang="en-US" dirty="0" smtClean="0"/>
+              <a:t>y</a:t>
+            </a:r>
+            <a:r>
+              <a:rPr lang="az-Latn-AZ" dirty="0" smtClean="0"/>
+              <a:t>ü</a:t>
+            </a:r>
+            <a:r>
+              <a:rPr lang="en-US" dirty="0" smtClean="0"/>
+              <a:t>k h</a:t>
+            </a:r>
+            <a:r>
+              <a:rPr lang="az-Latn-AZ" dirty="0" smtClean="0"/>
+              <a:t>ə</a:t>
+            </a:r>
+            <a:r>
+              <a:rPr lang="en-US" dirty="0" err="1" smtClean="0"/>
+              <a:t>rfl</a:t>
+            </a:r>
+            <a:r>
+              <a:rPr lang="az-Latn-AZ" dirty="0" smtClean="0"/>
+              <a:t>ə</a:t>
+            </a:r>
+            <a:r>
+              <a:rPr lang="en-US" dirty="0" smtClean="0"/>
+              <a:t>r</a:t>
+            </a:r>
+            <a:r>
+              <a:rPr lang="az-Latn-AZ" dirty="0" smtClean="0"/>
+              <a:t>ə</a:t>
+            </a:r>
+            <a:r>
+              <a:rPr lang="en-US" dirty="0" smtClean="0"/>
+              <a:t> d</a:t>
+            </a:r>
+            <a:r>
+              <a:rPr lang="az-Latn-AZ" dirty="0" smtClean="0"/>
+              <a:t>ə</a:t>
+            </a:r>
+            <a:r>
+              <a:rPr lang="en-US" dirty="0" err="1" smtClean="0"/>
+              <a:t>yi</a:t>
+            </a:r>
+            <a:r>
+              <a:rPr lang="az-Latn-AZ" dirty="0" smtClean="0"/>
+              <a:t>ş</a:t>
+            </a:r>
+            <a:r>
+              <a:rPr lang="en-US" dirty="0" err="1" smtClean="0"/>
+              <a:t>ir</a:t>
+            </a:r>
+            <a:endParaRPr lang="en-US" dirty="0"/>
+          </a:p>
+          <a:p>
+            <a:r>
+              <a:rPr lang="en-US" dirty="0"/>
+              <a:t>Ex: SELECT UPPER ( '</a:t>
+            </a:r>
+            <a:r>
+              <a:rPr lang="en-US" dirty="0" err="1"/>
+              <a:t>sdfghjkl</a:t>
+            </a:r>
+            <a:r>
+              <a:rPr lang="en-US" dirty="0"/>
+              <a:t>' ); --- SDFGHJKL</a:t>
+            </a:r>
+          </a:p>
+        </p:txBody>
+      </p:sp>
+    </p:spTree>
+    <p:extLst>
+      <p:ext uri="{BB962C8B-B14F-4D97-AF65-F5344CB8AC3E}">
+        <p14:creationId xmlns:p14="http://schemas.microsoft.com/office/powerpoint/2010/main" val="2141278276"/>
+      </p:ext>
+    </p:extLst>
+  </p:cSld>
+  <p:clrMapOvr>
+    <a:masterClrMapping/>
+  </p:clrMapOvr>
+</p:sld>
+</file>
+
+<file path=ppt/slides/slide28.xml><?xml version="1.0" encoding="utf-8"?>
+<p:sld xmlns:a="http://schemas.openxmlformats.org/drawingml/2006/main" xmlns:r="http://schemas.openxmlformats.org/officeDocument/2006/relationships" xmlns:p="http://schemas.openxmlformats.org/presentationml/2006/main">
+  <p:cSld>
+    <p:spTree>
+      <p:nvGrpSpPr>
+        <p:cNvPr id="1" name=""/>
+        <p:cNvGrpSpPr/>
+        <p:nvPr/>
+      </p:nvGrpSpPr>
+      <p:grpSpPr>
+        <a:xfrm>
+          <a:off x="0" y="0"/>
+          <a:ext cx="0" cy="0"/>
+          <a:chOff x="0" y="0"/>
+          <a:chExt cx="0" cy="0"/>
+        </a:xfrm>
+      </p:grpSpPr>
+      <p:sp>
+        <p:nvSpPr>
+          <p:cNvPr id="2" name="Title 1"/>
+          <p:cNvSpPr>
+            <a:spLocks noGrp="1"/>
+          </p:cNvSpPr>
+          <p:nvPr>
+            <p:ph type="title"/>
+          </p:nvPr>
+        </p:nvSpPr>
+        <p:spPr/>
+        <p:txBody>
+          <a:bodyPr/>
+          <a:lstStyle/>
+          <a:p>
+            <a:r>
+              <a:rPr lang="en-US" strike="sngStrike" dirty="0" err="1" smtClean="0"/>
+              <a:t>phpMyAdmin</a:t>
+            </a:r>
+            <a:endParaRPr lang="en-US" strike="sngStrike" dirty="0"/>
+          </a:p>
+        </p:txBody>
+      </p:sp>
+      <p:sp>
+        <p:nvSpPr>
+          <p:cNvPr id="3" name="Content Placeholder 2"/>
+          <p:cNvSpPr>
+            <a:spLocks noGrp="1"/>
+          </p:cNvSpPr>
+          <p:nvPr>
+            <p:ph idx="1"/>
+          </p:nvPr>
+        </p:nvSpPr>
+        <p:spPr/>
+        <p:txBody>
+          <a:bodyPr>
+            <a:normAutofit lnSpcReduction="10000"/>
+          </a:bodyPr>
+          <a:lstStyle/>
+          <a:p>
+            <a:r>
+              <a:rPr lang="en-US" dirty="0" smtClean="0"/>
+              <a:t>NCHAR()</a:t>
+            </a:r>
+          </a:p>
+          <a:p>
+            <a:r>
+              <a:rPr lang="en-US" dirty="0" smtClean="0"/>
+              <a:t>PATINDEX()</a:t>
+            </a:r>
+          </a:p>
+          <a:p>
+            <a:r>
+              <a:rPr lang="en-US" dirty="0" smtClean="0"/>
+              <a:t>QUOTENAME()</a:t>
+            </a:r>
+          </a:p>
+          <a:p>
+            <a:r>
+              <a:rPr lang="en-US" dirty="0"/>
+              <a:t>REPLICATE() </a:t>
+            </a:r>
+            <a:endParaRPr lang="en-US" dirty="0" smtClean="0"/>
+          </a:p>
+          <a:p>
+            <a:r>
+              <a:rPr lang="en-US" dirty="0" smtClean="0"/>
+              <a:t>UNICODE() </a:t>
+            </a:r>
+          </a:p>
+          <a:p>
+            <a:r>
+              <a:rPr lang="en-US" dirty="0" smtClean="0"/>
+              <a:t>TRANSLATE</a:t>
+            </a:r>
+            <a:r>
+              <a:rPr lang="en-US" dirty="0"/>
+              <a:t>() </a:t>
+            </a:r>
+            <a:endParaRPr lang="en-US" dirty="0" smtClean="0"/>
+          </a:p>
+          <a:p>
+            <a:r>
+              <a:rPr lang="en-US" dirty="0" smtClean="0"/>
+              <a:t>STUFF()</a:t>
+            </a:r>
+            <a:endParaRPr lang="en-US" dirty="0"/>
+          </a:p>
+          <a:p>
+            <a:r>
+              <a:rPr lang="en-US" dirty="0" smtClean="0"/>
+              <a:t>STRING_AFF</a:t>
+            </a:r>
+            <a:r>
+              <a:rPr lang="en-US" dirty="0" smtClean="0"/>
+              <a:t>()</a:t>
+            </a:r>
+          </a:p>
+          <a:p>
+            <a:endParaRPr lang="en-US" dirty="0"/>
+          </a:p>
+        </p:txBody>
+      </p:sp>
+    </p:spTree>
+    <p:extLst>
+      <p:ext uri="{BB962C8B-B14F-4D97-AF65-F5344CB8AC3E}">
+        <p14:creationId xmlns:p14="http://schemas.microsoft.com/office/powerpoint/2010/main" val="1999497350"/>
       </p:ext>
     </p:extLst>
   </p:cSld>
@@ -4894,7 +8568,7 @@
           <a:p>
             <a:r>
               <a:rPr lang="en-US" dirty="0" smtClean="0"/>
-              <a:t>LEN()</a:t>
+              <a:t>CHAR()</a:t>
             </a:r>
             <a:endParaRPr lang="en-US" dirty="0"/>
           </a:p>
@@ -4916,16 +8590,16 @@
           <a:lstStyle/>
           <a:p>
             <a:r>
-              <a:rPr lang="en-US" dirty="0"/>
-              <a:t>LEN ( </a:t>
-            </a:r>
-            <a:r>
-              <a:rPr lang="en-US" dirty="0" err="1"/>
-              <a:t>string_expression</a:t>
-            </a:r>
-            <a:r>
-              <a:rPr lang="en-US" dirty="0"/>
-              <a:t> </a:t>
+              <a:rPr lang="en-US" dirty="0" smtClean="0"/>
+              <a:t>CHAR </a:t>
+            </a:r>
+            <a:r>
+              <a:rPr lang="en-US" dirty="0"/>
+              <a:t>(</a:t>
+            </a:r>
+            <a:r>
+              <a:rPr lang="en-US" dirty="0" err="1"/>
+              <a:t>integer_expression</a:t>
             </a:r>
             <a:r>
               <a:rPr lang="en-US" dirty="0" smtClean="0"/>
@@ -4934,148 +8608,179 @@
           </a:p>
           <a:p>
             <a:r>
-              <a:rPr lang="en-US" dirty="0" smtClean="0"/>
-              <a:t>Returns </a:t>
-            </a:r>
-            <a:r>
-              <a:rPr lang="en-US" dirty="0"/>
-              <a:t>the number of characters of the specified string expression, excluding trailing blanks.</a:t>
-            </a:r>
-          </a:p>
-          <a:p>
-            <a:r>
-              <a:rPr lang="en-US" dirty="0" smtClean="0"/>
-              <a:t>ex: </a:t>
-            </a:r>
-            <a:r>
-              <a:rPr lang="az-Latn-AZ" dirty="0"/>
-              <a:t>SELECT </a:t>
-            </a:r>
-            <a:r>
-              <a:rPr lang="en-US" dirty="0" smtClean="0"/>
-              <a:t>LEN </a:t>
-            </a:r>
-            <a:r>
-              <a:rPr lang="en-US" dirty="0"/>
-              <a:t>('academy')</a:t>
-            </a:r>
-          </a:p>
-          <a:p>
-            <a:r>
-              <a:rPr lang="en-US" dirty="0" smtClean="0"/>
-              <a:t>Go </a:t>
-            </a:r>
-            <a:r>
-              <a:rPr lang="en-US" dirty="0" err="1" smtClean="0"/>
-              <a:t>ets</a:t>
-            </a:r>
-            <a:r>
-              <a:rPr lang="az-Latn-AZ" dirty="0" smtClean="0"/>
-              <a:t>ə</a:t>
-            </a:r>
-            <a:r>
-              <a:rPr lang="en-US" dirty="0" smtClean="0"/>
-              <a:t>k </a:t>
-            </a:r>
-            <a:r>
-              <a:rPr lang="en-US" dirty="0" err="1"/>
-              <a:t>bu</a:t>
-            </a:r>
-            <a:r>
-              <a:rPr lang="en-US" dirty="0"/>
-              <a:t> zaman (academy) </a:t>
-            </a:r>
-            <a:r>
-              <a:rPr lang="en-US" dirty="0" smtClean="0"/>
-              <a:t>s</a:t>
-            </a:r>
-            <a:r>
-              <a:rPr lang="az-Latn-AZ" dirty="0" smtClean="0"/>
-              <a:t>ö</a:t>
-            </a:r>
-            <a:r>
-              <a:rPr lang="en-US" dirty="0" smtClean="0"/>
-              <a:t>z</a:t>
-            </a:r>
-            <a:r>
-              <a:rPr lang="az-Latn-AZ" dirty="0" smtClean="0"/>
-              <a:t>ü</a:t>
-            </a:r>
-            <a:r>
-              <a:rPr lang="en-US" dirty="0" smtClean="0"/>
-              <a:t>n</a:t>
-            </a:r>
-            <a:r>
-              <a:rPr lang="az-Latn-AZ" dirty="0" smtClean="0"/>
-              <a:t>ü</a:t>
-            </a:r>
-            <a:r>
-              <a:rPr lang="en-US" dirty="0" smtClean="0"/>
-              <a:t>n h</a:t>
-            </a:r>
-            <a:r>
-              <a:rPr lang="az-Latn-AZ" dirty="0" smtClean="0"/>
-              <a:t>ə</a:t>
-            </a:r>
-            <a:r>
-              <a:rPr lang="en-US" dirty="0" err="1" smtClean="0"/>
-              <a:t>rfl</a:t>
-            </a:r>
-            <a:r>
-              <a:rPr lang="az-Latn-AZ" dirty="0" smtClean="0"/>
-              <a:t>ə</a:t>
-            </a:r>
-            <a:r>
-              <a:rPr lang="en-US" dirty="0" err="1" smtClean="0"/>
-              <a:t>rin</a:t>
-            </a:r>
-            <a:r>
-              <a:rPr lang="az-Latn-AZ" dirty="0" smtClean="0"/>
-              <a:t>in</a:t>
-            </a:r>
-            <a:r>
-              <a:rPr lang="en-US" dirty="0" smtClean="0"/>
-              <a:t> say</a:t>
-            </a:r>
-            <a:r>
-              <a:rPr lang="az-Latn-AZ" dirty="0" smtClean="0"/>
-              <a:t>ı</a:t>
-            </a:r>
-            <a:r>
-              <a:rPr lang="en-US" dirty="0" smtClean="0"/>
-              <a:t>n</a:t>
-            </a:r>
-            <a:r>
-              <a:rPr lang="az-Latn-AZ" dirty="0" smtClean="0"/>
-              <a:t>ı</a:t>
-            </a:r>
-            <a:r>
-              <a:rPr lang="en-US" dirty="0" smtClean="0"/>
-              <a:t> biz</a:t>
-            </a:r>
-            <a:r>
-              <a:rPr lang="az-Latn-AZ" dirty="0" smtClean="0"/>
-              <a:t>ə</a:t>
-            </a:r>
-            <a:r>
-              <a:rPr lang="en-US" dirty="0" smtClean="0"/>
-              <a:t>  r</a:t>
-            </a:r>
-            <a:r>
-              <a:rPr lang="az-Latn-AZ" dirty="0" smtClean="0"/>
-              <a:t>ə</a:t>
-            </a:r>
-            <a:r>
-              <a:rPr lang="en-US" dirty="0" smtClean="0"/>
-              <a:t>q</a:t>
-            </a:r>
-            <a:r>
-              <a:rPr lang="az-Latn-AZ" dirty="0" smtClean="0"/>
-              <a:t>ə</a:t>
-            </a:r>
-            <a:r>
-              <a:rPr lang="en-US" dirty="0" smtClean="0"/>
-              <a:t>m </a:t>
+              <a:rPr lang="en-US" dirty="0"/>
+              <a:t>Converts an </a:t>
+            </a:r>
+            <a:r>
+              <a:rPr lang="en-US" b="1" dirty="0" err="1"/>
+              <a:t>int</a:t>
+            </a:r>
+            <a:r>
+              <a:rPr lang="en-US" dirty="0"/>
+              <a:t> ASCII code to a character.</a:t>
+            </a:r>
+            <a:endParaRPr lang="en-US" dirty="0" smtClean="0"/>
+          </a:p>
+          <a:p>
+            <a:r>
+              <a:rPr lang="en-US" dirty="0" err="1" smtClean="0"/>
+              <a:t>Burda</a:t>
+            </a:r>
+            <a:r>
+              <a:rPr lang="en-US" dirty="0" smtClean="0"/>
+              <a:t> </a:t>
+            </a:r>
+            <a:r>
+              <a:rPr lang="en-US" dirty="0" err="1"/>
+              <a:t>ise</a:t>
+            </a:r>
+            <a:r>
+              <a:rPr lang="en-US" dirty="0"/>
+              <a:t> asci-</a:t>
+            </a:r>
+            <a:r>
+              <a:rPr lang="en-US" dirty="0" err="1"/>
+              <a:t>nin</a:t>
+            </a:r>
+            <a:r>
+              <a:rPr lang="en-US" dirty="0"/>
+              <a:t> </a:t>
+            </a:r>
+            <a:r>
+              <a:rPr lang="en-US" dirty="0" err="1"/>
+              <a:t>tersidir</a:t>
+            </a:r>
+            <a:r>
+              <a:rPr lang="en-US" dirty="0"/>
+              <a:t>. </a:t>
+            </a:r>
+            <a:r>
+              <a:rPr lang="en-US" dirty="0" err="1"/>
+              <a:t>Yeni</a:t>
+            </a:r>
+            <a:r>
+              <a:rPr lang="en-US" dirty="0"/>
+              <a:t> </a:t>
+            </a:r>
+            <a:r>
+              <a:rPr lang="en-US" dirty="0" err="1"/>
+              <a:t>reqemlerin</a:t>
+            </a:r>
+            <a:r>
+              <a:rPr lang="en-US" dirty="0"/>
+              <a:t> </a:t>
+            </a:r>
+            <a:r>
+              <a:rPr lang="en-US" dirty="0" err="1"/>
+              <a:t>heriflerle</a:t>
+            </a:r>
+            <a:r>
+              <a:rPr lang="en-US" dirty="0"/>
+              <a:t> </a:t>
+            </a:r>
+            <a:r>
+              <a:rPr lang="en-US" dirty="0" err="1"/>
+              <a:t>ifade</a:t>
+            </a:r>
+            <a:r>
+              <a:rPr lang="en-US" dirty="0"/>
+              <a:t> </a:t>
+            </a:r>
+            <a:r>
+              <a:rPr lang="en-US" dirty="0" err="1"/>
+              <a:t>olunmagidir</a:t>
+            </a:r>
+            <a:r>
+              <a:rPr lang="en-US" dirty="0"/>
+              <a:t>. Integer </a:t>
+            </a:r>
+            <a:r>
+              <a:rPr lang="en-US" dirty="0" err="1"/>
+              <a:t>formatinda</a:t>
+            </a:r>
+            <a:r>
+              <a:rPr lang="en-US" dirty="0"/>
+              <a:t> </a:t>
+            </a:r>
+            <a:r>
+              <a:rPr lang="en-US" dirty="0" err="1"/>
+              <a:t>olmalidir</a:t>
+            </a:r>
+            <a:r>
+              <a:rPr lang="en-US" dirty="0"/>
+              <a:t>. </a:t>
+            </a:r>
+            <a:r>
+              <a:rPr lang="en-US" dirty="0" err="1"/>
+              <a:t>Yeni</a:t>
+            </a:r>
+            <a:r>
+              <a:rPr lang="en-US" dirty="0"/>
+              <a:t> 0 </a:t>
+            </a:r>
+            <a:r>
+              <a:rPr lang="en-US" dirty="0" err="1"/>
+              <a:t>ile</a:t>
+            </a:r>
+            <a:r>
+              <a:rPr lang="en-US" dirty="0"/>
+              <a:t> 255 </a:t>
+            </a:r>
+            <a:r>
+              <a:rPr lang="en-US" dirty="0" err="1"/>
+              <a:t>arasinda</a:t>
+            </a:r>
+            <a:r>
+              <a:rPr lang="en-US" dirty="0"/>
+              <a:t> </a:t>
+            </a:r>
+            <a:r>
+              <a:rPr lang="en-US" dirty="0" err="1"/>
+              <a:t>olmalidir</a:t>
+            </a:r>
+            <a:r>
+              <a:rPr lang="en-US" dirty="0"/>
+              <a:t>. Eger </a:t>
+            </a:r>
+            <a:r>
+              <a:rPr lang="en-US" dirty="0" err="1"/>
+              <a:t>bunun</a:t>
+            </a:r>
+            <a:r>
+              <a:rPr lang="en-US" dirty="0"/>
+              <a:t> </a:t>
+            </a:r>
+            <a:r>
+              <a:rPr lang="en-US" dirty="0" err="1"/>
+              <a:t>xaricinde</a:t>
+            </a:r>
+            <a:r>
+              <a:rPr lang="en-US" dirty="0"/>
+              <a:t> her </a:t>
+            </a:r>
+            <a:r>
+              <a:rPr lang="en-US" dirty="0" err="1"/>
+              <a:t>hansisa</a:t>
+            </a:r>
+            <a:r>
+              <a:rPr lang="en-US" dirty="0"/>
+              <a:t> </a:t>
+            </a:r>
+            <a:r>
+              <a:rPr lang="en-US" dirty="0" err="1"/>
+              <a:t>reqem</a:t>
+            </a:r>
+            <a:r>
+              <a:rPr lang="en-US" dirty="0"/>
+              <a:t> </a:t>
+            </a:r>
+            <a:r>
+              <a:rPr lang="en-US" dirty="0" err="1"/>
+              <a:t>olarsa</a:t>
+            </a:r>
+            <a:r>
+              <a:rPr lang="en-US" dirty="0"/>
+              <a:t> o zaman Null </a:t>
             </a:r>
             <a:r>
               <a:rPr lang="en-US" dirty="0" err="1"/>
@@ -5087,64 +8792,30 @@
             </a:r>
             <a:r>
               <a:rPr lang="en-US" dirty="0" err="1"/>
-              <a:t>geri</a:t>
-            </a:r>
-            <a:r>
-              <a:rPr lang="en-US" dirty="0"/>
-              <a:t> </a:t>
-            </a:r>
-            <a:r>
-              <a:rPr lang="en-US" dirty="0" err="1" smtClean="0"/>
-              <a:t>qaytarir</a:t>
-            </a:r>
-            <a:r>
-              <a:rPr lang="az-Latn-AZ" dirty="0" smtClean="0"/>
-              <a:t>.</a:t>
-            </a:r>
-            <a:r>
-              <a:rPr lang="en-US" dirty="0" smtClean="0"/>
-              <a:t> </a:t>
-            </a:r>
-            <a:r>
-              <a:rPr lang="en-US" dirty="0"/>
-              <a:t>academy=7 </a:t>
-            </a:r>
-            <a:r>
-              <a:rPr lang="en-US" dirty="0" smtClean="0"/>
-              <a:t>h</a:t>
-            </a:r>
-            <a:r>
-              <a:rPr lang="az-Latn-AZ" dirty="0" smtClean="0"/>
-              <a:t>ə</a:t>
-            </a:r>
-            <a:r>
-              <a:rPr lang="en-US" dirty="0" err="1" smtClean="0"/>
-              <a:t>rfd</a:t>
-            </a:r>
-            <a:r>
-              <a:rPr lang="az-Latn-AZ" dirty="0" smtClean="0"/>
-              <a:t>ə</a:t>
-            </a:r>
-            <a:r>
-              <a:rPr lang="en-US" dirty="0" smtClean="0"/>
-              <a:t>n </a:t>
-            </a:r>
-            <a:r>
-              <a:rPr lang="en-US" dirty="0" err="1" smtClean="0"/>
-              <a:t>ibar</a:t>
-            </a:r>
-            <a:r>
-              <a:rPr lang="az-Latn-AZ" dirty="0" smtClean="0"/>
-              <a:t>ə</a:t>
-            </a:r>
-            <a:r>
-              <a:rPr lang="en-US" dirty="0" err="1" smtClean="0"/>
-              <a:t>tdir</a:t>
-            </a:r>
-            <a:r>
-              <a:rPr lang="en-US" dirty="0" smtClean="0"/>
-              <a:t>.</a:t>
-            </a:r>
+              <a:t>gosterir</a:t>
+            </a:r>
+            <a:r>
+              <a:rPr lang="en-US" dirty="0"/>
+              <a:t>.  </a:t>
+            </a:r>
+            <a:endParaRPr lang="en-US" dirty="0" smtClean="0"/>
+          </a:p>
+          <a:p>
+            <a:r>
+              <a:rPr lang="en-US" dirty="0" smtClean="0"/>
+              <a:t>Ex: SELECT </a:t>
+            </a:r>
+            <a:r>
+              <a:rPr lang="en-US" dirty="0"/>
+              <a:t>CHAR(65</a:t>
+            </a:r>
+            <a:r>
+              <a:rPr lang="en-US" dirty="0" smtClean="0"/>
+              <a:t>); --- A</a:t>
+            </a:r>
+            <a:endParaRPr lang="en-US" dirty="0"/>
+          </a:p>
+          <a:p>
             <a:endParaRPr lang="en-US" dirty="0"/>
           </a:p>
         </p:txBody>
@@ -5152,7 +8823,7 @@
     </p:spTree>
     <p:extLst>
       <p:ext uri="{BB962C8B-B14F-4D97-AF65-F5344CB8AC3E}">
-        <p14:creationId xmlns:p14="http://schemas.microsoft.com/office/powerpoint/2010/main" val="1211281115"/>
+        <p14:creationId xmlns:p14="http://schemas.microsoft.com/office/powerpoint/2010/main" val="76222185"/>
       </p:ext>
     </p:extLst>
   </p:cSld>
@@ -5195,8 +8866,12 @@
           <a:lstStyle/>
           <a:p>
             <a:r>
-              <a:rPr lang="en-US" dirty="0" smtClean="0"/>
-              <a:t>LOWER()</a:t>
+              <a:rPr lang="az-Latn-AZ" dirty="0" smtClean="0"/>
+              <a:t>CHARINDEX</a:t>
+            </a:r>
+            <a:r>
+              <a:rPr lang="en-US" dirty="0" smtClean="0"/>
+              <a:t>()</a:t>
             </a:r>
             <a:endParaRPr lang="en-US" dirty="0"/>
           </a:p>
@@ -5214,291 +8889,185 @@
         </p:nvSpPr>
         <p:spPr/>
         <p:txBody>
-          <a:bodyPr/>
+          <a:bodyPr>
+            <a:normAutofit/>
+          </a:bodyPr>
           <a:lstStyle/>
           <a:p>
             <a:r>
-              <a:rPr lang="en-US" dirty="0"/>
-              <a:t>LOWER ( </a:t>
-            </a:r>
-            <a:r>
-              <a:rPr lang="en-US" dirty="0" err="1"/>
-              <a:t>character_expression</a:t>
-            </a:r>
-            <a:r>
-              <a:rPr lang="en-US" dirty="0"/>
-              <a:t> ) </a:t>
+              <a:rPr lang="az-Latn-AZ" dirty="0"/>
+              <a:t>CHARINDEX ( expressionToFind , expressionToSearch [ , start_location ] </a:t>
+            </a:r>
+            <a:r>
+              <a:rPr lang="az-Latn-AZ" dirty="0" smtClean="0"/>
+              <a:t>)</a:t>
             </a:r>
             <a:endParaRPr lang="en-US" dirty="0" smtClean="0"/>
           </a:p>
           <a:p>
             <a:r>
-              <a:rPr lang="en-US" dirty="0" smtClean="0"/>
-              <a:t>Returns </a:t>
-            </a:r>
-            <a:r>
-              <a:rPr lang="en-US" dirty="0"/>
-              <a:t>a character expression after converting uppercase character data to lowercase.</a:t>
-            </a:r>
-          </a:p>
-          <a:p>
-            <a:r>
-              <a:rPr lang="en-US" dirty="0" smtClean="0"/>
-              <a:t>ex: </a:t>
-            </a:r>
-            <a:r>
-              <a:rPr lang="az-Latn-AZ" dirty="0" smtClean="0"/>
-              <a:t>SELECT LO</a:t>
-            </a:r>
-            <a:r>
-              <a:rPr lang="en-US" dirty="0" smtClean="0"/>
-              <a:t>W</a:t>
-            </a:r>
-            <a:r>
-              <a:rPr lang="az-Latn-AZ" dirty="0" smtClean="0"/>
-              <a:t>ER</a:t>
-            </a:r>
-            <a:r>
-              <a:rPr lang="en-US" dirty="0" smtClean="0"/>
-              <a:t> ('Aca</a:t>
-            </a:r>
-            <a:r>
-              <a:rPr lang="az-Latn-AZ" dirty="0" smtClean="0"/>
-              <a:t>D</a:t>
-            </a:r>
-            <a:r>
-              <a:rPr lang="en-US" dirty="0" err="1" smtClean="0"/>
-              <a:t>emy</a:t>
-            </a:r>
-            <a:r>
-              <a:rPr lang="en-US" dirty="0"/>
-              <a:t>')</a:t>
-            </a:r>
-          </a:p>
-          <a:p>
-            <a:r>
-              <a:rPr lang="en-US" dirty="0" smtClean="0"/>
-              <a:t>Go </a:t>
-            </a:r>
-            <a:r>
-              <a:rPr lang="en-US" dirty="0" err="1" smtClean="0"/>
-              <a:t>ets</a:t>
-            </a:r>
-            <a:r>
-              <a:rPr lang="az-Latn-AZ" dirty="0" smtClean="0"/>
-              <a:t>ə</a:t>
-            </a:r>
-            <a:r>
-              <a:rPr lang="en-US" dirty="0" smtClean="0"/>
-              <a:t>k </a:t>
-            </a:r>
-            <a:r>
-              <a:rPr lang="en-US" dirty="0" err="1"/>
-              <a:t>bu</a:t>
-            </a:r>
-            <a:r>
-              <a:rPr lang="en-US" dirty="0"/>
-              <a:t> zaman (</a:t>
-            </a:r>
-            <a:r>
-              <a:rPr lang="en-US" dirty="0" smtClean="0"/>
-              <a:t>Aca</a:t>
-            </a:r>
-            <a:r>
-              <a:rPr lang="az-Latn-AZ" dirty="0" smtClean="0"/>
-              <a:t>D</a:t>
-            </a:r>
-            <a:r>
-              <a:rPr lang="en-US" dirty="0" err="1" smtClean="0"/>
-              <a:t>emy</a:t>
-            </a:r>
-            <a:r>
-              <a:rPr lang="en-US" dirty="0"/>
-              <a:t>) </a:t>
-            </a:r>
-            <a:r>
-              <a:rPr lang="en-US" dirty="0" smtClean="0"/>
-              <a:t>s</a:t>
-            </a:r>
-            <a:r>
-              <a:rPr lang="az-Latn-AZ" dirty="0" smtClean="0"/>
-              <a:t>ö</a:t>
-            </a:r>
-            <a:r>
-              <a:rPr lang="en-US" dirty="0" smtClean="0"/>
-              <a:t>z</a:t>
-            </a:r>
-            <a:r>
-              <a:rPr lang="az-Latn-AZ" dirty="0" smtClean="0"/>
-              <a:t>ü</a:t>
-            </a:r>
-            <a:r>
-              <a:rPr lang="en-US" dirty="0" smtClean="0"/>
-              <a:t>n</a:t>
-            </a:r>
-            <a:r>
-              <a:rPr lang="az-Latn-AZ" dirty="0" smtClean="0"/>
-              <a:t>ü</a:t>
-            </a:r>
-            <a:r>
-              <a:rPr lang="en-US" dirty="0" smtClean="0"/>
-              <a:t>n b</a:t>
-            </a:r>
-            <a:r>
-              <a:rPr lang="az-Latn-AZ" dirty="0" smtClean="0"/>
-              <a:t>ö</a:t>
-            </a:r>
-            <a:r>
-              <a:rPr lang="en-US" dirty="0" smtClean="0"/>
-              <a:t>y</a:t>
-            </a:r>
-            <a:r>
-              <a:rPr lang="az-Latn-AZ" dirty="0" smtClean="0"/>
-              <a:t>ü</a:t>
-            </a:r>
-            <a:r>
-              <a:rPr lang="en-US" dirty="0" smtClean="0"/>
-              <a:t>k </a:t>
-            </a:r>
-            <a:r>
-              <a:rPr lang="en-US" dirty="0" err="1" smtClean="0"/>
-              <a:t>yaz</a:t>
-            </a:r>
-            <a:r>
-              <a:rPr lang="az-Latn-AZ" dirty="0" smtClean="0"/>
-              <a:t>ı</a:t>
-            </a:r>
-            <a:r>
-              <a:rPr lang="en-US" dirty="0" smtClean="0"/>
-              <a:t>lm</a:t>
-            </a:r>
-            <a:r>
-              <a:rPr lang="az-Latn-AZ" dirty="0" smtClean="0"/>
-              <a:t>ış</a:t>
-            </a:r>
-            <a:r>
-              <a:rPr lang="en-US" dirty="0" smtClean="0"/>
-              <a:t> h</a:t>
-            </a:r>
-            <a:r>
-              <a:rPr lang="az-Latn-AZ" dirty="0" smtClean="0"/>
-              <a:t>ə</a:t>
-            </a:r>
-            <a:r>
-              <a:rPr lang="en-US" dirty="0" err="1" smtClean="0"/>
-              <a:t>rf</a:t>
-            </a:r>
-            <a:r>
-              <a:rPr lang="az-Latn-AZ" dirty="0" smtClean="0"/>
-              <a:t>ləri</a:t>
-            </a:r>
-            <a:r>
-              <a:rPr lang="en-US" dirty="0" err="1" smtClean="0"/>
-              <a:t>ni</a:t>
-            </a:r>
-            <a:r>
-              <a:rPr lang="en-US" dirty="0" smtClean="0"/>
-              <a:t> </a:t>
-            </a:r>
-            <a:r>
-              <a:rPr lang="en-US" dirty="0" err="1" smtClean="0"/>
-              <a:t>ki</a:t>
-            </a:r>
-            <a:r>
-              <a:rPr lang="az-Latn-AZ" dirty="0" smtClean="0"/>
-              <a:t>ç</a:t>
-            </a:r>
-            <a:r>
-              <a:rPr lang="en-US" dirty="0" err="1" smtClean="0"/>
-              <a:t>ik</a:t>
-            </a:r>
-            <a:r>
-              <a:rPr lang="en-US" dirty="0" smtClean="0"/>
-              <a:t> </a:t>
-            </a:r>
-            <a:r>
-              <a:rPr lang="en-US" dirty="0" err="1" smtClean="0"/>
-              <a:t>yazar</a:t>
-            </a:r>
-            <a:r>
-              <a:rPr lang="az-Latn-AZ" dirty="0" smtClean="0"/>
-              <a:t>a</a:t>
-            </a:r>
-            <a:r>
-              <a:rPr lang="en-US" dirty="0" smtClean="0"/>
-              <a:t>q </a:t>
-            </a:r>
-            <a:r>
-              <a:rPr lang="en-US" dirty="0" err="1"/>
-              <a:t>geri</a:t>
-            </a:r>
-            <a:r>
-              <a:rPr lang="en-US" dirty="0"/>
-              <a:t> </a:t>
-            </a:r>
-            <a:r>
-              <a:rPr lang="en-US" dirty="0" err="1" smtClean="0"/>
-              <a:t>qaytaraca</a:t>
-            </a:r>
-            <a:r>
-              <a:rPr lang="az-Latn-AZ" dirty="0" smtClean="0"/>
-              <a:t>q.</a:t>
-            </a:r>
-            <a:r>
-              <a:rPr lang="en-US" dirty="0" smtClean="0"/>
-              <a:t> </a:t>
-            </a:r>
-            <a:r>
-              <a:rPr lang="en-US" dirty="0"/>
-              <a:t>(academy) </a:t>
-            </a:r>
-            <a:r>
-              <a:rPr lang="az-Latn-AZ" dirty="0" smtClean="0"/>
-              <a:t>ş</a:t>
-            </a:r>
-            <a:r>
-              <a:rPr lang="az-Latn-AZ" dirty="0"/>
-              <a:t>ə</a:t>
-            </a:r>
-            <a:r>
-              <a:rPr lang="en-US" dirty="0" err="1" smtClean="0"/>
-              <a:t>klind</a:t>
-            </a:r>
-            <a:r>
-              <a:rPr lang="az-Latn-AZ" dirty="0" smtClean="0"/>
-              <a:t>ə</a:t>
-            </a:r>
-            <a:r>
-              <a:rPr lang="en-US" dirty="0" smtClean="0"/>
-              <a:t> </a:t>
-            </a:r>
-            <a:r>
-              <a:rPr lang="en-US" dirty="0" err="1" smtClean="0"/>
-              <a:t>ver</a:t>
-            </a:r>
-            <a:r>
-              <a:rPr lang="az-Latn-AZ" dirty="0" smtClean="0"/>
-              <a:t>ə</a:t>
-            </a:r>
-            <a:r>
-              <a:rPr lang="en-US" dirty="0" smtClean="0"/>
-              <a:t>c</a:t>
-            </a:r>
-            <a:r>
-              <a:rPr lang="az-Latn-AZ" dirty="0" smtClean="0"/>
-              <a:t>ə</a:t>
-            </a:r>
-            <a:r>
-              <a:rPr lang="en-US" dirty="0" smtClean="0"/>
-              <a:t>k</a:t>
-            </a:r>
-            <a:r>
-              <a:rPr lang="en-US" dirty="0"/>
+              <a:rPr lang="en-US" dirty="0"/>
+              <a:t>Searches an expression for another expression and returns its starting position if found.</a:t>
+            </a:r>
+            <a:endParaRPr lang="en-US" dirty="0" smtClean="0"/>
+          </a:p>
+          <a:p>
+            <a:r>
+              <a:rPr lang="en-US" dirty="0" err="1"/>
+              <a:t>A</a:t>
+            </a:r>
+            <a:r>
+              <a:rPr lang="en-US" dirty="0" err="1" smtClean="0"/>
+              <a:t>xtarmaq</a:t>
+            </a:r>
+            <a:r>
+              <a:rPr lang="en-US" dirty="0" smtClean="0"/>
+              <a:t> </a:t>
+            </a:r>
+            <a:r>
+              <a:rPr lang="en-US" dirty="0" err="1"/>
+              <a:t>istediyimiz</a:t>
+            </a:r>
+            <a:r>
+              <a:rPr lang="en-US" dirty="0"/>
+              <a:t> string-de </a:t>
+            </a:r>
+            <a:r>
+              <a:rPr lang="en-US" dirty="0" err="1"/>
+              <a:t>konkret</a:t>
+            </a:r>
+            <a:r>
+              <a:rPr lang="en-US" dirty="0"/>
+              <a:t> </a:t>
+            </a:r>
+            <a:r>
+              <a:rPr lang="en-US" dirty="0" err="1"/>
+              <a:t>yeri</a:t>
+            </a:r>
+            <a:r>
+              <a:rPr lang="en-US" dirty="0"/>
+              <a:t>, </a:t>
+            </a:r>
+            <a:r>
+              <a:rPr lang="en-US" dirty="0" err="1"/>
+              <a:t>stringi</a:t>
+            </a:r>
+            <a:r>
+              <a:rPr lang="en-US" dirty="0"/>
+              <a:t> </a:t>
+            </a:r>
+            <a:r>
+              <a:rPr lang="en-US" dirty="0" err="1"/>
+              <a:t>yaziriq</a:t>
+            </a:r>
+            <a:r>
+              <a:rPr lang="en-US" dirty="0"/>
+              <a:t> </a:t>
+            </a:r>
+            <a:r>
+              <a:rPr lang="en-US" dirty="0" err="1"/>
+              <a:t>ve</a:t>
+            </a:r>
+            <a:r>
+              <a:rPr lang="en-US" dirty="0"/>
+              <a:t> </a:t>
+            </a:r>
+            <a:r>
+              <a:rPr lang="en-US" dirty="0" err="1"/>
+              <a:t>necenci</a:t>
+            </a:r>
+            <a:r>
+              <a:rPr lang="en-US" dirty="0"/>
+              <a:t> </a:t>
+            </a:r>
+            <a:r>
+              <a:rPr lang="en-US" dirty="0" err="1"/>
+              <a:t>yerde</a:t>
+            </a:r>
+            <a:r>
+              <a:rPr lang="en-US" dirty="0"/>
+              <a:t> </a:t>
+            </a:r>
+            <a:r>
+              <a:rPr lang="en-US" dirty="0" err="1"/>
+              <a:t>dayanan</a:t>
+            </a:r>
+            <a:r>
+              <a:rPr lang="en-US" dirty="0"/>
+              <a:t> </a:t>
+            </a:r>
+            <a:r>
+              <a:rPr lang="en-US" dirty="0" err="1"/>
+              <a:t>hedden</a:t>
+            </a:r>
+            <a:r>
+              <a:rPr lang="en-US" dirty="0"/>
+              <a:t> </a:t>
+            </a:r>
+            <a:r>
+              <a:rPr lang="en-US" dirty="0" err="1"/>
+              <a:t>baslamasini</a:t>
+            </a:r>
+            <a:r>
+              <a:rPr lang="en-US" dirty="0"/>
+              <a:t> </a:t>
+            </a:r>
+            <a:r>
+              <a:rPr lang="en-US" dirty="0" err="1"/>
+              <a:t>isteyirikse</a:t>
+            </a:r>
+            <a:r>
+              <a:rPr lang="en-US" dirty="0"/>
+              <a:t> o </a:t>
+            </a:r>
+            <a:r>
+              <a:rPr lang="en-US" dirty="0" err="1"/>
+              <a:t>heddi</a:t>
+            </a:r>
+            <a:r>
+              <a:rPr lang="en-US" dirty="0"/>
+              <a:t> </a:t>
+            </a:r>
+            <a:r>
+              <a:rPr lang="en-US" dirty="0" err="1" smtClean="0"/>
+              <a:t>yaziriq</a:t>
+            </a:r>
+            <a:r>
+              <a:rPr lang="en-US" dirty="0" smtClean="0"/>
+              <a:t>. </a:t>
+            </a:r>
+            <a:r>
+              <a:rPr lang="en-US" dirty="0" err="1" smtClean="0"/>
+              <a:t>Baslama</a:t>
+            </a:r>
+            <a:r>
+              <a:rPr lang="en-US" dirty="0" smtClean="0"/>
+              <a:t> </a:t>
+            </a:r>
+            <a:r>
+              <a:rPr lang="en-US" dirty="0" err="1" smtClean="0"/>
+              <a:t>nowtesini</a:t>
+            </a:r>
+            <a:r>
+              <a:rPr lang="en-US" dirty="0" smtClean="0"/>
+              <a:t> </a:t>
+            </a:r>
+            <a:r>
+              <a:rPr lang="en-US" dirty="0" err="1" smtClean="0"/>
+              <a:t>bize</a:t>
+            </a:r>
+            <a:r>
+              <a:rPr lang="en-US" dirty="0" smtClean="0"/>
+              <a:t> </a:t>
+            </a:r>
+            <a:r>
+              <a:rPr lang="en-US" dirty="0" err="1" smtClean="0"/>
+              <a:t>qaytarir</a:t>
+            </a:r>
+            <a:r>
+              <a:rPr lang="en-US" dirty="0" smtClean="0"/>
               <a:t>.</a:t>
             </a:r>
-          </a:p>
-          <a:p>
-            <a:endParaRPr lang="en-US" dirty="0"/>
           </a:p>
           <a:p>
             <a:endParaRPr lang="en-US" dirty="0"/>
@@ -5508,7 +9077,7 @@
     </p:spTree>
     <p:extLst>
       <p:ext uri="{BB962C8B-B14F-4D97-AF65-F5344CB8AC3E}">
-        <p14:creationId xmlns:p14="http://schemas.microsoft.com/office/powerpoint/2010/main" val="2522478752"/>
+        <p14:creationId xmlns:p14="http://schemas.microsoft.com/office/powerpoint/2010/main" val="2640658941"/>
       </p:ext>
     </p:extLst>
   </p:cSld>
@@ -5552,7 +9121,7 @@
           <a:p>
             <a:r>
               <a:rPr lang="en-US" dirty="0" smtClean="0"/>
-              <a:t>LTRIM()</a:t>
+              <a:t>CONCAT()</a:t>
             </a:r>
             <a:endParaRPr lang="en-US" dirty="0"/>
           </a:p>
@@ -5570,128 +9139,221 @@
         </p:nvSpPr>
         <p:spPr/>
         <p:txBody>
-          <a:bodyPr/>
+          <a:bodyPr>
+            <a:normAutofit lnSpcReduction="10000"/>
+          </a:bodyPr>
           <a:lstStyle/>
           <a:p>
             <a:r>
-              <a:rPr lang="en-US" dirty="0"/>
-              <a:t>LTRIM ( </a:t>
-            </a:r>
-            <a:r>
-              <a:rPr lang="en-US" dirty="0" err="1"/>
-              <a:t>character_expression</a:t>
-            </a:r>
-            <a:r>
-              <a:rPr lang="en-US" dirty="0"/>
-              <a:t> </a:t>
-            </a:r>
-            <a:r>
-              <a:rPr lang="en-US" dirty="0" smtClean="0"/>
+              <a:rPr lang="az-Latn-AZ" dirty="0"/>
+              <a:t>CONCAT ( string_value1, string_value2 [, string_valueN ] </a:t>
+            </a:r>
+            <a:r>
+              <a:rPr lang="az-Latn-AZ" dirty="0" smtClean="0"/>
               <a:t>)</a:t>
             </a:r>
-          </a:p>
-          <a:p>
-            <a:r>
-              <a:rPr lang="en-US" dirty="0" smtClean="0"/>
-              <a:t>Returns </a:t>
-            </a:r>
-            <a:r>
-              <a:rPr lang="en-US" dirty="0"/>
-              <a:t>a character expression after it removes leading blanks.</a:t>
-            </a:r>
-          </a:p>
-          <a:p>
-            <a:r>
-              <a:rPr lang="en-US" dirty="0" smtClean="0"/>
-              <a:t>ex: </a:t>
-            </a:r>
-            <a:r>
-              <a:rPr lang="az-Latn-AZ" dirty="0"/>
-              <a:t>SELECT </a:t>
-            </a:r>
-            <a:r>
-              <a:rPr lang="en-US" dirty="0" smtClean="0"/>
-              <a:t>LTRIM (</a:t>
-            </a:r>
-            <a:r>
-              <a:rPr lang="en-US" dirty="0"/>
-              <a:t>'</a:t>
-            </a:r>
-            <a:r>
-              <a:rPr lang="en-US" dirty="0" smtClean="0"/>
-              <a:t>              Academy</a:t>
-            </a:r>
-            <a:r>
-              <a:rPr lang="en-US" dirty="0"/>
-              <a:t>') </a:t>
-            </a:r>
-            <a:endParaRPr lang="az-Latn-AZ" dirty="0" smtClean="0"/>
-          </a:p>
-          <a:p>
-            <a:r>
-              <a:rPr lang="en-US" dirty="0" smtClean="0"/>
-              <a:t>Go </a:t>
-            </a:r>
-            <a:r>
-              <a:rPr lang="en-US" dirty="0" err="1" smtClean="0"/>
-              <a:t>ets</a:t>
-            </a:r>
-            <a:r>
-              <a:rPr lang="az-Latn-AZ" dirty="0"/>
-              <a:t>ə</a:t>
-            </a:r>
-            <a:r>
-              <a:rPr lang="en-US" dirty="0" smtClean="0"/>
-              <a:t>k biz</a:t>
-            </a:r>
-            <a:r>
-              <a:rPr lang="az-Latn-AZ" dirty="0" smtClean="0"/>
-              <a:t>ə</a:t>
-            </a:r>
-            <a:r>
-              <a:rPr lang="en-US" dirty="0" smtClean="0"/>
-              <a:t> </a:t>
-            </a:r>
-            <a:r>
-              <a:rPr lang="en-US" dirty="0"/>
-              <a:t>('Academy') </a:t>
-            </a:r>
-            <a:r>
-              <a:rPr lang="en-US" dirty="0" err="1"/>
-              <a:t>olaraq</a:t>
-            </a:r>
-            <a:r>
-              <a:rPr lang="en-US" dirty="0"/>
-              <a:t> </a:t>
-            </a:r>
-            <a:r>
-              <a:rPr lang="en-US" dirty="0" err="1"/>
-              <a:t>geri</a:t>
-            </a:r>
-            <a:r>
-              <a:rPr lang="en-US" dirty="0"/>
-              <a:t> </a:t>
-            </a:r>
-            <a:r>
-              <a:rPr lang="en-US" dirty="0" err="1" smtClean="0"/>
-              <a:t>ver</a:t>
-            </a:r>
-            <a:r>
-              <a:rPr lang="az-Latn-AZ" dirty="0" smtClean="0"/>
-              <a:t>ə</a:t>
-            </a:r>
-            <a:r>
-              <a:rPr lang="en-US" dirty="0" smtClean="0"/>
-              <a:t>c</a:t>
-            </a:r>
-            <a:r>
-              <a:rPr lang="az-Latn-AZ" dirty="0" smtClean="0"/>
-              <a:t>ə</a:t>
-            </a:r>
-            <a:r>
-              <a:rPr lang="en-US" dirty="0" err="1" smtClean="0"/>
-              <a:t>kdir</a:t>
-            </a:r>
+            <a:endParaRPr lang="en-US" dirty="0" smtClean="0"/>
+          </a:p>
+          <a:p>
+            <a:endParaRPr lang="en-US" dirty="0" smtClean="0"/>
+          </a:p>
+          <a:p>
+            <a:r>
+              <a:rPr lang="en-US" dirty="0" err="1" smtClean="0"/>
+              <a:t>Burda</a:t>
+            </a:r>
+            <a:r>
+              <a:rPr lang="en-US" dirty="0" smtClean="0"/>
+              <a:t> </a:t>
+            </a:r>
+            <a:r>
+              <a:rPr lang="en-US" dirty="0" err="1" smtClean="0"/>
+              <a:t>iki</a:t>
+            </a:r>
+            <a:r>
+              <a:rPr lang="en-US" dirty="0" smtClean="0"/>
+              <a:t> </a:t>
+            </a:r>
+            <a:r>
+              <a:rPr lang="en-US" dirty="0" err="1"/>
+              <a:t>ve</a:t>
+            </a:r>
+            <a:r>
+              <a:rPr lang="en-US" dirty="0"/>
+              <a:t> </a:t>
+            </a:r>
+            <a:r>
+              <a:rPr lang="en-US" dirty="0" err="1"/>
+              <a:t>daha</a:t>
+            </a:r>
+            <a:r>
+              <a:rPr lang="en-US" dirty="0"/>
+              <a:t> </a:t>
+            </a:r>
+            <a:r>
+              <a:rPr lang="en-US" dirty="0" err="1"/>
+              <a:t>artiq</a:t>
+            </a:r>
+            <a:r>
+              <a:rPr lang="en-US" dirty="0"/>
+              <a:t> string-in </a:t>
+            </a:r>
+            <a:r>
+              <a:rPr lang="en-US" dirty="0" err="1"/>
+              <a:t>istenilen</a:t>
+            </a:r>
+            <a:r>
+              <a:rPr lang="en-US" dirty="0"/>
+              <a:t> </a:t>
+            </a:r>
+            <a:r>
+              <a:rPr lang="en-US" dirty="0" err="1"/>
+              <a:t>terzde</a:t>
+            </a:r>
+            <a:r>
+              <a:rPr lang="en-US" dirty="0"/>
+              <a:t> </a:t>
+            </a:r>
+            <a:r>
+              <a:rPr lang="en-US" dirty="0" err="1"/>
+              <a:t>ifade</a:t>
+            </a:r>
+            <a:r>
+              <a:rPr lang="en-US" dirty="0"/>
+              <a:t> </a:t>
+            </a:r>
+            <a:r>
+              <a:rPr lang="en-US" dirty="0" err="1"/>
+              <a:t>olunmasina</a:t>
+            </a:r>
+            <a:r>
+              <a:rPr lang="en-US" dirty="0"/>
+              <a:t> </a:t>
+            </a:r>
+            <a:r>
+              <a:rPr lang="en-US" dirty="0" err="1"/>
+              <a:t>komek</a:t>
+            </a:r>
+            <a:r>
+              <a:rPr lang="en-US" dirty="0"/>
+              <a:t> </a:t>
+            </a:r>
+            <a:r>
+              <a:rPr lang="en-US" dirty="0" err="1"/>
+              <a:t>edir</a:t>
+            </a:r>
+            <a:r>
+              <a:rPr lang="en-US" dirty="0"/>
+              <a:t>. Bu </a:t>
+            </a:r>
+            <a:r>
+              <a:rPr lang="en-US" dirty="0" err="1"/>
+              <a:t>bir</a:t>
+            </a:r>
+            <a:r>
+              <a:rPr lang="en-US" dirty="0"/>
+              <a:t> </a:t>
+            </a:r>
+            <a:r>
+              <a:rPr lang="en-US" dirty="0" err="1"/>
+              <a:t>nov</a:t>
+            </a:r>
+            <a:r>
+              <a:rPr lang="en-US" dirty="0"/>
+              <a:t> </a:t>
+            </a:r>
+            <a:r>
+              <a:rPr lang="en-US" dirty="0" err="1"/>
+              <a:t>qisaltmaq</a:t>
+            </a:r>
+            <a:r>
+              <a:rPr lang="en-US" dirty="0"/>
+              <a:t> </a:t>
+            </a:r>
+            <a:r>
+              <a:rPr lang="en-US" dirty="0" err="1"/>
+              <a:t>kimi</a:t>
+            </a:r>
+            <a:r>
+              <a:rPr lang="en-US" dirty="0"/>
+              <a:t> </a:t>
+            </a:r>
+            <a:r>
+              <a:rPr lang="en-US" dirty="0" err="1"/>
+              <a:t>gosterilir</a:t>
+            </a:r>
+            <a:r>
+              <a:rPr lang="en-US" dirty="0"/>
+              <a:t>. </a:t>
+            </a:r>
+            <a:r>
+              <a:rPr lang="en-US" dirty="0" err="1"/>
+              <a:t>Daha</a:t>
+            </a:r>
+            <a:r>
+              <a:rPr lang="en-US" dirty="0"/>
+              <a:t> cox </a:t>
+            </a:r>
+            <a:r>
+              <a:rPr lang="en-US" dirty="0" err="1"/>
+              <a:t>stringin</a:t>
+            </a:r>
+            <a:r>
+              <a:rPr lang="en-US" dirty="0"/>
+              <a:t> </a:t>
+            </a:r>
+            <a:r>
+              <a:rPr lang="en-US" dirty="0" err="1"/>
+              <a:t>az</a:t>
+            </a:r>
+            <a:r>
+              <a:rPr lang="en-US" dirty="0"/>
+              <a:t> </a:t>
+            </a:r>
+            <a:r>
+              <a:rPr lang="en-US" dirty="0" err="1"/>
+              <a:t>sekilde</a:t>
+            </a:r>
+            <a:r>
+              <a:rPr lang="en-US" dirty="0"/>
+              <a:t> </a:t>
+            </a:r>
+            <a:r>
+              <a:rPr lang="en-US" dirty="0" err="1"/>
+              <a:t>ifade</a:t>
+            </a:r>
+            <a:r>
+              <a:rPr lang="en-US" dirty="0"/>
+              <a:t> </a:t>
+            </a:r>
+            <a:r>
+              <a:rPr lang="en-US" dirty="0" err="1"/>
+              <a:t>olunmasi</a:t>
+            </a:r>
+            <a:r>
+              <a:rPr lang="en-US" dirty="0" smtClean="0"/>
+              <a:t>.</a:t>
+            </a:r>
+          </a:p>
+          <a:p>
+            <a:r>
+              <a:rPr lang="en-US" dirty="0" smtClean="0"/>
+              <a:t>Ex: SELECT</a:t>
+            </a:r>
+            <a:r>
+              <a:rPr lang="en-US" dirty="0"/>
+              <a:t> CONCAT ( 'Happy ', </a:t>
+            </a:r>
+            <a:r>
+              <a:rPr lang="en-US" dirty="0" smtClean="0"/>
+              <a:t>'Birthday'); --- Happy Birthday</a:t>
+            </a:r>
+            <a:endParaRPr lang="en-US" dirty="0"/>
+          </a:p>
+          <a:p>
+            <a:pPr marL="0" indent="0">
+              <a:buNone/>
+            </a:pPr>
             <a:endParaRPr lang="en-US" dirty="0"/>
           </a:p>
         </p:txBody>
@@ -5699,7 +9361,7 @@
     </p:spTree>
     <p:extLst>
       <p:ext uri="{BB962C8B-B14F-4D97-AF65-F5344CB8AC3E}">
-        <p14:creationId xmlns:p14="http://schemas.microsoft.com/office/powerpoint/2010/main" val="3247118641"/>
+        <p14:creationId xmlns:p14="http://schemas.microsoft.com/office/powerpoint/2010/main" val="2430093495"/>
       </p:ext>
     </p:extLst>
   </p:cSld>
@@ -5742,8 +9404,12 @@
           <a:lstStyle/>
           <a:p>
             <a:r>
-              <a:rPr lang="en-US" dirty="0" smtClean="0"/>
-              <a:t>REPLACE()</a:t>
+              <a:rPr lang="az-Latn-AZ" dirty="0" smtClean="0"/>
+              <a:t>C</a:t>
+            </a:r>
+            <a:r>
+              <a:rPr lang="en-US" dirty="0" smtClean="0"/>
+              <a:t>ONCAT_WS()</a:t>
             </a:r>
             <a:endParaRPr lang="en-US" dirty="0"/>
           </a:p>
@@ -5762,226 +9428,238 @@
         <p:spPr/>
         <p:txBody>
           <a:bodyPr>
-            <a:normAutofit/>
+            <a:normAutofit fontScale="92500" lnSpcReduction="20000"/>
           </a:bodyPr>
           <a:lstStyle/>
           <a:p>
             <a:r>
               <a:rPr lang="en-US" dirty="0"/>
-              <a:t>REPLACE ( </a:t>
-            </a:r>
-            <a:r>
-              <a:rPr lang="en-US" dirty="0" err="1"/>
-              <a:t>string_expression</a:t>
-            </a:r>
-            <a:r>
-              <a:rPr lang="en-US" dirty="0"/>
-              <a:t> , </a:t>
-            </a:r>
-            <a:r>
-              <a:rPr lang="en-US" dirty="0" err="1"/>
-              <a:t>string_pattern</a:t>
-            </a:r>
-            <a:r>
-              <a:rPr lang="en-US" dirty="0"/>
-              <a:t> , </a:t>
-            </a:r>
-            <a:r>
-              <a:rPr lang="en-US" dirty="0" err="1"/>
-              <a:t>string_replacement</a:t>
-            </a:r>
-            <a:r>
-              <a:rPr lang="en-US" dirty="0"/>
-              <a:t> ) </a:t>
+              <a:t>CONCAT_WS ( separator, argument1, </a:t>
+            </a:r>
+            <a:r>
+              <a:rPr lang="en-US" dirty="0" smtClean="0"/>
+              <a:t>argument2 </a:t>
+            </a:r>
+            <a:r>
+              <a:rPr lang="en-US" dirty="0"/>
+              <a:t>[, </a:t>
+            </a:r>
+            <a:r>
+              <a:rPr lang="en-US" dirty="0" err="1"/>
+              <a:t>argumentN</a:t>
+            </a:r>
+            <a:r>
+              <a:rPr lang="en-US" dirty="0"/>
+              <a:t>]… ) </a:t>
             </a:r>
             <a:endParaRPr lang="en-US" dirty="0" smtClean="0"/>
           </a:p>
           <a:p>
             <a:r>
               <a:rPr lang="en-US" dirty="0" smtClean="0"/>
-              <a:t>Replaces </a:t>
-            </a:r>
-            <a:r>
-              <a:rPr lang="en-US" dirty="0"/>
-              <a:t>all occurrences of a specified string value with another string value.</a:t>
-            </a:r>
-          </a:p>
-          <a:p>
-            <a:r>
-              <a:rPr lang="en-US" dirty="0" err="1" smtClean="0"/>
-              <a:t>Verilmi</a:t>
-            </a:r>
-            <a:r>
-              <a:rPr lang="az-Latn-AZ" dirty="0" smtClean="0"/>
-              <a:t>ş</a:t>
-            </a:r>
-            <a:r>
-              <a:rPr lang="en-US" dirty="0" smtClean="0"/>
-              <a:t> ‘string’ d</a:t>
-            </a:r>
-            <a:r>
-              <a:rPr lang="az-Latn-AZ" dirty="0" smtClean="0"/>
-              <a:t>ə</a:t>
-            </a:r>
-            <a:r>
-              <a:rPr lang="en-US" dirty="0" smtClean="0"/>
-              <a:t>y</a:t>
-            </a:r>
-            <a:r>
-              <a:rPr lang="az-Latn-AZ" dirty="0" smtClean="0"/>
-              <a:t>ə</a:t>
-            </a:r>
-            <a:r>
-              <a:rPr lang="en-US" dirty="0" err="1" smtClean="0"/>
-              <a:t>rinin</a:t>
-            </a:r>
-            <a:r>
-              <a:rPr lang="en-US" dirty="0" smtClean="0"/>
-              <a:t> b</a:t>
-            </a:r>
-            <a:r>
-              <a:rPr lang="az-Latn-AZ" dirty="0" smtClean="0"/>
-              <a:t>ü</a:t>
-            </a:r>
-            <a:r>
-              <a:rPr lang="en-US" dirty="0" smtClean="0"/>
-              <a:t>t</a:t>
-            </a:r>
-            <a:r>
-              <a:rPr lang="az-Latn-AZ" dirty="0" smtClean="0"/>
-              <a:t>ü</a:t>
-            </a:r>
-            <a:r>
-              <a:rPr lang="en-US" dirty="0" smtClean="0"/>
-              <a:t>n </a:t>
-            </a:r>
-            <a:r>
-              <a:rPr lang="en-US" dirty="0" err="1" smtClean="0"/>
-              <a:t>oldu</a:t>
-            </a:r>
-            <a:r>
-              <a:rPr lang="az-Latn-AZ" dirty="0" smtClean="0"/>
-              <a:t>ğ</a:t>
-            </a:r>
-            <a:r>
-              <a:rPr lang="en-US" dirty="0" smtClean="0"/>
-              <a:t>u </a:t>
-            </a:r>
-            <a:r>
-              <a:rPr lang="en-US" dirty="0" err="1"/>
-              <a:t>yerleri</a:t>
-            </a:r>
-            <a:r>
-              <a:rPr lang="en-US" dirty="0"/>
-              <a:t> </a:t>
-            </a:r>
-            <a:r>
-              <a:rPr lang="en-US" dirty="0" smtClean="0"/>
-              <a:t>dig</a:t>
-            </a:r>
-            <a:r>
-              <a:rPr lang="az-Latn-AZ" dirty="0" smtClean="0"/>
-              <a:t>ə</a:t>
-            </a:r>
-            <a:r>
-              <a:rPr lang="en-US" dirty="0" smtClean="0"/>
-              <a:t>r </a:t>
-            </a:r>
-            <a:r>
-              <a:rPr lang="en-US" dirty="0"/>
-              <a:t>string </a:t>
-            </a:r>
-            <a:r>
-              <a:rPr lang="en-US" dirty="0" smtClean="0"/>
-              <a:t>d</a:t>
-            </a:r>
-            <a:r>
-              <a:rPr lang="az-Latn-AZ" dirty="0" smtClean="0"/>
-              <a:t>ə</a:t>
-            </a:r>
-            <a:r>
-              <a:rPr lang="en-US" dirty="0" smtClean="0"/>
-              <a:t>y</a:t>
-            </a:r>
-            <a:r>
-              <a:rPr lang="az-Latn-AZ" dirty="0" smtClean="0"/>
-              <a:t>ə</a:t>
-            </a:r>
-            <a:r>
-              <a:rPr lang="en-US" dirty="0" err="1" smtClean="0"/>
-              <a:t>ri</a:t>
-            </a:r>
-            <a:r>
-              <a:rPr lang="az-Latn-AZ" dirty="0" smtClean="0"/>
-              <a:t> i</a:t>
-            </a:r>
-            <a:r>
-              <a:rPr lang="en-US" dirty="0" smtClean="0"/>
-              <a:t>l</a:t>
-            </a:r>
-            <a:r>
-              <a:rPr lang="az-Latn-AZ" dirty="0" smtClean="0"/>
-              <a:t>ə</a:t>
-            </a:r>
-            <a:r>
-              <a:rPr lang="en-US" dirty="0" smtClean="0"/>
-              <a:t> d</a:t>
-            </a:r>
-            <a:r>
-              <a:rPr lang="az-Latn-AZ" dirty="0" smtClean="0"/>
-              <a:t>ə</a:t>
-            </a:r>
-            <a:r>
-              <a:rPr lang="en-US" dirty="0" err="1" smtClean="0"/>
-              <a:t>yi</a:t>
-            </a:r>
-            <a:r>
-              <a:rPr lang="az-Latn-AZ" dirty="0" smtClean="0"/>
-              <a:t>ş</a:t>
-            </a:r>
-            <a:r>
-              <a:rPr lang="en-US" dirty="0" err="1" smtClean="0"/>
-              <a:t>ir</a:t>
-            </a:r>
-            <a:r>
-              <a:rPr lang="en-US" dirty="0" err="1"/>
-              <a:t>.</a:t>
-            </a:r>
-            <a:endParaRPr lang="en-US" dirty="0"/>
-          </a:p>
-          <a:p>
-            <a:r>
-              <a:rPr lang="en-US" dirty="0"/>
-              <a:t>Ex: SELECT REPLACE('</a:t>
-            </a:r>
-            <a:r>
-              <a:rPr lang="en-US" dirty="0" err="1"/>
-              <a:t>abcdefghicde</a:t>
-            </a:r>
-            <a:r>
-              <a:rPr lang="en-US" dirty="0"/>
-              <a:t>','</a:t>
-            </a:r>
-            <a:r>
-              <a:rPr lang="en-US" dirty="0" err="1"/>
-              <a:t>cde</a:t>
-            </a:r>
-            <a:r>
-              <a:rPr lang="en-US" dirty="0"/>
-              <a:t>','xxx');     ---   </a:t>
-            </a:r>
-            <a:r>
-              <a:rPr lang="en-US" dirty="0" err="1"/>
-              <a:t>abxxxfghixxx</a:t>
-            </a:r>
-            <a:endParaRPr lang="en-US" dirty="0"/>
+              <a:t>Concatenates </a:t>
+            </a:r>
+            <a:r>
+              <a:rPr lang="en-US" dirty="0"/>
+              <a:t>a variable number of arguments with a delimiter specified in the 1st argument.</a:t>
+            </a:r>
+            <a:endParaRPr lang="en-US" dirty="0" smtClean="0"/>
+          </a:p>
+          <a:p>
+            <a:r>
+              <a:rPr lang="en-US" dirty="0" err="1" smtClean="0"/>
+              <a:t>Burda</a:t>
+            </a:r>
+            <a:r>
+              <a:rPr lang="en-US" dirty="0" smtClean="0"/>
+              <a:t> variable-lar </a:t>
+            </a:r>
+            <a:r>
+              <a:rPr lang="en-US" dirty="0" err="1"/>
+              <a:t>goturulur</a:t>
+            </a:r>
+            <a:r>
+              <a:rPr lang="en-US" dirty="0"/>
+              <a:t> </a:t>
+            </a:r>
+            <a:r>
+              <a:rPr lang="en-US" dirty="0" err="1"/>
+              <a:t>ve</a:t>
+            </a:r>
+            <a:r>
+              <a:rPr lang="en-US" dirty="0"/>
+              <a:t> </a:t>
+            </a:r>
+            <a:r>
+              <a:rPr lang="en-US" dirty="0" err="1"/>
+              <a:t>onlari</a:t>
+            </a:r>
+            <a:r>
+              <a:rPr lang="en-US" dirty="0"/>
+              <a:t> </a:t>
+            </a:r>
+            <a:r>
+              <a:rPr lang="en-US" dirty="0" err="1"/>
+              <a:t>tek</a:t>
+            </a:r>
+            <a:r>
+              <a:rPr lang="en-US" dirty="0"/>
+              <a:t> string </a:t>
+            </a:r>
+            <a:r>
+              <a:rPr lang="en-US" dirty="0" err="1"/>
+              <a:t>kimi</a:t>
+            </a:r>
+            <a:r>
+              <a:rPr lang="en-US" dirty="0"/>
+              <a:t> </a:t>
+            </a:r>
+            <a:r>
+              <a:rPr lang="en-US" dirty="0" err="1"/>
+              <a:t>ifade</a:t>
+            </a:r>
+            <a:r>
+              <a:rPr lang="en-US" dirty="0"/>
+              <a:t> </a:t>
+            </a:r>
+            <a:r>
+              <a:rPr lang="en-US" dirty="0" err="1"/>
+              <a:t>eliyir</a:t>
+            </a:r>
+            <a:r>
+              <a:rPr lang="en-US" dirty="0"/>
+              <a:t> </a:t>
+            </a:r>
+            <a:r>
+              <a:rPr lang="en-US" dirty="0" err="1"/>
+              <a:t>ancaq</a:t>
+            </a:r>
+            <a:r>
+              <a:rPr lang="en-US" dirty="0"/>
+              <a:t> ilk </a:t>
+            </a:r>
+            <a:r>
+              <a:rPr lang="en-US" dirty="0" err="1" smtClean="0"/>
+              <a:t>argument’de</a:t>
+            </a:r>
+            <a:r>
+              <a:rPr lang="en-US" dirty="0" smtClean="0"/>
+              <a:t> </a:t>
+            </a:r>
+            <a:r>
+              <a:rPr lang="en-US" dirty="0" err="1" smtClean="0"/>
+              <a:t>ayricini</a:t>
+            </a:r>
+            <a:r>
+              <a:rPr lang="en-US" dirty="0" smtClean="0"/>
+              <a:t> </a:t>
+            </a:r>
+            <a:r>
+              <a:rPr lang="en-US" dirty="0" err="1"/>
+              <a:t>yazirsan</a:t>
+            </a:r>
+            <a:r>
+              <a:rPr lang="en-US" dirty="0"/>
+              <a:t>. </a:t>
+            </a:r>
+            <a:r>
+              <a:rPr lang="en-US" dirty="0" err="1"/>
+              <a:t>A</a:t>
+            </a:r>
+            <a:r>
+              <a:rPr lang="en-US" dirty="0" err="1" smtClean="0"/>
+              <a:t>yricinin</a:t>
+            </a:r>
+            <a:r>
+              <a:rPr lang="en-US" dirty="0" smtClean="0"/>
+              <a:t> </a:t>
+            </a:r>
+            <a:r>
+              <a:rPr lang="en-US" dirty="0" err="1"/>
+              <a:t>yazilmasi</a:t>
+            </a:r>
+            <a:r>
+              <a:rPr lang="en-US" dirty="0"/>
+              <a:t> </a:t>
+            </a:r>
+            <a:r>
+              <a:rPr lang="en-US" dirty="0" err="1"/>
+              <a:t>sertdi</a:t>
+            </a:r>
+            <a:r>
+              <a:rPr lang="en-US" dirty="0"/>
+              <a:t> </a:t>
+            </a:r>
+            <a:r>
+              <a:rPr lang="en-US" dirty="0" err="1"/>
+              <a:t>ve</a:t>
+            </a:r>
+            <a:r>
+              <a:rPr lang="en-US" dirty="0"/>
+              <a:t> minimum </a:t>
+            </a:r>
+            <a:r>
+              <a:rPr lang="en-US" dirty="0" err="1"/>
+              <a:t>iki</a:t>
+            </a:r>
+            <a:r>
+              <a:rPr lang="en-US" dirty="0"/>
+              <a:t> argument </a:t>
+            </a:r>
+            <a:r>
+              <a:rPr lang="en-US" dirty="0" err="1"/>
+              <a:t>olmalidir</a:t>
+            </a:r>
+            <a:r>
+              <a:rPr lang="en-US" dirty="0"/>
+              <a:t>. </a:t>
+            </a:r>
+            <a:r>
+              <a:rPr lang="en-US" dirty="0" err="1"/>
+              <a:t>Diger</a:t>
+            </a:r>
+            <a:r>
+              <a:rPr lang="en-US" dirty="0"/>
+              <a:t> </a:t>
+            </a:r>
+            <a:r>
+              <a:rPr lang="en-US" dirty="0" err="1"/>
+              <a:t>halda</a:t>
+            </a:r>
+            <a:r>
+              <a:rPr lang="en-US" dirty="0"/>
+              <a:t> error </a:t>
+            </a:r>
+            <a:r>
+              <a:rPr lang="en-US" dirty="0" err="1" smtClean="0"/>
+              <a:t>verecek</a:t>
+            </a:r>
+            <a:endParaRPr lang="en-US" dirty="0" smtClean="0"/>
+          </a:p>
+          <a:p>
+            <a:r>
+              <a:rPr lang="en-US" dirty="0" smtClean="0"/>
+              <a:t>Ex: </a:t>
+            </a:r>
+            <a:r>
+              <a:rPr lang="en-US" dirty="0"/>
+              <a:t>SELECT CONCAT_WS(',','1 Microsoft Way', NULL, 'Redmond', 98052</a:t>
+            </a:r>
+            <a:r>
+              <a:rPr lang="en-US" dirty="0" smtClean="0"/>
+              <a:t>); --- 1 </a:t>
+            </a:r>
+            <a:r>
+              <a:rPr lang="en-US" dirty="0"/>
+              <a:t>Microsoft Way,Redmond,98052</a:t>
+            </a:r>
           </a:p>
         </p:txBody>
       </p:sp>
     </p:spTree>
     <p:extLst>
       <p:ext uri="{BB962C8B-B14F-4D97-AF65-F5344CB8AC3E}">
-        <p14:creationId xmlns:p14="http://schemas.microsoft.com/office/powerpoint/2010/main" val="2151041029"/>
+        <p14:creationId xmlns:p14="http://schemas.microsoft.com/office/powerpoint/2010/main" val="388887526"/>
       </p:ext>
     </p:extLst>
   </p:cSld>
@@ -6025,7 +9703,7 @@
           <a:p>
             <a:r>
               <a:rPr lang="en-US" dirty="0" smtClean="0"/>
-              <a:t>REVERSE()</a:t>
+              <a:t>DIFFERENCE()</a:t>
             </a:r>
             <a:endParaRPr lang="en-US" dirty="0"/>
           </a:p>
@@ -6047,96 +9725,58 @@
           <a:lstStyle/>
           <a:p>
             <a:r>
-              <a:rPr lang="en-US" dirty="0"/>
-              <a:t>REVERSE ( </a:t>
-            </a:r>
-            <a:r>
-              <a:rPr lang="en-US" dirty="0" err="1"/>
-              <a:t>string_expression</a:t>
-            </a:r>
-            <a:r>
-              <a:rPr lang="en-US" dirty="0"/>
-              <a:t> ) </a:t>
+              <a:rPr lang="az-Latn-AZ" dirty="0"/>
+              <a:t>DIFFERENCE ( character_expression , character_expression </a:t>
+            </a:r>
+            <a:r>
+              <a:rPr lang="az-Latn-AZ" dirty="0" smtClean="0"/>
+              <a:t>)</a:t>
             </a:r>
             <a:endParaRPr lang="en-US" dirty="0" smtClean="0"/>
           </a:p>
           <a:p>
             <a:r>
-              <a:rPr lang="en-US" dirty="0" smtClean="0"/>
-              <a:t>Returns the reverse order of a string value.</a:t>
-            </a:r>
-          </a:p>
-          <a:p>
-            <a:r>
-              <a:rPr lang="en-US" dirty="0" err="1"/>
-              <a:t>Verilmi</a:t>
+              <a:rPr lang="en-US" dirty="0"/>
+              <a:t>Returns an integer value that indicates the difference between the SOUNDEX values of two character expressions.</a:t>
+            </a:r>
+            <a:endParaRPr lang="en-US" dirty="0" smtClean="0"/>
+          </a:p>
+          <a:p>
+            <a:r>
+              <a:rPr lang="en-US" dirty="0" err="1" smtClean="0"/>
+              <a:t>Iki</a:t>
+            </a:r>
+            <a:r>
+              <a:rPr lang="en-US" dirty="0" smtClean="0"/>
+              <a:t> </a:t>
+            </a:r>
+            <a:r>
+              <a:rPr lang="az-Latn-AZ" dirty="0" smtClean="0"/>
+              <a:t>ferqli </a:t>
             </a:r>
             <a:r>
               <a:rPr lang="az-Latn-AZ" dirty="0"/>
-              <a:t>ş</a:t>
-            </a:r>
-            <a:r>
-              <a:rPr lang="en-US" dirty="0"/>
-              <a:t> </a:t>
-            </a:r>
-            <a:r>
-              <a:rPr lang="az-Latn-AZ" dirty="0" smtClean="0"/>
-              <a:t>s</a:t>
-            </a:r>
-            <a:r>
-              <a:rPr lang="en-US" dirty="0" err="1" smtClean="0"/>
-              <a:t>tring’in</a:t>
-            </a:r>
-            <a:r>
-              <a:rPr lang="en-US" dirty="0" smtClean="0"/>
-              <a:t> </a:t>
-            </a:r>
-            <a:r>
-              <a:rPr lang="az-Latn-AZ" dirty="0" err="1"/>
-              <a:t>ə</a:t>
-            </a:r>
-            <a:r>
-              <a:rPr lang="en-US" dirty="0" err="1" smtClean="0"/>
-              <a:t>ksini</a:t>
-            </a:r>
-            <a:r>
-              <a:rPr lang="en-US" dirty="0" smtClean="0"/>
-              <a:t> </a:t>
-            </a:r>
-            <a:r>
-              <a:rPr lang="en-US" dirty="0" err="1" smtClean="0"/>
-              <a:t>qaytar</a:t>
-            </a:r>
-            <a:r>
-              <a:rPr lang="az-Latn-AZ" dirty="0" smtClean="0"/>
-              <a:t>ı</a:t>
-            </a:r>
-            <a:r>
-              <a:rPr lang="en-US" dirty="0" smtClean="0"/>
-              <a:t>r</a:t>
-            </a:r>
-            <a:endParaRPr lang="en-US" dirty="0"/>
-          </a:p>
-          <a:p>
-            <a:r>
-              <a:rPr lang="en-US" dirty="0"/>
-              <a:t>Ex: SELECT REVERSE ( '</a:t>
-            </a:r>
-            <a:r>
-              <a:rPr lang="en-US" dirty="0" err="1"/>
-              <a:t>abbbbbbe</a:t>
-            </a:r>
-            <a:r>
-              <a:rPr lang="en-US" dirty="0"/>
-              <a:t>' ); --- </a:t>
-            </a:r>
-            <a:r>
-              <a:rPr lang="en-US" dirty="0" err="1"/>
-              <a:t>ebbbbbba</a:t>
-            </a:r>
-            <a:endParaRPr lang="en-US" dirty="0"/>
-          </a:p>
-          <a:p>
+              <a:t>soundex value-nun ferqini integer formasinda geri qaytarir</a:t>
+            </a:r>
+            <a:r>
+              <a:rPr lang="az-Latn-AZ" dirty="0" smtClean="0"/>
+              <a:t>.</a:t>
+            </a:r>
+            <a:endParaRPr lang="en-US" dirty="0" smtClean="0"/>
+          </a:p>
+          <a:p>
+            <a:r>
+              <a:rPr lang="en-US" dirty="0" err="1" smtClean="0"/>
+              <a:t>phpMyAdmin’de</a:t>
+            </a:r>
+            <a:r>
+              <a:rPr lang="en-US" dirty="0" smtClean="0"/>
+              <a:t> </a:t>
+            </a:r>
+            <a:r>
+              <a:rPr lang="en-US" dirty="0" err="1" smtClean="0"/>
+              <a:t>ishlemir</a:t>
+            </a:r>
             <a:endParaRPr lang="en-US" dirty="0"/>
           </a:p>
         </p:txBody>
@@ -6144,7 +9784,7 @@
     </p:spTree>
     <p:extLst>
       <p:ext uri="{BB962C8B-B14F-4D97-AF65-F5344CB8AC3E}">
-        <p14:creationId xmlns:p14="http://schemas.microsoft.com/office/powerpoint/2010/main" val="45182876"/>
+        <p14:creationId xmlns:p14="http://schemas.microsoft.com/office/powerpoint/2010/main" val="1996468236"/>
       </p:ext>
     </p:extLst>
   </p:cSld>
@@ -6187,8 +9827,12 @@
           <a:lstStyle/>
           <a:p>
             <a:r>
-              <a:rPr lang="en-US" dirty="0" smtClean="0"/>
-              <a:t>RIGHT()</a:t>
+              <a:rPr lang="az-Latn-AZ" dirty="0" smtClean="0"/>
+              <a:t>Format</a:t>
+            </a:r>
+            <a:r>
+              <a:rPr lang="en-US" dirty="0" smtClean="0"/>
+              <a:t>()</a:t>
             </a:r>
             <a:endParaRPr lang="en-US" dirty="0"/>
           </a:p>
@@ -6206,163 +9850,135 @@
         </p:nvSpPr>
         <p:spPr/>
         <p:txBody>
-          <a:bodyPr/>
+          <a:bodyPr>
+            <a:normAutofit fontScale="92500"/>
+          </a:bodyPr>
           <a:lstStyle/>
           <a:p>
             <a:r>
-              <a:rPr lang="en-US" dirty="0"/>
-              <a:t>RIGHT ( </a:t>
-            </a:r>
-            <a:r>
-              <a:rPr lang="en-US" dirty="0" err="1"/>
-              <a:t>character_expression</a:t>
-            </a:r>
-            <a:r>
-              <a:rPr lang="en-US" dirty="0"/>
-              <a:t> , </a:t>
-            </a:r>
-            <a:r>
-              <a:rPr lang="en-US" dirty="0" err="1"/>
-              <a:t>integer_expression</a:t>
-            </a:r>
-            <a:r>
-              <a:rPr lang="en-US" dirty="0"/>
-              <a:t> ) </a:t>
+              <a:rPr lang="az-Latn-AZ" dirty="0"/>
+              <a:t>FORMAT ( value, format [, culture ] )  </a:t>
             </a:r>
             <a:endParaRPr lang="en-US" dirty="0" smtClean="0"/>
           </a:p>
           <a:p>
             <a:r>
-              <a:rPr lang="en-US" dirty="0" smtClean="0"/>
-              <a:t>Returns </a:t>
-            </a:r>
-            <a:r>
-              <a:rPr lang="en-US" dirty="0"/>
-              <a:t>the right part of a character string with the specified number of characters.</a:t>
-            </a:r>
-          </a:p>
-          <a:p>
-            <a:r>
-              <a:rPr lang="en-US" dirty="0" err="1" smtClean="0"/>
-              <a:t>Verilmi</a:t>
+              <a:rPr lang="en-US" dirty="0"/>
+              <a:t>Returns a value formatted with the specified format and optional culture in SQL Server 2016.</a:t>
+            </a:r>
+            <a:endParaRPr lang="en-US" dirty="0" smtClean="0"/>
+          </a:p>
+          <a:p>
+            <a:r>
+              <a:rPr lang="az-Latn-AZ" dirty="0" smtClean="0"/>
+              <a:t>Format </a:t>
             </a:r>
             <a:r>
               <a:rPr lang="az-Latn-AZ" dirty="0"/>
-              <a:t>ş</a:t>
-            </a:r>
-            <a:r>
-              <a:rPr lang="en-US" dirty="0" smtClean="0"/>
-              <a:t> </a:t>
-            </a:r>
-            <a:r>
-              <a:rPr lang="en-US" dirty="0" err="1"/>
-              <a:t>string’in</a:t>
-            </a:r>
-            <a:r>
-              <a:rPr lang="en-US" dirty="0"/>
-              <a:t> </a:t>
-            </a:r>
-            <a:r>
-              <a:rPr lang="en-US" dirty="0" err="1" smtClean="0"/>
-              <a:t>sa</a:t>
-            </a:r>
-            <a:r>
-              <a:rPr lang="az-Latn-AZ" dirty="0" smtClean="0"/>
-              <a:t>ğ</a:t>
-            </a:r>
-            <a:r>
-              <a:rPr lang="en-US" dirty="0" err="1" smtClean="0"/>
-              <a:t>dan</a:t>
-            </a:r>
-            <a:r>
-              <a:rPr lang="en-US" dirty="0" smtClean="0"/>
-              <a:t> </a:t>
-            </a:r>
-            <a:r>
-              <a:rPr lang="en-US" dirty="0" err="1" smtClean="0"/>
-              <a:t>veril</a:t>
-            </a:r>
-            <a:r>
-              <a:rPr lang="az-Latn-AZ" dirty="0" smtClean="0"/>
-              <a:t>ə</a:t>
-            </a:r>
-            <a:r>
-              <a:rPr lang="en-US" dirty="0" smtClean="0"/>
-              <a:t>n r</a:t>
-            </a:r>
-            <a:r>
-              <a:rPr lang="az-Latn-AZ" dirty="0"/>
-              <a:t>ə</a:t>
-            </a:r>
-            <a:r>
-              <a:rPr lang="en-US" dirty="0" smtClean="0"/>
-              <a:t>q</a:t>
-            </a:r>
-            <a:r>
-              <a:rPr lang="az-Latn-AZ" dirty="0" smtClean="0"/>
-              <a:t>ə</a:t>
-            </a:r>
-            <a:r>
-              <a:rPr lang="en-US" dirty="0" smtClean="0"/>
-              <a:t>m q</a:t>
-            </a:r>
-            <a:r>
-              <a:rPr lang="az-Latn-AZ" dirty="0" smtClean="0"/>
-              <a:t>ə</a:t>
-            </a:r>
-            <a:r>
-              <a:rPr lang="en-US" dirty="0" smtClean="0"/>
-              <a:t>d</a:t>
-            </a:r>
-            <a:r>
-              <a:rPr lang="az-Latn-AZ" dirty="0" smtClean="0"/>
-              <a:t>ə</a:t>
-            </a:r>
-            <a:r>
-              <a:rPr lang="en-US" dirty="0" smtClean="0"/>
-              <a:t>r </a:t>
-            </a:r>
-            <a:r>
-              <a:rPr lang="en-US" dirty="0" err="1"/>
-              <a:t>character’ini</a:t>
-            </a:r>
-            <a:r>
-              <a:rPr lang="en-US" dirty="0"/>
-              <a:t> </a:t>
-            </a:r>
-            <a:r>
-              <a:rPr lang="en-US" dirty="0" err="1" smtClean="0"/>
-              <a:t>qaytar</a:t>
-            </a:r>
-            <a:r>
-              <a:rPr lang="az-Latn-AZ" dirty="0" smtClean="0"/>
-              <a:t>ı</a:t>
-            </a:r>
-            <a:r>
-              <a:rPr lang="en-US" dirty="0" smtClean="0"/>
-              <a:t>r</a:t>
-            </a:r>
-            <a:r>
-              <a:rPr lang="en-US" dirty="0"/>
-              <a:t>.</a:t>
-            </a:r>
-          </a:p>
-          <a:p>
-            <a:r>
-              <a:rPr lang="en-US" dirty="0"/>
-              <a:t>Ex: SELECT RIGHT ( '</a:t>
-            </a:r>
-            <a:r>
-              <a:rPr lang="en-US" dirty="0" err="1"/>
-              <a:t>manchester</a:t>
-            </a:r>
-            <a:r>
-              <a:rPr lang="en-US" dirty="0"/>
-              <a:t>' , 4 ); --- </a:t>
-            </a:r>
-            <a:r>
-              <a:rPr lang="en-US" dirty="0" err="1"/>
-              <a:t>ster</a:t>
+              <a:t>formasinda date/time ve reqemler string kimi gosterilir. </a:t>
+            </a:r>
+            <a:r>
+              <a:rPr lang="en-US" dirty="0" err="1"/>
+              <a:t>Yeni</a:t>
+            </a:r>
+            <a:r>
+              <a:rPr lang="en-US" dirty="0"/>
+              <a:t> </a:t>
+            </a:r>
+            <a:r>
+              <a:rPr lang="en-US" dirty="0" err="1"/>
+              <a:t>gosterilmek</a:t>
+            </a:r>
+            <a:r>
+              <a:rPr lang="en-US" dirty="0"/>
+              <a:t> </a:t>
+            </a:r>
+            <a:r>
+              <a:rPr lang="en-US" dirty="0" err="1"/>
+              <a:t>istenen</a:t>
+            </a:r>
+            <a:r>
+              <a:rPr lang="en-US" dirty="0"/>
+              <a:t> data-</a:t>
+            </a:r>
+            <a:r>
+              <a:rPr lang="en-US" dirty="0" err="1"/>
+              <a:t>nin</a:t>
+            </a:r>
+            <a:r>
+              <a:rPr lang="en-US" dirty="0"/>
+              <a:t> </a:t>
+            </a:r>
+            <a:r>
+              <a:rPr lang="en-US" dirty="0" err="1"/>
+              <a:t>ferqli</a:t>
+            </a:r>
+            <a:r>
+              <a:rPr lang="en-US" dirty="0"/>
+              <a:t> format-</a:t>
+            </a:r>
+            <a:r>
+              <a:rPr lang="en-US" dirty="0" err="1"/>
+              <a:t>larda</a:t>
+            </a:r>
+            <a:r>
+              <a:rPr lang="en-US" dirty="0"/>
+              <a:t> </a:t>
+            </a:r>
+            <a:r>
+              <a:rPr lang="en-US" dirty="0" err="1"/>
+              <a:t>gosterilmesinden</a:t>
+            </a:r>
+            <a:r>
+              <a:rPr lang="en-US" dirty="0"/>
+              <a:t> </a:t>
+            </a:r>
+            <a:r>
+              <a:rPr lang="en-US" dirty="0" err="1"/>
+              <a:t>behs</a:t>
+            </a:r>
+            <a:r>
+              <a:rPr lang="en-US" dirty="0"/>
+              <a:t> </a:t>
+            </a:r>
+            <a:r>
+              <a:rPr lang="en-US" dirty="0" err="1"/>
+              <a:t>edir</a:t>
+            </a:r>
+            <a:r>
+              <a:rPr lang="en-US" dirty="0"/>
+              <a:t>. </a:t>
+            </a:r>
+            <a:endParaRPr lang="en-US" dirty="0" smtClean="0"/>
+          </a:p>
+          <a:p>
+            <a:r>
+              <a:rPr lang="en-US" dirty="0" err="1" smtClean="0"/>
+              <a:t>phpMyAdminde</a:t>
+            </a:r>
+            <a:r>
+              <a:rPr lang="en-US" dirty="0" smtClean="0"/>
+              <a:t> </a:t>
+            </a:r>
+            <a:r>
+              <a:rPr lang="en-US" dirty="0" err="1" smtClean="0"/>
+              <a:t>arzuolunan</a:t>
+            </a:r>
+            <a:r>
+              <a:rPr lang="en-US" dirty="0" smtClean="0"/>
+              <a:t> </a:t>
+            </a:r>
+            <a:r>
+              <a:rPr lang="en-US" dirty="0" err="1" smtClean="0"/>
+              <a:t>neticeni</a:t>
+            </a:r>
+            <a:r>
+              <a:rPr lang="en-US" dirty="0" smtClean="0"/>
+              <a:t> </a:t>
+            </a:r>
+            <a:r>
+              <a:rPr lang="en-US" dirty="0" err="1" smtClean="0"/>
+              <a:t>qaytarmir</a:t>
             </a:r>
             <a:endParaRPr lang="en-US" dirty="0"/>
           </a:p>
@@ -6371,7 +9987,7 @@
     </p:spTree>
     <p:extLst>
       <p:ext uri="{BB962C8B-B14F-4D97-AF65-F5344CB8AC3E}">
-        <p14:creationId xmlns:p14="http://schemas.microsoft.com/office/powerpoint/2010/main" val="192234209"/>
+        <p14:creationId xmlns:p14="http://schemas.microsoft.com/office/powerpoint/2010/main" val="48157803"/>
       </p:ext>
     </p:extLst>
   </p:cSld>
@@ -6415,7 +10031,7 @@
           <a:p>
             <a:r>
               <a:rPr lang="en-US" dirty="0" smtClean="0"/>
-              <a:t>RTRIM()</a:t>
+              <a:t>LEFT()</a:t>
             </a:r>
             <a:endParaRPr lang="en-US" dirty="0"/>
           </a:p>
@@ -6438,7 +10054,7 @@
           <a:p>
             <a:r>
               <a:rPr lang="en-US" dirty="0"/>
-              <a:t>RTRIM ( </a:t>
+              <a:t>LEFT ( </a:t>
             </a:r>
             <a:r>
               <a:rPr lang="en-US" dirty="0" err="1"/>
@@ -6446,6 +10062,14 @@
             </a:r>
             <a:r>
               <a:rPr lang="en-US" dirty="0"/>
+              <a:t> , </a:t>
+            </a:r>
+            <a:r>
+              <a:rPr lang="en-US" dirty="0" err="1"/>
+              <a:t>integer_expression</a:t>
+            </a:r>
+            <a:r>
+              <a:rPr lang="en-US" dirty="0"/>
               <a:t> ) </a:t>
             </a:r>
             <a:endParaRPr lang="en-US" dirty="0" smtClean="0"/>
@@ -6457,21 +10081,35 @@
             </a:r>
             <a:r>
               <a:rPr lang="en-US" dirty="0"/>
-              <a:t>a character string after truncating all trailing spaces.</a:t>
-            </a:r>
-          </a:p>
-          <a:p>
-            <a:r>
-              <a:rPr lang="en-US" dirty="0" err="1"/>
-              <a:t>Sonda</a:t>
-            </a:r>
-            <a:r>
-              <a:rPr lang="en-US" dirty="0"/>
-              <a:t> </a:t>
-            </a:r>
-            <a:r>
-              <a:rPr lang="en-US" dirty="0" smtClean="0"/>
-              <a:t>g</a:t>
+              <a:t>the left part of a character string with the specified number of characters.</a:t>
+            </a:r>
+          </a:p>
+          <a:p>
+            <a:r>
+              <a:rPr lang="en-US" dirty="0" smtClean="0"/>
+              <a:t>ex: </a:t>
+            </a:r>
+            <a:r>
+              <a:rPr lang="az-Latn-AZ" dirty="0" smtClean="0"/>
+              <a:t>SELECT</a:t>
+            </a:r>
+            <a:r>
+              <a:rPr lang="en-US" dirty="0" smtClean="0"/>
+              <a:t> </a:t>
+            </a:r>
+            <a:r>
+              <a:rPr lang="en-US" dirty="0"/>
+              <a:t>LEFT ('academy',3)</a:t>
+            </a:r>
+          </a:p>
+          <a:p>
+            <a:r>
+              <a:rPr lang="en-US" dirty="0" smtClean="0"/>
+              <a:t>Go </a:t>
+            </a:r>
+            <a:r>
+              <a:rPr lang="en-US" dirty="0" err="1" smtClean="0"/>
+              <a:t>ets</a:t>
             </a:r>
             <a:r>
               <a:rPr lang="az-Latn-AZ" dirty="0" smtClean="0"/>
@@ -6479,7 +10117,87 @@
             </a:r>
             <a:r>
               <a:rPr lang="en-US" dirty="0" smtClean="0"/>
-              <a:t>l</a:t>
+              <a:t>k </a:t>
+            </a:r>
+            <a:r>
+              <a:rPr lang="en-US" dirty="0" err="1"/>
+              <a:t>bu</a:t>
+            </a:r>
+            <a:r>
+              <a:rPr lang="en-US" dirty="0"/>
+              <a:t> zaman (academy) </a:t>
+            </a:r>
+            <a:r>
+              <a:rPr lang="en-US" dirty="0" err="1"/>
+              <a:t>soldan</a:t>
+            </a:r>
+            <a:r>
+              <a:rPr lang="en-US" dirty="0"/>
+              <a:t> </a:t>
+            </a:r>
+            <a:r>
+              <a:rPr lang="en-US" dirty="0" err="1" smtClean="0"/>
+              <a:t>ba</a:t>
+            </a:r>
+            <a:r>
+              <a:rPr lang="az-Latn-AZ" dirty="0" smtClean="0"/>
+              <a:t>ş</a:t>
+            </a:r>
+            <a:r>
+              <a:rPr lang="en-US" dirty="0" err="1" smtClean="0"/>
+              <a:t>layaraq</a:t>
+            </a:r>
+            <a:r>
+              <a:rPr lang="en-US" dirty="0" smtClean="0"/>
+              <a:t> </a:t>
+            </a:r>
+            <a:r>
+              <a:rPr lang="en-US" dirty="0" err="1"/>
+              <a:t>soldan</a:t>
+            </a:r>
+            <a:r>
+              <a:rPr lang="en-US" dirty="0"/>
+              <a:t> </a:t>
+            </a:r>
+            <a:r>
+              <a:rPr lang="en-US" dirty="0" err="1" smtClean="0"/>
+              <a:t>sa</a:t>
+            </a:r>
+            <a:r>
+              <a:rPr lang="az-Latn-AZ" dirty="0"/>
+              <a:t>ğ</a:t>
+            </a:r>
+            <a:r>
+              <a:rPr lang="en-US" dirty="0" smtClean="0"/>
+              <a:t>a </a:t>
+            </a:r>
+            <a:r>
+              <a:rPr lang="en-US" dirty="0"/>
+              <a:t>3 </a:t>
+            </a:r>
+            <a:r>
+              <a:rPr lang="en-US" dirty="0" err="1"/>
+              <a:t>simvol</a:t>
+            </a:r>
+            <a:r>
+              <a:rPr lang="en-US" dirty="0"/>
+              <a:t> </a:t>
+            </a:r>
+            <a:r>
+              <a:rPr lang="az-Latn-AZ" dirty="0" smtClean="0"/>
+              <a:t>ö</a:t>
+            </a:r>
+            <a:r>
+              <a:rPr lang="en-US" dirty="0" smtClean="0"/>
+              <a:t>z</a:t>
+            </a:r>
+            <a:r>
+              <a:rPr lang="az-Latn-AZ" dirty="0" smtClean="0"/>
+              <a:t>ü</a:t>
+            </a:r>
+            <a:r>
+              <a:rPr lang="en-US" dirty="0" err="1" smtClean="0"/>
+              <a:t>nd</a:t>
             </a:r>
             <a:r>
               <a:rPr lang="az-Latn-AZ" dirty="0" smtClean="0"/>
@@ -6487,49 +10205,47 @@
             </a:r>
             <a:r>
               <a:rPr lang="en-US" dirty="0" smtClean="0"/>
-              <a:t>n </a:t>
-            </a:r>
-            <a:r>
-              <a:rPr lang="en-US" dirty="0" err="1" smtClean="0"/>
-              <a:t>bo</a:t>
-            </a:r>
-            <a:r>
-              <a:rPr lang="az-Latn-AZ" dirty="0" smtClean="0"/>
-              <a:t>ş</a:t>
-            </a:r>
-            <a:r>
-              <a:rPr lang="en-US" dirty="0" err="1" smtClean="0"/>
-              <a:t>luqlar</a:t>
-            </a:r>
-            <a:r>
-              <a:rPr lang="az-Latn-AZ" dirty="0" smtClean="0"/>
-              <a:t>ı</a:t>
-            </a:r>
-            <a:r>
-              <a:rPr lang="en-US" dirty="0" smtClean="0"/>
-              <a:t> </a:t>
-            </a:r>
-            <a:r>
-              <a:rPr lang="en-US" dirty="0" err="1"/>
-              <a:t>silir</a:t>
-            </a:r>
-            <a:r>
-              <a:rPr lang="en-US" dirty="0"/>
-              <a:t>.</a:t>
-            </a:r>
-          </a:p>
-          <a:p>
-            <a:r>
-              <a:rPr lang="en-US" dirty="0"/>
-              <a:t>Ex: SELECT RTRIM ( '</a:t>
-            </a:r>
-            <a:r>
-              <a:rPr lang="en-US" dirty="0" err="1"/>
-              <a:t>manchester</a:t>
-            </a:r>
-            <a:r>
-              <a:rPr lang="en-US" dirty="0"/>
-              <a:t>        ' ); --- Manchester</a:t>
+              <a:t> </a:t>
+            </a:r>
+            <a:r>
+              <a:rPr lang="en-US" dirty="0" err="1" smtClean="0"/>
+              <a:t>saxlayaca</a:t>
+            </a:r>
+            <a:r>
+              <a:rPr lang="az-Latn-AZ" dirty="0" smtClean="0"/>
+              <a:t>q</a:t>
+            </a:r>
+            <a:r>
+              <a:rPr lang="en-US" dirty="0" smtClean="0"/>
+              <a:t> v</a:t>
+            </a:r>
+            <a:r>
+              <a:rPr lang="az-Latn-AZ" dirty="0" smtClean="0"/>
+              <a:t>ə</a:t>
+            </a:r>
+            <a:r>
+              <a:rPr lang="en-US" dirty="0" smtClean="0"/>
+              <a:t> n</a:t>
+            </a:r>
+            <a:r>
+              <a:rPr lang="az-Latn-AZ" dirty="0" smtClean="0"/>
+              <a:t>ə</a:t>
+            </a:r>
+            <a:r>
+              <a:rPr lang="en-US" dirty="0" smtClean="0"/>
+              <a:t>tic</a:t>
+            </a:r>
+            <a:r>
+              <a:rPr lang="az-Latn-AZ" dirty="0" smtClean="0"/>
+              <a:t>ə</a:t>
+            </a:r>
+            <a:r>
+              <a:rPr lang="en-US" dirty="0" err="1" smtClean="0"/>
+              <a:t>si</a:t>
+            </a:r>
+            <a:r>
+              <a:rPr lang="en-US" dirty="0"/>
+              <a:t>=(aca)</a:t>
             </a:r>
           </a:p>
           <a:p>
@@ -6540,7 +10256,7 @@
     </p:spTree>
     <p:extLst>
       <p:ext uri="{BB962C8B-B14F-4D97-AF65-F5344CB8AC3E}">
-        <p14:creationId xmlns:p14="http://schemas.microsoft.com/office/powerpoint/2010/main" val="1490355619"/>
+        <p14:creationId xmlns:p14="http://schemas.microsoft.com/office/powerpoint/2010/main" val="3590252498"/>
       </p:ext>
     </p:extLst>
   </p:cSld>

--- a/sql string functions.pptx
+++ b/sql string functions.pptx
@@ -4283,11 +4283,19 @@
               <a:t>u </a:t>
             </a:r>
             <a:r>
-              <a:rPr lang="en-US" dirty="0" err="1"/>
-              <a:t>yerleri</a:t>
-            </a:r>
-            <a:r>
-              <a:rPr lang="en-US" dirty="0"/>
+              <a:rPr lang="en-US" dirty="0" err="1" smtClean="0"/>
+              <a:t>yerl</a:t>
+            </a:r>
+            <a:r>
+              <a:rPr lang="az-Latn-AZ" dirty="0" smtClean="0"/>
+              <a:t>ə</a:t>
+            </a:r>
+            <a:r>
+              <a:rPr lang="en-US" dirty="0" err="1" smtClean="0"/>
+              <a:t>ri</a:t>
+            </a:r>
+            <a:r>
+              <a:rPr lang="en-US" dirty="0" smtClean="0"/>
               <a:t> </a:t>
             </a:r>
             <a:r>
@@ -4535,19 +4543,47 @@
           <a:p>
             <a:r>
               <a:rPr lang="en-US" dirty="0"/>
-              <a:t>Ex: SELECT REVERSE ( '</a:t>
-            </a:r>
-            <a:r>
-              <a:rPr lang="en-US" dirty="0" err="1"/>
-              <a:t>abbbbbbe</a:t>
-            </a:r>
-            <a:r>
-              <a:rPr lang="en-US" dirty="0"/>
-              <a:t>' ); --- </a:t>
-            </a:r>
-            <a:r>
-              <a:rPr lang="en-US" dirty="0" err="1"/>
-              <a:t>ebbbbbba</a:t>
+              <a:t>Ex: SELECT REVERSE ( </a:t>
+            </a:r>
+            <a:r>
+              <a:rPr lang="en-US" dirty="0" smtClean="0"/>
+              <a:t>'a</a:t>
+            </a:r>
+            <a:r>
+              <a:rPr lang="az-Latn-AZ" dirty="0" smtClean="0"/>
+              <a:t>g</a:t>
+            </a:r>
+            <a:r>
+              <a:rPr lang="en-US" dirty="0" smtClean="0"/>
+              <a:t>be</a:t>
+            </a:r>
+            <a:r>
+              <a:rPr lang="az-Latn-AZ" dirty="0" smtClean="0"/>
+              <a:t>hy</a:t>
+            </a:r>
+            <a:r>
+              <a:rPr lang="en-US" dirty="0" smtClean="0"/>
+              <a:t>' </a:t>
+            </a:r>
+            <a:r>
+              <a:rPr lang="en-US" dirty="0"/>
+              <a:t>); --- </a:t>
+            </a:r>
+            <a:r>
+              <a:rPr lang="az-Latn-AZ" dirty="0" smtClean="0"/>
+              <a:t>yh</a:t>
+            </a:r>
+            <a:r>
+              <a:rPr lang="en-US" dirty="0" err="1" smtClean="0"/>
+              <a:t>eb</a:t>
+            </a:r>
+            <a:r>
+              <a:rPr lang="az-Latn-AZ" dirty="0" smtClean="0"/>
+              <a:t>g</a:t>
+            </a:r>
+            <a:r>
+              <a:rPr lang="en-US" dirty="0" smtClean="0"/>
+              <a:t>a</a:t>
             </a:r>
             <a:endParaRPr lang="en-US" dirty="0"/>
           </a:p>
@@ -6318,13 +6354,20 @@
               <a:rPr lang="en-US" dirty="0"/>
               <a:t> </a:t>
             </a:r>
-            <a:r>
-              <a:rPr lang="en-US" dirty="0" err="1"/>
+            <a:endParaRPr lang="az-Latn-AZ" dirty="0" smtClean="0"/>
+          </a:p>
+          <a:p>
+            <a:r>
+              <a:rPr lang="en-US" dirty="0" err="1" smtClean="0"/>
               <a:t>exp</a:t>
             </a:r>
             <a:r>
-              <a:rPr lang="en-US" dirty="0"/>
-              <a:t> = </a:t>
+              <a:rPr lang="en-US" dirty="0" smtClean="0"/>
+              <a:t> </a:t>
+            </a:r>
+            <a:r>
+              <a:rPr lang="en-US" dirty="0"/>
+              <a:t>= </a:t>
             </a:r>
             <a:r>
               <a:rPr lang="en-US" dirty="0" err="1"/>
@@ -6411,7 +6454,9 @@
         </p:nvSpPr>
         <p:spPr/>
         <p:txBody>
-          <a:bodyPr/>
+          <a:bodyPr>
+            <a:normAutofit/>
+          </a:bodyPr>
           <a:lstStyle/>
           <a:p>
             <a:r>
@@ -6437,109 +6482,223 @@
           <a:p>
             <a:r>
               <a:rPr lang="en-US" dirty="0" err="1" smtClean="0"/>
-              <a:t>Yazilar</a:t>
-            </a:r>
-            <a:r>
-              <a:rPr lang="en-US" dirty="0" smtClean="0"/>
-              <a:t> </a:t>
-            </a:r>
-            <a:r>
-              <a:rPr lang="en-US" dirty="0" err="1"/>
-              <a:t>uzerinden</a:t>
-            </a:r>
-            <a:r>
-              <a:rPr lang="en-US" dirty="0"/>
-              <a:t> </a:t>
-            </a:r>
-            <a:r>
-              <a:rPr lang="en-US" dirty="0" err="1"/>
-              <a:t>ishlenir</a:t>
+              <a:t>Yaz</a:t>
+            </a:r>
+            <a:r>
+              <a:rPr lang="az-Latn-AZ" dirty="0" smtClean="0"/>
+              <a:t>ı</a:t>
+            </a:r>
+            <a:r>
+              <a:rPr lang="en-US" dirty="0" smtClean="0"/>
+              <a:t>lar </a:t>
+            </a:r>
+            <a:r>
+              <a:rPr lang="az-Latn-AZ" dirty="0"/>
+              <a:t>ü</a:t>
+            </a:r>
+            <a:r>
+              <a:rPr lang="en-US" dirty="0" smtClean="0"/>
+              <a:t>z</a:t>
+            </a:r>
+            <a:r>
+              <a:rPr lang="az-Latn-AZ" dirty="0" smtClean="0"/>
+              <a:t>ə</a:t>
+            </a:r>
+            <a:r>
+              <a:rPr lang="en-US" dirty="0" smtClean="0"/>
+              <a:t>rind</a:t>
+            </a:r>
+            <a:r>
+              <a:rPr lang="az-Latn-AZ" dirty="0" smtClean="0"/>
+              <a:t>ə</a:t>
+            </a:r>
+            <a:r>
+              <a:rPr lang="en-US" dirty="0" smtClean="0"/>
+              <a:t>n </a:t>
+            </a:r>
+            <a:r>
+              <a:rPr lang="en-US" dirty="0" err="1" smtClean="0"/>
+              <a:t>i</a:t>
+            </a:r>
+            <a:r>
+              <a:rPr lang="az-Latn-AZ" dirty="0" smtClean="0"/>
+              <a:t>ş</a:t>
+            </a:r>
+            <a:r>
+              <a:rPr lang="en-US" dirty="0" smtClean="0"/>
+              <a:t>l</a:t>
+            </a:r>
+            <a:r>
+              <a:rPr lang="az-Latn-AZ" dirty="0" smtClean="0"/>
+              <a:t>ə</a:t>
+            </a:r>
+            <a:r>
+              <a:rPr lang="en-US" dirty="0" err="1" smtClean="0"/>
+              <a:t>nir</a:t>
             </a:r>
             <a:r>
               <a:rPr lang="en-US" dirty="0"/>
               <a:t>. </a:t>
             </a:r>
             <a:r>
-              <a:rPr lang="en-US" dirty="0" err="1"/>
-              <a:t>Burda</a:t>
-            </a:r>
-            <a:r>
-              <a:rPr lang="en-US" dirty="0"/>
-              <a:t> </a:t>
-            </a:r>
-            <a:r>
-              <a:rPr lang="en-US" dirty="0" err="1"/>
-              <a:t>basda</a:t>
-            </a:r>
-            <a:r>
-              <a:rPr lang="en-US" dirty="0"/>
-              <a:t> </a:t>
-            </a:r>
-            <a:r>
-              <a:rPr lang="en-US" dirty="0" err="1"/>
-              <a:t>yazilan</a:t>
-            </a:r>
-            <a:r>
-              <a:rPr lang="en-US" dirty="0"/>
-              <a:t> </a:t>
-            </a:r>
-            <a:r>
-              <a:rPr lang="en-US" dirty="0" err="1"/>
-              <a:t>herfin</a:t>
-            </a:r>
-            <a:r>
-              <a:rPr lang="en-US" dirty="0"/>
-              <a:t> </a:t>
-            </a:r>
-            <a:r>
-              <a:rPr lang="en-US" dirty="0" err="1"/>
-              <a:t>sayiyla</a:t>
-            </a:r>
-            <a:r>
-              <a:rPr lang="en-US" dirty="0"/>
-              <a:t> </a:t>
-            </a:r>
-            <a:r>
-              <a:rPr lang="en-US" dirty="0" err="1"/>
-              <a:t>nece</a:t>
-            </a:r>
-            <a:r>
-              <a:rPr lang="en-US" dirty="0"/>
-              <a:t> </a:t>
-            </a:r>
-            <a:r>
-              <a:rPr lang="en-US" dirty="0" err="1"/>
-              <a:t>ifade</a:t>
-            </a:r>
-            <a:r>
-              <a:rPr lang="en-US" dirty="0"/>
-              <a:t> </a:t>
-            </a:r>
-            <a:r>
-              <a:rPr lang="en-US" dirty="0" err="1"/>
-              <a:t>olundugunu</a:t>
-            </a:r>
-            <a:r>
-              <a:rPr lang="en-US" dirty="0"/>
-              <a:t> </a:t>
-            </a:r>
-            <a:r>
-              <a:rPr lang="en-US" dirty="0" err="1"/>
-              <a:t>gosderir</a:t>
+              <a:rPr lang="en-US" dirty="0" smtClean="0"/>
+              <a:t>Bur</a:t>
+            </a:r>
+            <a:r>
+              <a:rPr lang="az-Latn-AZ" dirty="0" smtClean="0"/>
+              <a:t>a</a:t>
+            </a:r>
+            <a:r>
+              <a:rPr lang="en-US" dirty="0" smtClean="0"/>
+              <a:t>da </a:t>
+            </a:r>
+            <a:r>
+              <a:rPr lang="en-US" dirty="0" err="1" smtClean="0"/>
+              <a:t>ba</a:t>
+            </a:r>
+            <a:r>
+              <a:rPr lang="az-Latn-AZ" dirty="0" smtClean="0"/>
+              <a:t>ş</a:t>
+            </a:r>
+            <a:r>
+              <a:rPr lang="en-US" dirty="0" smtClean="0"/>
+              <a:t>da </a:t>
+            </a:r>
+            <a:r>
+              <a:rPr lang="en-US" dirty="0" err="1" smtClean="0"/>
+              <a:t>yaz</a:t>
+            </a:r>
+            <a:r>
+              <a:rPr lang="az-Latn-AZ" dirty="0" smtClean="0"/>
+              <a:t>ı</a:t>
+            </a:r>
+            <a:r>
+              <a:rPr lang="en-US" dirty="0" err="1" smtClean="0"/>
+              <a:t>lan</a:t>
+            </a:r>
+            <a:r>
+              <a:rPr lang="en-US" dirty="0" smtClean="0"/>
+              <a:t> h</a:t>
+            </a:r>
+            <a:r>
+              <a:rPr lang="az-Latn-AZ" dirty="0" smtClean="0"/>
+              <a:t>ə</a:t>
+            </a:r>
+            <a:r>
+              <a:rPr lang="en-US" dirty="0" err="1" smtClean="0"/>
+              <a:t>rf</a:t>
+            </a:r>
+            <a:r>
+              <a:rPr lang="az-Latn-AZ" dirty="0" smtClean="0"/>
+              <a:t>i</a:t>
+            </a:r>
+            <a:r>
+              <a:rPr lang="en-US" dirty="0" smtClean="0"/>
+              <a:t>n say</a:t>
+            </a:r>
+            <a:r>
+              <a:rPr lang="az-Latn-AZ" dirty="0" smtClean="0"/>
+              <a:t>ı</a:t>
+            </a:r>
+            <a:r>
+              <a:rPr lang="az-Latn-AZ" dirty="0"/>
+              <a:t> </a:t>
+            </a:r>
+            <a:r>
+              <a:rPr lang="az-Latn-AZ" dirty="0" smtClean="0"/>
+              <a:t>i</a:t>
+            </a:r>
+            <a:r>
+              <a:rPr lang="en-US" dirty="0" smtClean="0"/>
+              <a:t>l</a:t>
+            </a:r>
+            <a:r>
+              <a:rPr lang="az-Latn-AZ" dirty="0" smtClean="0"/>
+              <a:t>ə</a:t>
+            </a:r>
+            <a:r>
+              <a:rPr lang="en-US" dirty="0" smtClean="0"/>
+              <a:t> </a:t>
+            </a:r>
+            <a:r>
+              <a:rPr lang="en-US" dirty="0" err="1" smtClean="0"/>
+              <a:t>nec</a:t>
+            </a:r>
+            <a:r>
+              <a:rPr lang="az-Latn-AZ" dirty="0" smtClean="0"/>
+              <a:t>ə</a:t>
+            </a:r>
+            <a:r>
+              <a:rPr lang="en-US" dirty="0" smtClean="0"/>
+              <a:t> </a:t>
+            </a:r>
+            <a:r>
+              <a:rPr lang="en-US" dirty="0" err="1" smtClean="0"/>
+              <a:t>ifad</a:t>
+            </a:r>
+            <a:r>
+              <a:rPr lang="az-Latn-AZ" dirty="0" smtClean="0"/>
+              <a:t>ə</a:t>
+            </a:r>
+            <a:r>
+              <a:rPr lang="en-US" dirty="0" smtClean="0"/>
+              <a:t> </a:t>
+            </a:r>
+            <a:r>
+              <a:rPr lang="en-US" dirty="0" err="1" smtClean="0"/>
+              <a:t>olundu</a:t>
+            </a:r>
+            <a:r>
+              <a:rPr lang="az-Latn-AZ" dirty="0"/>
+              <a:t>ğ</a:t>
+            </a:r>
+            <a:r>
+              <a:rPr lang="en-US" dirty="0" err="1" smtClean="0"/>
+              <a:t>unu</a:t>
+            </a:r>
+            <a:r>
+              <a:rPr lang="en-US" dirty="0" smtClean="0"/>
+              <a:t> g</a:t>
+            </a:r>
+            <a:r>
+              <a:rPr lang="az-Latn-AZ" dirty="0" smtClean="0"/>
+              <a:t>ö</a:t>
+            </a:r>
+            <a:r>
+              <a:rPr lang="en-US" dirty="0" err="1" smtClean="0"/>
+              <a:t>sd</a:t>
+            </a:r>
+            <a:r>
+              <a:rPr lang="az-Latn-AZ" dirty="0" smtClean="0"/>
+              <a:t>ə</a:t>
+            </a:r>
+            <a:r>
+              <a:rPr lang="en-US" dirty="0" err="1" smtClean="0"/>
+              <a:t>rir</a:t>
             </a:r>
             <a:r>
               <a:rPr lang="en-US" dirty="0"/>
               <a:t>. </a:t>
             </a:r>
-          </a:p>
-          <a:p>
-            <a:r>
-              <a:rPr lang="en-US" dirty="0" err="1" smtClean="0"/>
-              <a:t>Hemen</a:t>
-            </a:r>
-            <a:r>
-              <a:rPr lang="en-US" dirty="0" smtClean="0"/>
-              <a:t> </a:t>
+            <a:r>
+              <a:rPr lang="en-US" dirty="0" smtClean="0"/>
+              <a:t>H</a:t>
+            </a:r>
+            <a:r>
+              <a:rPr lang="az-Latn-AZ" dirty="0" smtClean="0"/>
+              <a:t>ə</a:t>
+            </a:r>
+            <a:r>
+              <a:rPr lang="en-US" dirty="0" smtClean="0"/>
+              <a:t>m</a:t>
+            </a:r>
+            <a:r>
+              <a:rPr lang="az-Latn-AZ" dirty="0" smtClean="0"/>
+              <a:t>ə</a:t>
+            </a:r>
+            <a:r>
+              <a:rPr lang="en-US" dirty="0" smtClean="0"/>
+              <a:t>n </a:t>
             </a:r>
             <a:r>
               <a:rPr lang="en-US" dirty="0" err="1"/>
@@ -6558,12 +6717,24 @@
               <a:t> char </a:t>
             </a:r>
             <a:r>
-              <a:rPr lang="en-US" dirty="0" err="1"/>
-              <a:t>veya</a:t>
-            </a:r>
-            <a:r>
-              <a:rPr lang="en-US" dirty="0"/>
-              <a:t> varchar </a:t>
+              <a:rPr lang="en-US" dirty="0" smtClean="0"/>
+              <a:t>v</a:t>
+            </a:r>
+            <a:r>
+              <a:rPr lang="az-Latn-AZ" dirty="0" smtClean="0"/>
+              <a:t>ə </a:t>
+            </a:r>
+            <a:r>
+              <a:rPr lang="en-US" dirty="0" err="1" smtClean="0"/>
+              <a:t>ya</a:t>
+            </a:r>
+            <a:r>
+              <a:rPr lang="en-US" dirty="0" smtClean="0"/>
+              <a:t> </a:t>
+            </a:r>
+            <a:r>
+              <a:rPr lang="en-US" dirty="0"/>
+              <a:t>varchar </a:t>
             </a:r>
             <a:r>
               <a:rPr lang="en-US" dirty="0" err="1"/>
@@ -7456,7 +7627,6 @@
               <a:rPr lang="en-US" dirty="0"/>
               <a:t>.</a:t>
             </a:r>
-            <a:endParaRPr lang="en-US" dirty="0"/>
           </a:p>
         </p:txBody>
       </p:sp>
@@ -7660,7 +7830,6 @@
               <a:rPr lang="en-US" dirty="0"/>
               <a:t>.</a:t>
             </a:r>
-            <a:endParaRPr lang="en-US" dirty="0"/>
           </a:p>
         </p:txBody>
       </p:sp>
@@ -8509,11 +8678,7 @@
           <a:p>
             <a:r>
               <a:rPr lang="en-US" dirty="0" smtClean="0"/>
-              <a:t>STRING_AFF</a:t>
-            </a:r>
-            <a:r>
-              <a:rPr lang="en-US" dirty="0" smtClean="0"/>
-              <a:t>()</a:t>
+              <a:t>STRING_AFF()</a:t>
             </a:r>
           </a:p>
           <a:p>
@@ -8623,124 +8788,288 @@
           </a:p>
           <a:p>
             <a:r>
-              <a:rPr lang="en-US" dirty="0" err="1" smtClean="0"/>
-              <a:t>Burda</a:t>
-            </a:r>
-            <a:r>
-              <a:rPr lang="en-US" dirty="0" smtClean="0"/>
-              <a:t> </a:t>
-            </a:r>
-            <a:r>
-              <a:rPr lang="en-US" dirty="0" err="1"/>
-              <a:t>ise</a:t>
-            </a:r>
-            <a:r>
-              <a:rPr lang="en-US" dirty="0"/>
-              <a:t> asci-</a:t>
-            </a:r>
-            <a:r>
-              <a:rPr lang="en-US" dirty="0" err="1"/>
+              <a:rPr lang="en-US" dirty="0" smtClean="0"/>
+              <a:t>Bur</a:t>
+            </a:r>
+            <a:r>
+              <a:rPr lang="az-Latn-AZ" dirty="0" smtClean="0"/>
+              <a:t>a</a:t>
+            </a:r>
+            <a:r>
+              <a:rPr lang="en-US" dirty="0" smtClean="0"/>
+              <a:t>da is</a:t>
+            </a:r>
+            <a:r>
+              <a:rPr lang="az-Latn-AZ" dirty="0" smtClean="0"/>
+              <a:t>ə</a:t>
+            </a:r>
+            <a:r>
+              <a:rPr lang="en-US" dirty="0" smtClean="0"/>
+              <a:t> </a:t>
+            </a:r>
+            <a:r>
+              <a:rPr lang="az-Latn-AZ" dirty="0" smtClean="0"/>
+              <a:t>ASCII</a:t>
+            </a:r>
+            <a:r>
+              <a:rPr lang="en-US" dirty="0" smtClean="0"/>
+              <a:t>-</a:t>
+            </a:r>
+            <a:r>
+              <a:rPr lang="en-US" dirty="0" err="1" smtClean="0"/>
               <a:t>nin</a:t>
             </a:r>
             <a:r>
-              <a:rPr lang="en-US" dirty="0"/>
-              <a:t> </a:t>
-            </a:r>
-            <a:r>
-              <a:rPr lang="en-US" dirty="0" err="1"/>
-              <a:t>tersidir</a:t>
+              <a:rPr lang="en-US" dirty="0" smtClean="0"/>
+              <a:t> t</a:t>
+            </a:r>
+            <a:r>
+              <a:rPr lang="az-Latn-AZ" dirty="0" smtClean="0"/>
+              <a:t>ə</a:t>
+            </a:r>
+            <a:r>
+              <a:rPr lang="en-US" dirty="0" err="1" smtClean="0"/>
+              <a:t>rsidir</a:t>
             </a:r>
             <a:r>
               <a:rPr lang="en-US" dirty="0"/>
               <a:t>. </a:t>
             </a:r>
             <a:r>
-              <a:rPr lang="en-US" dirty="0" err="1"/>
-              <a:t>Yeni</a:t>
-            </a:r>
-            <a:r>
-              <a:rPr lang="en-US" dirty="0"/>
-              <a:t> </a:t>
-            </a:r>
-            <a:r>
-              <a:rPr lang="en-US" dirty="0" err="1"/>
-              <a:t>reqemlerin</a:t>
-            </a:r>
-            <a:r>
-              <a:rPr lang="en-US" dirty="0"/>
-              <a:t> </a:t>
-            </a:r>
-            <a:r>
-              <a:rPr lang="en-US" dirty="0" err="1"/>
-              <a:t>heriflerle</a:t>
-            </a:r>
-            <a:r>
-              <a:rPr lang="en-US" dirty="0"/>
-              <a:t> </a:t>
-            </a:r>
-            <a:r>
-              <a:rPr lang="en-US" dirty="0" err="1"/>
-              <a:t>ifade</a:t>
-            </a:r>
-            <a:r>
-              <a:rPr lang="en-US" dirty="0"/>
-              <a:t> </a:t>
-            </a:r>
-            <a:r>
-              <a:rPr lang="en-US" dirty="0" err="1"/>
-              <a:t>olunmagidir</a:t>
-            </a:r>
-            <a:r>
-              <a:rPr lang="en-US" dirty="0"/>
-              <a:t>. Integer </a:t>
-            </a:r>
-            <a:r>
-              <a:rPr lang="en-US" dirty="0" err="1"/>
-              <a:t>formatinda</a:t>
-            </a:r>
-            <a:r>
-              <a:rPr lang="en-US" dirty="0"/>
-              <a:t> </a:t>
-            </a:r>
-            <a:r>
-              <a:rPr lang="en-US" dirty="0" err="1"/>
-              <a:t>olmalidir</a:t>
-            </a:r>
-            <a:r>
-              <a:rPr lang="en-US" dirty="0"/>
+              <a:rPr lang="en-US" dirty="0" smtClean="0"/>
+              <a:t>Y</a:t>
+            </a:r>
+            <a:r>
+              <a:rPr lang="az-Latn-AZ" dirty="0" smtClean="0"/>
+              <a:t>ə</a:t>
+            </a:r>
+            <a:r>
+              <a:rPr lang="en-US" dirty="0" err="1" smtClean="0"/>
+              <a:t>ni</a:t>
+            </a:r>
+            <a:r>
+              <a:rPr lang="en-US" dirty="0" smtClean="0"/>
+              <a:t> r</a:t>
+            </a:r>
+            <a:r>
+              <a:rPr lang="az-Latn-AZ" dirty="0" smtClean="0"/>
+              <a:t>ə</a:t>
+            </a:r>
+            <a:r>
+              <a:rPr lang="en-US" dirty="0" smtClean="0"/>
+              <a:t>q</a:t>
+            </a:r>
+            <a:r>
+              <a:rPr lang="az-Latn-AZ" dirty="0" smtClean="0"/>
+              <a:t>ə</a:t>
+            </a:r>
+            <a:r>
+              <a:rPr lang="en-US" dirty="0" smtClean="0"/>
+              <a:t>ml</a:t>
+            </a:r>
+            <a:r>
+              <a:rPr lang="az-Latn-AZ" dirty="0" smtClean="0"/>
+              <a:t>ə</a:t>
+            </a:r>
+            <a:r>
+              <a:rPr lang="en-US" dirty="0" err="1" smtClean="0"/>
+              <a:t>rin</a:t>
+            </a:r>
+            <a:r>
+              <a:rPr lang="en-US" dirty="0" smtClean="0"/>
+              <a:t> h</a:t>
+            </a:r>
+            <a:r>
+              <a:rPr lang="az-Latn-AZ" dirty="0" smtClean="0"/>
+              <a:t>ə</a:t>
+            </a:r>
+            <a:r>
+              <a:rPr lang="en-US" dirty="0" err="1" smtClean="0"/>
+              <a:t>rfl</a:t>
+            </a:r>
+            <a:r>
+              <a:rPr lang="az-Latn-AZ" dirty="0" smtClean="0"/>
+              <a:t>ə</a:t>
+            </a:r>
+            <a:r>
+              <a:rPr lang="en-US" dirty="0" err="1" smtClean="0"/>
+              <a:t>rl</a:t>
+            </a:r>
+            <a:r>
+              <a:rPr lang="az-Latn-AZ" dirty="0" smtClean="0"/>
+              <a:t>ə</a:t>
+            </a:r>
+            <a:r>
+              <a:rPr lang="en-US" dirty="0" smtClean="0"/>
+              <a:t> </a:t>
+            </a:r>
+            <a:r>
+              <a:rPr lang="en-US" dirty="0" err="1" smtClean="0"/>
+              <a:t>ifad</a:t>
+            </a:r>
+            <a:r>
+              <a:rPr lang="az-Latn-AZ" dirty="0" smtClean="0"/>
+              <a:t>ə</a:t>
+            </a:r>
+            <a:r>
+              <a:rPr lang="en-US" dirty="0" smtClean="0"/>
+              <a:t> </a:t>
+            </a:r>
+            <a:r>
+              <a:rPr lang="en-US" dirty="0" err="1" smtClean="0"/>
+              <a:t>olunma</a:t>
+            </a:r>
+            <a:r>
+              <a:rPr lang="az-Latn-AZ" dirty="0" smtClean="0"/>
+              <a:t>ğ</a:t>
+            </a:r>
+            <a:r>
+              <a:rPr lang="az-Latn-AZ" dirty="0"/>
+              <a:t>ı</a:t>
+            </a:r>
+            <a:r>
+              <a:rPr lang="en-US" dirty="0" smtClean="0"/>
+              <a:t>d</a:t>
+            </a:r>
+            <a:r>
+              <a:rPr lang="az-Latn-AZ" dirty="0" smtClean="0"/>
+              <a:t>ır</a:t>
+            </a:r>
+            <a:r>
+              <a:rPr lang="en-US" dirty="0" smtClean="0"/>
               <a:t>. </a:t>
             </a:r>
             <a:r>
-              <a:rPr lang="en-US" dirty="0" err="1"/>
-              <a:t>Yeni</a:t>
-            </a:r>
-            <a:r>
-              <a:rPr lang="en-US" dirty="0"/>
-              <a:t> 0 </a:t>
-            </a:r>
-            <a:r>
-              <a:rPr lang="en-US" dirty="0" err="1"/>
-              <a:t>ile</a:t>
-            </a:r>
-            <a:r>
-              <a:rPr lang="en-US" dirty="0"/>
-              <a:t> 255 </a:t>
-            </a:r>
-            <a:r>
-              <a:rPr lang="en-US" dirty="0" err="1"/>
-              <a:t>arasinda</a:t>
-            </a:r>
-            <a:r>
-              <a:rPr lang="en-US" dirty="0"/>
-              <a:t> </a:t>
-            </a:r>
-            <a:r>
-              <a:rPr lang="en-US" dirty="0" err="1"/>
-              <a:t>olmalidir</a:t>
-            </a:r>
-            <a:r>
-              <a:rPr lang="en-US" dirty="0"/>
-              <a:t>. Eger </a:t>
+              <a:rPr lang="en-US" dirty="0"/>
+              <a:t>Integer </a:t>
+            </a:r>
+            <a:r>
+              <a:rPr lang="en-US" dirty="0" smtClean="0"/>
+              <a:t>format</a:t>
+            </a:r>
+            <a:r>
+              <a:rPr lang="az-Latn-AZ" dirty="0" smtClean="0"/>
+              <a:t>ı</a:t>
+            </a:r>
+            <a:r>
+              <a:rPr lang="en-US" dirty="0" err="1" smtClean="0"/>
+              <a:t>nda</a:t>
+            </a:r>
+            <a:r>
+              <a:rPr lang="en-US" dirty="0" smtClean="0"/>
+              <a:t> </a:t>
+            </a:r>
+            <a:r>
+              <a:rPr lang="en-US" dirty="0" err="1" smtClean="0"/>
+              <a:t>olmal</a:t>
+            </a:r>
+            <a:r>
+              <a:rPr lang="az-Latn-AZ" dirty="0"/>
+              <a:t>ı</a:t>
+            </a:r>
+            <a:r>
+              <a:rPr lang="en-US" dirty="0" smtClean="0"/>
+              <a:t>d</a:t>
+            </a:r>
+            <a:r>
+              <a:rPr lang="az-Latn-AZ" dirty="0" smtClean="0"/>
+              <a:t>ı</a:t>
+            </a:r>
+            <a:r>
+              <a:rPr lang="en-US" dirty="0" smtClean="0"/>
+              <a:t>r</a:t>
+            </a:r>
+            <a:r>
+              <a:rPr lang="en-US" dirty="0"/>
+              <a:t>. </a:t>
+            </a:r>
+            <a:r>
+              <a:rPr lang="en-US" dirty="0" smtClean="0"/>
+              <a:t>Y</a:t>
+            </a:r>
+            <a:r>
+              <a:rPr lang="az-Latn-AZ" dirty="0" smtClean="0"/>
+              <a:t>ə</a:t>
+            </a:r>
+            <a:r>
+              <a:rPr lang="en-US" dirty="0" err="1" smtClean="0"/>
+              <a:t>ni</a:t>
+            </a:r>
+            <a:r>
+              <a:rPr lang="en-US" dirty="0" smtClean="0"/>
+              <a:t> </a:t>
+            </a:r>
+            <a:r>
+              <a:rPr lang="en-US" dirty="0"/>
+              <a:t>0 </a:t>
+            </a:r>
+            <a:r>
+              <a:rPr lang="en-US" dirty="0" err="1" smtClean="0"/>
+              <a:t>il</a:t>
+            </a:r>
+            <a:r>
+              <a:rPr lang="az-Latn-AZ" dirty="0" smtClean="0"/>
+              <a:t>ə</a:t>
+            </a:r>
+            <a:r>
+              <a:rPr lang="en-US" dirty="0" smtClean="0"/>
+              <a:t> </a:t>
+            </a:r>
+            <a:r>
+              <a:rPr lang="en-US" dirty="0"/>
+              <a:t>255 </a:t>
+            </a:r>
+            <a:r>
+              <a:rPr lang="en-US" dirty="0" err="1" smtClean="0"/>
+              <a:t>aras</a:t>
+            </a:r>
+            <a:r>
+              <a:rPr lang="az-Latn-AZ" dirty="0"/>
+              <a:t>ı</a:t>
+            </a:r>
+            <a:r>
+              <a:rPr lang="en-US" dirty="0" err="1" smtClean="0"/>
+              <a:t>nda</a:t>
+            </a:r>
+            <a:r>
+              <a:rPr lang="en-US" dirty="0" smtClean="0"/>
+              <a:t> </a:t>
+            </a:r>
+            <a:r>
+              <a:rPr lang="en-US" dirty="0" err="1" smtClean="0"/>
+              <a:t>olmal</a:t>
+            </a:r>
+            <a:r>
+              <a:rPr lang="az-Latn-AZ" dirty="0" smtClean="0"/>
+              <a:t>ı</a:t>
+            </a:r>
+            <a:r>
+              <a:rPr lang="en-US" dirty="0" smtClean="0"/>
+              <a:t>d</a:t>
+            </a:r>
+            <a:r>
+              <a:rPr lang="az-Latn-AZ" dirty="0" smtClean="0"/>
+              <a:t>ı</a:t>
+            </a:r>
+            <a:r>
+              <a:rPr lang="en-US" dirty="0" smtClean="0"/>
+              <a:t>r.</a:t>
+            </a:r>
+            <a:r>
+              <a:rPr lang="az-Latn-AZ" dirty="0" smtClean="0"/>
+              <a:t> Ə</a:t>
+            </a:r>
+            <a:r>
+              <a:rPr lang="en-US" dirty="0" smtClean="0"/>
+              <a:t>g</a:t>
+            </a:r>
+            <a:r>
+              <a:rPr lang="az-Latn-AZ" dirty="0" smtClean="0"/>
+              <a:t>ə</a:t>
+            </a:r>
+            <a:r>
+              <a:rPr lang="en-US" dirty="0" smtClean="0"/>
+              <a:t>r </a:t>
             </a:r>
             <a:r>
               <a:rPr lang="en-US" dirty="0" err="1"/>
@@ -8751,12 +9080,24 @@
               <a:t> </a:t>
             </a:r>
             <a:r>
-              <a:rPr lang="en-US" dirty="0" err="1"/>
-              <a:t>xaricinde</a:t>
-            </a:r>
-            <a:r>
-              <a:rPr lang="en-US" dirty="0"/>
-              <a:t> her </a:t>
+              <a:rPr lang="en-US" dirty="0" err="1" smtClean="0"/>
+              <a:t>xaricind</a:t>
+            </a:r>
+            <a:r>
+              <a:rPr lang="az-Latn-AZ" dirty="0" smtClean="0"/>
+              <a:t>ə</a:t>
+            </a:r>
+            <a:r>
+              <a:rPr lang="en-US" dirty="0" smtClean="0"/>
+              <a:t> h</a:t>
+            </a:r>
+            <a:r>
+              <a:rPr lang="az-Latn-AZ" dirty="0" smtClean="0"/>
+              <a:t>ə</a:t>
+            </a:r>
+            <a:r>
+              <a:rPr lang="en-US" dirty="0" smtClean="0"/>
+              <a:t>r </a:t>
             </a:r>
             <a:r>
               <a:rPr lang="en-US" dirty="0" err="1"/>
@@ -8767,12 +9108,24 @@
               <a:t> </a:t>
             </a:r>
             <a:r>
-              <a:rPr lang="en-US" dirty="0" err="1"/>
-              <a:t>reqem</a:t>
-            </a:r>
-            <a:r>
-              <a:rPr lang="en-US" dirty="0"/>
-              <a:t> </a:t>
+              <a:rPr lang="en-US" dirty="0" smtClean="0"/>
+              <a:t>r</a:t>
+            </a:r>
+            <a:r>
+              <a:rPr lang="az-Latn-AZ" dirty="0" smtClean="0"/>
+              <a:t>ə</a:t>
+            </a:r>
+            <a:r>
+              <a:rPr lang="en-US" dirty="0" smtClean="0"/>
+              <a:t>q</a:t>
+            </a:r>
+            <a:r>
+              <a:rPr lang="az-Latn-AZ" dirty="0" smtClean="0"/>
+              <a:t>ə</a:t>
+            </a:r>
+            <a:r>
+              <a:rPr lang="en-US" dirty="0" smtClean="0"/>
+              <a:t>m </a:t>
             </a:r>
             <a:r>
               <a:rPr lang="en-US" dirty="0" err="1"/>
@@ -8791,8 +9144,24 @@
               <a:t> </a:t>
             </a:r>
             <a:r>
-              <a:rPr lang="en-US" dirty="0" err="1"/>
-              <a:t>gosterir</a:t>
+              <a:rPr lang="en-US" dirty="0" smtClean="0"/>
+              <a:t>g</a:t>
+            </a:r>
+            <a:r>
+              <a:rPr lang="az-Latn-AZ" dirty="0" smtClean="0"/>
+              <a:t>ö</a:t>
+            </a:r>
+            <a:r>
+              <a:rPr lang="en-US" dirty="0" err="1" smtClean="0"/>
+              <a:t>st</a:t>
+            </a:r>
+            <a:r>
+              <a:rPr lang="az-Latn-AZ" dirty="0" smtClean="0"/>
+              <a:t>ə</a:t>
+            </a:r>
+            <a:r>
+              <a:rPr lang="en-US" dirty="0" err="1" smtClean="0"/>
+              <a:t>rir</a:t>
             </a:r>
             <a:r>
               <a:rPr lang="en-US" dirty="0"/>
@@ -8890,7 +9259,7 @@
         <p:spPr/>
         <p:txBody>
           <a:bodyPr>
-            <a:normAutofit/>
+            <a:normAutofit lnSpcReduction="10000"/>
           </a:bodyPr>
           <a:lstStyle/>
           <a:p>
@@ -8925,12 +9294,28 @@
               <a:t> </a:t>
             </a:r>
             <a:r>
-              <a:rPr lang="en-US" dirty="0" err="1"/>
-              <a:t>istediyimiz</a:t>
-            </a:r>
-            <a:r>
-              <a:rPr lang="en-US" dirty="0"/>
-              <a:t> string-de </a:t>
+              <a:rPr lang="en-US" dirty="0" err="1" smtClean="0"/>
+              <a:t>ist</a:t>
+            </a:r>
+            <a:r>
+              <a:rPr lang="az-Latn-AZ" dirty="0" smtClean="0"/>
+              <a:t>ə</a:t>
+            </a:r>
+            <a:r>
+              <a:rPr lang="en-US" dirty="0" err="1" smtClean="0"/>
+              <a:t>diyimiz</a:t>
+            </a:r>
+            <a:r>
+              <a:rPr lang="en-US" dirty="0" smtClean="0"/>
+              <a:t> string-d</a:t>
+            </a:r>
+            <a:r>
+              <a:rPr lang="az-Latn-AZ" dirty="0" smtClean="0"/>
+              <a:t>ə</a:t>
+            </a:r>
+            <a:r>
+              <a:rPr lang="en-US" dirty="0" smtClean="0"/>
+              <a:t> </a:t>
             </a:r>
             <a:r>
               <a:rPr lang="en-US" dirty="0" err="1"/>
@@ -8957,27 +9342,43 @@
               <a:t> </a:t>
             </a:r>
             <a:r>
-              <a:rPr lang="en-US" dirty="0" err="1"/>
-              <a:t>yaziriq</a:t>
-            </a:r>
-            <a:r>
-              <a:rPr lang="en-US" dirty="0"/>
-              <a:t> </a:t>
-            </a:r>
-            <a:r>
-              <a:rPr lang="en-US" dirty="0" err="1"/>
-              <a:t>ve</a:t>
-            </a:r>
-            <a:r>
-              <a:rPr lang="en-US" dirty="0"/>
-              <a:t> </a:t>
-            </a:r>
-            <a:r>
-              <a:rPr lang="en-US" dirty="0" err="1"/>
-              <a:t>necenci</a:t>
-            </a:r>
-            <a:r>
-              <a:rPr lang="en-US" dirty="0"/>
+              <a:rPr lang="en-US" dirty="0" err="1" smtClean="0"/>
+              <a:t>yaz</a:t>
+            </a:r>
+            <a:r>
+              <a:rPr lang="az-Latn-AZ" dirty="0" smtClean="0"/>
+              <a:t>ı</a:t>
+            </a:r>
+            <a:r>
+              <a:rPr lang="en-US" dirty="0" smtClean="0"/>
+              <a:t>r</a:t>
+            </a:r>
+            <a:r>
+              <a:rPr lang="az-Latn-AZ" dirty="0" smtClean="0"/>
+              <a:t>ı</a:t>
+            </a:r>
+            <a:r>
+              <a:rPr lang="en-US" dirty="0" smtClean="0"/>
+              <a:t>q v</a:t>
+            </a:r>
+            <a:r>
+              <a:rPr lang="az-Latn-AZ" dirty="0" smtClean="0"/>
+              <a:t>ə</a:t>
+            </a:r>
+            <a:r>
+              <a:rPr lang="en-US" dirty="0" smtClean="0"/>
+              <a:t> ne</a:t>
+            </a:r>
+            <a:r>
+              <a:rPr lang="az-Latn-AZ" dirty="0" smtClean="0"/>
+              <a:t>çə</a:t>
+            </a:r>
+            <a:r>
+              <a:rPr lang="en-US" dirty="0" err="1" smtClean="0"/>
+              <a:t>nci</a:t>
+            </a:r>
+            <a:r>
+              <a:rPr lang="en-US" dirty="0" smtClean="0"/>
               <a:t> </a:t>
             </a:r>
             <a:r>
@@ -8997,64 +9398,144 @@
               <a:t> </a:t>
             </a:r>
             <a:r>
-              <a:rPr lang="en-US" dirty="0" err="1"/>
-              <a:t>hedden</a:t>
-            </a:r>
-            <a:r>
-              <a:rPr lang="en-US" dirty="0"/>
-              <a:t> </a:t>
-            </a:r>
-            <a:r>
-              <a:rPr lang="en-US" dirty="0" err="1"/>
-              <a:t>baslamasini</a:t>
-            </a:r>
-            <a:r>
-              <a:rPr lang="en-US" dirty="0"/>
-              <a:t> </a:t>
-            </a:r>
-            <a:r>
-              <a:rPr lang="en-US" dirty="0" err="1"/>
-              <a:t>isteyirikse</a:t>
-            </a:r>
-            <a:r>
-              <a:rPr lang="en-US" dirty="0"/>
-              <a:t> o </a:t>
-            </a:r>
-            <a:r>
-              <a:rPr lang="en-US" dirty="0" err="1"/>
-              <a:t>heddi</a:t>
-            </a:r>
-            <a:r>
-              <a:rPr lang="en-US" dirty="0"/>
-              <a:t> </a:t>
-            </a:r>
-            <a:r>
-              <a:rPr lang="en-US" dirty="0" err="1" smtClean="0"/>
-              <a:t>yaziriq</a:t>
+              <a:rPr lang="en-US" dirty="0" err="1" smtClean="0"/>
+              <a:t>hedd</a:t>
+            </a:r>
+            <a:r>
+              <a:rPr lang="az-Latn-AZ" dirty="0" smtClean="0"/>
+              <a:t>ə</a:t>
+            </a:r>
+            <a:r>
+              <a:rPr lang="en-US" dirty="0" smtClean="0"/>
+              <a:t>n </a:t>
+            </a:r>
+            <a:r>
+              <a:rPr lang="en-US" dirty="0" err="1" smtClean="0"/>
+              <a:t>ba</a:t>
+            </a:r>
+            <a:r>
+              <a:rPr lang="az-Latn-AZ" dirty="0" smtClean="0"/>
+              <a:t>ş</a:t>
+            </a:r>
+            <a:r>
+              <a:rPr lang="en-US" dirty="0" smtClean="0"/>
+              <a:t>lamas</a:t>
+            </a:r>
+            <a:r>
+              <a:rPr lang="az-Latn-AZ" dirty="0" smtClean="0"/>
+              <a:t>ı</a:t>
+            </a:r>
+            <a:r>
+              <a:rPr lang="en-US" dirty="0" smtClean="0"/>
+              <a:t>n</a:t>
+            </a:r>
+            <a:r>
+              <a:rPr lang="az-Latn-AZ" dirty="0" smtClean="0"/>
+              <a:t>ı</a:t>
+            </a:r>
+            <a:r>
+              <a:rPr lang="en-US" dirty="0" smtClean="0"/>
+              <a:t> </a:t>
+            </a:r>
+            <a:r>
+              <a:rPr lang="en-US" dirty="0" err="1" smtClean="0"/>
+              <a:t>ist</a:t>
+            </a:r>
+            <a:r>
+              <a:rPr lang="az-Latn-AZ" dirty="0" smtClean="0"/>
+              <a:t>ə</a:t>
+            </a:r>
+            <a:r>
+              <a:rPr lang="en-US" dirty="0" err="1" smtClean="0"/>
+              <a:t>yiriks</a:t>
+            </a:r>
+            <a:r>
+              <a:rPr lang="az-Latn-AZ" dirty="0" smtClean="0"/>
+              <a:t>ə</a:t>
+            </a:r>
+            <a:r>
+              <a:rPr lang="en-US" dirty="0" smtClean="0"/>
+              <a:t> </a:t>
+            </a:r>
+            <a:r>
+              <a:rPr lang="en-US" dirty="0"/>
+              <a:t>o </a:t>
+            </a:r>
+            <a:r>
+              <a:rPr lang="en-US" dirty="0" smtClean="0"/>
+              <a:t>h</a:t>
+            </a:r>
+            <a:r>
+              <a:rPr lang="az-Latn-AZ" dirty="0" smtClean="0"/>
+              <a:t>ə</a:t>
+            </a:r>
+            <a:r>
+              <a:rPr lang="en-US" dirty="0" err="1" smtClean="0"/>
+              <a:t>ddi</a:t>
+            </a:r>
+            <a:r>
+              <a:rPr lang="en-US" dirty="0" smtClean="0"/>
+              <a:t> </a:t>
+            </a:r>
+            <a:r>
+              <a:rPr lang="en-US" dirty="0" err="1" smtClean="0"/>
+              <a:t>yaz</a:t>
+            </a:r>
+            <a:r>
+              <a:rPr lang="az-Latn-AZ" dirty="0" smtClean="0"/>
+              <a:t>ı</a:t>
+            </a:r>
+            <a:r>
+              <a:rPr lang="en-US" dirty="0" smtClean="0"/>
+              <a:t>r</a:t>
+            </a:r>
+            <a:r>
+              <a:rPr lang="az-Latn-AZ" dirty="0" smtClean="0"/>
+              <a:t>ı</a:t>
+            </a:r>
+            <a:r>
+              <a:rPr lang="en-US" dirty="0" smtClean="0"/>
+              <a:t>q</a:t>
             </a:r>
             <a:r>
               <a:rPr lang="en-US" dirty="0" smtClean="0"/>
               <a:t>. </a:t>
             </a:r>
             <a:r>
-              <a:rPr lang="en-US" dirty="0" err="1" smtClean="0"/>
-              <a:t>Baslama</a:t>
-            </a:r>
-            <a:r>
-              <a:rPr lang="en-US" dirty="0" smtClean="0"/>
-              <a:t> </a:t>
-            </a:r>
-            <a:r>
-              <a:rPr lang="en-US" dirty="0" err="1" smtClean="0"/>
-              <a:t>nowtesini</a:t>
-            </a:r>
-            <a:r>
-              <a:rPr lang="en-US" dirty="0" smtClean="0"/>
-              <a:t> </a:t>
-            </a:r>
-            <a:r>
-              <a:rPr lang="en-US" dirty="0" err="1" smtClean="0"/>
-              <a:t>bize</a:t>
+              <a:rPr lang="en-US" dirty="0" smtClean="0"/>
+              <a:t>Ba</a:t>
+            </a:r>
+            <a:r>
+              <a:rPr lang="az-Latn-AZ" dirty="0" smtClean="0"/>
+              <a:t>ş</a:t>
+            </a:r>
+            <a:r>
+              <a:rPr lang="en-US" dirty="0" smtClean="0"/>
+              <a:t>lama n</a:t>
+            </a:r>
+            <a:r>
+              <a:rPr lang="az-Latn-AZ" dirty="0" smtClean="0"/>
+              <a:t>öq</a:t>
+            </a:r>
+            <a:r>
+              <a:rPr lang="en-US" dirty="0" smtClean="0"/>
+              <a:t>t</a:t>
+            </a:r>
+            <a:r>
+              <a:rPr lang="az-Latn-AZ" dirty="0" smtClean="0"/>
+              <a:t>ə</a:t>
+            </a:r>
+            <a:r>
+              <a:rPr lang="en-US" dirty="0" err="1" smtClean="0"/>
+              <a:t>sini</a:t>
+            </a:r>
+            <a:r>
+              <a:rPr lang="en-US" dirty="0" smtClean="0"/>
+              <a:t> biz</a:t>
+            </a:r>
+            <a:r>
+              <a:rPr lang="az-Latn-AZ" dirty="0" smtClean="0"/>
+              <a:t>ə</a:t>
             </a:r>
             <a:r>
               <a:rPr lang="en-US" dirty="0" smtClean="0"/>
@@ -9068,6 +9549,21 @@
               <a:rPr lang="en-US" dirty="0" smtClean="0"/>
               <a:t>.</a:t>
             </a:r>
+          </a:p>
+          <a:p>
+            <a:r>
+              <a:rPr lang="en-US" dirty="0" err="1" smtClean="0"/>
+              <a:t>myPhpAdmin</a:t>
+            </a:r>
+            <a:r>
+              <a:rPr lang="en-US" dirty="0" smtClean="0"/>
+              <a:t>’</a:t>
+            </a:r>
+            <a:r>
+              <a:rPr lang="az-Latn-AZ" dirty="0" smtClean="0"/>
+              <a:t>də işləmir</a:t>
+            </a:r>
+            <a:endParaRPr lang="en-US" dirty="0" smtClean="0"/>
           </a:p>
           <a:p>
             <a:endParaRPr lang="en-US" dirty="0"/>
@@ -9140,7 +9636,7 @@
         <p:spPr/>
         <p:txBody>
           <a:bodyPr>
-            <a:normAutofit lnSpcReduction="10000"/>
+            <a:normAutofit/>
           </a:bodyPr>
           <a:lstStyle/>
           <a:p>
@@ -9155,185 +9651,74 @@
             <a:endParaRPr lang="en-US" dirty="0" smtClean="0"/>
           </a:p>
           <a:p>
+            <a:r>
+              <a:rPr lang="en-US" dirty="0"/>
+              <a:t>Returns a string that is the result of concatenating two or more string values. </a:t>
+            </a:r>
+            <a:endParaRPr lang="az-Latn-AZ" dirty="0" smtClean="0"/>
+          </a:p>
+          <a:p>
+            <a:r>
+              <a:rPr lang="en-US" dirty="0" smtClean="0"/>
+              <a:t>Bur</a:t>
+            </a:r>
+            <a:r>
+              <a:rPr lang="az-Latn-AZ" dirty="0" smtClean="0"/>
+              <a:t>a</a:t>
+            </a:r>
+            <a:r>
+              <a:rPr lang="en-US" dirty="0" smtClean="0"/>
+              <a:t>da </a:t>
+            </a:r>
+            <a:r>
+              <a:rPr lang="en-US" dirty="0" err="1" smtClean="0"/>
+              <a:t>iki</a:t>
+            </a:r>
+            <a:r>
+              <a:rPr lang="en-US" dirty="0" smtClean="0"/>
+              <a:t> </a:t>
+            </a:r>
+            <a:r>
+              <a:rPr lang="en-US" dirty="0" smtClean="0"/>
+              <a:t>v</a:t>
+            </a:r>
+            <a:r>
+              <a:rPr lang="az-Latn-AZ" dirty="0" smtClean="0"/>
+              <a:t>ə</a:t>
+            </a:r>
+            <a:r>
+              <a:rPr lang="en-US" dirty="0" smtClean="0"/>
+              <a:t> </a:t>
+            </a:r>
+            <a:r>
+              <a:rPr lang="en-US" dirty="0" err="1"/>
+              <a:t>daha</a:t>
+            </a:r>
+            <a:r>
+              <a:rPr lang="en-US" dirty="0"/>
+              <a:t> </a:t>
+            </a:r>
+            <a:r>
+              <a:rPr lang="en-US" dirty="0" smtClean="0"/>
+              <a:t>art</a:t>
+            </a:r>
+            <a:r>
+              <a:rPr lang="az-Latn-AZ" dirty="0" smtClean="0"/>
+              <a:t>ı</a:t>
+            </a:r>
+            <a:r>
+              <a:rPr lang="en-US" dirty="0" smtClean="0"/>
+              <a:t>q </a:t>
+            </a:r>
+            <a:r>
+              <a:rPr lang="en-US" dirty="0"/>
+              <a:t>string-in </a:t>
+            </a:r>
+            <a:r>
+              <a:rPr lang="az-Latn-AZ" dirty="0" smtClean="0"/>
+              <a:t>bir string kimi göstərilməsini təmin edir.</a:t>
+            </a:r>
             <a:endParaRPr lang="en-US" dirty="0" smtClean="0"/>
-          </a:p>
-          <a:p>
-            <a:r>
-              <a:rPr lang="en-US" dirty="0" err="1" smtClean="0"/>
-              <a:t>Burda</a:t>
-            </a:r>
-            <a:r>
-              <a:rPr lang="en-US" dirty="0" smtClean="0"/>
-              <a:t> </a:t>
-            </a:r>
-            <a:r>
-              <a:rPr lang="en-US" dirty="0" err="1" smtClean="0"/>
-              <a:t>iki</a:t>
-            </a:r>
-            <a:r>
-              <a:rPr lang="en-US" dirty="0" smtClean="0"/>
-              <a:t> </a:t>
-            </a:r>
-            <a:r>
-              <a:rPr lang="en-US" dirty="0" err="1"/>
-              <a:t>ve</a:t>
-            </a:r>
-            <a:r>
-              <a:rPr lang="en-US" dirty="0"/>
-              <a:t> </a:t>
-            </a:r>
-            <a:r>
-              <a:rPr lang="en-US" dirty="0" err="1"/>
-              <a:t>daha</a:t>
-            </a:r>
-            <a:r>
-              <a:rPr lang="en-US" dirty="0"/>
-              <a:t> </a:t>
-            </a:r>
-            <a:r>
-              <a:rPr lang="en-US" dirty="0" err="1"/>
-              <a:t>artiq</a:t>
-            </a:r>
-            <a:r>
-              <a:rPr lang="en-US" dirty="0"/>
-              <a:t> string-in </a:t>
-            </a:r>
-            <a:r>
-              <a:rPr lang="en-US" dirty="0" err="1"/>
-              <a:t>istenilen</a:t>
-            </a:r>
-            <a:r>
-              <a:rPr lang="en-US" dirty="0"/>
-              <a:t> </a:t>
-            </a:r>
-            <a:r>
-              <a:rPr lang="en-US" dirty="0" err="1"/>
-              <a:t>terzde</a:t>
-            </a:r>
-            <a:r>
-              <a:rPr lang="en-US" dirty="0"/>
-              <a:t> </a:t>
-            </a:r>
-            <a:r>
-              <a:rPr lang="en-US" dirty="0" err="1"/>
-              <a:t>ifade</a:t>
-            </a:r>
-            <a:r>
-              <a:rPr lang="en-US" dirty="0"/>
-              <a:t> </a:t>
-            </a:r>
-            <a:r>
-              <a:rPr lang="en-US" dirty="0" err="1"/>
-              <a:t>olunmasina</a:t>
-            </a:r>
-            <a:r>
-              <a:rPr lang="en-US" dirty="0"/>
-              <a:t> </a:t>
-            </a:r>
-            <a:r>
-              <a:rPr lang="en-US" dirty="0" err="1"/>
-              <a:t>komek</a:t>
-            </a:r>
-            <a:r>
-              <a:rPr lang="en-US" dirty="0"/>
-              <a:t> </a:t>
-            </a:r>
-            <a:r>
-              <a:rPr lang="en-US" dirty="0" err="1"/>
-              <a:t>edir</a:t>
-            </a:r>
-            <a:r>
-              <a:rPr lang="en-US" dirty="0"/>
-              <a:t>. Bu </a:t>
-            </a:r>
-            <a:r>
-              <a:rPr lang="en-US" dirty="0" err="1"/>
-              <a:t>bir</a:t>
-            </a:r>
-            <a:r>
-              <a:rPr lang="en-US" dirty="0"/>
-              <a:t> </a:t>
-            </a:r>
-            <a:r>
-              <a:rPr lang="en-US" dirty="0" err="1"/>
-              <a:t>nov</a:t>
-            </a:r>
-            <a:r>
-              <a:rPr lang="en-US" dirty="0"/>
-              <a:t> </a:t>
-            </a:r>
-            <a:r>
-              <a:rPr lang="en-US" dirty="0" err="1"/>
-              <a:t>qisaltmaq</a:t>
-            </a:r>
-            <a:r>
-              <a:rPr lang="en-US" dirty="0"/>
-              <a:t> </a:t>
-            </a:r>
-            <a:r>
-              <a:rPr lang="en-US" dirty="0" err="1"/>
-              <a:t>kimi</a:t>
-            </a:r>
-            <a:r>
-              <a:rPr lang="en-US" dirty="0"/>
-              <a:t> </a:t>
-            </a:r>
-            <a:r>
-              <a:rPr lang="en-US" dirty="0" err="1"/>
-              <a:t>gosterilir</a:t>
-            </a:r>
-            <a:r>
-              <a:rPr lang="en-US" dirty="0"/>
-              <a:t>. </a:t>
-            </a:r>
-            <a:r>
-              <a:rPr lang="en-US" dirty="0" err="1"/>
-              <a:t>Daha</a:t>
-            </a:r>
-            <a:r>
-              <a:rPr lang="en-US" dirty="0"/>
-              <a:t> cox </a:t>
-            </a:r>
-            <a:r>
-              <a:rPr lang="en-US" dirty="0" err="1"/>
-              <a:t>stringin</a:t>
-            </a:r>
-            <a:r>
-              <a:rPr lang="en-US" dirty="0"/>
-              <a:t> </a:t>
-            </a:r>
-            <a:r>
-              <a:rPr lang="en-US" dirty="0" err="1"/>
-              <a:t>az</a:t>
-            </a:r>
-            <a:r>
-              <a:rPr lang="en-US" dirty="0"/>
-              <a:t> </a:t>
-            </a:r>
-            <a:r>
-              <a:rPr lang="en-US" dirty="0" err="1"/>
-              <a:t>sekilde</a:t>
-            </a:r>
-            <a:r>
-              <a:rPr lang="en-US" dirty="0"/>
-              <a:t> </a:t>
-            </a:r>
-            <a:r>
-              <a:rPr lang="en-US" dirty="0" err="1"/>
-              <a:t>ifade</a:t>
-            </a:r>
-            <a:r>
-              <a:rPr lang="en-US" dirty="0"/>
-              <a:t> </a:t>
-            </a:r>
-            <a:r>
-              <a:rPr lang="en-US" dirty="0" err="1"/>
-              <a:t>olunmasi</a:t>
-            </a:r>
-            <a:r>
-              <a:rPr lang="en-US" dirty="0" smtClean="0"/>
-              <a:t>.</a:t>
-            </a:r>
           </a:p>
           <a:p>
             <a:r>
@@ -9467,20 +9852,56 @@
           </a:p>
           <a:p>
             <a:r>
-              <a:rPr lang="en-US" dirty="0" err="1" smtClean="0"/>
-              <a:t>Burda</a:t>
-            </a:r>
-            <a:r>
-              <a:rPr lang="en-US" dirty="0" smtClean="0"/>
-              <a:t> variable-lar </a:t>
-            </a:r>
-            <a:r>
-              <a:rPr lang="en-US" dirty="0" err="1"/>
-              <a:t>goturulur</a:t>
-            </a:r>
-            <a:r>
-              <a:rPr lang="en-US" dirty="0"/>
-              <a:t> </a:t>
+              <a:rPr lang="en-US" dirty="0" smtClean="0"/>
+              <a:t>Bur</a:t>
+            </a:r>
+            <a:r>
+              <a:rPr lang="az-Latn-AZ" dirty="0" smtClean="0"/>
+              <a:t>a</a:t>
+            </a:r>
+            <a:r>
+              <a:rPr lang="en-US" dirty="0" smtClean="0"/>
+              <a:t>da </a:t>
+            </a:r>
+            <a:r>
+              <a:rPr lang="en-US" dirty="0" smtClean="0"/>
+              <a:t>variable-lar </a:t>
+            </a:r>
+            <a:r>
+              <a:rPr lang="en-US" dirty="0" smtClean="0"/>
+              <a:t>g</a:t>
+            </a:r>
+            <a:r>
+              <a:rPr lang="az-Latn-AZ" dirty="0" smtClean="0"/>
+              <a:t>ö</a:t>
+            </a:r>
+            <a:r>
+              <a:rPr lang="en-US" dirty="0" smtClean="0"/>
+              <a:t>t</a:t>
+            </a:r>
+            <a:r>
+              <a:rPr lang="az-Latn-AZ" dirty="0" smtClean="0"/>
+              <a:t>ü</a:t>
+            </a:r>
+            <a:r>
+              <a:rPr lang="en-US" dirty="0" smtClean="0"/>
+              <a:t>r</a:t>
+            </a:r>
+            <a:r>
+              <a:rPr lang="az-Latn-AZ" dirty="0" smtClean="0"/>
+              <a:t>ü</a:t>
+            </a:r>
+            <a:r>
+              <a:rPr lang="en-US" dirty="0" smtClean="0"/>
+              <a:t>l</a:t>
+            </a:r>
+            <a:r>
+              <a:rPr lang="az-Latn-AZ" dirty="0" smtClean="0"/>
+              <a:t>ü</a:t>
+            </a:r>
+            <a:r>
+              <a:rPr lang="en-US" dirty="0" smtClean="0"/>
+              <a:t>r </a:t>
             </a:r>
             <a:r>
               <a:rPr lang="en-US" dirty="0" err="1"/>
@@ -9491,20 +9912,24 @@
               <a:t> </a:t>
             </a:r>
             <a:r>
-              <a:rPr lang="en-US" dirty="0" err="1"/>
-              <a:t>onlari</a:t>
-            </a:r>
-            <a:r>
-              <a:rPr lang="en-US" dirty="0"/>
-              <a:t> </a:t>
-            </a:r>
-            <a:r>
-              <a:rPr lang="en-US" dirty="0" err="1"/>
-              <a:t>tek</a:t>
-            </a:r>
-            <a:r>
-              <a:rPr lang="en-US" dirty="0"/>
-              <a:t> string </a:t>
+              <a:rPr lang="en-US" dirty="0" err="1" smtClean="0"/>
+              <a:t>onlar</a:t>
+            </a:r>
+            <a:r>
+              <a:rPr lang="en-US" dirty="0" smtClean="0"/>
+              <a:t> t</a:t>
+            </a:r>
+            <a:r>
+              <a:rPr lang="az-Latn-AZ" dirty="0" smtClean="0"/>
+              <a:t>ə</a:t>
+            </a:r>
+            <a:r>
+              <a:rPr lang="en-US" dirty="0" smtClean="0"/>
+              <a:t>k </a:t>
+            </a:r>
+            <a:r>
+              <a:rPr lang="en-US" dirty="0"/>
+              <a:t>string </a:t>
             </a:r>
             <a:r>
               <a:rPr lang="en-US" dirty="0" err="1"/>
@@ -9515,19 +9940,23 @@
               <a:t> </a:t>
             </a:r>
             <a:r>
-              <a:rPr lang="en-US" dirty="0" err="1"/>
-              <a:t>ifade</a:t>
-            </a:r>
-            <a:r>
-              <a:rPr lang="en-US" dirty="0"/>
-              <a:t> </a:t>
-            </a:r>
-            <a:r>
-              <a:rPr lang="en-US" dirty="0" err="1"/>
-              <a:t>eliyir</a:t>
-            </a:r>
-            <a:r>
-              <a:rPr lang="en-US" dirty="0"/>
+              <a:rPr lang="en-US" dirty="0" err="1" smtClean="0"/>
+              <a:t>ifad</a:t>
+            </a:r>
+            <a:r>
+              <a:rPr lang="az-Latn-AZ" dirty="0" smtClean="0"/>
+              <a:t>ə</a:t>
+            </a:r>
+            <a:r>
+              <a:rPr lang="en-US" dirty="0" smtClean="0"/>
+              <a:t> e</a:t>
+            </a:r>
+            <a:r>
+              <a:rPr lang="az-Latn-AZ" dirty="0" smtClean="0"/>
+              <a:t>dilir,</a:t>
+            </a:r>
+            <a:r>
+              <a:rPr lang="en-US" dirty="0" smtClean="0"/>
               <a:t> </a:t>
             </a:r>
             <a:r>
@@ -9540,7 +9969,11 @@
             </a:r>
             <a:r>
               <a:rPr lang="en-US" dirty="0" err="1" smtClean="0"/>
-              <a:t>argument’de</a:t>
+              <a:t>argument’d</a:t>
+            </a:r>
+            <a:r>
+              <a:rPr lang="az-Latn-AZ" dirty="0" smtClean="0"/>
+              <a:t>ə</a:t>
             </a:r>
             <a:r>
               <a:rPr lang="en-US" dirty="0" smtClean="0"/>
@@ -9555,48 +9988,100 @@
               <a:t> </a:t>
             </a:r>
             <a:r>
-              <a:rPr lang="en-US" dirty="0" err="1"/>
-              <a:t>yazirsan</a:t>
+              <a:rPr lang="en-US" dirty="0" err="1" smtClean="0"/>
+              <a:t>yaz</a:t>
+            </a:r>
+            <a:r>
+              <a:rPr lang="az-Latn-AZ" dirty="0" smtClean="0"/>
+              <a:t>ı</a:t>
+            </a:r>
+            <a:r>
+              <a:rPr lang="en-US" dirty="0" err="1" smtClean="0"/>
+              <a:t>rsan</a:t>
             </a:r>
             <a:r>
               <a:rPr lang="en-US" dirty="0"/>
               <a:t>. </a:t>
             </a:r>
             <a:r>
-              <a:rPr lang="en-US" dirty="0" err="1"/>
-              <a:t>A</a:t>
-            </a:r>
-            <a:r>
-              <a:rPr lang="en-US" dirty="0" err="1" smtClean="0"/>
-              <a:t>yricinin</a:t>
-            </a:r>
-            <a:r>
-              <a:rPr lang="en-US" dirty="0" smtClean="0"/>
-              <a:t> </a:t>
-            </a:r>
-            <a:r>
-              <a:rPr lang="en-US" dirty="0" err="1"/>
-              <a:t>yazilmasi</a:t>
-            </a:r>
-            <a:r>
-              <a:rPr lang="en-US" dirty="0"/>
-              <a:t> </a:t>
-            </a:r>
-            <a:r>
-              <a:rPr lang="en-US" dirty="0" err="1"/>
-              <a:t>sertdi</a:t>
-            </a:r>
-            <a:r>
-              <a:rPr lang="en-US" dirty="0"/>
-              <a:t> </a:t>
-            </a:r>
-            <a:r>
-              <a:rPr lang="en-US" dirty="0" err="1"/>
-              <a:t>ve</a:t>
-            </a:r>
-            <a:r>
-              <a:rPr lang="en-US" dirty="0"/>
-              <a:t> minimum </a:t>
+              <a:rPr lang="en-US" dirty="0" err="1" smtClean="0"/>
+              <a:t>Ayr</a:t>
+            </a:r>
+            <a:r>
+              <a:rPr lang="az-Latn-AZ" dirty="0" smtClean="0"/>
+              <a:t>ı</a:t>
+            </a:r>
+            <a:r>
+              <a:rPr lang="en-US" dirty="0" smtClean="0"/>
+              <a:t>c</a:t>
+            </a:r>
+            <a:r>
+              <a:rPr lang="az-Latn-AZ" dirty="0" smtClean="0"/>
+              <a:t>ı</a:t>
+            </a:r>
+            <a:r>
+              <a:rPr lang="en-US" dirty="0" smtClean="0"/>
+              <a:t>n</a:t>
+            </a:r>
+            <a:r>
+              <a:rPr lang="az-Latn-AZ" dirty="0" smtClean="0"/>
+              <a:t>ı</a:t>
+            </a:r>
+            <a:r>
+              <a:rPr lang="en-US" dirty="0" smtClean="0"/>
+              <a:t>n </a:t>
+            </a:r>
+            <a:r>
+              <a:rPr lang="en-US" dirty="0" err="1" smtClean="0"/>
+              <a:t>yaz</a:t>
+            </a:r>
+            <a:r>
+              <a:rPr lang="az-Latn-AZ" dirty="0" smtClean="0"/>
+              <a:t>ı</a:t>
+            </a:r>
+            <a:r>
+              <a:rPr lang="en-US" dirty="0" err="1" smtClean="0"/>
+              <a:t>lmas</a:t>
+            </a:r>
+            <a:r>
+              <a:rPr lang="az-Latn-AZ" dirty="0" smtClean="0"/>
+              <a:t>ı</a:t>
+            </a:r>
+            <a:r>
+              <a:rPr lang="en-US" dirty="0" smtClean="0"/>
+              <a:t> </a:t>
+            </a:r>
+            <a:r>
+              <a:rPr lang="az-Latn-AZ" dirty="0" smtClean="0"/>
+              <a:t>ş</a:t>
+            </a:r>
+            <a:r>
+              <a:rPr lang="az-Latn-AZ" dirty="0"/>
+              <a:t>ə</a:t>
+            </a:r>
+            <a:r>
+              <a:rPr lang="en-US" dirty="0" err="1" smtClean="0"/>
+              <a:t>rtdi</a:t>
+            </a:r>
+            <a:r>
+              <a:rPr lang="az-Latn-AZ" dirty="0" smtClean="0"/>
+              <a:t>r</a:t>
+            </a:r>
+            <a:r>
+              <a:rPr lang="en-US" dirty="0" smtClean="0"/>
+              <a:t> v</a:t>
+            </a:r>
+            <a:r>
+              <a:rPr lang="az-Latn-AZ" dirty="0" smtClean="0"/>
+              <a:t>ə</a:t>
+            </a:r>
+            <a:r>
+              <a:rPr lang="en-US" dirty="0" smtClean="0"/>
+              <a:t> </a:t>
+            </a:r>
+            <a:r>
+              <a:rPr lang="en-US" dirty="0"/>
+              <a:t>minimum </a:t>
             </a:r>
             <a:r>
               <a:rPr lang="en-US" dirty="0" err="1"/>
@@ -9607,20 +10092,48 @@
               <a:t> argument </a:t>
             </a:r>
             <a:r>
-              <a:rPr lang="en-US" dirty="0" err="1"/>
-              <a:t>olmalidir</a:t>
+              <a:rPr lang="en-US" dirty="0" err="1" smtClean="0"/>
+              <a:t>olmal</a:t>
+            </a:r>
+            <a:r>
+              <a:rPr lang="az-Latn-AZ" dirty="0" smtClean="0"/>
+              <a:t>ı</a:t>
+            </a:r>
+            <a:r>
+              <a:rPr lang="en-US" dirty="0" smtClean="0"/>
+              <a:t>d</a:t>
+            </a:r>
+            <a:r>
+              <a:rPr lang="az-Latn-AZ" dirty="0" smtClean="0"/>
+              <a:t>ı</a:t>
+            </a:r>
+            <a:r>
+              <a:rPr lang="en-US" dirty="0" smtClean="0"/>
+              <a:t>r</a:t>
             </a:r>
             <a:r>
               <a:rPr lang="en-US" dirty="0"/>
               <a:t>. </a:t>
             </a:r>
             <a:r>
-              <a:rPr lang="en-US" dirty="0" err="1"/>
-              <a:t>Diger</a:t>
-            </a:r>
-            <a:r>
-              <a:rPr lang="en-US" dirty="0"/>
-              <a:t> </a:t>
+              <a:rPr lang="en-US" dirty="0" smtClean="0"/>
+              <a:t>D</a:t>
+            </a:r>
+            <a:r>
+              <a:rPr lang="az-Latn-AZ" dirty="0" smtClean="0"/>
+              <a:t>ı</a:t>
+            </a:r>
+            <a:r>
+              <a:rPr lang="en-US" dirty="0" smtClean="0"/>
+              <a:t>g</a:t>
+            </a:r>
+            <a:r>
+              <a:rPr lang="az-Latn-AZ" dirty="0" smtClean="0"/>
+              <a:t>ə</a:t>
+            </a:r>
+            <a:r>
+              <a:rPr lang="en-US" dirty="0" smtClean="0"/>
+              <a:t>r </a:t>
             </a:r>
             <a:r>
               <a:rPr lang="en-US" dirty="0" err="1"/>
@@ -9632,7 +10145,23 @@
             </a:r>
             <a:r>
               <a:rPr lang="en-US" dirty="0" err="1" smtClean="0"/>
-              <a:t>verecek</a:t>
+              <a:t>ver</a:t>
+            </a:r>
+            <a:r>
+              <a:rPr lang="az-Latn-AZ" dirty="0" smtClean="0"/>
+              <a:t>ə</a:t>
+            </a:r>
+            <a:r>
+              <a:rPr lang="en-US" dirty="0" smtClean="0"/>
+              <a:t>c</a:t>
+            </a:r>
+            <a:r>
+              <a:rPr lang="az-Latn-AZ" dirty="0" smtClean="0"/>
+              <a:t>ə</a:t>
+            </a:r>
+            <a:r>
+              <a:rPr lang="en-US" dirty="0" smtClean="0"/>
+              <a:t>k</a:t>
             </a:r>
             <a:endParaRPr lang="en-US" dirty="0" smtClean="0"/>
           </a:p>
@@ -9752,11 +10281,23 @@
             </a:r>
             <a:r>
               <a:rPr lang="az-Latn-AZ" dirty="0" smtClean="0"/>
-              <a:t>ferqli </a:t>
+              <a:t>fərqli </a:t>
             </a:r>
             <a:r>
               <a:rPr lang="az-Latn-AZ" dirty="0"/>
-              <a:t>soundex value-nun ferqini integer formasinda geri qaytarir</a:t>
+              <a:t>soundex value-nun ferqini integer </a:t>
+            </a:r>
+            <a:r>
+              <a:rPr lang="az-Latn-AZ" dirty="0" smtClean="0"/>
+              <a:t>formasında </a:t>
+            </a:r>
+            <a:r>
+              <a:rPr lang="az-Latn-AZ" dirty="0"/>
+              <a:t>geri </a:t>
+            </a:r>
+            <a:r>
+              <a:rPr lang="az-Latn-AZ" dirty="0" smtClean="0"/>
+              <a:t>qaytarır</a:t>
             </a:r>
             <a:r>
               <a:rPr lang="az-Latn-AZ" dirty="0" smtClean="0"/>
@@ -9875,47 +10416,107 @@
             </a:r>
             <a:r>
               <a:rPr lang="az-Latn-AZ" dirty="0"/>
-              <a:t>formasinda date/time ve reqemler string kimi gosterilir. </a:t>
-            </a:r>
-            <a:r>
-              <a:rPr lang="en-US" dirty="0" err="1"/>
-              <a:t>Yeni</a:t>
-            </a:r>
-            <a:r>
-              <a:rPr lang="en-US" dirty="0"/>
-              <a:t> </a:t>
-            </a:r>
-            <a:r>
-              <a:rPr lang="en-US" dirty="0" err="1"/>
-              <a:t>gosterilmek</a:t>
-            </a:r>
-            <a:r>
-              <a:rPr lang="en-US" dirty="0"/>
-              <a:t> </a:t>
-            </a:r>
-            <a:r>
-              <a:rPr lang="en-US" dirty="0" err="1"/>
-              <a:t>istenen</a:t>
-            </a:r>
-            <a:r>
-              <a:rPr lang="en-US" dirty="0"/>
-              <a:t> data-</a:t>
-            </a:r>
-            <a:r>
-              <a:rPr lang="en-US" dirty="0" err="1"/>
-              <a:t>nin</a:t>
-            </a:r>
-            <a:r>
-              <a:rPr lang="en-US" dirty="0"/>
-              <a:t> </a:t>
-            </a:r>
-            <a:r>
-              <a:rPr lang="en-US" dirty="0" err="1"/>
-              <a:t>ferqli</a:t>
-            </a:r>
-            <a:r>
-              <a:rPr lang="en-US" dirty="0"/>
-              <a:t> format-</a:t>
+              <a:t>formasinda date/time </a:t>
+            </a:r>
+            <a:r>
+              <a:rPr lang="az-Latn-AZ" dirty="0" smtClean="0"/>
+              <a:t>və rəqəmlər </a:t>
+            </a:r>
+            <a:r>
+              <a:rPr lang="az-Latn-AZ" dirty="0"/>
+              <a:t>string kimi </a:t>
+            </a:r>
+            <a:r>
+              <a:rPr lang="az-Latn-AZ" dirty="0" smtClean="0"/>
+              <a:t>gösterilir</a:t>
+            </a:r>
+            <a:r>
+              <a:rPr lang="az-Latn-AZ" dirty="0"/>
+              <a:t>. </a:t>
+            </a:r>
+            <a:r>
+              <a:rPr lang="en-US" dirty="0" smtClean="0"/>
+              <a:t>Y</a:t>
+            </a:r>
+            <a:r>
+              <a:rPr lang="az-Latn-AZ" dirty="0" smtClean="0"/>
+              <a:t>ə</a:t>
+            </a:r>
+            <a:r>
+              <a:rPr lang="en-US" dirty="0" err="1" smtClean="0"/>
+              <a:t>ni</a:t>
+            </a:r>
+            <a:r>
+              <a:rPr lang="en-US" dirty="0" smtClean="0"/>
+              <a:t> g</a:t>
+            </a:r>
+            <a:r>
+              <a:rPr lang="az-Latn-AZ" dirty="0" smtClean="0"/>
+              <a:t>ö</a:t>
+            </a:r>
+            <a:r>
+              <a:rPr lang="en-US" dirty="0" err="1" smtClean="0"/>
+              <a:t>st</a:t>
+            </a:r>
+            <a:r>
+              <a:rPr lang="az-Latn-AZ" dirty="0" smtClean="0"/>
+              <a:t>ə</a:t>
+            </a:r>
+            <a:r>
+              <a:rPr lang="en-US" dirty="0" err="1" smtClean="0"/>
+              <a:t>rilm</a:t>
+            </a:r>
+            <a:r>
+              <a:rPr lang="az-Latn-AZ" dirty="0" smtClean="0"/>
+              <a:t>ə</a:t>
+            </a:r>
+            <a:r>
+              <a:rPr lang="en-US" dirty="0" smtClean="0"/>
+              <a:t>k </a:t>
+            </a:r>
+            <a:r>
+              <a:rPr lang="en-US" dirty="0" err="1" smtClean="0"/>
+              <a:t>ist</a:t>
+            </a:r>
+            <a:r>
+              <a:rPr lang="az-Latn-AZ" dirty="0" smtClean="0"/>
+              <a:t>ə</a:t>
+            </a:r>
+            <a:r>
+              <a:rPr lang="en-US" dirty="0" smtClean="0"/>
+              <a:t>n</a:t>
+            </a:r>
+            <a:r>
+              <a:rPr lang="az-Latn-AZ" dirty="0" smtClean="0"/>
+              <a:t>ə</a:t>
+            </a:r>
+            <a:r>
+              <a:rPr lang="en-US" dirty="0" smtClean="0"/>
+              <a:t>n data-n</a:t>
+            </a:r>
+            <a:r>
+              <a:rPr lang="az-Latn-AZ" dirty="0" smtClean="0"/>
+              <a:t>ı</a:t>
+            </a:r>
+            <a:r>
+              <a:rPr lang="en-US" dirty="0" smtClean="0"/>
+              <a:t>n f</a:t>
+            </a:r>
+            <a:r>
+              <a:rPr lang="az-Latn-AZ" dirty="0" smtClean="0"/>
+              <a:t>ə</a:t>
+            </a:r>
+            <a:r>
+              <a:rPr lang="en-US" dirty="0" err="1" smtClean="0"/>
+              <a:t>rqli</a:t>
+            </a:r>
+            <a:r>
+              <a:rPr lang="en-US" dirty="0" smtClean="0"/>
+              <a:t> </a:t>
+            </a:r>
+            <a:r>
+              <a:rPr lang="en-US" dirty="0"/>
+              <a:t>format-</a:t>
             </a:r>
             <a:r>
               <a:rPr lang="en-US" dirty="0" err="1"/>
@@ -9926,19 +10527,31 @@
               <a:t> </a:t>
             </a:r>
             <a:r>
-              <a:rPr lang="en-US" dirty="0" err="1"/>
-              <a:t>gosterilmesinden</a:t>
-            </a:r>
-            <a:r>
-              <a:rPr lang="en-US" dirty="0"/>
-              <a:t> </a:t>
-            </a:r>
-            <a:r>
-              <a:rPr lang="en-US" dirty="0" err="1"/>
-              <a:t>behs</a:t>
-            </a:r>
-            <a:r>
-              <a:rPr lang="en-US" dirty="0"/>
+              <a:rPr lang="en-US" dirty="0" smtClean="0"/>
+              <a:t>g</a:t>
+            </a:r>
+            <a:r>
+              <a:rPr lang="az-Latn-AZ" dirty="0" smtClean="0"/>
+              <a:t>ö</a:t>
+            </a:r>
+            <a:r>
+              <a:rPr lang="en-US" dirty="0" err="1" smtClean="0"/>
+              <a:t>st</a:t>
+            </a:r>
+            <a:r>
+              <a:rPr lang="az-Latn-AZ" dirty="0" smtClean="0"/>
+              <a:t>ə</a:t>
+            </a:r>
+            <a:r>
+              <a:rPr lang="en-US" dirty="0" err="1" smtClean="0"/>
+              <a:t>rilm</a:t>
+            </a:r>
+            <a:r>
+              <a:rPr lang="az-Latn-AZ" dirty="0" smtClean="0"/>
+              <a:t>əyini təmin</a:t>
+            </a:r>
+            <a:r>
+              <a:rPr lang="en-US" dirty="0" smtClean="0"/>
               <a:t> </a:t>
             </a:r>
             <a:r>
@@ -9954,7 +10567,11 @@
           <a:p>
             <a:r>
               <a:rPr lang="en-US" dirty="0" err="1" smtClean="0"/>
-              <a:t>phpMyAdminde</a:t>
+              <a:t>phpMyAdmind</a:t>
+            </a:r>
+            <a:r>
+              <a:rPr lang="az-Latn-AZ" dirty="0" smtClean="0"/>
+              <a:t>ə</a:t>
             </a:r>
             <a:r>
               <a:rPr lang="en-US" dirty="0" smtClean="0"/>
